--- a/Walmart analysis.pptx
+++ b/Walmart analysis.pptx
@@ -5,7 +5,7 @@
     <p:sldMasterId id="2147483660" r:id="rId4"/>
   </p:sldMasterIdLst>
   <p:notesMasterIdLst>
-    <p:notesMasterId r:id="rId10"/>
+    <p:notesMasterId r:id="rId14"/>
   </p:notesMasterIdLst>
   <p:sldIdLst>
     <p:sldId id="264" r:id="rId5"/>
@@ -13,6 +13,10 @@
     <p:sldId id="314" r:id="rId7"/>
     <p:sldId id="315" r:id="rId8"/>
     <p:sldId id="316" r:id="rId9"/>
+    <p:sldId id="318" r:id="rId10"/>
+    <p:sldId id="319" r:id="rId11"/>
+    <p:sldId id="320" r:id="rId12"/>
+    <p:sldId id="321" r:id="rId13"/>
   </p:sldIdLst>
   <p:sldSz cx="12192000" cy="6858000"/>
   <p:notesSz cx="6858000" cy="9144000"/>
@@ -7781,7 +7785,7 @@
         <p:spPr>
           <a:xfrm>
             <a:off x="1771132" y="2091263"/>
-            <a:ext cx="8649738" cy="2590800"/>
+            <a:ext cx="8649738" cy="1764745"/>
           </a:xfrm>
         </p:spPr>
         <p:txBody>
@@ -7791,8 +7795,12 @@
           <a:lstStyle/>
           <a:p>
             <a:r>
-              <a:rPr lang="en-US" sz="6800" u="sng" dirty="0"/>
-              <a:t>Walmart analysis</a:t>
+              <a:rPr lang="en-US" sz="6800" u="sng" dirty="0">
+                <a:latin typeface="Microsoft Himalaya" panose="01010100010101010101" pitchFamily="2" charset="0"/>
+                <a:ea typeface="Microsoft Himalaya" panose="01010100010101010101" pitchFamily="2" charset="0"/>
+                <a:cs typeface="Microsoft Himalaya" panose="01010100010101010101" pitchFamily="2" charset="0"/>
+              </a:rPr>
+              <a:t>Walmart Sales analysis</a:t>
             </a:r>
           </a:p>
         </p:txBody>
@@ -7821,7 +7829,7 @@
         </p:spPr>
         <p:txBody>
           <a:bodyPr>
-            <a:normAutofit/>
+            <a:normAutofit fontScale="85000" lnSpcReduction="10000"/>
           </a:bodyPr>
           <a:lstStyle/>
           <a:p>
@@ -7831,18 +7839,59 @@
               </a:spcAft>
             </a:pPr>
             <a:r>
-              <a:rPr lang="en-US" dirty="0"/>
+              <a:rPr lang="en-US" dirty="0">
+                <a:latin typeface="Calibri" panose="020F0502020204030204" pitchFamily="34" charset="0"/>
+                <a:ea typeface="Calibri" panose="020F0502020204030204" pitchFamily="34" charset="0"/>
+                <a:cs typeface="Calibri" panose="020F0502020204030204" pitchFamily="34" charset="0"/>
+              </a:rPr>
               <a:t>Ajay Thakur (1</a:t>
             </a:r>
             <a:r>
-              <a:rPr lang="en-US" baseline="30000" dirty="0"/>
+              <a:rPr lang="en-US" baseline="30000" dirty="0">
+                <a:latin typeface="Calibri" panose="020F0502020204030204" pitchFamily="34" charset="0"/>
+                <a:ea typeface="Calibri" panose="020F0502020204030204" pitchFamily="34" charset="0"/>
+                <a:cs typeface="Calibri" panose="020F0502020204030204" pitchFamily="34" charset="0"/>
+              </a:rPr>
               <a:t>st</a:t>
             </a:r>
             <a:r>
-              <a:rPr lang="en-US" dirty="0"/>
+              <a:rPr lang="en-US" dirty="0">
+                <a:latin typeface="Calibri" panose="020F0502020204030204" pitchFamily="34" charset="0"/>
+                <a:ea typeface="Calibri" panose="020F0502020204030204" pitchFamily="34" charset="0"/>
+                <a:cs typeface="Calibri" panose="020F0502020204030204" pitchFamily="34" charset="0"/>
+              </a:rPr>
               <a:t> May Batch)</a:t>
             </a:r>
-            <a:endParaRPr lang="en-US" sz="1800" dirty="0"/>
+          </a:p>
+          <a:p>
+            <a:pPr>
+              <a:spcAft>
+                <a:spcPts val="600"/>
+              </a:spcAft>
+            </a:pPr>
+            <a:r>
+              <a:rPr lang="en-US" sz="1800" dirty="0">
+                <a:latin typeface="Calibri" panose="020F0502020204030204" pitchFamily="34" charset="0"/>
+                <a:ea typeface="Calibri" panose="020F0502020204030204" pitchFamily="34" charset="0"/>
+                <a:cs typeface="Calibri" panose="020F0502020204030204" pitchFamily="34" charset="0"/>
+              </a:rPr>
+              <a:t>Video Link:</a:t>
+            </a:r>
+            <a:br>
+              <a:rPr lang="en-US" sz="1800" dirty="0">
+                <a:latin typeface="Calibri" panose="020F0502020204030204" pitchFamily="34" charset="0"/>
+                <a:ea typeface="Calibri" panose="020F0502020204030204" pitchFamily="34" charset="0"/>
+                <a:cs typeface="Calibri" panose="020F0502020204030204" pitchFamily="34" charset="0"/>
+              </a:rPr>
+            </a:br>
+            <a:r>
+              <a:rPr lang="en-US" sz="1800" dirty="0">
+                <a:latin typeface="Calibri" panose="020F0502020204030204" pitchFamily="34" charset="0"/>
+                <a:ea typeface="Calibri" panose="020F0502020204030204" pitchFamily="34" charset="0"/>
+                <a:cs typeface="Calibri" panose="020F0502020204030204" pitchFamily="34" charset="0"/>
+              </a:rPr>
+              <a:t>Project Link:</a:t>
+            </a:r>
           </a:p>
         </p:txBody>
       </p:sp>
@@ -8601,12 +8650,12 @@
           <a:p>
             <a:pPr algn="ctr"/>
             <a:r>
-              <a:rPr lang="en-US" sz="2400" dirty="0">
+              <a:rPr lang="en-US" sz="2800" dirty="0">
                 <a:latin typeface="Segoe UI Variable Display Semil" pitchFamily="2" charset="0"/>
               </a:rPr>
-              <a:t>Identifying the Top Branch by Sales Growth Rate</a:t>
-            </a:r>
-            <a:endParaRPr lang="en-IN" sz="2400" dirty="0">
+              <a:t>Finding the Most Profitable Product Line for Each Branch</a:t>
+            </a:r>
+            <a:endParaRPr lang="en-IN" sz="2800" dirty="0">
               <a:latin typeface="Segoe UI Variable Display Semil" pitchFamily="2" charset="0"/>
             </a:endParaRPr>
           </a:p>
@@ -8630,8 +8679,8 @@
         </p:nvSpPr>
         <p:spPr>
           <a:xfrm>
-            <a:off x="6170762" y="1441432"/>
-            <a:ext cx="5434879" cy="4773974"/>
+            <a:off x="6170762" y="1441431"/>
+            <a:ext cx="5434879" cy="4855851"/>
           </a:xfrm>
         </p:spPr>
         <p:txBody>
@@ -8665,7 +8714,7 @@
                 <a:ea typeface="Calibri" panose="020F0502020204030204" pitchFamily="34" charset="0"/>
                 <a:cs typeface="Calibri" panose="020F0502020204030204" pitchFamily="34" charset="0"/>
               </a:rPr>
-              <a:t>profit margin for all branches and all product lines is exactly 4.76% or 4.77%.</a:t>
+              <a:t>profit margin for all branches and all product lines is exactly same as 4.76%.</a:t>
             </a:r>
           </a:p>
           <a:p>
@@ -8724,22 +8773,6 @@
                 <a:cs typeface="Calibri" panose="020F0502020204030204" pitchFamily="34" charset="0"/>
               </a:rPr>
               <a:t>, which means with formula : </a:t>
-            </a:r>
-            <a:r>
-              <a:rPr lang="en-US" sz="1400" b="1" dirty="0">
-                <a:latin typeface="Calibri" panose="020F0502020204030204" pitchFamily="34" charset="0"/>
-                <a:ea typeface="Calibri" panose="020F0502020204030204" pitchFamily="34" charset="0"/>
-                <a:cs typeface="Calibri" panose="020F0502020204030204" pitchFamily="34" charset="0"/>
-              </a:rPr>
-              <a:t>Gross Income </a:t>
-            </a:r>
-            <a:r>
-              <a:rPr lang="en-US" sz="1400" dirty="0">
-                <a:latin typeface="Calibri" panose="020F0502020204030204" pitchFamily="34" charset="0"/>
-                <a:ea typeface="Calibri" panose="020F0502020204030204" pitchFamily="34" charset="0"/>
-                <a:cs typeface="Calibri" panose="020F0502020204030204" pitchFamily="34" charset="0"/>
-              </a:rPr>
-              <a:t>⇒ </a:t>
             </a:r>
           </a:p>
           <a:p>
@@ -8747,12 +8780,20 @@
               <a:buNone/>
             </a:pPr>
             <a:r>
+              <a:rPr lang="en-US" sz="1400" b="1" dirty="0">
+                <a:latin typeface="Calibri" panose="020F0502020204030204" pitchFamily="34" charset="0"/>
+                <a:ea typeface="Calibri" panose="020F0502020204030204" pitchFamily="34" charset="0"/>
+                <a:cs typeface="Calibri" panose="020F0502020204030204" pitchFamily="34" charset="0"/>
+              </a:rPr>
+              <a:t>Gross Income </a:t>
+            </a:r>
+            <a:r>
               <a:rPr lang="en-US" sz="1400" dirty="0">
                 <a:latin typeface="Calibri" panose="020F0502020204030204" pitchFamily="34" charset="0"/>
                 <a:ea typeface="Calibri" panose="020F0502020204030204" pitchFamily="34" charset="0"/>
                 <a:cs typeface="Calibri" panose="020F0502020204030204" pitchFamily="34" charset="0"/>
               </a:rPr>
-              <a:t>  (Gross Income/total revenue) * 100⇒ Profit Margin gives≈ 5%</a:t>
+              <a:t>⇒ (Gross Income/total revenue) * 100⇒ Profit Margin gives≈ 5%</a:t>
             </a:r>
           </a:p>
           <a:p>
@@ -8782,13 +8823,16 @@
             </a:r>
           </a:p>
           <a:p>
+            <a:pPr marL="0" indent="0">
+              <a:buNone/>
+            </a:pPr>
             <a:r>
               <a:rPr lang="en-US" sz="1400" b="1" dirty="0">
                 <a:latin typeface="Calibri" panose="020F0502020204030204" pitchFamily="34" charset="0"/>
                 <a:ea typeface="Calibri" panose="020F0502020204030204" pitchFamily="34" charset="0"/>
                 <a:cs typeface="Calibri" panose="020F0502020204030204" pitchFamily="34" charset="0"/>
               </a:rPr>
-              <a:t>Food and Beverage</a:t>
+              <a:t> Food and Beverage</a:t>
             </a:r>
             <a:r>
               <a:rPr lang="en-US" sz="1400" dirty="0">
@@ -8836,31 +8880,31 @@
                 <a:ea typeface="Calibri" panose="020F0502020204030204" pitchFamily="34" charset="0"/>
                 <a:cs typeface="Calibri" panose="020F0502020204030204" pitchFamily="34" charset="0"/>
               </a:rPr>
+              <a:t>Home and </a:t>
+            </a:r>
+            <a:r>
+              <a:rPr lang="en-US" sz="1400" b="1" dirty="0" err="1">
+                <a:latin typeface="Calibri" panose="020F0502020204030204" pitchFamily="34" charset="0"/>
+                <a:ea typeface="Calibri" panose="020F0502020204030204" pitchFamily="34" charset="0"/>
+                <a:cs typeface="Calibri" panose="020F0502020204030204" pitchFamily="34" charset="0"/>
+              </a:rPr>
+              <a:t>LifeStyle</a:t>
+            </a:r>
+            <a:r>
+              <a:rPr lang="en-US" sz="1400" dirty="0">
+                <a:latin typeface="Calibri" panose="020F0502020204030204" pitchFamily="34" charset="0"/>
+                <a:ea typeface="Calibri" panose="020F0502020204030204" pitchFamily="34" charset="0"/>
+                <a:cs typeface="Calibri" panose="020F0502020204030204" pitchFamily="34" charset="0"/>
+              </a:rPr>
+              <a:t> and </a:t>
+            </a:r>
+            <a:r>
+              <a:rPr lang="en-US" sz="1400" b="1" dirty="0">
+                <a:latin typeface="Calibri" panose="020F0502020204030204" pitchFamily="34" charset="0"/>
+                <a:ea typeface="Calibri" panose="020F0502020204030204" pitchFamily="34" charset="0"/>
+                <a:cs typeface="Calibri" panose="020F0502020204030204" pitchFamily="34" charset="0"/>
+              </a:rPr>
               <a:t>Fashion accessories</a:t>
-            </a:r>
-            <a:r>
-              <a:rPr lang="en-US" sz="1400" dirty="0">
-                <a:latin typeface="Calibri" panose="020F0502020204030204" pitchFamily="34" charset="0"/>
-                <a:ea typeface="Calibri" panose="020F0502020204030204" pitchFamily="34" charset="0"/>
-                <a:cs typeface="Calibri" panose="020F0502020204030204" pitchFamily="34" charset="0"/>
-              </a:rPr>
-              <a:t> and </a:t>
-            </a:r>
-            <a:r>
-              <a:rPr lang="en-US" sz="1400" b="1" dirty="0">
-                <a:latin typeface="Calibri" panose="020F0502020204030204" pitchFamily="34" charset="0"/>
-                <a:ea typeface="Calibri" panose="020F0502020204030204" pitchFamily="34" charset="0"/>
-                <a:cs typeface="Calibri" panose="020F0502020204030204" pitchFamily="34" charset="0"/>
-              </a:rPr>
-              <a:t>Home and </a:t>
-            </a:r>
-            <a:r>
-              <a:rPr lang="en-US" sz="1400" b="1" dirty="0" err="1">
-                <a:latin typeface="Calibri" panose="020F0502020204030204" pitchFamily="34" charset="0"/>
-                <a:ea typeface="Calibri" panose="020F0502020204030204" pitchFamily="34" charset="0"/>
-                <a:cs typeface="Calibri" panose="020F0502020204030204" pitchFamily="34" charset="0"/>
-              </a:rPr>
-              <a:t>LifeStyle</a:t>
             </a:r>
             <a:r>
               <a:rPr lang="en-US" sz="1400" dirty="0">
@@ -8946,10 +8990,10 @@
       </p:sp>
       <p:pic>
         <p:nvPicPr>
-          <p:cNvPr id="10" name="Content Placeholder 9">
+          <p:cNvPr id="14" name="Content Placeholder 13">
             <a:extLst>
               <a:ext uri="{FF2B5EF4-FFF2-40B4-BE49-F238E27FC236}">
-                <a16:creationId xmlns:a16="http://schemas.microsoft.com/office/drawing/2014/main" id="{D9B9C634-78F2-0EB8-8D55-01A757F46CFC}"/>
+                <a16:creationId xmlns:a16="http://schemas.microsoft.com/office/drawing/2014/main" id="{A59B3977-2B49-53B1-F86A-28A60EC697B7}"/>
               </a:ext>
             </a:extLst>
           </p:cNvPr>
@@ -8968,8 +9012,8 @@
         </p:blipFill>
         <p:spPr>
           <a:xfrm>
-            <a:off x="586359" y="1441432"/>
-            <a:ext cx="5434879" cy="4773974"/>
+            <a:off x="698740" y="1441431"/>
+            <a:ext cx="5063705" cy="4773975"/>
           </a:xfrm>
         </p:spPr>
       </p:pic>
@@ -9036,7 +9080,7 @@
               <a:rPr lang="en-US" sz="2400" dirty="0">
                 <a:latin typeface="Segoe UI Variable Display Semil" pitchFamily="2" charset="0"/>
               </a:rPr>
-              <a:t>Identifying the Top Branch by Sales Growth Rate</a:t>
+              <a:t>Analyzing Customer Segmentation Based on Spending</a:t>
             </a:r>
             <a:endParaRPr lang="en-IN" sz="2400" dirty="0">
               <a:latin typeface="Segoe UI Variable Display Semil" pitchFamily="2" charset="0"/>
@@ -9063,7 +9107,7 @@
         <p:spPr>
           <a:xfrm>
             <a:off x="6170762" y="1441432"/>
-            <a:ext cx="5434879" cy="4773974"/>
+            <a:ext cx="5434879" cy="4709202"/>
           </a:xfrm>
         </p:spPr>
         <p:txBody>
@@ -9074,7 +9118,7 @@
           <a:p>
             <a:pPr algn="ctr"/>
             <a:r>
-              <a:rPr lang="en-US" sz="1400" b="1" u="sng" dirty="0">
+              <a:rPr lang="en-US" sz="1300" b="1" u="sng" dirty="0">
                 <a:latin typeface="Calibri" panose="020F0502020204030204" pitchFamily="34" charset="0"/>
                 <a:ea typeface="Calibri" panose="020F0502020204030204" pitchFamily="34" charset="0"/>
                 <a:cs typeface="Calibri" panose="020F0502020204030204" pitchFamily="34" charset="0"/>
@@ -9084,94 +9128,68 @@
           </a:p>
           <a:p>
             <a:r>
-              <a:rPr lang="en-US" sz="1400" dirty="0">
-                <a:latin typeface="Calibri" panose="020F0502020204030204" pitchFamily="34" charset="0"/>
-                <a:ea typeface="Calibri" panose="020F0502020204030204" pitchFamily="34" charset="0"/>
-                <a:cs typeface="Calibri" panose="020F0502020204030204" pitchFamily="34" charset="0"/>
-              </a:rPr>
-              <a:t>The </a:t>
-            </a:r>
-            <a:r>
-              <a:rPr lang="en-US" sz="1400" b="1" dirty="0">
-                <a:latin typeface="Calibri" panose="020F0502020204030204" pitchFamily="34" charset="0"/>
-                <a:ea typeface="Calibri" panose="020F0502020204030204" pitchFamily="34" charset="0"/>
-                <a:cs typeface="Calibri" panose="020F0502020204030204" pitchFamily="34" charset="0"/>
-              </a:rPr>
-              <a:t>profit margin for all branches and all product lines is exactly 4.76% or 4.77%.</a:t>
-            </a:r>
-          </a:p>
-          <a:p>
-            <a:r>
-              <a:rPr lang="en-US" sz="1400" dirty="0">
-                <a:latin typeface="Calibri" panose="020F0502020204030204" pitchFamily="34" charset="0"/>
-                <a:ea typeface="Calibri" panose="020F0502020204030204" pitchFamily="34" charset="0"/>
-                <a:cs typeface="Calibri" panose="020F0502020204030204" pitchFamily="34" charset="0"/>
-              </a:rPr>
-              <a:t>This</a:t>
-            </a:r>
-            <a:r>
-              <a:rPr lang="en-US" sz="1400" b="1" dirty="0">
-                <a:latin typeface="Calibri" panose="020F0502020204030204" pitchFamily="34" charset="0"/>
-                <a:ea typeface="Calibri" panose="020F0502020204030204" pitchFamily="34" charset="0"/>
-                <a:cs typeface="Calibri" panose="020F0502020204030204" pitchFamily="34" charset="0"/>
-              </a:rPr>
-              <a:t> </a:t>
-            </a:r>
-            <a:r>
-              <a:rPr lang="en-US" sz="1400" dirty="0">
-                <a:latin typeface="Calibri" panose="020F0502020204030204" pitchFamily="34" charset="0"/>
-                <a:ea typeface="Calibri" panose="020F0502020204030204" pitchFamily="34" charset="0"/>
-                <a:cs typeface="Calibri" panose="020F0502020204030204" pitchFamily="34" charset="0"/>
-              </a:rPr>
-              <a:t>is because in the dataset, </a:t>
-            </a:r>
-            <a:r>
-              <a:rPr lang="en-US" sz="1400" b="1" dirty="0">
-                <a:latin typeface="Calibri" panose="020F0502020204030204" pitchFamily="34" charset="0"/>
-                <a:ea typeface="Calibri" panose="020F0502020204030204" pitchFamily="34" charset="0"/>
-                <a:cs typeface="Calibri" panose="020F0502020204030204" pitchFamily="34" charset="0"/>
-              </a:rPr>
-              <a:t>Gross Income is fixed at 5% of Totals </a:t>
-            </a:r>
-            <a:r>
-              <a:rPr lang="en-US" sz="1400" dirty="0">
-                <a:latin typeface="Calibri" panose="020F0502020204030204" pitchFamily="34" charset="0"/>
-                <a:ea typeface="Calibri" panose="020F0502020204030204" pitchFamily="34" charset="0"/>
-                <a:cs typeface="Calibri" panose="020F0502020204030204" pitchFamily="34" charset="0"/>
-              </a:rPr>
-              <a:t>Same as </a:t>
-            </a:r>
-            <a:r>
-              <a:rPr lang="en-US" sz="1400" b="1" dirty="0">
-                <a:latin typeface="Calibri" panose="020F0502020204030204" pitchFamily="34" charset="0"/>
-                <a:ea typeface="Calibri" panose="020F0502020204030204" pitchFamily="34" charset="0"/>
-                <a:cs typeface="Calibri" panose="020F0502020204030204" pitchFamily="34" charset="0"/>
-              </a:rPr>
-              <a:t>TAX 5%</a:t>
-            </a:r>
-            <a:r>
-              <a:rPr lang="en-US" sz="1400" dirty="0">
-                <a:latin typeface="Calibri" panose="020F0502020204030204" pitchFamily="34" charset="0"/>
-                <a:ea typeface="Calibri" panose="020F0502020204030204" pitchFamily="34" charset="0"/>
-                <a:cs typeface="Calibri" panose="020F0502020204030204" pitchFamily="34" charset="0"/>
-              </a:rPr>
-              <a:t>, which means with formula : </a:t>
-            </a:r>
-            <a:r>
-              <a:rPr lang="en-US" sz="1400" b="1" dirty="0">
-                <a:latin typeface="Calibri" panose="020F0502020204030204" pitchFamily="34" charset="0"/>
-                <a:ea typeface="Calibri" panose="020F0502020204030204" pitchFamily="34" charset="0"/>
-                <a:cs typeface="Calibri" panose="020F0502020204030204" pitchFamily="34" charset="0"/>
-              </a:rPr>
-              <a:t>Gross Income </a:t>
-            </a:r>
-            <a:r>
-              <a:rPr lang="en-US" sz="1400" dirty="0">
-                <a:latin typeface="Calibri" panose="020F0502020204030204" pitchFamily="34" charset="0"/>
-                <a:ea typeface="Calibri" panose="020F0502020204030204" pitchFamily="34" charset="0"/>
-                <a:cs typeface="Calibri" panose="020F0502020204030204" pitchFamily="34" charset="0"/>
-              </a:rPr>
-              <a:t>⇒ </a:t>
+              <a:rPr lang="en-US" sz="1300" dirty="0">
+                <a:latin typeface="Calibri" panose="020F0502020204030204" pitchFamily="34" charset="0"/>
+                <a:ea typeface="Calibri" panose="020F0502020204030204" pitchFamily="34" charset="0"/>
+                <a:cs typeface="Calibri" panose="020F0502020204030204" pitchFamily="34" charset="0"/>
+              </a:rPr>
+              <a:t>Customers have been classified into </a:t>
+            </a:r>
+            <a:r>
+              <a:rPr lang="en-US" sz="1300" b="1" dirty="0">
+                <a:latin typeface="Calibri" panose="020F0502020204030204" pitchFamily="34" charset="0"/>
+                <a:ea typeface="Calibri" panose="020F0502020204030204" pitchFamily="34" charset="0"/>
+                <a:cs typeface="Calibri" panose="020F0502020204030204" pitchFamily="34" charset="0"/>
+              </a:rPr>
+              <a:t>High</a:t>
+            </a:r>
+            <a:r>
+              <a:rPr lang="en-US" sz="1300" dirty="0">
+                <a:latin typeface="Calibri" panose="020F0502020204030204" pitchFamily="34" charset="0"/>
+                <a:ea typeface="Calibri" panose="020F0502020204030204" pitchFamily="34" charset="0"/>
+                <a:cs typeface="Calibri" panose="020F0502020204030204" pitchFamily="34" charset="0"/>
+              </a:rPr>
+              <a:t>, </a:t>
+            </a:r>
+            <a:r>
+              <a:rPr lang="en-US" sz="1300" b="1" dirty="0">
+                <a:latin typeface="Calibri" panose="020F0502020204030204" pitchFamily="34" charset="0"/>
+                <a:ea typeface="Calibri" panose="020F0502020204030204" pitchFamily="34" charset="0"/>
+                <a:cs typeface="Calibri" panose="020F0502020204030204" pitchFamily="34" charset="0"/>
+              </a:rPr>
+              <a:t>Medium</a:t>
+            </a:r>
+            <a:r>
+              <a:rPr lang="en-US" sz="1300" dirty="0">
+                <a:latin typeface="Calibri" panose="020F0502020204030204" pitchFamily="34" charset="0"/>
+                <a:ea typeface="Calibri" panose="020F0502020204030204" pitchFamily="34" charset="0"/>
+                <a:cs typeface="Calibri" panose="020F0502020204030204" pitchFamily="34" charset="0"/>
+              </a:rPr>
+              <a:t>, and </a:t>
+            </a:r>
+            <a:r>
+              <a:rPr lang="en-US" sz="1300" b="1" dirty="0">
+                <a:latin typeface="Calibri" panose="020F0502020204030204" pitchFamily="34" charset="0"/>
+                <a:ea typeface="Calibri" panose="020F0502020204030204" pitchFamily="34" charset="0"/>
+                <a:cs typeface="Calibri" panose="020F0502020204030204" pitchFamily="34" charset="0"/>
+              </a:rPr>
+              <a:t>Low</a:t>
+            </a:r>
+            <a:r>
+              <a:rPr lang="en-US" sz="1300" dirty="0">
+                <a:latin typeface="Calibri" panose="020F0502020204030204" pitchFamily="34" charset="0"/>
+                <a:ea typeface="Calibri" panose="020F0502020204030204" pitchFamily="34" charset="0"/>
+                <a:cs typeface="Calibri" panose="020F0502020204030204" pitchFamily="34" charset="0"/>
+              </a:rPr>
+              <a:t> spending segments using total purchase value </a:t>
+            </a:r>
+            <a:r>
+              <a:rPr lang="en-US" sz="1300" b="1" dirty="0">
+                <a:latin typeface="Calibri" panose="020F0502020204030204" pitchFamily="34" charset="0"/>
+                <a:ea typeface="Calibri" panose="020F0502020204030204" pitchFamily="34" charset="0"/>
+                <a:cs typeface="Calibri" panose="020F0502020204030204" pitchFamily="34" charset="0"/>
+              </a:rPr>
+              <a:t>.</a:t>
             </a:r>
           </a:p>
           <a:p>
@@ -9179,99 +9197,88 @@
               <a:buNone/>
             </a:pPr>
             <a:r>
-              <a:rPr lang="en-US" sz="1400" dirty="0">
-                <a:latin typeface="Calibri" panose="020F0502020204030204" pitchFamily="34" charset="0"/>
-                <a:ea typeface="Calibri" panose="020F0502020204030204" pitchFamily="34" charset="0"/>
-                <a:cs typeface="Calibri" panose="020F0502020204030204" pitchFamily="34" charset="0"/>
-              </a:rPr>
-              <a:t>  (Gross Income/total revenue) * 100⇒ Profit Margin gives≈ 5%</a:t>
-            </a:r>
-          </a:p>
-          <a:p>
-            <a:r>
-              <a:rPr lang="en-US" sz="1400" dirty="0">
-                <a:latin typeface="Calibri" panose="020F0502020204030204" pitchFamily="34" charset="0"/>
-                <a:ea typeface="Calibri" panose="020F0502020204030204" pitchFamily="34" charset="0"/>
-                <a:cs typeface="Calibri" panose="020F0502020204030204" pitchFamily="34" charset="0"/>
-              </a:rPr>
-              <a:t>However, </a:t>
-            </a:r>
-            <a:r>
-              <a:rPr lang="en-US" sz="1400" b="1" dirty="0">
-                <a:latin typeface="Calibri" panose="020F0502020204030204" pitchFamily="34" charset="0"/>
-                <a:ea typeface="Calibri" panose="020F0502020204030204" pitchFamily="34" charset="0"/>
-                <a:cs typeface="Calibri" panose="020F0502020204030204" pitchFamily="34" charset="0"/>
-              </a:rPr>
-              <a:t>gross income </a:t>
-            </a:r>
-            <a:r>
-              <a:rPr lang="en-US" sz="1400" dirty="0">
-                <a:latin typeface="Calibri" panose="020F0502020204030204" pitchFamily="34" charset="0"/>
-                <a:ea typeface="Calibri" panose="020F0502020204030204" pitchFamily="34" charset="0"/>
-                <a:cs typeface="Calibri" panose="020F0502020204030204" pitchFamily="34" charset="0"/>
-              </a:rPr>
-              <a:t>varies across branches and product lines: </a:t>
-            </a:r>
-          </a:p>
-          <a:p>
-            <a:r>
-              <a:rPr lang="en-US" sz="1400" b="1" dirty="0">
-                <a:latin typeface="Calibri" panose="020F0502020204030204" pitchFamily="34" charset="0"/>
-                <a:ea typeface="Calibri" panose="020F0502020204030204" pitchFamily="34" charset="0"/>
-                <a:cs typeface="Calibri" panose="020F0502020204030204" pitchFamily="34" charset="0"/>
-              </a:rPr>
-              <a:t>Food and Beverage</a:t>
-            </a:r>
-            <a:r>
-              <a:rPr lang="en-US" sz="1400" dirty="0">
-                <a:latin typeface="Calibri" panose="020F0502020204030204" pitchFamily="34" charset="0"/>
-                <a:ea typeface="Calibri" panose="020F0502020204030204" pitchFamily="34" charset="0"/>
-                <a:cs typeface="Calibri" panose="020F0502020204030204" pitchFamily="34" charset="0"/>
-              </a:rPr>
-              <a:t> in </a:t>
-            </a:r>
-            <a:r>
-              <a:rPr lang="en-US" sz="1400" b="1" dirty="0">
-                <a:latin typeface="Calibri" panose="020F0502020204030204" pitchFamily="34" charset="0"/>
-                <a:ea typeface="Calibri" panose="020F0502020204030204" pitchFamily="34" charset="0"/>
-                <a:cs typeface="Calibri" panose="020F0502020204030204" pitchFamily="34" charset="0"/>
-              </a:rPr>
-              <a:t>Branch C</a:t>
-            </a:r>
-            <a:r>
-              <a:rPr lang="en-US" sz="1400" dirty="0">
-                <a:latin typeface="Calibri" panose="020F0502020204030204" pitchFamily="34" charset="0"/>
-                <a:ea typeface="Calibri" panose="020F0502020204030204" pitchFamily="34" charset="0"/>
-                <a:cs typeface="Calibri" panose="020F0502020204030204" pitchFamily="34" charset="0"/>
-              </a:rPr>
-              <a:t> generated the </a:t>
-            </a:r>
-            <a:r>
-              <a:rPr lang="en-US" sz="1400" b="1" dirty="0">
-                <a:latin typeface="Calibri" panose="020F0502020204030204" pitchFamily="34" charset="0"/>
-                <a:ea typeface="Calibri" panose="020F0502020204030204" pitchFamily="34" charset="0"/>
-                <a:cs typeface="Calibri" panose="020F0502020204030204" pitchFamily="34" charset="0"/>
-              </a:rPr>
-              <a:t>highest gross income</a:t>
-            </a:r>
-            <a:r>
-              <a:rPr lang="en-US" sz="1400" dirty="0">
-                <a:latin typeface="Calibri" panose="020F0502020204030204" pitchFamily="34" charset="0"/>
-                <a:ea typeface="Calibri" panose="020F0502020204030204" pitchFamily="34" charset="0"/>
-                <a:cs typeface="Calibri" panose="020F0502020204030204" pitchFamily="34" charset="0"/>
-              </a:rPr>
-              <a:t> (1132), followed by </a:t>
-            </a:r>
-            <a:r>
-              <a:rPr lang="en-US" sz="1400" b="1" dirty="0">
-                <a:latin typeface="Calibri" panose="020F0502020204030204" pitchFamily="34" charset="0"/>
-                <a:ea typeface="Calibri" panose="020F0502020204030204" pitchFamily="34" charset="0"/>
-                <a:cs typeface="Calibri" panose="020F0502020204030204" pitchFamily="34" charset="0"/>
-              </a:rPr>
-              <a:t>Fashion accessories</a:t>
-            </a:r>
-            <a:r>
-              <a:rPr lang="en-US" sz="1400" dirty="0">
+              <a:rPr lang="en-US" sz="1300" b="1" dirty="0">
+                <a:latin typeface="Calibri" panose="020F0502020204030204" pitchFamily="34" charset="0"/>
+                <a:ea typeface="Calibri" panose="020F0502020204030204" pitchFamily="34" charset="0"/>
+                <a:cs typeface="Calibri" panose="020F0502020204030204" pitchFamily="34" charset="0"/>
+              </a:rPr>
+              <a:t>     High Spenders</a:t>
+            </a:r>
+            <a:r>
+              <a:rPr lang="en-US" sz="1300" dirty="0">
+                <a:latin typeface="Calibri" panose="020F0502020204030204" pitchFamily="34" charset="0"/>
+                <a:ea typeface="Calibri" panose="020F0502020204030204" pitchFamily="34" charset="0"/>
+                <a:cs typeface="Calibri" panose="020F0502020204030204" pitchFamily="34" charset="0"/>
+              </a:rPr>
+              <a:t>: Customers with spending above 105%.</a:t>
+            </a:r>
+          </a:p>
+          <a:p>
+            <a:pPr marL="0" indent="0">
+              <a:buNone/>
+            </a:pPr>
+            <a:r>
+              <a:rPr lang="en-US" sz="1300" b="1" dirty="0">
+                <a:latin typeface="Calibri" panose="020F0502020204030204" pitchFamily="34" charset="0"/>
+                <a:ea typeface="Calibri" panose="020F0502020204030204" pitchFamily="34" charset="0"/>
+                <a:cs typeface="Calibri" panose="020F0502020204030204" pitchFamily="34" charset="0"/>
+              </a:rPr>
+              <a:t>     Medium Spenders</a:t>
+            </a:r>
+            <a:r>
+              <a:rPr lang="en-US" sz="1300" dirty="0">
+                <a:latin typeface="Calibri" panose="020F0502020204030204" pitchFamily="34" charset="0"/>
+                <a:ea typeface="Calibri" panose="020F0502020204030204" pitchFamily="34" charset="0"/>
+                <a:cs typeface="Calibri" panose="020F0502020204030204" pitchFamily="34" charset="0"/>
+              </a:rPr>
+              <a:t>: Customers between average (95% - 105%).</a:t>
+            </a:r>
+          </a:p>
+          <a:p>
+            <a:pPr marL="0" indent="0">
+              <a:buNone/>
+            </a:pPr>
+            <a:r>
+              <a:rPr lang="en-US" sz="1300" b="1" dirty="0">
+                <a:latin typeface="Calibri" panose="020F0502020204030204" pitchFamily="34" charset="0"/>
+                <a:ea typeface="Calibri" panose="020F0502020204030204" pitchFamily="34" charset="0"/>
+                <a:cs typeface="Calibri" panose="020F0502020204030204" pitchFamily="34" charset="0"/>
+              </a:rPr>
+              <a:t>     Low Spenders</a:t>
+            </a:r>
+            <a:r>
+              <a:rPr lang="en-US" sz="1300" dirty="0">
+                <a:latin typeface="Calibri" panose="020F0502020204030204" pitchFamily="34" charset="0"/>
+                <a:ea typeface="Calibri" panose="020F0502020204030204" pitchFamily="34" charset="0"/>
+                <a:cs typeface="Calibri" panose="020F0502020204030204" pitchFamily="34" charset="0"/>
+              </a:rPr>
+              <a:t>: Significantly below average ( under 95%).</a:t>
+            </a:r>
+            <a:endParaRPr lang="en-US" sz="1300" b="1" dirty="0">
+              <a:latin typeface="Calibri" panose="020F0502020204030204" pitchFamily="34" charset="0"/>
+              <a:ea typeface="Calibri" panose="020F0502020204030204" pitchFamily="34" charset="0"/>
+              <a:cs typeface="Calibri" panose="020F0502020204030204" pitchFamily="34" charset="0"/>
+            </a:endParaRPr>
+          </a:p>
+          <a:p>
+            <a:r>
+              <a:rPr lang="en-US" sz="1300" dirty="0">
+                <a:latin typeface="Calibri" panose="020F0502020204030204" pitchFamily="34" charset="0"/>
+                <a:ea typeface="Calibri" panose="020F0502020204030204" pitchFamily="34" charset="0"/>
+                <a:cs typeface="Calibri" panose="020F0502020204030204" pitchFamily="34" charset="0"/>
+              </a:rPr>
+              <a:t>Most customers fall under </a:t>
+            </a:r>
+            <a:r>
+              <a:rPr lang="en-US" sz="1300" b="1" dirty="0">
+                <a:latin typeface="Calibri" panose="020F0502020204030204" pitchFamily="34" charset="0"/>
+                <a:ea typeface="Calibri" panose="020F0502020204030204" pitchFamily="34" charset="0"/>
+                <a:cs typeface="Calibri" panose="020F0502020204030204" pitchFamily="34" charset="0"/>
+              </a:rPr>
+              <a:t>Medium</a:t>
+            </a:r>
+            <a:r>
+              <a:rPr lang="en-US" sz="1300" dirty="0">
                 <a:latin typeface="Calibri" panose="020F0502020204030204" pitchFamily="34" charset="0"/>
                 <a:ea typeface="Calibri" panose="020F0502020204030204" pitchFamily="34" charset="0"/>
                 <a:cs typeface="Calibri" panose="020F0502020204030204" pitchFamily="34" charset="0"/>
@@ -9279,34 +9286,63 @@
               <a:t> and </a:t>
             </a:r>
             <a:r>
-              <a:rPr lang="en-US" sz="1400" b="1" dirty="0">
-                <a:latin typeface="Calibri" panose="020F0502020204030204" pitchFamily="34" charset="0"/>
-                <a:ea typeface="Calibri" panose="020F0502020204030204" pitchFamily="34" charset="0"/>
-                <a:cs typeface="Calibri" panose="020F0502020204030204" pitchFamily="34" charset="0"/>
-              </a:rPr>
-              <a:t>Home and </a:t>
-            </a:r>
-            <a:r>
-              <a:rPr lang="en-US" sz="1400" b="1" dirty="0" err="1">
-                <a:latin typeface="Calibri" panose="020F0502020204030204" pitchFamily="34" charset="0"/>
-                <a:ea typeface="Calibri" panose="020F0502020204030204" pitchFamily="34" charset="0"/>
-                <a:cs typeface="Calibri" panose="020F0502020204030204" pitchFamily="34" charset="0"/>
-              </a:rPr>
-              <a:t>LifeStyle</a:t>
-            </a:r>
-            <a:r>
-              <a:rPr lang="en-US" sz="1400" dirty="0">
-                <a:latin typeface="Calibri" panose="020F0502020204030204" pitchFamily="34" charset="0"/>
-                <a:ea typeface="Calibri" panose="020F0502020204030204" pitchFamily="34" charset="0"/>
-                <a:cs typeface="Calibri" panose="020F0502020204030204" pitchFamily="34" charset="0"/>
-              </a:rPr>
-              <a:t> in other branches.</a:t>
-            </a:r>
+              <a:rPr lang="en-US" sz="1300" b="1" dirty="0">
+                <a:latin typeface="Calibri" panose="020F0502020204030204" pitchFamily="34" charset="0"/>
+                <a:ea typeface="Calibri" panose="020F0502020204030204" pitchFamily="34" charset="0"/>
+                <a:cs typeface="Calibri" panose="020F0502020204030204" pitchFamily="34" charset="0"/>
+              </a:rPr>
+              <a:t>Low</a:t>
+            </a:r>
+            <a:r>
+              <a:rPr lang="en-US" sz="1300" dirty="0">
+                <a:latin typeface="Calibri" panose="020F0502020204030204" pitchFamily="34" charset="0"/>
+                <a:ea typeface="Calibri" panose="020F0502020204030204" pitchFamily="34" charset="0"/>
+                <a:cs typeface="Calibri" panose="020F0502020204030204" pitchFamily="34" charset="0"/>
+              </a:rPr>
+              <a:t> segments, while few are </a:t>
+            </a:r>
+            <a:r>
+              <a:rPr lang="en-US" sz="1300" b="1" dirty="0">
+                <a:latin typeface="Calibri" panose="020F0502020204030204" pitchFamily="34" charset="0"/>
+                <a:ea typeface="Calibri" panose="020F0502020204030204" pitchFamily="34" charset="0"/>
+                <a:cs typeface="Calibri" panose="020F0502020204030204" pitchFamily="34" charset="0"/>
+              </a:rPr>
+              <a:t>High spenders</a:t>
+            </a:r>
+            <a:r>
+              <a:rPr lang="en-US" sz="1300" dirty="0">
+                <a:latin typeface="Calibri" panose="020F0502020204030204" pitchFamily="34" charset="0"/>
+                <a:ea typeface="Calibri" panose="020F0502020204030204" pitchFamily="34" charset="0"/>
+                <a:cs typeface="Calibri" panose="020F0502020204030204" pitchFamily="34" charset="0"/>
+              </a:rPr>
+              <a:t>—Contribute a </a:t>
+            </a:r>
+            <a:r>
+              <a:rPr lang="en-US" sz="1300" b="1" dirty="0">
+                <a:latin typeface="Calibri" panose="020F0502020204030204" pitchFamily="34" charset="0"/>
+                <a:ea typeface="Calibri" panose="020F0502020204030204" pitchFamily="34" charset="0"/>
+                <a:cs typeface="Calibri" panose="020F0502020204030204" pitchFamily="34" charset="0"/>
+              </a:rPr>
+              <a:t>significant share of total revenue</a:t>
+            </a:r>
+            <a:r>
+              <a:rPr lang="en-US" sz="1300" dirty="0">
+                <a:latin typeface="Calibri" panose="020F0502020204030204" pitchFamily="34" charset="0"/>
+                <a:ea typeface="Calibri" panose="020F0502020204030204" pitchFamily="34" charset="0"/>
+                <a:cs typeface="Calibri" panose="020F0502020204030204" pitchFamily="34" charset="0"/>
+              </a:rPr>
+              <a:t>, exceeding ₹23,000+ (Customer ID 8 ,3 and 2 with highest ).</a:t>
+            </a:r>
+            <a:endParaRPr lang="en-US" sz="1300" b="1" dirty="0">
+              <a:latin typeface="Calibri" panose="020F0502020204030204" pitchFamily="34" charset="0"/>
+              <a:ea typeface="Calibri" panose="020F0502020204030204" pitchFamily="34" charset="0"/>
+              <a:cs typeface="Calibri" panose="020F0502020204030204" pitchFamily="34" charset="0"/>
+            </a:endParaRPr>
           </a:p>
           <a:p>
             <a:pPr algn="ctr"/>
             <a:r>
-              <a:rPr lang="en-IN" sz="1400" b="1" u="sng" dirty="0">
+              <a:rPr lang="en-IN" sz="1300" b="1" u="sng" dirty="0">
                 <a:latin typeface="Calibri" panose="020F0502020204030204" pitchFamily="34" charset="0"/>
                 <a:ea typeface="Calibri" panose="020F0502020204030204" pitchFamily="34" charset="0"/>
                 <a:cs typeface="Calibri" panose="020F0502020204030204" pitchFamily="34" charset="0"/>
@@ -9316,72 +9352,242 @@
           </a:p>
           <a:p>
             <a:r>
-              <a:rPr lang="en-US" sz="1400" dirty="0">
-                <a:latin typeface="Calibri" panose="020F0502020204030204" pitchFamily="34" charset="0"/>
-                <a:ea typeface="Calibri" panose="020F0502020204030204" pitchFamily="34" charset="0"/>
-                <a:cs typeface="Calibri" panose="020F0502020204030204" pitchFamily="34" charset="0"/>
-              </a:rPr>
-              <a:t>Focus on product lines like </a:t>
-            </a:r>
-            <a:r>
-              <a:rPr lang="en-US" sz="1400" b="1" dirty="0">
-                <a:latin typeface="Calibri" panose="020F0502020204030204" pitchFamily="34" charset="0"/>
-                <a:ea typeface="Calibri" panose="020F0502020204030204" pitchFamily="34" charset="0"/>
-                <a:cs typeface="Calibri" panose="020F0502020204030204" pitchFamily="34" charset="0"/>
-              </a:rPr>
-              <a:t>Food and Beverage, Home and Lifestyle, and Fashion Accessories</a:t>
-            </a:r>
-            <a:r>
-              <a:rPr lang="en-US" sz="1400" dirty="0">
-                <a:latin typeface="Calibri" panose="020F0502020204030204" pitchFamily="34" charset="0"/>
-                <a:ea typeface="Calibri" panose="020F0502020204030204" pitchFamily="34" charset="0"/>
-                <a:cs typeface="Calibri" panose="020F0502020204030204" pitchFamily="34" charset="0"/>
-              </a:rPr>
-              <a:t>, which bring the highest </a:t>
-            </a:r>
-            <a:r>
-              <a:rPr lang="en-US" sz="1400" b="1" dirty="0">
-                <a:latin typeface="Calibri" panose="020F0502020204030204" pitchFamily="34" charset="0"/>
-                <a:ea typeface="Calibri" panose="020F0502020204030204" pitchFamily="34" charset="0"/>
-                <a:cs typeface="Calibri" panose="020F0502020204030204" pitchFamily="34" charset="0"/>
-              </a:rPr>
-              <a:t>gross income</a:t>
-            </a:r>
-            <a:r>
-              <a:rPr lang="en-US" sz="1400" dirty="0">
-                <a:latin typeface="Calibri" panose="020F0502020204030204" pitchFamily="34" charset="0"/>
-                <a:ea typeface="Calibri" panose="020F0502020204030204" pitchFamily="34" charset="0"/>
-                <a:cs typeface="Calibri" panose="020F0502020204030204" pitchFamily="34" charset="0"/>
-              </a:rPr>
-              <a:t>..</a:t>
-            </a:r>
-          </a:p>
-          <a:p>
-            <a:r>
-              <a:rPr lang="en-US" sz="1400" b="1" dirty="0">
-                <a:latin typeface="Calibri" panose="020F0502020204030204" pitchFamily="34" charset="0"/>
-                <a:ea typeface="Calibri" panose="020F0502020204030204" pitchFamily="34" charset="0"/>
-                <a:cs typeface="Calibri" panose="020F0502020204030204" pitchFamily="34" charset="0"/>
-              </a:rPr>
-              <a:t>Promote best-performing categories</a:t>
-            </a:r>
-            <a:r>
-              <a:rPr lang="en-US" sz="1400" dirty="0">
-                <a:latin typeface="Calibri" panose="020F0502020204030204" pitchFamily="34" charset="0"/>
-                <a:ea typeface="Calibri" panose="020F0502020204030204" pitchFamily="34" charset="0"/>
-                <a:cs typeface="Calibri" panose="020F0502020204030204" pitchFamily="34" charset="0"/>
-              </a:rPr>
-              <a:t> based on gross income instead of margin.</a:t>
+              <a:rPr lang="en-US" sz="1300" dirty="0">
+                <a:latin typeface="Calibri" panose="020F0502020204030204" pitchFamily="34" charset="0"/>
+                <a:ea typeface="Calibri" panose="020F0502020204030204" pitchFamily="34" charset="0"/>
+                <a:cs typeface="Calibri" panose="020F0502020204030204" pitchFamily="34" charset="0"/>
+              </a:rPr>
+              <a:t>Customers with </a:t>
+            </a:r>
+            <a:r>
+              <a:rPr lang="en-US" sz="1300" b="1" dirty="0">
+                <a:latin typeface="Calibri" panose="020F0502020204030204" pitchFamily="34" charset="0"/>
+                <a:ea typeface="Calibri" panose="020F0502020204030204" pitchFamily="34" charset="0"/>
+                <a:cs typeface="Calibri" panose="020F0502020204030204" pitchFamily="34" charset="0"/>
+              </a:rPr>
+              <a:t>high spends</a:t>
+            </a:r>
+            <a:r>
+              <a:rPr lang="en-US" sz="1300" dirty="0">
+                <a:latin typeface="Calibri" panose="020F0502020204030204" pitchFamily="34" charset="0"/>
+                <a:ea typeface="Calibri" panose="020F0502020204030204" pitchFamily="34" charset="0"/>
+                <a:cs typeface="Calibri" panose="020F0502020204030204" pitchFamily="34" charset="0"/>
+              </a:rPr>
+              <a:t>—Retain them through </a:t>
+            </a:r>
+            <a:r>
+              <a:rPr lang="en-US" sz="1300" b="1" dirty="0">
+                <a:latin typeface="Calibri" panose="020F0502020204030204" pitchFamily="34" charset="0"/>
+                <a:ea typeface="Calibri" panose="020F0502020204030204" pitchFamily="34" charset="0"/>
+                <a:cs typeface="Calibri" panose="020F0502020204030204" pitchFamily="34" charset="0"/>
+              </a:rPr>
+              <a:t>loyalty</a:t>
+            </a:r>
+            <a:r>
+              <a:rPr lang="en-US" sz="1300" dirty="0">
+                <a:latin typeface="Calibri" panose="020F0502020204030204" pitchFamily="34" charset="0"/>
+                <a:ea typeface="Calibri" panose="020F0502020204030204" pitchFamily="34" charset="0"/>
+                <a:cs typeface="Calibri" panose="020F0502020204030204" pitchFamily="34" charset="0"/>
+              </a:rPr>
+              <a:t> </a:t>
+            </a:r>
+            <a:r>
+              <a:rPr lang="en-US" sz="1300" b="1" dirty="0">
+                <a:latin typeface="Calibri" panose="020F0502020204030204" pitchFamily="34" charset="0"/>
+                <a:ea typeface="Calibri" panose="020F0502020204030204" pitchFamily="34" charset="0"/>
+                <a:cs typeface="Calibri" panose="020F0502020204030204" pitchFamily="34" charset="0"/>
+              </a:rPr>
+              <a:t>rewards</a:t>
+            </a:r>
+            <a:r>
+              <a:rPr lang="en-US" sz="1300" dirty="0">
+                <a:latin typeface="Calibri" panose="020F0502020204030204" pitchFamily="34" charset="0"/>
+                <a:ea typeface="Calibri" panose="020F0502020204030204" pitchFamily="34" charset="0"/>
+                <a:cs typeface="Calibri" panose="020F0502020204030204" pitchFamily="34" charset="0"/>
+              </a:rPr>
+              <a:t>, </a:t>
+            </a:r>
+            <a:r>
+              <a:rPr lang="en-US" sz="1300" b="1" dirty="0">
+                <a:latin typeface="Calibri" panose="020F0502020204030204" pitchFamily="34" charset="0"/>
+                <a:ea typeface="Calibri" panose="020F0502020204030204" pitchFamily="34" charset="0"/>
+                <a:cs typeface="Calibri" panose="020F0502020204030204" pitchFamily="34" charset="0"/>
+              </a:rPr>
+              <a:t>exclusive offers</a:t>
+            </a:r>
+            <a:r>
+              <a:rPr lang="en-US" sz="1300" dirty="0">
+                <a:latin typeface="Calibri" panose="020F0502020204030204" pitchFamily="34" charset="0"/>
+                <a:ea typeface="Calibri" panose="020F0502020204030204" pitchFamily="34" charset="0"/>
+                <a:cs typeface="Calibri" panose="020F0502020204030204" pitchFamily="34" charset="0"/>
+              </a:rPr>
+              <a:t>, and </a:t>
+            </a:r>
+            <a:r>
+              <a:rPr lang="en-US" sz="1300" b="1" dirty="0">
+                <a:latin typeface="Calibri" panose="020F0502020204030204" pitchFamily="34" charset="0"/>
+                <a:ea typeface="Calibri" panose="020F0502020204030204" pitchFamily="34" charset="0"/>
+                <a:cs typeface="Calibri" panose="020F0502020204030204" pitchFamily="34" charset="0"/>
+              </a:rPr>
+              <a:t>early sale access </a:t>
+            </a:r>
+            <a:r>
+              <a:rPr lang="en-US" sz="1300" dirty="0">
+                <a:latin typeface="Calibri" panose="020F0502020204030204" pitchFamily="34" charset="0"/>
+                <a:ea typeface="Calibri" panose="020F0502020204030204" pitchFamily="34" charset="0"/>
+                <a:cs typeface="Calibri" panose="020F0502020204030204" pitchFamily="34" charset="0"/>
+              </a:rPr>
+              <a:t>to boost long-term engagement.</a:t>
+            </a:r>
+          </a:p>
+          <a:p>
+            <a:r>
+              <a:rPr lang="en-US" sz="1300" b="1" dirty="0">
+                <a:latin typeface="Calibri" panose="020F0502020204030204" pitchFamily="34" charset="0"/>
+                <a:ea typeface="Calibri" panose="020F0502020204030204" pitchFamily="34" charset="0"/>
+                <a:cs typeface="Calibri" panose="020F0502020204030204" pitchFamily="34" charset="0"/>
+              </a:rPr>
+              <a:t>Medium Spenders (</a:t>
+            </a:r>
+            <a:r>
+              <a:rPr lang="en-US" sz="1300" dirty="0">
+                <a:latin typeface="Calibri" panose="020F0502020204030204" pitchFamily="34" charset="0"/>
+                <a:ea typeface="Calibri" panose="020F0502020204030204" pitchFamily="34" charset="0"/>
+                <a:cs typeface="Calibri" panose="020F0502020204030204" pitchFamily="34" charset="0"/>
+              </a:rPr>
+              <a:t>Potential high spenders</a:t>
+            </a:r>
+            <a:r>
+              <a:rPr lang="en-US" sz="1300" b="1" dirty="0">
+                <a:latin typeface="Calibri" panose="020F0502020204030204" pitchFamily="34" charset="0"/>
+                <a:ea typeface="Calibri" panose="020F0502020204030204" pitchFamily="34" charset="0"/>
+                <a:cs typeface="Calibri" panose="020F0502020204030204" pitchFamily="34" charset="0"/>
+              </a:rPr>
+              <a:t>)</a:t>
+            </a:r>
+            <a:r>
+              <a:rPr lang="en-US" sz="1300" dirty="0">
+                <a:latin typeface="Calibri" panose="020F0502020204030204" pitchFamily="34" charset="0"/>
+                <a:ea typeface="Calibri" panose="020F0502020204030204" pitchFamily="34" charset="0"/>
+                <a:cs typeface="Calibri" panose="020F0502020204030204" pitchFamily="34" charset="0"/>
+              </a:rPr>
+              <a:t>. Offer them </a:t>
+            </a:r>
+            <a:r>
+              <a:rPr lang="en-US" sz="1300" b="1" dirty="0">
+                <a:latin typeface="Calibri" panose="020F0502020204030204" pitchFamily="34" charset="0"/>
+                <a:ea typeface="Calibri" panose="020F0502020204030204" pitchFamily="34" charset="0"/>
+                <a:cs typeface="Calibri" panose="020F0502020204030204" pitchFamily="34" charset="0"/>
+              </a:rPr>
+              <a:t>tier-up discounts</a:t>
+            </a:r>
+            <a:r>
+              <a:rPr lang="en-US" sz="1300" dirty="0">
+                <a:latin typeface="Calibri" panose="020F0502020204030204" pitchFamily="34" charset="0"/>
+                <a:ea typeface="Calibri" panose="020F0502020204030204" pitchFamily="34" charset="0"/>
+                <a:cs typeface="Calibri" panose="020F0502020204030204" pitchFamily="34" charset="0"/>
+              </a:rPr>
+              <a:t> or </a:t>
+            </a:r>
+            <a:r>
+              <a:rPr lang="en-US" sz="1300" b="1" dirty="0">
+                <a:latin typeface="Calibri" panose="020F0502020204030204" pitchFamily="34" charset="0"/>
+                <a:ea typeface="Calibri" panose="020F0502020204030204" pitchFamily="34" charset="0"/>
+                <a:cs typeface="Calibri" panose="020F0502020204030204" pitchFamily="34" charset="0"/>
+              </a:rPr>
+              <a:t>cashback on larger orders</a:t>
+            </a:r>
+            <a:r>
+              <a:rPr lang="en-US" sz="1300" dirty="0">
+                <a:latin typeface="Calibri" panose="020F0502020204030204" pitchFamily="34" charset="0"/>
+                <a:ea typeface="Calibri" panose="020F0502020204030204" pitchFamily="34" charset="0"/>
+                <a:cs typeface="Calibri" panose="020F0502020204030204" pitchFamily="34" charset="0"/>
+              </a:rPr>
+              <a:t> to motivate higher purchases.</a:t>
+            </a:r>
+          </a:p>
+          <a:p>
+            <a:r>
+              <a:rPr lang="en-US" sz="1300" dirty="0">
+                <a:latin typeface="Calibri" panose="020F0502020204030204" pitchFamily="34" charset="0"/>
+                <a:ea typeface="Calibri" panose="020F0502020204030204" pitchFamily="34" charset="0"/>
+                <a:cs typeface="Calibri" panose="020F0502020204030204" pitchFamily="34" charset="0"/>
+              </a:rPr>
+              <a:t>For </a:t>
+            </a:r>
+            <a:r>
+              <a:rPr lang="en-US" sz="1300" b="1" dirty="0">
+                <a:latin typeface="Calibri" panose="020F0502020204030204" pitchFamily="34" charset="0"/>
+                <a:ea typeface="Calibri" panose="020F0502020204030204" pitchFamily="34" charset="0"/>
+                <a:cs typeface="Calibri" panose="020F0502020204030204" pitchFamily="34" charset="0"/>
+              </a:rPr>
+              <a:t>Low Spenders </a:t>
+            </a:r>
+            <a:r>
+              <a:rPr lang="en-US" sz="1300" dirty="0">
+                <a:latin typeface="Calibri" panose="020F0502020204030204" pitchFamily="34" charset="0"/>
+                <a:ea typeface="Calibri" panose="020F0502020204030204" pitchFamily="34" charset="0"/>
+                <a:cs typeface="Calibri" panose="020F0502020204030204" pitchFamily="34" charset="0"/>
+              </a:rPr>
+              <a:t>Sending targeted </a:t>
+            </a:r>
+            <a:r>
+              <a:rPr lang="en-US" sz="1300" b="1" dirty="0">
+                <a:latin typeface="Calibri" panose="020F0502020204030204" pitchFamily="34" charset="0"/>
+                <a:ea typeface="Calibri" panose="020F0502020204030204" pitchFamily="34" charset="0"/>
+                <a:cs typeface="Calibri" panose="020F0502020204030204" pitchFamily="34" charset="0"/>
+              </a:rPr>
+              <a:t>engagement emails</a:t>
+            </a:r>
+            <a:r>
+              <a:rPr lang="en-US" sz="1300" dirty="0">
+                <a:latin typeface="Calibri" panose="020F0502020204030204" pitchFamily="34" charset="0"/>
+                <a:ea typeface="Calibri" panose="020F0502020204030204" pitchFamily="34" charset="0"/>
+                <a:cs typeface="Calibri" panose="020F0502020204030204" pitchFamily="34" charset="0"/>
+              </a:rPr>
+              <a:t>, </a:t>
+            </a:r>
+            <a:r>
+              <a:rPr lang="en-US" sz="1300" b="1" dirty="0">
+                <a:latin typeface="Calibri" panose="020F0502020204030204" pitchFamily="34" charset="0"/>
+                <a:ea typeface="Calibri" panose="020F0502020204030204" pitchFamily="34" charset="0"/>
+                <a:cs typeface="Calibri" panose="020F0502020204030204" pitchFamily="34" charset="0"/>
+              </a:rPr>
+              <a:t>reminders</a:t>
+            </a:r>
+            <a:r>
+              <a:rPr lang="en-US" sz="1300" dirty="0">
+                <a:latin typeface="Calibri" panose="020F0502020204030204" pitchFamily="34" charset="0"/>
+                <a:ea typeface="Calibri" panose="020F0502020204030204" pitchFamily="34" charset="0"/>
+                <a:cs typeface="Calibri" panose="020F0502020204030204" pitchFamily="34" charset="0"/>
+              </a:rPr>
+              <a:t>, or </a:t>
+            </a:r>
+            <a:r>
+              <a:rPr lang="en-US" sz="1300" b="1" dirty="0">
+                <a:latin typeface="Calibri" panose="020F0502020204030204" pitchFamily="34" charset="0"/>
+                <a:ea typeface="Calibri" panose="020F0502020204030204" pitchFamily="34" charset="0"/>
+                <a:cs typeface="Calibri" panose="020F0502020204030204" pitchFamily="34" charset="0"/>
+              </a:rPr>
+              <a:t>low-budget bundle deals</a:t>
+            </a:r>
+            <a:r>
+              <a:rPr lang="en-US" sz="1300" dirty="0">
+                <a:latin typeface="Calibri" panose="020F0502020204030204" pitchFamily="34" charset="0"/>
+                <a:ea typeface="Calibri" panose="020F0502020204030204" pitchFamily="34" charset="0"/>
+                <a:cs typeface="Calibri" panose="020F0502020204030204" pitchFamily="34" charset="0"/>
+              </a:rPr>
+              <a:t> to bring them back into the buying cycle</a:t>
             </a:r>
           </a:p>
         </p:txBody>
       </p:sp>
       <p:pic>
         <p:nvPicPr>
-          <p:cNvPr id="10" name="Content Placeholder 9">
+          <p:cNvPr id="18" name="Content Placeholder 17">
             <a:extLst>
               <a:ext uri="{FF2B5EF4-FFF2-40B4-BE49-F238E27FC236}">
-                <a16:creationId xmlns:a16="http://schemas.microsoft.com/office/drawing/2014/main" id="{D9B9C634-78F2-0EB8-8D55-01A757F46CFC}"/>
+                <a16:creationId xmlns:a16="http://schemas.microsoft.com/office/drawing/2014/main" id="{923C5F8D-3AB9-5B06-951B-EC2555D19A94}"/>
               </a:ext>
             </a:extLst>
           </p:cNvPr>
@@ -9400,8 +9606,8 @@
         </p:blipFill>
         <p:spPr>
           <a:xfrm>
-            <a:off x="586359" y="1441432"/>
-            <a:ext cx="5434879" cy="4773974"/>
+            <a:off x="586360" y="1441431"/>
+            <a:ext cx="5144516" cy="4709202"/>
           </a:xfrm>
         </p:spPr>
       </p:pic>
@@ -9409,6 +9615,1489 @@
     <p:extLst>
       <p:ext uri="{BB962C8B-B14F-4D97-AF65-F5344CB8AC3E}">
         <p14:creationId xmlns:p14="http://schemas.microsoft.com/office/powerpoint/2010/main" val="3947622482"/>
+      </p:ext>
+    </p:extLst>
+  </p:cSld>
+  <p:clrMapOvr>
+    <a:masterClrMapping/>
+  </p:clrMapOvr>
+</p:sld>
+</file>
+
+<file path=ppt/slides/slide6.xml><?xml version="1.0" encoding="utf-8"?>
+<p:sld xmlns:a="http://schemas.openxmlformats.org/drawingml/2006/main" xmlns:r="http://schemas.openxmlformats.org/officeDocument/2006/relationships" xmlns:p="http://schemas.openxmlformats.org/presentationml/2006/main">
+  <p:cSld>
+    <p:spTree>
+      <p:nvGrpSpPr>
+        <p:cNvPr id="1" name=""/>
+        <p:cNvGrpSpPr/>
+        <p:nvPr/>
+      </p:nvGrpSpPr>
+      <p:grpSpPr>
+        <a:xfrm>
+          <a:off x="0" y="0"/>
+          <a:ext cx="0" cy="0"/>
+          <a:chOff x="0" y="0"/>
+          <a:chExt cx="0" cy="0"/>
+        </a:xfrm>
+      </p:grpSpPr>
+      <p:sp>
+        <p:nvSpPr>
+          <p:cNvPr id="2" name="Title 1">
+            <a:extLst>
+              <a:ext uri="{FF2B5EF4-FFF2-40B4-BE49-F238E27FC236}">
+                <a16:creationId xmlns:a16="http://schemas.microsoft.com/office/drawing/2014/main" id="{90824DD4-78E1-4E31-11C1-365BA5E75C04}"/>
+              </a:ext>
+            </a:extLst>
+          </p:cNvPr>
+          <p:cNvSpPr>
+            <a:spLocks noGrp="1"/>
+          </p:cNvSpPr>
+          <p:nvPr>
+            <p:ph type="title"/>
+          </p:nvPr>
+        </p:nvSpPr>
+        <p:spPr>
+          <a:xfrm>
+            <a:off x="1066800" y="642594"/>
+            <a:ext cx="10058400" cy="478840"/>
+          </a:xfrm>
+        </p:spPr>
+        <p:txBody>
+          <a:bodyPr>
+            <a:normAutofit/>
+          </a:bodyPr>
+          <a:lstStyle/>
+          <a:p>
+            <a:pPr algn="ctr"/>
+            <a:r>
+              <a:rPr lang="en-US" sz="2400" dirty="0">
+                <a:latin typeface="Segoe UI Variable Display Semil" pitchFamily="2" charset="0"/>
+              </a:rPr>
+              <a:t>Detecting Anomalies in Sales Transactions</a:t>
+            </a:r>
+            <a:endParaRPr lang="en-IN" sz="2400" dirty="0">
+              <a:latin typeface="Segoe UI Variable Display Semil" pitchFamily="2" charset="0"/>
+            </a:endParaRPr>
+          </a:p>
+        </p:txBody>
+      </p:sp>
+      <p:sp>
+        <p:nvSpPr>
+          <p:cNvPr id="4" name="Content Placeholder 3">
+            <a:extLst>
+              <a:ext uri="{FF2B5EF4-FFF2-40B4-BE49-F238E27FC236}">
+                <a16:creationId xmlns:a16="http://schemas.microsoft.com/office/drawing/2014/main" id="{BF035CD8-47EC-3E70-F199-07A4DB29D834}"/>
+              </a:ext>
+            </a:extLst>
+          </p:cNvPr>
+          <p:cNvSpPr>
+            <a:spLocks noGrp="1"/>
+          </p:cNvSpPr>
+          <p:nvPr>
+            <p:ph sz="half" idx="2"/>
+          </p:nvPr>
+        </p:nvSpPr>
+        <p:spPr>
+          <a:xfrm>
+            <a:off x="6170762" y="1441432"/>
+            <a:ext cx="5434879" cy="4709202"/>
+          </a:xfrm>
+        </p:spPr>
+        <p:txBody>
+          <a:bodyPr>
+            <a:normAutofit/>
+          </a:bodyPr>
+          <a:lstStyle/>
+          <a:p>
+            <a:pPr algn="ctr"/>
+            <a:r>
+              <a:rPr lang="en-US" sz="1300" b="1" u="sng" dirty="0">
+                <a:latin typeface="Calibri" panose="020F0502020204030204" pitchFamily="34" charset="0"/>
+                <a:ea typeface="Calibri" panose="020F0502020204030204" pitchFamily="34" charset="0"/>
+                <a:cs typeface="Calibri" panose="020F0502020204030204" pitchFamily="34" charset="0"/>
+              </a:rPr>
+              <a:t>INSIGHTS</a:t>
+            </a:r>
+          </a:p>
+          <a:p>
+            <a:r>
+              <a:rPr lang="en-US" sz="1400" dirty="0">
+                <a:latin typeface="Calibri" panose="020F0502020204030204" pitchFamily="34" charset="0"/>
+                <a:ea typeface="Calibri" panose="020F0502020204030204" pitchFamily="34" charset="0"/>
+                <a:cs typeface="Calibri" panose="020F0502020204030204" pitchFamily="34" charset="0"/>
+              </a:rPr>
+              <a:t>Some transactions in the “</a:t>
+            </a:r>
+            <a:r>
+              <a:rPr lang="en-US" sz="1400" b="1" dirty="0">
+                <a:latin typeface="Calibri" panose="020F0502020204030204" pitchFamily="34" charset="0"/>
+                <a:ea typeface="Calibri" panose="020F0502020204030204" pitchFamily="34" charset="0"/>
+                <a:cs typeface="Calibri" panose="020F0502020204030204" pitchFamily="34" charset="0"/>
+              </a:rPr>
+              <a:t>Sports and travel and” </a:t>
+            </a:r>
+            <a:r>
+              <a:rPr lang="en-US" sz="1400" dirty="0">
+                <a:latin typeface="Calibri" panose="020F0502020204030204" pitchFamily="34" charset="0"/>
+                <a:ea typeface="Calibri" panose="020F0502020204030204" pitchFamily="34" charset="0"/>
+                <a:cs typeface="Calibri" panose="020F0502020204030204" pitchFamily="34" charset="0"/>
+              </a:rPr>
+              <a:t>and</a:t>
+            </a:r>
+            <a:r>
+              <a:rPr lang="en-US" sz="1400" b="1" dirty="0">
+                <a:latin typeface="Calibri" panose="020F0502020204030204" pitchFamily="34" charset="0"/>
+                <a:ea typeface="Calibri" panose="020F0502020204030204" pitchFamily="34" charset="0"/>
+                <a:cs typeface="Calibri" panose="020F0502020204030204" pitchFamily="34" charset="0"/>
+              </a:rPr>
+              <a:t> “Fashion accessories "</a:t>
+            </a:r>
+            <a:r>
+              <a:rPr lang="en-US" sz="1400" dirty="0">
+                <a:latin typeface="Calibri" panose="020F0502020204030204" pitchFamily="34" charset="0"/>
+                <a:ea typeface="Calibri" panose="020F0502020204030204" pitchFamily="34" charset="0"/>
+                <a:cs typeface="Calibri" panose="020F0502020204030204" pitchFamily="34" charset="0"/>
+              </a:rPr>
+              <a:t> product line show extremely </a:t>
+            </a:r>
+            <a:r>
+              <a:rPr lang="en-US" sz="1400" b="1" dirty="0">
+                <a:latin typeface="Calibri" panose="020F0502020204030204" pitchFamily="34" charset="0"/>
+                <a:ea typeface="Calibri" panose="020F0502020204030204" pitchFamily="34" charset="0"/>
+                <a:cs typeface="Calibri" panose="020F0502020204030204" pitchFamily="34" charset="0"/>
+              </a:rPr>
+              <a:t>as</a:t>
+            </a:r>
+            <a:r>
+              <a:rPr lang="en-US" sz="1400" dirty="0">
+                <a:latin typeface="Calibri" panose="020F0502020204030204" pitchFamily="34" charset="0"/>
+                <a:ea typeface="Calibri" panose="020F0502020204030204" pitchFamily="34" charset="0"/>
+                <a:cs typeface="Calibri" panose="020F0502020204030204" pitchFamily="34" charset="0"/>
+              </a:rPr>
+              <a:t> </a:t>
+            </a:r>
+            <a:r>
+              <a:rPr lang="en-US" sz="1400" b="1" dirty="0">
+                <a:latin typeface="Calibri" panose="020F0502020204030204" pitchFamily="34" charset="0"/>
+                <a:ea typeface="Calibri" panose="020F0502020204030204" pitchFamily="34" charset="0"/>
+                <a:cs typeface="Calibri" panose="020F0502020204030204" pitchFamily="34" charset="0"/>
+              </a:rPr>
+              <a:t>low (₹10)</a:t>
+            </a:r>
+            <a:r>
+              <a:rPr lang="en-US" sz="1400" dirty="0">
+                <a:latin typeface="Calibri" panose="020F0502020204030204" pitchFamily="34" charset="0"/>
+                <a:ea typeface="Calibri" panose="020F0502020204030204" pitchFamily="34" charset="0"/>
+                <a:cs typeface="Calibri" panose="020F0502020204030204" pitchFamily="34" charset="0"/>
+              </a:rPr>
+              <a:t> or </a:t>
+            </a:r>
+            <a:r>
+              <a:rPr lang="en-US" sz="1400" b="1" dirty="0">
+                <a:latin typeface="Calibri" panose="020F0502020204030204" pitchFamily="34" charset="0"/>
+                <a:ea typeface="Calibri" panose="020F0502020204030204" pitchFamily="34" charset="0"/>
+                <a:cs typeface="Calibri" panose="020F0502020204030204" pitchFamily="34" charset="0"/>
+              </a:rPr>
+              <a:t>high as (₹1000+)</a:t>
+            </a:r>
+          </a:p>
+          <a:p>
+            <a:r>
+              <a:rPr lang="en-US" sz="1400" b="1" dirty="0">
+                <a:latin typeface="Calibri" panose="020F0502020204030204" pitchFamily="34" charset="0"/>
+                <a:ea typeface="Calibri" panose="020F0502020204030204" pitchFamily="34" charset="0"/>
+                <a:cs typeface="Calibri" panose="020F0502020204030204" pitchFamily="34" charset="0"/>
+              </a:rPr>
+              <a:t>Normal</a:t>
+            </a:r>
+            <a:r>
+              <a:rPr lang="en-US" sz="1400" dirty="0">
+                <a:latin typeface="Calibri" panose="020F0502020204030204" pitchFamily="34" charset="0"/>
+                <a:ea typeface="Calibri" panose="020F0502020204030204" pitchFamily="34" charset="0"/>
+                <a:cs typeface="Calibri" panose="020F0502020204030204" pitchFamily="34" charset="0"/>
+              </a:rPr>
+              <a:t> Anomalies lies under range between 200 to 400 (Average of Total spend)</a:t>
+            </a:r>
+            <a:endParaRPr lang="en-US" sz="1300" dirty="0">
+              <a:latin typeface="Calibri" panose="020F0502020204030204" pitchFamily="34" charset="0"/>
+              <a:ea typeface="Calibri" panose="020F0502020204030204" pitchFamily="34" charset="0"/>
+              <a:cs typeface="Calibri" panose="020F0502020204030204" pitchFamily="34" charset="0"/>
+            </a:endParaRPr>
+          </a:p>
+          <a:p>
+            <a:r>
+              <a:rPr lang="en-US" sz="1400" dirty="0">
+                <a:latin typeface="Calibri" panose="020F0502020204030204" pitchFamily="34" charset="0"/>
+                <a:ea typeface="Calibri" panose="020F0502020204030204" pitchFamily="34" charset="0"/>
+                <a:cs typeface="Calibri" panose="020F0502020204030204" pitchFamily="34" charset="0"/>
+              </a:rPr>
+              <a:t>Customers like </a:t>
+            </a:r>
+            <a:r>
+              <a:rPr lang="en-US" sz="1400" b="1" dirty="0">
+                <a:latin typeface="Calibri" panose="020F0502020204030204" pitchFamily="34" charset="0"/>
+                <a:ea typeface="Calibri" panose="020F0502020204030204" pitchFamily="34" charset="0"/>
+                <a:cs typeface="Calibri" panose="020F0502020204030204" pitchFamily="34" charset="0"/>
+              </a:rPr>
+              <a:t>High Spenders, </a:t>
+            </a:r>
+            <a:r>
+              <a:rPr lang="en-US" sz="1400" dirty="0">
+                <a:latin typeface="Calibri" panose="020F0502020204030204" pitchFamily="34" charset="0"/>
+                <a:ea typeface="Calibri" panose="020F0502020204030204" pitchFamily="34" charset="0"/>
+                <a:cs typeface="Calibri" panose="020F0502020204030204" pitchFamily="34" charset="0"/>
+              </a:rPr>
+              <a:t>possibly indicating bulk purchases or loyal, high-value buyers.</a:t>
+            </a:r>
+          </a:p>
+          <a:p>
+            <a:pPr algn="ctr"/>
+            <a:r>
+              <a:rPr lang="en-IN" sz="1300" b="1" u="sng" dirty="0">
+                <a:latin typeface="Calibri" panose="020F0502020204030204" pitchFamily="34" charset="0"/>
+                <a:ea typeface="Calibri" panose="020F0502020204030204" pitchFamily="34" charset="0"/>
+                <a:cs typeface="Calibri" panose="020F0502020204030204" pitchFamily="34" charset="0"/>
+              </a:rPr>
+              <a:t>RECOMMENDATIONS</a:t>
+            </a:r>
+          </a:p>
+          <a:p>
+            <a:r>
+              <a:rPr lang="en-US" sz="1400" dirty="0">
+                <a:latin typeface="Calibri" panose="020F0502020204030204" pitchFamily="34" charset="0"/>
+                <a:ea typeface="Calibri" panose="020F0502020204030204" pitchFamily="34" charset="0"/>
+                <a:cs typeface="Calibri" panose="020F0502020204030204" pitchFamily="34" charset="0"/>
+              </a:rPr>
+              <a:t>Offer loyalty programs or premium services to customers with consistently high spends to retain them.</a:t>
+            </a:r>
+            <a:endParaRPr lang="en-US" sz="1300" dirty="0">
+              <a:latin typeface="Calibri" panose="020F0502020204030204" pitchFamily="34" charset="0"/>
+              <a:ea typeface="Calibri" panose="020F0502020204030204" pitchFamily="34" charset="0"/>
+              <a:cs typeface="Calibri" panose="020F0502020204030204" pitchFamily="34" charset="0"/>
+            </a:endParaRPr>
+          </a:p>
+          <a:p>
+            <a:r>
+              <a:rPr lang="en-US" sz="1400" dirty="0">
+                <a:latin typeface="Calibri" panose="020F0502020204030204" pitchFamily="34" charset="0"/>
+                <a:ea typeface="Calibri" panose="020F0502020204030204" pitchFamily="34" charset="0"/>
+                <a:cs typeface="Calibri" panose="020F0502020204030204" pitchFamily="34" charset="0"/>
+              </a:rPr>
+              <a:t>Create </a:t>
+            </a:r>
+            <a:r>
+              <a:rPr lang="en-US" sz="1400" b="1" dirty="0">
+                <a:latin typeface="Calibri" panose="020F0502020204030204" pitchFamily="34" charset="0"/>
+                <a:ea typeface="Calibri" panose="020F0502020204030204" pitchFamily="34" charset="0"/>
+                <a:cs typeface="Calibri" panose="020F0502020204030204" pitchFamily="34" charset="0"/>
+              </a:rPr>
+              <a:t>custom offers</a:t>
+            </a:r>
+            <a:r>
+              <a:rPr lang="en-US" sz="1400" dirty="0">
+                <a:latin typeface="Calibri" panose="020F0502020204030204" pitchFamily="34" charset="0"/>
+                <a:ea typeface="Calibri" panose="020F0502020204030204" pitchFamily="34" charset="0"/>
+                <a:cs typeface="Calibri" panose="020F0502020204030204" pitchFamily="34" charset="0"/>
+              </a:rPr>
+              <a:t> for customers with lower-than-average purchases to boost their spend, potentially </a:t>
+            </a:r>
+            <a:r>
+              <a:rPr lang="en-US" sz="1400" b="1" dirty="0">
+                <a:latin typeface="Calibri" panose="020F0502020204030204" pitchFamily="34" charset="0"/>
+                <a:ea typeface="Calibri" panose="020F0502020204030204" pitchFamily="34" charset="0"/>
+                <a:cs typeface="Calibri" panose="020F0502020204030204" pitchFamily="34" charset="0"/>
+              </a:rPr>
+              <a:t>shifting them into the normal or high-spend segment</a:t>
+            </a:r>
+            <a:endParaRPr lang="en-US" sz="1300" b="1" dirty="0">
+              <a:latin typeface="Calibri" panose="020F0502020204030204" pitchFamily="34" charset="0"/>
+              <a:ea typeface="Calibri" panose="020F0502020204030204" pitchFamily="34" charset="0"/>
+              <a:cs typeface="Calibri" panose="020F0502020204030204" pitchFamily="34" charset="0"/>
+            </a:endParaRPr>
+          </a:p>
+        </p:txBody>
+      </p:sp>
+      <p:pic>
+        <p:nvPicPr>
+          <p:cNvPr id="11" name="Content Placeholder 10">
+            <a:extLst>
+              <a:ext uri="{FF2B5EF4-FFF2-40B4-BE49-F238E27FC236}">
+                <a16:creationId xmlns:a16="http://schemas.microsoft.com/office/drawing/2014/main" id="{780A7529-9661-82E5-1E7C-5133BACE69FC}"/>
+              </a:ext>
+            </a:extLst>
+          </p:cNvPr>
+          <p:cNvPicPr>
+            <a:picLocks noGrp="1" noChangeAspect="1"/>
+          </p:cNvPicPr>
+          <p:nvPr>
+            <p:ph sz="half" idx="1"/>
+          </p:nvPr>
+        </p:nvPicPr>
+        <p:blipFill>
+          <a:blip r:embed="rId2"/>
+          <a:stretch>
+            <a:fillRect/>
+          </a:stretch>
+        </p:blipFill>
+        <p:spPr>
+          <a:xfrm>
+            <a:off x="845390" y="1121434"/>
+            <a:ext cx="4773342" cy="2875114"/>
+          </a:xfrm>
+        </p:spPr>
+      </p:pic>
+      <p:pic>
+        <p:nvPicPr>
+          <p:cNvPr id="7" name="Picture 6">
+            <a:extLst>
+              <a:ext uri="{FF2B5EF4-FFF2-40B4-BE49-F238E27FC236}">
+                <a16:creationId xmlns:a16="http://schemas.microsoft.com/office/drawing/2014/main" id="{1707603D-DC7A-258C-AC0B-2C12D1913AE3}"/>
+              </a:ext>
+            </a:extLst>
+          </p:cNvPr>
+          <p:cNvPicPr>
+            <a:picLocks noChangeAspect="1"/>
+          </p:cNvPicPr>
+          <p:nvPr/>
+        </p:nvPicPr>
+        <p:blipFill>
+          <a:blip r:embed="rId3"/>
+          <a:stretch>
+            <a:fillRect/>
+          </a:stretch>
+        </p:blipFill>
+        <p:spPr>
+          <a:xfrm>
+            <a:off x="507531" y="4052929"/>
+            <a:ext cx="2724530" cy="2162477"/>
+          </a:xfrm>
+          <a:prstGeom prst="rect">
+            <a:avLst/>
+          </a:prstGeom>
+        </p:spPr>
+      </p:pic>
+      <p:pic>
+        <p:nvPicPr>
+          <p:cNvPr id="9" name="Picture 8">
+            <a:extLst>
+              <a:ext uri="{FF2B5EF4-FFF2-40B4-BE49-F238E27FC236}">
+                <a16:creationId xmlns:a16="http://schemas.microsoft.com/office/drawing/2014/main" id="{33DAB8A0-9534-E782-B43C-84809D9CAA94}"/>
+              </a:ext>
+            </a:extLst>
+          </p:cNvPr>
+          <p:cNvPicPr>
+            <a:picLocks noChangeAspect="1"/>
+          </p:cNvPicPr>
+          <p:nvPr/>
+        </p:nvPicPr>
+        <p:blipFill>
+          <a:blip r:embed="rId4"/>
+          <a:stretch>
+            <a:fillRect/>
+          </a:stretch>
+        </p:blipFill>
+        <p:spPr>
+          <a:xfrm>
+            <a:off x="3266568" y="4062456"/>
+            <a:ext cx="2610214" cy="2152950"/>
+          </a:xfrm>
+          <a:prstGeom prst="rect">
+            <a:avLst/>
+          </a:prstGeom>
+        </p:spPr>
+      </p:pic>
+    </p:spTree>
+    <p:extLst>
+      <p:ext uri="{BB962C8B-B14F-4D97-AF65-F5344CB8AC3E}">
+        <p14:creationId xmlns:p14="http://schemas.microsoft.com/office/powerpoint/2010/main" val="671141498"/>
+      </p:ext>
+    </p:extLst>
+  </p:cSld>
+  <p:clrMapOvr>
+    <a:masterClrMapping/>
+  </p:clrMapOvr>
+</p:sld>
+</file>
+
+<file path=ppt/slides/slide7.xml><?xml version="1.0" encoding="utf-8"?>
+<p:sld xmlns:a="http://schemas.openxmlformats.org/drawingml/2006/main" xmlns:r="http://schemas.openxmlformats.org/officeDocument/2006/relationships" xmlns:p="http://schemas.openxmlformats.org/presentationml/2006/main">
+  <p:cSld>
+    <p:spTree>
+      <p:nvGrpSpPr>
+        <p:cNvPr id="1" name=""/>
+        <p:cNvGrpSpPr/>
+        <p:nvPr/>
+      </p:nvGrpSpPr>
+      <p:grpSpPr>
+        <a:xfrm>
+          <a:off x="0" y="0"/>
+          <a:ext cx="0" cy="0"/>
+          <a:chOff x="0" y="0"/>
+          <a:chExt cx="0" cy="0"/>
+        </a:xfrm>
+      </p:grpSpPr>
+      <p:sp>
+        <p:nvSpPr>
+          <p:cNvPr id="2" name="Title 1">
+            <a:extLst>
+              <a:ext uri="{FF2B5EF4-FFF2-40B4-BE49-F238E27FC236}">
+                <a16:creationId xmlns:a16="http://schemas.microsoft.com/office/drawing/2014/main" id="{90824DD4-78E1-4E31-11C1-365BA5E75C04}"/>
+              </a:ext>
+            </a:extLst>
+          </p:cNvPr>
+          <p:cNvSpPr>
+            <a:spLocks noGrp="1"/>
+          </p:cNvSpPr>
+          <p:nvPr>
+            <p:ph type="title"/>
+          </p:nvPr>
+        </p:nvSpPr>
+        <p:spPr>
+          <a:xfrm>
+            <a:off x="1066800" y="642594"/>
+            <a:ext cx="10058400" cy="478840"/>
+          </a:xfrm>
+        </p:spPr>
+        <p:txBody>
+          <a:bodyPr>
+            <a:normAutofit/>
+          </a:bodyPr>
+          <a:lstStyle/>
+          <a:p>
+            <a:pPr algn="ctr"/>
+            <a:r>
+              <a:rPr lang="en-US" sz="2400" dirty="0">
+                <a:latin typeface="Segoe UI Variable Display Semil" pitchFamily="2" charset="0"/>
+              </a:rPr>
+              <a:t>Analyzing Customer Segmentation Based on Spending</a:t>
+            </a:r>
+            <a:endParaRPr lang="en-IN" sz="2400" dirty="0">
+              <a:latin typeface="Segoe UI Variable Display Semil" pitchFamily="2" charset="0"/>
+            </a:endParaRPr>
+          </a:p>
+        </p:txBody>
+      </p:sp>
+      <p:sp>
+        <p:nvSpPr>
+          <p:cNvPr id="4" name="Content Placeholder 3">
+            <a:extLst>
+              <a:ext uri="{FF2B5EF4-FFF2-40B4-BE49-F238E27FC236}">
+                <a16:creationId xmlns:a16="http://schemas.microsoft.com/office/drawing/2014/main" id="{BF035CD8-47EC-3E70-F199-07A4DB29D834}"/>
+              </a:ext>
+            </a:extLst>
+          </p:cNvPr>
+          <p:cNvSpPr>
+            <a:spLocks noGrp="1"/>
+          </p:cNvSpPr>
+          <p:nvPr>
+            <p:ph sz="half" idx="2"/>
+          </p:nvPr>
+        </p:nvSpPr>
+        <p:spPr>
+          <a:xfrm>
+            <a:off x="6170762" y="1441432"/>
+            <a:ext cx="5434879" cy="4709202"/>
+          </a:xfrm>
+        </p:spPr>
+        <p:txBody>
+          <a:bodyPr>
+            <a:normAutofit/>
+          </a:bodyPr>
+          <a:lstStyle/>
+          <a:p>
+            <a:pPr algn="ctr"/>
+            <a:r>
+              <a:rPr lang="en-US" sz="1400" b="1" u="sng" dirty="0">
+                <a:latin typeface="Calibri" panose="020F0502020204030204" pitchFamily="34" charset="0"/>
+                <a:ea typeface="Calibri" panose="020F0502020204030204" pitchFamily="34" charset="0"/>
+                <a:cs typeface="Calibri" panose="020F0502020204030204" pitchFamily="34" charset="0"/>
+              </a:rPr>
+              <a:t>INSIGHTS</a:t>
+            </a:r>
+          </a:p>
+          <a:p>
+            <a:r>
+              <a:rPr lang="en-US" sz="1400" b="1" dirty="0">
+                <a:latin typeface="Calibri" panose="020F0502020204030204" pitchFamily="34" charset="0"/>
+                <a:ea typeface="Calibri" panose="020F0502020204030204" pitchFamily="34" charset="0"/>
+                <a:cs typeface="Calibri" panose="020F0502020204030204" pitchFamily="34" charset="0"/>
+              </a:rPr>
+              <a:t>Yangon &amp; Mandalay:</a:t>
+            </a:r>
+            <a:r>
+              <a:rPr lang="en-US" sz="1400" dirty="0">
+                <a:latin typeface="Calibri" panose="020F0502020204030204" pitchFamily="34" charset="0"/>
+                <a:ea typeface="Calibri" panose="020F0502020204030204" pitchFamily="34" charset="0"/>
+                <a:cs typeface="Calibri" panose="020F0502020204030204" pitchFamily="34" charset="0"/>
+              </a:rPr>
+              <a:t> Most preferred payment method is </a:t>
+            </a:r>
+            <a:r>
+              <a:rPr lang="en-US" sz="1400" b="1" dirty="0" err="1">
+                <a:latin typeface="Calibri" panose="020F0502020204030204" pitchFamily="34" charset="0"/>
+                <a:ea typeface="Calibri" panose="020F0502020204030204" pitchFamily="34" charset="0"/>
+                <a:cs typeface="Calibri" panose="020F0502020204030204" pitchFamily="34" charset="0"/>
+              </a:rPr>
+              <a:t>Ewallet</a:t>
+            </a:r>
+            <a:r>
+              <a:rPr lang="en-US" sz="1400" b="1" dirty="0">
+                <a:latin typeface="Calibri" panose="020F0502020204030204" pitchFamily="34" charset="0"/>
+                <a:ea typeface="Calibri" panose="020F0502020204030204" pitchFamily="34" charset="0"/>
+                <a:cs typeface="Calibri" panose="020F0502020204030204" pitchFamily="34" charset="0"/>
+              </a:rPr>
+              <a:t> </a:t>
+            </a:r>
+            <a:r>
+              <a:rPr lang="en-US" sz="1400" dirty="0">
+                <a:latin typeface="Calibri" panose="020F0502020204030204" pitchFamily="34" charset="0"/>
+                <a:ea typeface="Calibri" panose="020F0502020204030204" pitchFamily="34" charset="0"/>
+                <a:cs typeface="Calibri" panose="020F0502020204030204" pitchFamily="34" charset="0"/>
+              </a:rPr>
+              <a:t>with </a:t>
+            </a:r>
+            <a:r>
+              <a:rPr lang="en-US" sz="1400" b="1" dirty="0">
+                <a:latin typeface="Calibri" panose="020F0502020204030204" pitchFamily="34" charset="0"/>
+                <a:ea typeface="Calibri" panose="020F0502020204030204" pitchFamily="34" charset="0"/>
+                <a:cs typeface="Calibri" panose="020F0502020204030204" pitchFamily="34" charset="0"/>
+              </a:rPr>
+              <a:t>126</a:t>
+            </a:r>
+            <a:r>
+              <a:rPr lang="en-US" sz="1400" dirty="0">
+                <a:latin typeface="Calibri" panose="020F0502020204030204" pitchFamily="34" charset="0"/>
+                <a:ea typeface="Calibri" panose="020F0502020204030204" pitchFamily="34" charset="0"/>
+                <a:cs typeface="Calibri" panose="020F0502020204030204" pitchFamily="34" charset="0"/>
+              </a:rPr>
+              <a:t> and </a:t>
+            </a:r>
+            <a:r>
+              <a:rPr lang="en-US" sz="1400" b="1" dirty="0">
+                <a:latin typeface="Calibri" panose="020F0502020204030204" pitchFamily="34" charset="0"/>
+                <a:ea typeface="Calibri" panose="020F0502020204030204" pitchFamily="34" charset="0"/>
+                <a:cs typeface="Calibri" panose="020F0502020204030204" pitchFamily="34" charset="0"/>
+              </a:rPr>
+              <a:t>113</a:t>
+            </a:r>
+            <a:r>
+              <a:rPr lang="en-US" sz="1400" dirty="0">
+                <a:latin typeface="Calibri" panose="020F0502020204030204" pitchFamily="34" charset="0"/>
+                <a:ea typeface="Calibri" panose="020F0502020204030204" pitchFamily="34" charset="0"/>
+                <a:cs typeface="Calibri" panose="020F0502020204030204" pitchFamily="34" charset="0"/>
+              </a:rPr>
+              <a:t> purchases respectively.</a:t>
+            </a:r>
+          </a:p>
+          <a:p>
+            <a:r>
+              <a:rPr lang="en-US" sz="1400" b="1" dirty="0">
+                <a:latin typeface="Calibri" panose="020F0502020204030204" pitchFamily="34" charset="0"/>
+                <a:ea typeface="Calibri" panose="020F0502020204030204" pitchFamily="34" charset="0"/>
+                <a:cs typeface="Calibri" panose="020F0502020204030204" pitchFamily="34" charset="0"/>
+              </a:rPr>
+              <a:t>Naypyitaw:</a:t>
+            </a:r>
+            <a:r>
+              <a:rPr lang="en-US" sz="1400" dirty="0">
+                <a:latin typeface="Calibri" panose="020F0502020204030204" pitchFamily="34" charset="0"/>
+                <a:ea typeface="Calibri" panose="020F0502020204030204" pitchFamily="34" charset="0"/>
+                <a:cs typeface="Calibri" panose="020F0502020204030204" pitchFamily="34" charset="0"/>
+              </a:rPr>
+              <a:t> Prefers </a:t>
+            </a:r>
+            <a:r>
+              <a:rPr lang="en-US" sz="1400" b="1" dirty="0">
+                <a:latin typeface="Calibri" panose="020F0502020204030204" pitchFamily="34" charset="0"/>
+                <a:ea typeface="Calibri" panose="020F0502020204030204" pitchFamily="34" charset="0"/>
+                <a:cs typeface="Calibri" panose="020F0502020204030204" pitchFamily="34" charset="0"/>
+              </a:rPr>
+              <a:t>Cash</a:t>
+            </a:r>
+            <a:r>
+              <a:rPr lang="en-US" sz="1400" dirty="0">
+                <a:latin typeface="Calibri" panose="020F0502020204030204" pitchFamily="34" charset="0"/>
+                <a:ea typeface="Calibri" panose="020F0502020204030204" pitchFamily="34" charset="0"/>
+                <a:cs typeface="Calibri" panose="020F0502020204030204" pitchFamily="34" charset="0"/>
+              </a:rPr>
+              <a:t> the most with </a:t>
+            </a:r>
+            <a:r>
+              <a:rPr lang="en-US" sz="1400" b="1" dirty="0">
+                <a:latin typeface="Calibri" panose="020F0502020204030204" pitchFamily="34" charset="0"/>
+                <a:ea typeface="Calibri" panose="020F0502020204030204" pitchFamily="34" charset="0"/>
+                <a:cs typeface="Calibri" panose="020F0502020204030204" pitchFamily="34" charset="0"/>
+              </a:rPr>
+              <a:t>124 purchases via cash.</a:t>
+            </a:r>
+          </a:p>
+          <a:p>
+            <a:endParaRPr lang="en-US" sz="1400" b="1" dirty="0">
+              <a:latin typeface="Calibri" panose="020F0502020204030204" pitchFamily="34" charset="0"/>
+              <a:ea typeface="Calibri" panose="020F0502020204030204" pitchFamily="34" charset="0"/>
+              <a:cs typeface="Calibri" panose="020F0502020204030204" pitchFamily="34" charset="0"/>
+            </a:endParaRPr>
+          </a:p>
+          <a:p>
+            <a:endParaRPr lang="en-US" sz="1400" dirty="0">
+              <a:latin typeface="Calibri" panose="020F0502020204030204" pitchFamily="34" charset="0"/>
+              <a:ea typeface="Calibri" panose="020F0502020204030204" pitchFamily="34" charset="0"/>
+              <a:cs typeface="Calibri" panose="020F0502020204030204" pitchFamily="34" charset="0"/>
+            </a:endParaRPr>
+          </a:p>
+          <a:p>
+            <a:pPr algn="ctr"/>
+            <a:r>
+              <a:rPr lang="en-IN" sz="1400" b="1" u="sng" dirty="0">
+                <a:latin typeface="Calibri" panose="020F0502020204030204" pitchFamily="34" charset="0"/>
+                <a:ea typeface="Calibri" panose="020F0502020204030204" pitchFamily="34" charset="0"/>
+                <a:cs typeface="Calibri" panose="020F0502020204030204" pitchFamily="34" charset="0"/>
+              </a:rPr>
+              <a:t>RECOMMENDATIONS</a:t>
+            </a:r>
+          </a:p>
+          <a:p>
+            <a:r>
+              <a:rPr lang="en-US" sz="1400" b="1" dirty="0"/>
+              <a:t>Promote </a:t>
+            </a:r>
+            <a:r>
+              <a:rPr lang="en-US" sz="1400" b="1" dirty="0" err="1"/>
+              <a:t>Ewallet</a:t>
+            </a:r>
+            <a:r>
+              <a:rPr lang="en-US" sz="1400" b="1" dirty="0"/>
+              <a:t> offers</a:t>
+            </a:r>
+            <a:r>
+              <a:rPr lang="en-US" sz="1400" dirty="0"/>
+              <a:t> in </a:t>
+            </a:r>
+            <a:r>
+              <a:rPr lang="en-US" sz="1400" b="1" dirty="0"/>
+              <a:t>Yangon</a:t>
+            </a:r>
+            <a:r>
+              <a:rPr lang="en-US" sz="1400" dirty="0"/>
+              <a:t> and </a:t>
+            </a:r>
+            <a:r>
+              <a:rPr lang="en-US" sz="1400" b="1" dirty="0"/>
+              <a:t>Mandalay</a:t>
+            </a:r>
+            <a:r>
+              <a:rPr lang="en-US" sz="1400" dirty="0"/>
+              <a:t>.</a:t>
+            </a:r>
+            <a:endParaRPr lang="en-US" sz="1400" dirty="0">
+              <a:latin typeface="Calibri" panose="020F0502020204030204" pitchFamily="34" charset="0"/>
+              <a:ea typeface="Calibri" panose="020F0502020204030204" pitchFamily="34" charset="0"/>
+              <a:cs typeface="Calibri" panose="020F0502020204030204" pitchFamily="34" charset="0"/>
+            </a:endParaRPr>
+          </a:p>
+          <a:p>
+            <a:r>
+              <a:rPr lang="en-US" sz="1400" b="1" dirty="0"/>
+              <a:t>Run cash-based promotions</a:t>
+            </a:r>
+            <a:r>
+              <a:rPr lang="en-US" sz="1400" dirty="0"/>
+              <a:t> in </a:t>
+            </a:r>
+            <a:r>
+              <a:rPr lang="en-US" sz="1400" b="1" dirty="0"/>
+              <a:t>Naypyitaw</a:t>
+            </a:r>
+            <a:r>
+              <a:rPr lang="en-US" sz="1400" dirty="0"/>
+              <a:t>.</a:t>
+            </a:r>
+            <a:endParaRPr lang="en-US" sz="1400" dirty="0">
+              <a:latin typeface="Calibri" panose="020F0502020204030204" pitchFamily="34" charset="0"/>
+              <a:ea typeface="Calibri" panose="020F0502020204030204" pitchFamily="34" charset="0"/>
+              <a:cs typeface="Calibri" panose="020F0502020204030204" pitchFamily="34" charset="0"/>
+            </a:endParaRPr>
+          </a:p>
+        </p:txBody>
+      </p:sp>
+      <p:pic>
+        <p:nvPicPr>
+          <p:cNvPr id="7" name="Content Placeholder 6">
+            <a:extLst>
+              <a:ext uri="{FF2B5EF4-FFF2-40B4-BE49-F238E27FC236}">
+                <a16:creationId xmlns:a16="http://schemas.microsoft.com/office/drawing/2014/main" id="{C053EEBA-DB5A-96D3-47B4-1C5AEEA2D448}"/>
+              </a:ext>
+            </a:extLst>
+          </p:cNvPr>
+          <p:cNvPicPr>
+            <a:picLocks noGrp="1" noChangeAspect="1"/>
+          </p:cNvPicPr>
+          <p:nvPr>
+            <p:ph sz="half" idx="1"/>
+          </p:nvPr>
+        </p:nvPicPr>
+        <p:blipFill>
+          <a:blip r:embed="rId2"/>
+          <a:stretch>
+            <a:fillRect/>
+          </a:stretch>
+        </p:blipFill>
+        <p:spPr>
+          <a:xfrm>
+            <a:off x="750498" y="1441432"/>
+            <a:ext cx="5270741" cy="4467661"/>
+          </a:xfrm>
+        </p:spPr>
+      </p:pic>
+    </p:spTree>
+    <p:extLst>
+      <p:ext uri="{BB962C8B-B14F-4D97-AF65-F5344CB8AC3E}">
+        <p14:creationId xmlns:p14="http://schemas.microsoft.com/office/powerpoint/2010/main" val="3021938984"/>
+      </p:ext>
+    </p:extLst>
+  </p:cSld>
+  <p:clrMapOvr>
+    <a:masterClrMapping/>
+  </p:clrMapOvr>
+</p:sld>
+</file>
+
+<file path=ppt/slides/slide8.xml><?xml version="1.0" encoding="utf-8"?>
+<p:sld xmlns:a="http://schemas.openxmlformats.org/drawingml/2006/main" xmlns:r="http://schemas.openxmlformats.org/officeDocument/2006/relationships" xmlns:p="http://schemas.openxmlformats.org/presentationml/2006/main">
+  <p:cSld>
+    <p:spTree>
+      <p:nvGrpSpPr>
+        <p:cNvPr id="1" name=""/>
+        <p:cNvGrpSpPr/>
+        <p:nvPr/>
+      </p:nvGrpSpPr>
+      <p:grpSpPr>
+        <a:xfrm>
+          <a:off x="0" y="0"/>
+          <a:ext cx="0" cy="0"/>
+          <a:chOff x="0" y="0"/>
+          <a:chExt cx="0" cy="0"/>
+        </a:xfrm>
+      </p:grpSpPr>
+      <p:sp>
+        <p:nvSpPr>
+          <p:cNvPr id="2" name="Title 1">
+            <a:extLst>
+              <a:ext uri="{FF2B5EF4-FFF2-40B4-BE49-F238E27FC236}">
+                <a16:creationId xmlns:a16="http://schemas.microsoft.com/office/drawing/2014/main" id="{90824DD4-78E1-4E31-11C1-365BA5E75C04}"/>
+              </a:ext>
+            </a:extLst>
+          </p:cNvPr>
+          <p:cNvSpPr>
+            <a:spLocks noGrp="1"/>
+          </p:cNvSpPr>
+          <p:nvPr>
+            <p:ph type="title"/>
+          </p:nvPr>
+        </p:nvSpPr>
+        <p:spPr>
+          <a:xfrm>
+            <a:off x="1066800" y="642594"/>
+            <a:ext cx="10058400" cy="478840"/>
+          </a:xfrm>
+        </p:spPr>
+        <p:txBody>
+          <a:bodyPr>
+            <a:normAutofit/>
+          </a:bodyPr>
+          <a:lstStyle/>
+          <a:p>
+            <a:pPr algn="ctr"/>
+            <a:r>
+              <a:rPr lang="en-US" sz="2400" dirty="0">
+                <a:latin typeface="Calibri" panose="020F0502020204030204" pitchFamily="34" charset="0"/>
+                <a:ea typeface="Calibri" panose="020F0502020204030204" pitchFamily="34" charset="0"/>
+                <a:cs typeface="Calibri" panose="020F0502020204030204" pitchFamily="34" charset="0"/>
+              </a:rPr>
+              <a:t>Monthly Sales Distribution by Gender</a:t>
+            </a:r>
+            <a:endParaRPr lang="en-IN" sz="2400" dirty="0">
+              <a:latin typeface="Calibri" panose="020F0502020204030204" pitchFamily="34" charset="0"/>
+              <a:ea typeface="Calibri" panose="020F0502020204030204" pitchFamily="34" charset="0"/>
+              <a:cs typeface="Calibri" panose="020F0502020204030204" pitchFamily="34" charset="0"/>
+            </a:endParaRPr>
+          </a:p>
+        </p:txBody>
+      </p:sp>
+      <p:sp>
+        <p:nvSpPr>
+          <p:cNvPr id="4" name="Content Placeholder 3">
+            <a:extLst>
+              <a:ext uri="{FF2B5EF4-FFF2-40B4-BE49-F238E27FC236}">
+                <a16:creationId xmlns:a16="http://schemas.microsoft.com/office/drawing/2014/main" id="{BF035CD8-47EC-3E70-F199-07A4DB29D834}"/>
+              </a:ext>
+            </a:extLst>
+          </p:cNvPr>
+          <p:cNvSpPr>
+            <a:spLocks noGrp="1"/>
+          </p:cNvSpPr>
+          <p:nvPr>
+            <p:ph sz="half" idx="2"/>
+          </p:nvPr>
+        </p:nvSpPr>
+        <p:spPr>
+          <a:xfrm>
+            <a:off x="6170762" y="1441432"/>
+            <a:ext cx="5434879" cy="4709202"/>
+          </a:xfrm>
+        </p:spPr>
+        <p:txBody>
+          <a:bodyPr>
+            <a:normAutofit/>
+          </a:bodyPr>
+          <a:lstStyle/>
+          <a:p>
+            <a:pPr algn="ctr"/>
+            <a:r>
+              <a:rPr lang="en-US" sz="1400" b="1" u="sng" dirty="0">
+                <a:latin typeface="Calibri" panose="020F0502020204030204" pitchFamily="34" charset="0"/>
+                <a:ea typeface="Calibri" panose="020F0502020204030204" pitchFamily="34" charset="0"/>
+                <a:cs typeface="Calibri" panose="020F0502020204030204" pitchFamily="34" charset="0"/>
+              </a:rPr>
+              <a:t>INSIGHTS</a:t>
+            </a:r>
+          </a:p>
+          <a:p>
+            <a:r>
+              <a:rPr lang="en-US" sz="1400" b="1" i="0" dirty="0">
+                <a:effectLst/>
+                <a:latin typeface="fkGroteskNeue"/>
+              </a:rPr>
+              <a:t>Female</a:t>
+            </a:r>
+            <a:r>
+              <a:rPr lang="en-US" sz="1400" b="0" i="0" dirty="0">
+                <a:effectLst/>
+                <a:latin typeface="fkGroteskNeue"/>
+              </a:rPr>
+              <a:t> customers generated </a:t>
+            </a:r>
+            <a:r>
+              <a:rPr lang="en-US" sz="1400" b="1" i="0" dirty="0">
+                <a:effectLst/>
+                <a:latin typeface="fkGroteskNeue"/>
+              </a:rPr>
+              <a:t>higher total sales</a:t>
+            </a:r>
+            <a:r>
+              <a:rPr lang="en-US" sz="1400" b="0" i="0" dirty="0">
+                <a:effectLst/>
+                <a:latin typeface="fkGroteskNeue"/>
+              </a:rPr>
+              <a:t> across all months </a:t>
+            </a:r>
+            <a:r>
+              <a:rPr lang="en-US" sz="1400" b="1" i="0" dirty="0">
+                <a:effectLst/>
+                <a:latin typeface="fkGroteskNeue"/>
+              </a:rPr>
+              <a:t>except March</a:t>
+            </a:r>
+          </a:p>
+          <a:p>
+            <a:r>
+              <a:rPr lang="en-US" sz="1400" b="1" i="0" dirty="0">
+                <a:effectLst/>
+                <a:latin typeface="fkGroteskNeue"/>
+              </a:rPr>
+              <a:t>Male</a:t>
+            </a:r>
+            <a:r>
+              <a:rPr lang="en-US" sz="1400" b="0" i="0" dirty="0">
+                <a:effectLst/>
+                <a:latin typeface="fkGroteskNeue"/>
+              </a:rPr>
+              <a:t> customers </a:t>
+            </a:r>
+            <a:r>
+              <a:rPr lang="en-US" sz="1400" b="1" i="0" dirty="0">
+                <a:effectLst/>
+                <a:latin typeface="fkGroteskNeue"/>
+              </a:rPr>
+              <a:t>outspent</a:t>
+            </a:r>
+            <a:r>
+              <a:rPr lang="en-US" sz="1400" b="0" i="0" dirty="0">
+                <a:effectLst/>
+                <a:latin typeface="fkGroteskNeue"/>
+              </a:rPr>
+              <a:t> </a:t>
+            </a:r>
+            <a:r>
+              <a:rPr lang="en-US" sz="1400" b="1" i="0" dirty="0">
+                <a:effectLst/>
+                <a:latin typeface="fkGroteskNeue"/>
+              </a:rPr>
+              <a:t>female</a:t>
+            </a:r>
+            <a:r>
+              <a:rPr lang="en-US" sz="1400" b="0" i="0" dirty="0">
+                <a:effectLst/>
+                <a:latin typeface="fkGroteskNeue"/>
+              </a:rPr>
+              <a:t> customers in </a:t>
+            </a:r>
+            <a:r>
+              <a:rPr lang="en-US" sz="1400" b="1" i="0" dirty="0">
+                <a:effectLst/>
+                <a:latin typeface="fkGroteskNeue"/>
+              </a:rPr>
+              <a:t>March</a:t>
+            </a:r>
+            <a:r>
+              <a:rPr lang="en-US" sz="1400" b="0" i="0" dirty="0">
+                <a:effectLst/>
+                <a:latin typeface="fkGroteskNeue"/>
+              </a:rPr>
+              <a:t>.</a:t>
+            </a:r>
+            <a:endParaRPr lang="en-US" sz="1400" b="1" dirty="0">
+              <a:latin typeface="Calibri" panose="020F0502020204030204" pitchFamily="34" charset="0"/>
+              <a:ea typeface="Calibri" panose="020F0502020204030204" pitchFamily="34" charset="0"/>
+              <a:cs typeface="Calibri" panose="020F0502020204030204" pitchFamily="34" charset="0"/>
+            </a:endParaRPr>
+          </a:p>
+          <a:p>
+            <a:pPr algn="l">
+              <a:buFont typeface="Arial" panose="020B0604020202020204" pitchFamily="34" charset="0"/>
+              <a:buChar char="•"/>
+            </a:pPr>
+            <a:r>
+              <a:rPr lang="en-US" sz="1400" b="1" i="0" dirty="0">
+                <a:effectLst/>
+                <a:latin typeface="fkGroteskNeue"/>
+              </a:rPr>
+              <a:t>Male</a:t>
+            </a:r>
+            <a:r>
+              <a:rPr lang="en-US" sz="1400" b="0" i="0" dirty="0">
+                <a:effectLst/>
+                <a:latin typeface="fkGroteskNeue"/>
+              </a:rPr>
+              <a:t> sales showed a notable </a:t>
+            </a:r>
+            <a:r>
+              <a:rPr lang="en-US" sz="1400" b="1" i="0" dirty="0">
+                <a:effectLst/>
+                <a:latin typeface="fkGroteskNeue"/>
+              </a:rPr>
+              <a:t>recovery</a:t>
+            </a:r>
+            <a:r>
+              <a:rPr lang="en-US" sz="1400" b="0" i="0" dirty="0">
+                <a:effectLst/>
+                <a:latin typeface="fkGroteskNeue"/>
+              </a:rPr>
+              <a:t> in </a:t>
+            </a:r>
+            <a:r>
+              <a:rPr lang="en-US" sz="1400" b="1" i="0" dirty="0">
+                <a:effectLst/>
+                <a:latin typeface="fkGroteskNeue"/>
+              </a:rPr>
+              <a:t>March</a:t>
+            </a:r>
+            <a:r>
+              <a:rPr lang="en-US" sz="1400" b="0" i="0" dirty="0">
+                <a:effectLst/>
+                <a:latin typeface="fkGroteskNeue"/>
+              </a:rPr>
+              <a:t> after </a:t>
+            </a:r>
+            <a:r>
+              <a:rPr lang="en-US" sz="1400" i="0" dirty="0">
+                <a:effectLst/>
+                <a:latin typeface="fkGroteskNeue"/>
+              </a:rPr>
+              <a:t>a</a:t>
+            </a:r>
+            <a:r>
+              <a:rPr lang="en-US" sz="1400" b="1" i="0" dirty="0">
+                <a:effectLst/>
+                <a:latin typeface="fkGroteskNeue"/>
+              </a:rPr>
+              <a:t> dip in February.</a:t>
+            </a:r>
+          </a:p>
+          <a:p>
+            <a:pPr algn="l">
+              <a:buFont typeface="Arial" panose="020B0604020202020204" pitchFamily="34" charset="0"/>
+              <a:buChar char="•"/>
+            </a:pPr>
+            <a:r>
+              <a:rPr lang="en-US" sz="1400" b="1" dirty="0"/>
+              <a:t>February</a:t>
+            </a:r>
+            <a:r>
+              <a:rPr lang="en-US" sz="1400" dirty="0"/>
+              <a:t> Month with the </a:t>
+            </a:r>
+            <a:r>
+              <a:rPr lang="en-US" sz="1400" b="1" dirty="0"/>
+              <a:t>Largest Gender Gap </a:t>
+            </a:r>
+            <a:r>
+              <a:rPr lang="en-US" sz="1400" dirty="0"/>
+              <a:t>in </a:t>
+            </a:r>
+            <a:r>
+              <a:rPr lang="en-US" sz="1400" b="1" dirty="0"/>
+              <a:t>Sales</a:t>
+            </a:r>
+            <a:r>
+              <a:rPr lang="en-US" sz="1400" dirty="0"/>
+              <a:t> between Male and Female Customers</a:t>
+            </a:r>
+            <a:endParaRPr lang="en-US" sz="1400" dirty="0">
+              <a:latin typeface="Calibri" panose="020F0502020204030204" pitchFamily="34" charset="0"/>
+              <a:ea typeface="Calibri" panose="020F0502020204030204" pitchFamily="34" charset="0"/>
+              <a:cs typeface="Calibri" panose="020F0502020204030204" pitchFamily="34" charset="0"/>
+            </a:endParaRPr>
+          </a:p>
+          <a:p>
+            <a:pPr algn="ctr"/>
+            <a:r>
+              <a:rPr lang="en-IN" sz="1400" b="1" u="sng" dirty="0">
+                <a:latin typeface="Calibri" panose="020F0502020204030204" pitchFamily="34" charset="0"/>
+                <a:ea typeface="Calibri" panose="020F0502020204030204" pitchFamily="34" charset="0"/>
+                <a:cs typeface="Calibri" panose="020F0502020204030204" pitchFamily="34" charset="0"/>
+              </a:rPr>
+              <a:t>RECOMMENDATIONS</a:t>
+            </a:r>
+          </a:p>
+          <a:p>
+            <a:r>
+              <a:rPr lang="en-US" sz="1400" dirty="0"/>
+              <a:t>Focus marketing campaigns more on </a:t>
+            </a:r>
+            <a:r>
+              <a:rPr lang="en-US" sz="1400" b="1" dirty="0"/>
+              <a:t>female customers</a:t>
+            </a:r>
+            <a:r>
+              <a:rPr lang="en-US" sz="1400" dirty="0"/>
+              <a:t>, especially in </a:t>
+            </a:r>
+            <a:r>
+              <a:rPr lang="en-US" sz="1400" b="1" dirty="0"/>
+              <a:t>February</a:t>
+            </a:r>
+            <a:r>
+              <a:rPr lang="en-US" sz="1400" dirty="0"/>
+              <a:t>.</a:t>
+            </a:r>
+            <a:r>
+              <a:rPr lang="en-IN" sz="1400" dirty="0"/>
+              <a:t> </a:t>
+            </a:r>
+            <a:endParaRPr lang="en-US" sz="1400" dirty="0">
+              <a:latin typeface="Calibri" panose="020F0502020204030204" pitchFamily="34" charset="0"/>
+              <a:ea typeface="Calibri" panose="020F0502020204030204" pitchFamily="34" charset="0"/>
+              <a:cs typeface="Calibri" panose="020F0502020204030204" pitchFamily="34" charset="0"/>
+            </a:endParaRPr>
+          </a:p>
+          <a:p>
+            <a:r>
+              <a:rPr lang="en-US" sz="1400" b="1" i="0" dirty="0">
+                <a:effectLst/>
+                <a:latin typeface="fkGroteskNeue"/>
+              </a:rPr>
+              <a:t>Investigate</a:t>
+            </a:r>
+            <a:r>
+              <a:rPr lang="en-US" sz="1400" b="0" i="0" dirty="0">
+                <a:effectLst/>
+                <a:latin typeface="fkGroteskNeue"/>
+              </a:rPr>
+              <a:t> underlying factors for male spending surge in </a:t>
+            </a:r>
+            <a:r>
+              <a:rPr lang="en-US" sz="1400" b="1" i="0" dirty="0">
+                <a:effectLst/>
+                <a:latin typeface="fkGroteskNeue"/>
+              </a:rPr>
+              <a:t>March</a:t>
+            </a:r>
+            <a:r>
+              <a:rPr lang="en-US" sz="1400" b="0" i="0" dirty="0">
+                <a:effectLst/>
+                <a:latin typeface="fkGroteskNeue"/>
+              </a:rPr>
+              <a:t> and consider applying </a:t>
+            </a:r>
+            <a:r>
+              <a:rPr lang="en-US" sz="1400" b="1" i="0" dirty="0">
+                <a:effectLst/>
+                <a:latin typeface="fkGroteskNeue"/>
+              </a:rPr>
+              <a:t>relevant strategies to other months like February</a:t>
+            </a:r>
+            <a:r>
+              <a:rPr lang="en-US" sz="1400" b="0" i="0" dirty="0">
+                <a:effectLst/>
+                <a:latin typeface="fkGroteskNeue"/>
+              </a:rPr>
+              <a:t>.</a:t>
+            </a:r>
+          </a:p>
+          <a:p>
+            <a:endParaRPr lang="en-US" sz="1400" dirty="0">
+              <a:latin typeface="Calibri" panose="020F0502020204030204" pitchFamily="34" charset="0"/>
+              <a:ea typeface="Calibri" panose="020F0502020204030204" pitchFamily="34" charset="0"/>
+              <a:cs typeface="Calibri" panose="020F0502020204030204" pitchFamily="34" charset="0"/>
+            </a:endParaRPr>
+          </a:p>
+        </p:txBody>
+      </p:sp>
+      <p:pic>
+        <p:nvPicPr>
+          <p:cNvPr id="8" name="Content Placeholder 7">
+            <a:extLst>
+              <a:ext uri="{FF2B5EF4-FFF2-40B4-BE49-F238E27FC236}">
+                <a16:creationId xmlns:a16="http://schemas.microsoft.com/office/drawing/2014/main" id="{43E8DAEB-41AB-76CB-9D9C-765056C2A568}"/>
+              </a:ext>
+            </a:extLst>
+          </p:cNvPr>
+          <p:cNvPicPr>
+            <a:picLocks noGrp="1" noChangeAspect="1"/>
+          </p:cNvPicPr>
+          <p:nvPr>
+            <p:ph sz="half" idx="1"/>
+          </p:nvPr>
+        </p:nvPicPr>
+        <p:blipFill>
+          <a:blip r:embed="rId2"/>
+          <a:stretch>
+            <a:fillRect/>
+          </a:stretch>
+        </p:blipFill>
+        <p:spPr>
+          <a:xfrm>
+            <a:off x="690114" y="1441433"/>
+            <a:ext cx="5167222" cy="4036342"/>
+          </a:xfrm>
+        </p:spPr>
+      </p:pic>
+    </p:spTree>
+    <p:extLst>
+      <p:ext uri="{BB962C8B-B14F-4D97-AF65-F5344CB8AC3E}">
+        <p14:creationId xmlns:p14="http://schemas.microsoft.com/office/powerpoint/2010/main" val="3517239747"/>
+      </p:ext>
+    </p:extLst>
+  </p:cSld>
+  <p:clrMapOvr>
+    <a:masterClrMapping/>
+  </p:clrMapOvr>
+</p:sld>
+</file>
+
+<file path=ppt/slides/slide9.xml><?xml version="1.0" encoding="utf-8"?>
+<p:sld xmlns:a="http://schemas.openxmlformats.org/drawingml/2006/main" xmlns:r="http://schemas.openxmlformats.org/officeDocument/2006/relationships" xmlns:p="http://schemas.openxmlformats.org/presentationml/2006/main">
+  <p:cSld>
+    <p:spTree>
+      <p:nvGrpSpPr>
+        <p:cNvPr id="1" name=""/>
+        <p:cNvGrpSpPr/>
+        <p:nvPr/>
+      </p:nvGrpSpPr>
+      <p:grpSpPr>
+        <a:xfrm>
+          <a:off x="0" y="0"/>
+          <a:ext cx="0" cy="0"/>
+          <a:chOff x="0" y="0"/>
+          <a:chExt cx="0" cy="0"/>
+        </a:xfrm>
+      </p:grpSpPr>
+      <p:sp>
+        <p:nvSpPr>
+          <p:cNvPr id="2" name="Title 1">
+            <a:extLst>
+              <a:ext uri="{FF2B5EF4-FFF2-40B4-BE49-F238E27FC236}">
+                <a16:creationId xmlns:a16="http://schemas.microsoft.com/office/drawing/2014/main" id="{90824DD4-78E1-4E31-11C1-365BA5E75C04}"/>
+              </a:ext>
+            </a:extLst>
+          </p:cNvPr>
+          <p:cNvSpPr>
+            <a:spLocks noGrp="1"/>
+          </p:cNvSpPr>
+          <p:nvPr>
+            <p:ph type="title"/>
+          </p:nvPr>
+        </p:nvSpPr>
+        <p:spPr>
+          <a:xfrm>
+            <a:off x="1066800" y="642594"/>
+            <a:ext cx="10058400" cy="478840"/>
+          </a:xfrm>
+        </p:spPr>
+        <p:txBody>
+          <a:bodyPr>
+            <a:normAutofit/>
+          </a:bodyPr>
+          <a:lstStyle/>
+          <a:p>
+            <a:pPr algn="ctr"/>
+            <a:r>
+              <a:rPr lang="en-US" sz="2400" dirty="0">
+                <a:latin typeface="Calibri" panose="020F0502020204030204" pitchFamily="34" charset="0"/>
+                <a:ea typeface="Calibri" panose="020F0502020204030204" pitchFamily="34" charset="0"/>
+                <a:cs typeface="Calibri" panose="020F0502020204030204" pitchFamily="34" charset="0"/>
+              </a:rPr>
+              <a:t>Best Product Line by Customer Type</a:t>
+            </a:r>
+            <a:endParaRPr lang="en-IN" sz="2400" dirty="0">
+              <a:latin typeface="Calibri" panose="020F0502020204030204" pitchFamily="34" charset="0"/>
+              <a:ea typeface="Calibri" panose="020F0502020204030204" pitchFamily="34" charset="0"/>
+              <a:cs typeface="Calibri" panose="020F0502020204030204" pitchFamily="34" charset="0"/>
+            </a:endParaRPr>
+          </a:p>
+        </p:txBody>
+      </p:sp>
+      <p:sp>
+        <p:nvSpPr>
+          <p:cNvPr id="4" name="Content Placeholder 3">
+            <a:extLst>
+              <a:ext uri="{FF2B5EF4-FFF2-40B4-BE49-F238E27FC236}">
+                <a16:creationId xmlns:a16="http://schemas.microsoft.com/office/drawing/2014/main" id="{BF035CD8-47EC-3E70-F199-07A4DB29D834}"/>
+              </a:ext>
+            </a:extLst>
+          </p:cNvPr>
+          <p:cNvSpPr>
+            <a:spLocks noGrp="1"/>
+          </p:cNvSpPr>
+          <p:nvPr>
+            <p:ph sz="half" idx="2"/>
+          </p:nvPr>
+        </p:nvSpPr>
+        <p:spPr>
+          <a:xfrm>
+            <a:off x="6170762" y="1441432"/>
+            <a:ext cx="5434879" cy="4709202"/>
+          </a:xfrm>
+        </p:spPr>
+        <p:txBody>
+          <a:bodyPr>
+            <a:normAutofit/>
+          </a:bodyPr>
+          <a:lstStyle/>
+          <a:p>
+            <a:pPr algn="ctr"/>
+            <a:r>
+              <a:rPr lang="en-US" sz="1400" b="1" u="sng" dirty="0">
+                <a:latin typeface="Calibri" panose="020F0502020204030204" pitchFamily="34" charset="0"/>
+                <a:ea typeface="Calibri" panose="020F0502020204030204" pitchFamily="34" charset="0"/>
+                <a:cs typeface="Calibri" panose="020F0502020204030204" pitchFamily="34" charset="0"/>
+              </a:rPr>
+              <a:t>INSIGHTS</a:t>
+            </a:r>
+          </a:p>
+          <a:p>
+            <a:r>
+              <a:rPr lang="en-US" sz="1400" b="1" dirty="0"/>
+              <a:t>Members</a:t>
+            </a:r>
+            <a:r>
+              <a:rPr lang="en-US" sz="1400" dirty="0"/>
+              <a:t> prefer </a:t>
+            </a:r>
+            <a:r>
+              <a:rPr lang="en-US" sz="1400" b="1" dirty="0"/>
+              <a:t>Food and Beverages</a:t>
+            </a:r>
+            <a:r>
+              <a:rPr lang="en-US" sz="1400" dirty="0"/>
+              <a:t> the </a:t>
+            </a:r>
+            <a:r>
+              <a:rPr lang="en-US" sz="1400" b="1" dirty="0"/>
+              <a:t>most</a:t>
+            </a:r>
+            <a:r>
+              <a:rPr lang="en-US" sz="1400" dirty="0"/>
+              <a:t> (94 purchases).</a:t>
+            </a:r>
+            <a:endParaRPr lang="en-US" sz="1400" b="1" dirty="0">
+              <a:latin typeface="fkGroteskNeue"/>
+            </a:endParaRPr>
+          </a:p>
+          <a:p>
+            <a:r>
+              <a:rPr lang="en-IN" sz="1400" b="1" dirty="0"/>
+              <a:t>Normal customers</a:t>
+            </a:r>
+            <a:r>
+              <a:rPr lang="en-IN" sz="1400" dirty="0"/>
+              <a:t> equally prefer:</a:t>
+            </a:r>
+            <a:endParaRPr lang="en-US" sz="1400" b="1" dirty="0">
+              <a:latin typeface="fkGroteskNeue"/>
+            </a:endParaRPr>
+          </a:p>
+          <a:p>
+            <a:pPr lvl="1"/>
+            <a:r>
+              <a:rPr lang="en-IN" sz="1400" b="1" dirty="0"/>
+              <a:t>Electronic Accessories</a:t>
+            </a:r>
+            <a:r>
+              <a:rPr lang="en-IN" sz="1400" dirty="0"/>
+              <a:t> (92 purchases)</a:t>
+            </a:r>
+            <a:endParaRPr lang="en-US" sz="1400" b="1" dirty="0">
+              <a:latin typeface="fkGroteskNeue"/>
+            </a:endParaRPr>
+          </a:p>
+          <a:p>
+            <a:pPr lvl="1"/>
+            <a:r>
+              <a:rPr lang="en-IN" sz="1400" b="1" dirty="0"/>
+              <a:t>Fashion Accessories</a:t>
+            </a:r>
+            <a:r>
+              <a:rPr lang="en-IN" sz="1400" dirty="0"/>
+              <a:t> (92 purchases)</a:t>
+            </a:r>
+          </a:p>
+          <a:p>
+            <a:pPr lvl="1"/>
+            <a:endParaRPr lang="en-US" sz="1200" dirty="0">
+              <a:latin typeface="fkGroteskNeue"/>
+            </a:endParaRPr>
+          </a:p>
+          <a:p>
+            <a:pPr algn="ctr"/>
+            <a:r>
+              <a:rPr lang="en-IN" sz="1400" b="1" u="sng" dirty="0">
+                <a:latin typeface="Calibri" panose="020F0502020204030204" pitchFamily="34" charset="0"/>
+                <a:ea typeface="Calibri" panose="020F0502020204030204" pitchFamily="34" charset="0"/>
+                <a:cs typeface="Calibri" panose="020F0502020204030204" pitchFamily="34" charset="0"/>
+              </a:rPr>
+              <a:t>RECOMMENDATIONS</a:t>
+            </a:r>
+          </a:p>
+          <a:p>
+            <a:r>
+              <a:rPr lang="en-US" sz="1400" dirty="0"/>
+              <a:t>Focus marketing campaigns more on </a:t>
+            </a:r>
+            <a:r>
+              <a:rPr lang="en-US" sz="1400" b="1" dirty="0"/>
+              <a:t>female customers</a:t>
+            </a:r>
+            <a:r>
+              <a:rPr lang="en-US" sz="1400" dirty="0"/>
+              <a:t>, especially in </a:t>
+            </a:r>
+            <a:r>
+              <a:rPr lang="en-US" sz="1400" b="1" dirty="0"/>
+              <a:t>February</a:t>
+            </a:r>
+            <a:r>
+              <a:rPr lang="en-US" sz="1400" dirty="0"/>
+              <a:t>.</a:t>
+            </a:r>
+            <a:r>
+              <a:rPr lang="en-IN" sz="1400" dirty="0"/>
+              <a:t> </a:t>
+            </a:r>
+            <a:endParaRPr lang="en-US" sz="1400" dirty="0">
+              <a:latin typeface="Calibri" panose="020F0502020204030204" pitchFamily="34" charset="0"/>
+              <a:ea typeface="Calibri" panose="020F0502020204030204" pitchFamily="34" charset="0"/>
+              <a:cs typeface="Calibri" panose="020F0502020204030204" pitchFamily="34" charset="0"/>
+            </a:endParaRPr>
+          </a:p>
+          <a:p>
+            <a:r>
+              <a:rPr lang="en-US" sz="1400" b="1" i="0" dirty="0">
+                <a:effectLst/>
+                <a:latin typeface="fkGroteskNeue"/>
+              </a:rPr>
+              <a:t>Investigate</a:t>
+            </a:r>
+            <a:r>
+              <a:rPr lang="en-US" sz="1400" b="0" i="0" dirty="0">
+                <a:effectLst/>
+                <a:latin typeface="fkGroteskNeue"/>
+              </a:rPr>
+              <a:t> underlying factors for male spending surge in </a:t>
+            </a:r>
+            <a:r>
+              <a:rPr lang="en-US" sz="1400" b="1" i="0" dirty="0">
+                <a:effectLst/>
+                <a:latin typeface="fkGroteskNeue"/>
+              </a:rPr>
+              <a:t>March</a:t>
+            </a:r>
+            <a:r>
+              <a:rPr lang="en-US" sz="1400" b="0" i="0" dirty="0">
+                <a:effectLst/>
+                <a:latin typeface="fkGroteskNeue"/>
+              </a:rPr>
+              <a:t> and consider applying </a:t>
+            </a:r>
+            <a:r>
+              <a:rPr lang="en-US" sz="1400" b="1" i="0" dirty="0">
+                <a:effectLst/>
+                <a:latin typeface="fkGroteskNeue"/>
+              </a:rPr>
+              <a:t>relevant strategies to other months like February</a:t>
+            </a:r>
+            <a:r>
+              <a:rPr lang="en-US" sz="1400" b="0" i="0" dirty="0">
+                <a:effectLst/>
+                <a:latin typeface="fkGroteskNeue"/>
+              </a:rPr>
+              <a:t>.</a:t>
+            </a:r>
+          </a:p>
+          <a:p>
+            <a:endParaRPr lang="en-US" sz="1400" dirty="0">
+              <a:latin typeface="Calibri" panose="020F0502020204030204" pitchFamily="34" charset="0"/>
+              <a:ea typeface="Calibri" panose="020F0502020204030204" pitchFamily="34" charset="0"/>
+              <a:cs typeface="Calibri" panose="020F0502020204030204" pitchFamily="34" charset="0"/>
+            </a:endParaRPr>
+          </a:p>
+        </p:txBody>
+      </p:sp>
+      <p:pic>
+        <p:nvPicPr>
+          <p:cNvPr id="7" name="Content Placeholder 6">
+            <a:extLst>
+              <a:ext uri="{FF2B5EF4-FFF2-40B4-BE49-F238E27FC236}">
+                <a16:creationId xmlns:a16="http://schemas.microsoft.com/office/drawing/2014/main" id="{D6031B81-BFEC-F8DA-E2E6-4E8387E2A161}"/>
+              </a:ext>
+            </a:extLst>
+          </p:cNvPr>
+          <p:cNvPicPr>
+            <a:picLocks noGrp="1" noChangeAspect="1"/>
+          </p:cNvPicPr>
+          <p:nvPr>
+            <p:ph sz="half" idx="1"/>
+          </p:nvPr>
+        </p:nvPicPr>
+        <p:blipFill>
+          <a:blip r:embed="rId2"/>
+          <a:stretch>
+            <a:fillRect/>
+          </a:stretch>
+        </p:blipFill>
+        <p:spPr>
+          <a:xfrm>
+            <a:off x="586359" y="1121434"/>
+            <a:ext cx="5331361" cy="4813540"/>
+          </a:xfrm>
+        </p:spPr>
+      </p:pic>
+    </p:spTree>
+    <p:extLst>
+      <p:ext uri="{BB962C8B-B14F-4D97-AF65-F5344CB8AC3E}">
+        <p14:creationId xmlns:p14="http://schemas.microsoft.com/office/powerpoint/2010/main" val="2345037371"/>
       </p:ext>
     </p:extLst>
   </p:cSld>

--- a/Walmart analysis.pptx
+++ b/Walmart analysis.pptx
@@ -5,7 +5,7 @@
     <p:sldMasterId id="2147483660" r:id="rId4"/>
   </p:sldMasterIdLst>
   <p:notesMasterIdLst>
-    <p:notesMasterId r:id="rId14"/>
+    <p:notesMasterId r:id="rId22"/>
   </p:notesMasterIdLst>
   <p:sldIdLst>
     <p:sldId id="264" r:id="rId5"/>
@@ -15,8 +15,16 @@
     <p:sldId id="316" r:id="rId9"/>
     <p:sldId id="318" r:id="rId10"/>
     <p:sldId id="319" r:id="rId11"/>
-    <p:sldId id="320" r:id="rId12"/>
-    <p:sldId id="321" r:id="rId13"/>
+    <p:sldId id="328" r:id="rId12"/>
+    <p:sldId id="320" r:id="rId13"/>
+    <p:sldId id="327" r:id="rId14"/>
+    <p:sldId id="321" r:id="rId15"/>
+    <p:sldId id="329" r:id="rId16"/>
+    <p:sldId id="322" r:id="rId17"/>
+    <p:sldId id="325" r:id="rId18"/>
+    <p:sldId id="323" r:id="rId19"/>
+    <p:sldId id="324" r:id="rId20"/>
+    <p:sldId id="326" r:id="rId21"/>
   </p:sldIdLst>
   <p:sldSz cx="12192000" cy="6858000"/>
   <p:notesSz cx="6858000" cy="9144000"/>
@@ -3176,7 +3184,7 @@
           <a:p>
             <a:fld id="{CC6DBDFE-DD3D-4291-A404-1B97A83A6EA8}" type="datetimeFigureOut">
               <a:rPr lang="en-US" smtClean="0"/>
-              <a:t>7/25/2025</a:t>
+              <a:t>7/26/2025</a:t>
             </a:fld>
             <a:endParaRPr lang="en-US" dirty="0"/>
           </a:p>
@@ -4200,7 +4208,7 @@
           <a:p>
             <a:fld id="{EA0C0817-A112-4847-8014-A94B7D2A4EA3}" type="datetime1">
               <a:rPr lang="en-US" smtClean="0"/>
-              <a:t>7/25/2025</a:t>
+              <a:t>7/26/2025</a:t>
             </a:fld>
             <a:endParaRPr lang="en-US" dirty="0"/>
           </a:p>
@@ -4402,7 +4410,7 @@
           <a:p>
             <a:fld id="{7332B432-ACDA-4023-A761-2BAB76577B62}" type="datetime1">
               <a:rPr lang="en-US" smtClean="0"/>
-              <a:t>7/25/2025</a:t>
+              <a:t>7/26/2025</a:t>
             </a:fld>
             <a:endParaRPr lang="en-US" dirty="0"/>
           </a:p>
@@ -5001,7 +5009,7 @@
           <a:p>
             <a:fld id="{D9C646AA-F36E-4540-911D-FFFC0A0EF24A}" type="datetime1">
               <a:rPr lang="en-US" smtClean="0"/>
-              <a:t>7/25/2025</a:t>
+              <a:t>7/26/2025</a:t>
             </a:fld>
             <a:endParaRPr lang="en-US" dirty="0"/>
           </a:p>
@@ -5321,7 +5329,7 @@
           <a:p>
             <a:fld id="{69186D26-FA5F-4637-B602-B7C2DC34CFD4}" type="datetime1">
               <a:rPr lang="en-US" smtClean="0"/>
-              <a:t>7/25/2025</a:t>
+              <a:t>7/26/2025</a:t>
             </a:fld>
             <a:endParaRPr lang="en-US" dirty="0"/>
           </a:p>
@@ -5758,7 +5766,7 @@
           <a:p>
             <a:fld id="{8A7F15D8-96D1-4781-BC50-CA8A088B2FE4}" type="datetime1">
               <a:rPr lang="en-US" smtClean="0"/>
-              <a:t>7/25/2025</a:t>
+              <a:t>7/26/2025</a:t>
             </a:fld>
             <a:endParaRPr lang="en-US" dirty="0"/>
           </a:p>
@@ -5876,7 +5884,7 @@
           <a:p>
             <a:fld id="{F9A96C99-B8F8-4528-BD05-0E16E943DC09}" type="datetime1">
               <a:rPr lang="en-US" smtClean="0"/>
-              <a:t>7/25/2025</a:t>
+              <a:t>7/26/2025</a:t>
             </a:fld>
             <a:endParaRPr lang="en-US" dirty="0"/>
           </a:p>
@@ -5971,7 +5979,7 @@
           <a:p>
             <a:fld id="{03636942-C211-4B28-8DBD-C953E00AF71B}" type="datetime1">
               <a:rPr lang="en-US" smtClean="0"/>
-              <a:t>7/25/2025</a:t>
+              <a:t>7/26/2025</a:t>
             </a:fld>
             <a:endParaRPr lang="en-US" dirty="0"/>
           </a:p>
@@ -6388,7 +6396,7 @@
           <a:p>
             <a:fld id="{7E8D12A6-918A-48BD-8CB9-CA713993B0EA}" type="datetime1">
               <a:rPr lang="en-US" smtClean="0"/>
-              <a:t>7/25/2025</a:t>
+              <a:t>7/26/2025</a:t>
             </a:fld>
             <a:endParaRPr lang="en-US" dirty="0"/>
           </a:p>
@@ -6650,7 +6658,7 @@
             <a:fld id="{E778CE86-875F-4587-BCF6-FA054AFC0D53}" type="datetime1">
               <a:rPr lang="en-US" smtClean="0"/>
               <a:pPr/>
-              <a:t>7/25/2025</a:t>
+              <a:t>7/26/2025</a:t>
             </a:fld>
             <a:endParaRPr lang="en-US" dirty="0"/>
           </a:p>
@@ -7166,7 +7174,7 @@
           <a:p>
             <a:fld id="{F6FA2B21-3FCD-4721-B95C-427943F61125}" type="datetime1">
               <a:rPr lang="en-US" smtClean="0"/>
-              <a:t>7/25/2025</a:t>
+              <a:t>7/26/2025</a:t>
             </a:fld>
             <a:endParaRPr lang="en-US" dirty="0"/>
           </a:p>
@@ -8140,6 +8148,1468 @@
 </p:sld>
 </file>
 
+<file path=ppt/slides/slide10.xml><?xml version="1.0" encoding="utf-8"?>
+<p:sld xmlns:a="http://schemas.openxmlformats.org/drawingml/2006/main" xmlns:r="http://schemas.openxmlformats.org/officeDocument/2006/relationships" xmlns:p="http://schemas.openxmlformats.org/presentationml/2006/main">
+  <p:cSld>
+    <p:spTree>
+      <p:nvGrpSpPr>
+        <p:cNvPr id="1" name=""/>
+        <p:cNvGrpSpPr/>
+        <p:nvPr/>
+      </p:nvGrpSpPr>
+      <p:grpSpPr>
+        <a:xfrm>
+          <a:off x="0" y="0"/>
+          <a:ext cx="0" cy="0"/>
+          <a:chOff x="0" y="0"/>
+          <a:chExt cx="0" cy="0"/>
+        </a:xfrm>
+      </p:grpSpPr>
+      <p:sp>
+        <p:nvSpPr>
+          <p:cNvPr id="2" name="Title 1">
+            <a:extLst>
+              <a:ext uri="{FF2B5EF4-FFF2-40B4-BE49-F238E27FC236}">
+                <a16:creationId xmlns:a16="http://schemas.microsoft.com/office/drawing/2014/main" id="{24614B18-70B6-A20B-7415-A11177ADC74B}"/>
+              </a:ext>
+            </a:extLst>
+          </p:cNvPr>
+          <p:cNvSpPr>
+            <a:spLocks noGrp="1"/>
+          </p:cNvSpPr>
+          <p:nvPr>
+            <p:ph type="title"/>
+          </p:nvPr>
+        </p:nvSpPr>
+        <p:spPr>
+          <a:xfrm>
+            <a:off x="1066800" y="483079"/>
+            <a:ext cx="10058400" cy="664234"/>
+          </a:xfrm>
+        </p:spPr>
+        <p:txBody>
+          <a:bodyPr>
+            <a:normAutofit/>
+          </a:bodyPr>
+          <a:lstStyle/>
+          <a:p>
+            <a:pPr algn="ctr"/>
+            <a:r>
+              <a:rPr lang="en-US" sz="2400" dirty="0">
+                <a:latin typeface="Calibri" panose="020F0502020204030204" pitchFamily="34" charset="0"/>
+                <a:ea typeface="Calibri" panose="020F0502020204030204" pitchFamily="34" charset="0"/>
+                <a:cs typeface="Calibri" panose="020F0502020204030204" pitchFamily="34" charset="0"/>
+              </a:rPr>
+              <a:t>Monthly Sales Distribution by Gender</a:t>
+            </a:r>
+            <a:endParaRPr lang="en-IN" sz="2400" dirty="0">
+              <a:latin typeface="Segoe UI Variable Display Semil" pitchFamily="2" charset="0"/>
+            </a:endParaRPr>
+          </a:p>
+        </p:txBody>
+      </p:sp>
+      <p:pic>
+        <p:nvPicPr>
+          <p:cNvPr id="5" name="Picture 4">
+            <a:extLst>
+              <a:ext uri="{FF2B5EF4-FFF2-40B4-BE49-F238E27FC236}">
+                <a16:creationId xmlns:a16="http://schemas.microsoft.com/office/drawing/2014/main" id="{A3B55B99-3F7C-2BBB-024C-B1FFA20AE793}"/>
+              </a:ext>
+            </a:extLst>
+          </p:cNvPr>
+          <p:cNvPicPr>
+            <a:picLocks noChangeAspect="1"/>
+          </p:cNvPicPr>
+          <p:nvPr/>
+        </p:nvPicPr>
+        <p:blipFill>
+          <a:blip r:embed="rId2"/>
+          <a:stretch>
+            <a:fillRect/>
+          </a:stretch>
+        </p:blipFill>
+        <p:spPr>
+          <a:xfrm>
+            <a:off x="513220" y="1229736"/>
+            <a:ext cx="11165560" cy="5066592"/>
+          </a:xfrm>
+          <a:prstGeom prst="rect">
+            <a:avLst/>
+          </a:prstGeom>
+        </p:spPr>
+      </p:pic>
+    </p:spTree>
+    <p:extLst>
+      <p:ext uri="{BB962C8B-B14F-4D97-AF65-F5344CB8AC3E}">
+        <p14:creationId xmlns:p14="http://schemas.microsoft.com/office/powerpoint/2010/main" val="1415788563"/>
+      </p:ext>
+    </p:extLst>
+  </p:cSld>
+  <p:clrMapOvr>
+    <a:masterClrMapping/>
+  </p:clrMapOvr>
+</p:sld>
+</file>
+
+<file path=ppt/slides/slide11.xml><?xml version="1.0" encoding="utf-8"?>
+<p:sld xmlns:a="http://schemas.openxmlformats.org/drawingml/2006/main" xmlns:r="http://schemas.openxmlformats.org/officeDocument/2006/relationships" xmlns:p="http://schemas.openxmlformats.org/presentationml/2006/main">
+  <p:cSld>
+    <p:spTree>
+      <p:nvGrpSpPr>
+        <p:cNvPr id="1" name=""/>
+        <p:cNvGrpSpPr/>
+        <p:nvPr/>
+      </p:nvGrpSpPr>
+      <p:grpSpPr>
+        <a:xfrm>
+          <a:off x="0" y="0"/>
+          <a:ext cx="0" cy="0"/>
+          <a:chOff x="0" y="0"/>
+          <a:chExt cx="0" cy="0"/>
+        </a:xfrm>
+      </p:grpSpPr>
+      <p:sp>
+        <p:nvSpPr>
+          <p:cNvPr id="2" name="Title 1">
+            <a:extLst>
+              <a:ext uri="{FF2B5EF4-FFF2-40B4-BE49-F238E27FC236}">
+                <a16:creationId xmlns:a16="http://schemas.microsoft.com/office/drawing/2014/main" id="{90824DD4-78E1-4E31-11C1-365BA5E75C04}"/>
+              </a:ext>
+            </a:extLst>
+          </p:cNvPr>
+          <p:cNvSpPr>
+            <a:spLocks noGrp="1"/>
+          </p:cNvSpPr>
+          <p:nvPr>
+            <p:ph type="title"/>
+          </p:nvPr>
+        </p:nvSpPr>
+        <p:spPr>
+          <a:xfrm>
+            <a:off x="1066800" y="642594"/>
+            <a:ext cx="10058400" cy="478840"/>
+          </a:xfrm>
+        </p:spPr>
+        <p:txBody>
+          <a:bodyPr>
+            <a:normAutofit/>
+          </a:bodyPr>
+          <a:lstStyle/>
+          <a:p>
+            <a:pPr algn="ctr"/>
+            <a:r>
+              <a:rPr lang="en-US" sz="2400" dirty="0">
+                <a:latin typeface="Calibri" panose="020F0502020204030204" pitchFamily="34" charset="0"/>
+                <a:ea typeface="Calibri" panose="020F0502020204030204" pitchFamily="34" charset="0"/>
+                <a:cs typeface="Calibri" panose="020F0502020204030204" pitchFamily="34" charset="0"/>
+              </a:rPr>
+              <a:t>Best Product Line by Customer Type</a:t>
+            </a:r>
+            <a:endParaRPr lang="en-IN" sz="2400" dirty="0">
+              <a:latin typeface="Calibri" panose="020F0502020204030204" pitchFamily="34" charset="0"/>
+              <a:ea typeface="Calibri" panose="020F0502020204030204" pitchFamily="34" charset="0"/>
+              <a:cs typeface="Calibri" panose="020F0502020204030204" pitchFamily="34" charset="0"/>
+            </a:endParaRPr>
+          </a:p>
+        </p:txBody>
+      </p:sp>
+      <p:sp>
+        <p:nvSpPr>
+          <p:cNvPr id="4" name="Content Placeholder 3">
+            <a:extLst>
+              <a:ext uri="{FF2B5EF4-FFF2-40B4-BE49-F238E27FC236}">
+                <a16:creationId xmlns:a16="http://schemas.microsoft.com/office/drawing/2014/main" id="{BF035CD8-47EC-3E70-F199-07A4DB29D834}"/>
+              </a:ext>
+            </a:extLst>
+          </p:cNvPr>
+          <p:cNvSpPr>
+            <a:spLocks noGrp="1"/>
+          </p:cNvSpPr>
+          <p:nvPr>
+            <p:ph sz="half" idx="2"/>
+          </p:nvPr>
+        </p:nvSpPr>
+        <p:spPr>
+          <a:xfrm>
+            <a:off x="6170762" y="1441432"/>
+            <a:ext cx="5434879" cy="4709202"/>
+          </a:xfrm>
+        </p:spPr>
+        <p:txBody>
+          <a:bodyPr>
+            <a:normAutofit/>
+          </a:bodyPr>
+          <a:lstStyle/>
+          <a:p>
+            <a:pPr algn="ctr"/>
+            <a:r>
+              <a:rPr lang="en-US" sz="1400" b="1" u="sng" dirty="0">
+                <a:latin typeface="Calibri" panose="020F0502020204030204" pitchFamily="34" charset="0"/>
+                <a:ea typeface="Calibri" panose="020F0502020204030204" pitchFamily="34" charset="0"/>
+                <a:cs typeface="Calibri" panose="020F0502020204030204" pitchFamily="34" charset="0"/>
+              </a:rPr>
+              <a:t>INSIGHTS</a:t>
+            </a:r>
+          </a:p>
+          <a:p>
+            <a:r>
+              <a:rPr lang="en-US" sz="1400" b="1" dirty="0">
+                <a:latin typeface="Calibri" panose="020F0502020204030204" pitchFamily="34" charset="0"/>
+                <a:ea typeface="Calibri" panose="020F0502020204030204" pitchFamily="34" charset="0"/>
+                <a:cs typeface="Calibri" panose="020F0502020204030204" pitchFamily="34" charset="0"/>
+              </a:rPr>
+              <a:t>Members</a:t>
+            </a:r>
+            <a:r>
+              <a:rPr lang="en-US" sz="1400" dirty="0">
+                <a:latin typeface="Calibri" panose="020F0502020204030204" pitchFamily="34" charset="0"/>
+                <a:ea typeface="Calibri" panose="020F0502020204030204" pitchFamily="34" charset="0"/>
+                <a:cs typeface="Calibri" panose="020F0502020204030204" pitchFamily="34" charset="0"/>
+              </a:rPr>
+              <a:t> prefer </a:t>
+            </a:r>
+            <a:r>
+              <a:rPr lang="en-US" sz="1400" b="1" dirty="0">
+                <a:latin typeface="Calibri" panose="020F0502020204030204" pitchFamily="34" charset="0"/>
+                <a:ea typeface="Calibri" panose="020F0502020204030204" pitchFamily="34" charset="0"/>
+                <a:cs typeface="Calibri" panose="020F0502020204030204" pitchFamily="34" charset="0"/>
+              </a:rPr>
+              <a:t>Food and Beverages</a:t>
+            </a:r>
+            <a:r>
+              <a:rPr lang="en-US" sz="1400" dirty="0">
+                <a:latin typeface="Calibri" panose="020F0502020204030204" pitchFamily="34" charset="0"/>
+                <a:ea typeface="Calibri" panose="020F0502020204030204" pitchFamily="34" charset="0"/>
+                <a:cs typeface="Calibri" panose="020F0502020204030204" pitchFamily="34" charset="0"/>
+              </a:rPr>
+              <a:t> the </a:t>
+            </a:r>
+            <a:r>
+              <a:rPr lang="en-US" sz="1400" b="1" dirty="0">
+                <a:latin typeface="Calibri" panose="020F0502020204030204" pitchFamily="34" charset="0"/>
+                <a:ea typeface="Calibri" panose="020F0502020204030204" pitchFamily="34" charset="0"/>
+                <a:cs typeface="Calibri" panose="020F0502020204030204" pitchFamily="34" charset="0"/>
+              </a:rPr>
+              <a:t>most</a:t>
+            </a:r>
+            <a:r>
+              <a:rPr lang="en-US" sz="1400" dirty="0">
+                <a:latin typeface="Calibri" panose="020F0502020204030204" pitchFamily="34" charset="0"/>
+                <a:ea typeface="Calibri" panose="020F0502020204030204" pitchFamily="34" charset="0"/>
+                <a:cs typeface="Calibri" panose="020F0502020204030204" pitchFamily="34" charset="0"/>
+              </a:rPr>
+              <a:t> (94 purchases).</a:t>
+            </a:r>
+            <a:endParaRPr lang="en-US" sz="1400" b="1" dirty="0">
+              <a:latin typeface="Calibri" panose="020F0502020204030204" pitchFamily="34" charset="0"/>
+              <a:ea typeface="Calibri" panose="020F0502020204030204" pitchFamily="34" charset="0"/>
+              <a:cs typeface="Calibri" panose="020F0502020204030204" pitchFamily="34" charset="0"/>
+            </a:endParaRPr>
+          </a:p>
+          <a:p>
+            <a:r>
+              <a:rPr lang="en-IN" sz="1400" b="1" dirty="0">
+                <a:latin typeface="Calibri" panose="020F0502020204030204" pitchFamily="34" charset="0"/>
+                <a:ea typeface="Calibri" panose="020F0502020204030204" pitchFamily="34" charset="0"/>
+                <a:cs typeface="Calibri" panose="020F0502020204030204" pitchFamily="34" charset="0"/>
+              </a:rPr>
+              <a:t>Normal customers</a:t>
+            </a:r>
+            <a:r>
+              <a:rPr lang="en-IN" sz="1400" dirty="0">
+                <a:latin typeface="Calibri" panose="020F0502020204030204" pitchFamily="34" charset="0"/>
+                <a:ea typeface="Calibri" panose="020F0502020204030204" pitchFamily="34" charset="0"/>
+                <a:cs typeface="Calibri" panose="020F0502020204030204" pitchFamily="34" charset="0"/>
+              </a:rPr>
+              <a:t> equally prefer:</a:t>
+            </a:r>
+            <a:endParaRPr lang="en-US" sz="1400" b="1" dirty="0">
+              <a:latin typeface="Calibri" panose="020F0502020204030204" pitchFamily="34" charset="0"/>
+              <a:ea typeface="Calibri" panose="020F0502020204030204" pitchFamily="34" charset="0"/>
+              <a:cs typeface="Calibri" panose="020F0502020204030204" pitchFamily="34" charset="0"/>
+            </a:endParaRPr>
+          </a:p>
+          <a:p>
+            <a:pPr lvl="1"/>
+            <a:r>
+              <a:rPr lang="en-IN" sz="1400" b="1" dirty="0">
+                <a:latin typeface="Calibri" panose="020F0502020204030204" pitchFamily="34" charset="0"/>
+                <a:ea typeface="Calibri" panose="020F0502020204030204" pitchFamily="34" charset="0"/>
+                <a:cs typeface="Calibri" panose="020F0502020204030204" pitchFamily="34" charset="0"/>
+              </a:rPr>
+              <a:t>Electronic Accessories</a:t>
+            </a:r>
+            <a:r>
+              <a:rPr lang="en-IN" sz="1400" dirty="0">
+                <a:latin typeface="Calibri" panose="020F0502020204030204" pitchFamily="34" charset="0"/>
+                <a:ea typeface="Calibri" panose="020F0502020204030204" pitchFamily="34" charset="0"/>
+                <a:cs typeface="Calibri" panose="020F0502020204030204" pitchFamily="34" charset="0"/>
+              </a:rPr>
+              <a:t> (92 purchases)</a:t>
+            </a:r>
+            <a:endParaRPr lang="en-US" sz="1400" b="1" dirty="0">
+              <a:latin typeface="Calibri" panose="020F0502020204030204" pitchFamily="34" charset="0"/>
+              <a:ea typeface="Calibri" panose="020F0502020204030204" pitchFamily="34" charset="0"/>
+              <a:cs typeface="Calibri" panose="020F0502020204030204" pitchFamily="34" charset="0"/>
+            </a:endParaRPr>
+          </a:p>
+          <a:p>
+            <a:pPr lvl="1"/>
+            <a:r>
+              <a:rPr lang="en-IN" sz="1400" b="1" dirty="0">
+                <a:latin typeface="Calibri" panose="020F0502020204030204" pitchFamily="34" charset="0"/>
+                <a:ea typeface="Calibri" panose="020F0502020204030204" pitchFamily="34" charset="0"/>
+                <a:cs typeface="Calibri" panose="020F0502020204030204" pitchFamily="34" charset="0"/>
+              </a:rPr>
+              <a:t>Fashion Accessories</a:t>
+            </a:r>
+            <a:r>
+              <a:rPr lang="en-IN" sz="1400" dirty="0">
+                <a:latin typeface="Calibri" panose="020F0502020204030204" pitchFamily="34" charset="0"/>
+                <a:ea typeface="Calibri" panose="020F0502020204030204" pitchFamily="34" charset="0"/>
+                <a:cs typeface="Calibri" panose="020F0502020204030204" pitchFamily="34" charset="0"/>
+              </a:rPr>
+              <a:t> (92 purchases)</a:t>
+            </a:r>
+          </a:p>
+          <a:p>
+            <a:pPr lvl="1"/>
+            <a:endParaRPr lang="en-US" sz="1400" dirty="0">
+              <a:latin typeface="Calibri" panose="020F0502020204030204" pitchFamily="34" charset="0"/>
+              <a:ea typeface="Calibri" panose="020F0502020204030204" pitchFamily="34" charset="0"/>
+              <a:cs typeface="Calibri" panose="020F0502020204030204" pitchFamily="34" charset="0"/>
+            </a:endParaRPr>
+          </a:p>
+          <a:p>
+            <a:pPr algn="ctr"/>
+            <a:r>
+              <a:rPr lang="en-IN" sz="1400" b="1" u="sng" dirty="0">
+                <a:latin typeface="Calibri" panose="020F0502020204030204" pitchFamily="34" charset="0"/>
+                <a:ea typeface="Calibri" panose="020F0502020204030204" pitchFamily="34" charset="0"/>
+                <a:cs typeface="Calibri" panose="020F0502020204030204" pitchFamily="34" charset="0"/>
+              </a:rPr>
+              <a:t>RECOMMENDATIONS</a:t>
+            </a:r>
+          </a:p>
+          <a:p>
+            <a:r>
+              <a:rPr lang="en-US" sz="1400" dirty="0">
+                <a:latin typeface="Calibri" panose="020F0502020204030204" pitchFamily="34" charset="0"/>
+                <a:ea typeface="Calibri" panose="020F0502020204030204" pitchFamily="34" charset="0"/>
+                <a:cs typeface="Calibri" panose="020F0502020204030204" pitchFamily="34" charset="0"/>
+              </a:rPr>
+              <a:t>Promote </a:t>
+            </a:r>
+            <a:r>
+              <a:rPr lang="en-US" sz="1400" b="1" dirty="0">
+                <a:latin typeface="Calibri" panose="020F0502020204030204" pitchFamily="34" charset="0"/>
+                <a:ea typeface="Calibri" panose="020F0502020204030204" pitchFamily="34" charset="0"/>
+                <a:cs typeface="Calibri" panose="020F0502020204030204" pitchFamily="34" charset="0"/>
+              </a:rPr>
+              <a:t>Food &amp; Beverages</a:t>
+            </a:r>
+            <a:r>
+              <a:rPr lang="en-US" sz="1400" dirty="0">
+                <a:latin typeface="Calibri" panose="020F0502020204030204" pitchFamily="34" charset="0"/>
+                <a:ea typeface="Calibri" panose="020F0502020204030204" pitchFamily="34" charset="0"/>
+                <a:cs typeface="Calibri" panose="020F0502020204030204" pitchFamily="34" charset="0"/>
+              </a:rPr>
+              <a:t> deals to </a:t>
+            </a:r>
+            <a:r>
+              <a:rPr lang="en-US" sz="1400" b="1" dirty="0">
+                <a:latin typeface="Calibri" panose="020F0502020204030204" pitchFamily="34" charset="0"/>
+                <a:ea typeface="Calibri" panose="020F0502020204030204" pitchFamily="34" charset="0"/>
+                <a:cs typeface="Calibri" panose="020F0502020204030204" pitchFamily="34" charset="0"/>
+              </a:rPr>
+              <a:t>Members</a:t>
+            </a:r>
+            <a:r>
+              <a:rPr lang="en-US" sz="1400" dirty="0">
+                <a:latin typeface="Calibri" panose="020F0502020204030204" pitchFamily="34" charset="0"/>
+                <a:ea typeface="Calibri" panose="020F0502020204030204" pitchFamily="34" charset="0"/>
+                <a:cs typeface="Calibri" panose="020F0502020204030204" pitchFamily="34" charset="0"/>
+              </a:rPr>
+              <a:t> via loyalty rewards or exclusive offers..</a:t>
+            </a:r>
+            <a:r>
+              <a:rPr lang="en-IN" sz="1400" dirty="0">
+                <a:latin typeface="Calibri" panose="020F0502020204030204" pitchFamily="34" charset="0"/>
+                <a:ea typeface="Calibri" panose="020F0502020204030204" pitchFamily="34" charset="0"/>
+                <a:cs typeface="Calibri" panose="020F0502020204030204" pitchFamily="34" charset="0"/>
+              </a:rPr>
+              <a:t> </a:t>
+            </a:r>
+            <a:endParaRPr lang="en-US" sz="1400" dirty="0">
+              <a:latin typeface="Calibri" panose="020F0502020204030204" pitchFamily="34" charset="0"/>
+              <a:ea typeface="Calibri" panose="020F0502020204030204" pitchFamily="34" charset="0"/>
+              <a:cs typeface="Calibri" panose="020F0502020204030204" pitchFamily="34" charset="0"/>
+            </a:endParaRPr>
+          </a:p>
+          <a:p>
+            <a:r>
+              <a:rPr lang="en-US" sz="1400" dirty="0">
+                <a:latin typeface="Calibri" panose="020F0502020204030204" pitchFamily="34" charset="0"/>
+                <a:ea typeface="Calibri" panose="020F0502020204030204" pitchFamily="34" charset="0"/>
+                <a:cs typeface="Calibri" panose="020F0502020204030204" pitchFamily="34" charset="0"/>
+              </a:rPr>
+              <a:t>Target </a:t>
+            </a:r>
+            <a:r>
+              <a:rPr lang="en-US" sz="1400" b="1" dirty="0">
+                <a:latin typeface="Calibri" panose="020F0502020204030204" pitchFamily="34" charset="0"/>
+                <a:ea typeface="Calibri" panose="020F0502020204030204" pitchFamily="34" charset="0"/>
+                <a:cs typeface="Calibri" panose="020F0502020204030204" pitchFamily="34" charset="0"/>
+              </a:rPr>
+              <a:t>Normal customers</a:t>
+            </a:r>
+            <a:r>
+              <a:rPr lang="en-US" sz="1400" dirty="0">
+                <a:latin typeface="Calibri" panose="020F0502020204030204" pitchFamily="34" charset="0"/>
+                <a:ea typeface="Calibri" panose="020F0502020204030204" pitchFamily="34" charset="0"/>
+                <a:cs typeface="Calibri" panose="020F0502020204030204" pitchFamily="34" charset="0"/>
+              </a:rPr>
+              <a:t> with bundled deals or discounts on </a:t>
+            </a:r>
+            <a:r>
+              <a:rPr lang="en-US" sz="1400" b="1" dirty="0">
+                <a:latin typeface="Calibri" panose="020F0502020204030204" pitchFamily="34" charset="0"/>
+                <a:ea typeface="Calibri" panose="020F0502020204030204" pitchFamily="34" charset="0"/>
+                <a:cs typeface="Calibri" panose="020F0502020204030204" pitchFamily="34" charset="0"/>
+              </a:rPr>
+              <a:t>Electronic</a:t>
+            </a:r>
+            <a:r>
+              <a:rPr lang="en-US" sz="1400" dirty="0">
+                <a:latin typeface="Calibri" panose="020F0502020204030204" pitchFamily="34" charset="0"/>
+                <a:ea typeface="Calibri" panose="020F0502020204030204" pitchFamily="34" charset="0"/>
+                <a:cs typeface="Calibri" panose="020F0502020204030204" pitchFamily="34" charset="0"/>
+              </a:rPr>
+              <a:t> and </a:t>
+            </a:r>
+            <a:r>
+              <a:rPr lang="en-US" sz="1400" b="1" dirty="0">
+                <a:latin typeface="Calibri" panose="020F0502020204030204" pitchFamily="34" charset="0"/>
+                <a:ea typeface="Calibri" panose="020F0502020204030204" pitchFamily="34" charset="0"/>
+                <a:cs typeface="Calibri" panose="020F0502020204030204" pitchFamily="34" charset="0"/>
+              </a:rPr>
+              <a:t>Fashion Accessories</a:t>
+            </a:r>
+            <a:r>
+              <a:rPr lang="en-US" sz="1400" dirty="0">
+                <a:latin typeface="Calibri" panose="020F0502020204030204" pitchFamily="34" charset="0"/>
+                <a:ea typeface="Calibri" panose="020F0502020204030204" pitchFamily="34" charset="0"/>
+                <a:cs typeface="Calibri" panose="020F0502020204030204" pitchFamily="34" charset="0"/>
+              </a:rPr>
+              <a:t> to boost engagement.</a:t>
+            </a:r>
+          </a:p>
+        </p:txBody>
+      </p:sp>
+      <p:pic>
+        <p:nvPicPr>
+          <p:cNvPr id="7" name="Content Placeholder 6">
+            <a:extLst>
+              <a:ext uri="{FF2B5EF4-FFF2-40B4-BE49-F238E27FC236}">
+                <a16:creationId xmlns:a16="http://schemas.microsoft.com/office/drawing/2014/main" id="{D6031B81-BFEC-F8DA-E2E6-4E8387E2A161}"/>
+              </a:ext>
+            </a:extLst>
+          </p:cNvPr>
+          <p:cNvPicPr>
+            <a:picLocks noGrp="1" noChangeAspect="1"/>
+          </p:cNvPicPr>
+          <p:nvPr>
+            <p:ph sz="half" idx="1"/>
+          </p:nvPr>
+        </p:nvPicPr>
+        <p:blipFill>
+          <a:blip r:embed="rId2"/>
+          <a:stretch>
+            <a:fillRect/>
+          </a:stretch>
+        </p:blipFill>
+        <p:spPr>
+          <a:xfrm>
+            <a:off x="586359" y="1121434"/>
+            <a:ext cx="5331361" cy="4813540"/>
+          </a:xfrm>
+        </p:spPr>
+      </p:pic>
+    </p:spTree>
+    <p:extLst>
+      <p:ext uri="{BB962C8B-B14F-4D97-AF65-F5344CB8AC3E}">
+        <p14:creationId xmlns:p14="http://schemas.microsoft.com/office/powerpoint/2010/main" val="2345037371"/>
+      </p:ext>
+    </p:extLst>
+  </p:cSld>
+  <p:clrMapOvr>
+    <a:masterClrMapping/>
+  </p:clrMapOvr>
+</p:sld>
+</file>
+
+<file path=ppt/slides/slide12.xml><?xml version="1.0" encoding="utf-8"?>
+<p:sld xmlns:a="http://schemas.openxmlformats.org/drawingml/2006/main" xmlns:r="http://schemas.openxmlformats.org/officeDocument/2006/relationships" xmlns:p="http://schemas.openxmlformats.org/presentationml/2006/main">
+  <p:cSld>
+    <p:spTree>
+      <p:nvGrpSpPr>
+        <p:cNvPr id="1" name=""/>
+        <p:cNvGrpSpPr/>
+        <p:nvPr/>
+      </p:nvGrpSpPr>
+      <p:grpSpPr>
+        <a:xfrm>
+          <a:off x="0" y="0"/>
+          <a:ext cx="0" cy="0"/>
+          <a:chOff x="0" y="0"/>
+          <a:chExt cx="0" cy="0"/>
+        </a:xfrm>
+      </p:grpSpPr>
+      <p:sp>
+        <p:nvSpPr>
+          <p:cNvPr id="2" name="Title 1">
+            <a:extLst>
+              <a:ext uri="{FF2B5EF4-FFF2-40B4-BE49-F238E27FC236}">
+                <a16:creationId xmlns:a16="http://schemas.microsoft.com/office/drawing/2014/main" id="{24614B18-70B6-A20B-7415-A11177ADC74B}"/>
+              </a:ext>
+            </a:extLst>
+          </p:cNvPr>
+          <p:cNvSpPr>
+            <a:spLocks noGrp="1"/>
+          </p:cNvSpPr>
+          <p:nvPr>
+            <p:ph type="title"/>
+          </p:nvPr>
+        </p:nvSpPr>
+        <p:spPr>
+          <a:xfrm>
+            <a:off x="1066800" y="483079"/>
+            <a:ext cx="10058400" cy="664234"/>
+          </a:xfrm>
+        </p:spPr>
+        <p:txBody>
+          <a:bodyPr>
+            <a:normAutofit/>
+          </a:bodyPr>
+          <a:lstStyle/>
+          <a:p>
+            <a:pPr algn="ctr"/>
+            <a:r>
+              <a:rPr lang="en-US" sz="2400" dirty="0">
+                <a:latin typeface="Calibri" panose="020F0502020204030204" pitchFamily="34" charset="0"/>
+                <a:ea typeface="Calibri" panose="020F0502020204030204" pitchFamily="34" charset="0"/>
+                <a:cs typeface="Calibri" panose="020F0502020204030204" pitchFamily="34" charset="0"/>
+              </a:rPr>
+              <a:t>Product Line by Customer Type</a:t>
+            </a:r>
+            <a:endParaRPr lang="en-IN" sz="2400" dirty="0">
+              <a:latin typeface="Segoe UI Variable Display Semil" pitchFamily="2" charset="0"/>
+            </a:endParaRPr>
+          </a:p>
+        </p:txBody>
+      </p:sp>
+      <p:pic>
+        <p:nvPicPr>
+          <p:cNvPr id="4" name="Picture 3">
+            <a:extLst>
+              <a:ext uri="{FF2B5EF4-FFF2-40B4-BE49-F238E27FC236}">
+                <a16:creationId xmlns:a16="http://schemas.microsoft.com/office/drawing/2014/main" id="{2E8A2040-1AA4-590D-E9F9-C26CB6ACE634}"/>
+              </a:ext>
+            </a:extLst>
+          </p:cNvPr>
+          <p:cNvPicPr>
+            <a:picLocks noChangeAspect="1"/>
+          </p:cNvPicPr>
+          <p:nvPr/>
+        </p:nvPicPr>
+        <p:blipFill>
+          <a:blip r:embed="rId2"/>
+          <a:stretch>
+            <a:fillRect/>
+          </a:stretch>
+        </p:blipFill>
+        <p:spPr>
+          <a:xfrm>
+            <a:off x="431321" y="1147313"/>
+            <a:ext cx="11240219" cy="5196744"/>
+          </a:xfrm>
+          <a:prstGeom prst="rect">
+            <a:avLst/>
+          </a:prstGeom>
+        </p:spPr>
+      </p:pic>
+    </p:spTree>
+    <p:extLst>
+      <p:ext uri="{BB962C8B-B14F-4D97-AF65-F5344CB8AC3E}">
+        <p14:creationId xmlns:p14="http://schemas.microsoft.com/office/powerpoint/2010/main" val="2780214444"/>
+      </p:ext>
+    </p:extLst>
+  </p:cSld>
+  <p:clrMapOvr>
+    <a:masterClrMapping/>
+  </p:clrMapOvr>
+</p:sld>
+</file>
+
+<file path=ppt/slides/slide13.xml><?xml version="1.0" encoding="utf-8"?>
+<p:sld xmlns:a="http://schemas.openxmlformats.org/drawingml/2006/main" xmlns:r="http://schemas.openxmlformats.org/officeDocument/2006/relationships" xmlns:p="http://schemas.openxmlformats.org/presentationml/2006/main">
+  <p:cSld>
+    <p:spTree>
+      <p:nvGrpSpPr>
+        <p:cNvPr id="1" name=""/>
+        <p:cNvGrpSpPr/>
+        <p:nvPr/>
+      </p:nvGrpSpPr>
+      <p:grpSpPr>
+        <a:xfrm>
+          <a:off x="0" y="0"/>
+          <a:ext cx="0" cy="0"/>
+          <a:chOff x="0" y="0"/>
+          <a:chExt cx="0" cy="0"/>
+        </a:xfrm>
+      </p:grpSpPr>
+      <p:sp>
+        <p:nvSpPr>
+          <p:cNvPr id="2" name="Title 1">
+            <a:extLst>
+              <a:ext uri="{FF2B5EF4-FFF2-40B4-BE49-F238E27FC236}">
+                <a16:creationId xmlns:a16="http://schemas.microsoft.com/office/drawing/2014/main" id="{90824DD4-78E1-4E31-11C1-365BA5E75C04}"/>
+              </a:ext>
+            </a:extLst>
+          </p:cNvPr>
+          <p:cNvSpPr>
+            <a:spLocks noGrp="1"/>
+          </p:cNvSpPr>
+          <p:nvPr>
+            <p:ph type="title"/>
+          </p:nvPr>
+        </p:nvSpPr>
+        <p:spPr>
+          <a:xfrm>
+            <a:off x="1066800" y="642594"/>
+            <a:ext cx="10058400" cy="478840"/>
+          </a:xfrm>
+        </p:spPr>
+        <p:txBody>
+          <a:bodyPr>
+            <a:normAutofit/>
+          </a:bodyPr>
+          <a:lstStyle/>
+          <a:p>
+            <a:pPr algn="ctr"/>
+            <a:r>
+              <a:rPr lang="en-IN" sz="2400" dirty="0">
+                <a:latin typeface="Segoe UI Variable Display Semil" pitchFamily="2" charset="0"/>
+              </a:rPr>
+              <a:t>Identifying Repeat Customers</a:t>
+            </a:r>
+            <a:endParaRPr lang="en-IN" sz="2400" dirty="0">
+              <a:latin typeface="Segoe UI Variable Display Semil" pitchFamily="2" charset="0"/>
+              <a:ea typeface="Calibri" panose="020F0502020204030204" pitchFamily="34" charset="0"/>
+              <a:cs typeface="Calibri" panose="020F0502020204030204" pitchFamily="34" charset="0"/>
+            </a:endParaRPr>
+          </a:p>
+        </p:txBody>
+      </p:sp>
+      <p:sp>
+        <p:nvSpPr>
+          <p:cNvPr id="4" name="Content Placeholder 3">
+            <a:extLst>
+              <a:ext uri="{FF2B5EF4-FFF2-40B4-BE49-F238E27FC236}">
+                <a16:creationId xmlns:a16="http://schemas.microsoft.com/office/drawing/2014/main" id="{BF035CD8-47EC-3E70-F199-07A4DB29D834}"/>
+              </a:ext>
+            </a:extLst>
+          </p:cNvPr>
+          <p:cNvSpPr>
+            <a:spLocks noGrp="1"/>
+          </p:cNvSpPr>
+          <p:nvPr>
+            <p:ph sz="half" idx="2"/>
+          </p:nvPr>
+        </p:nvSpPr>
+        <p:spPr>
+          <a:xfrm>
+            <a:off x="6170762" y="1441432"/>
+            <a:ext cx="5434879" cy="4709202"/>
+          </a:xfrm>
+        </p:spPr>
+        <p:txBody>
+          <a:bodyPr>
+            <a:normAutofit/>
+          </a:bodyPr>
+          <a:lstStyle/>
+          <a:p>
+            <a:pPr algn="ctr"/>
+            <a:r>
+              <a:rPr lang="en-US" sz="1400" b="1" u="sng" dirty="0">
+                <a:latin typeface="Calibri" panose="020F0502020204030204" pitchFamily="34" charset="0"/>
+                <a:ea typeface="Calibri" panose="020F0502020204030204" pitchFamily="34" charset="0"/>
+                <a:cs typeface="Calibri" panose="020F0502020204030204" pitchFamily="34" charset="0"/>
+              </a:rPr>
+              <a:t>INSIGHTS</a:t>
+            </a:r>
+          </a:p>
+          <a:p>
+            <a:r>
+              <a:rPr lang="en-US" sz="1400" b="1" dirty="0">
+                <a:latin typeface="Calibri" panose="020F0502020204030204" pitchFamily="34" charset="0"/>
+                <a:ea typeface="Calibri" panose="020F0502020204030204" pitchFamily="34" charset="0"/>
+                <a:cs typeface="Calibri" panose="020F0502020204030204" pitchFamily="34" charset="0"/>
+              </a:rPr>
+              <a:t>M</a:t>
+            </a:r>
+            <a:endParaRPr lang="en-US" sz="1400" dirty="0">
+              <a:latin typeface="Calibri" panose="020F0502020204030204" pitchFamily="34" charset="0"/>
+              <a:ea typeface="Calibri" panose="020F0502020204030204" pitchFamily="34" charset="0"/>
+              <a:cs typeface="Calibri" panose="020F0502020204030204" pitchFamily="34" charset="0"/>
+            </a:endParaRPr>
+          </a:p>
+          <a:p>
+            <a:pPr algn="ctr"/>
+            <a:r>
+              <a:rPr lang="en-IN" sz="1400" b="1" u="sng" dirty="0">
+                <a:latin typeface="Calibri" panose="020F0502020204030204" pitchFamily="34" charset="0"/>
+                <a:ea typeface="Calibri" panose="020F0502020204030204" pitchFamily="34" charset="0"/>
+                <a:cs typeface="Calibri" panose="020F0502020204030204" pitchFamily="34" charset="0"/>
+              </a:rPr>
+              <a:t>RECOMMENDATIONS</a:t>
+            </a:r>
+          </a:p>
+          <a:p>
+            <a:r>
+              <a:rPr lang="en-US" sz="1400" dirty="0">
+                <a:latin typeface="Calibri" panose="020F0502020204030204" pitchFamily="34" charset="0"/>
+                <a:ea typeface="Calibri" panose="020F0502020204030204" pitchFamily="34" charset="0"/>
+                <a:cs typeface="Calibri" panose="020F0502020204030204" pitchFamily="34" charset="0"/>
+              </a:rPr>
+              <a:t>P</a:t>
+            </a:r>
+          </a:p>
+        </p:txBody>
+      </p:sp>
+      <p:pic>
+        <p:nvPicPr>
+          <p:cNvPr id="8" name="Content Placeholder 7">
+            <a:extLst>
+              <a:ext uri="{FF2B5EF4-FFF2-40B4-BE49-F238E27FC236}">
+                <a16:creationId xmlns:a16="http://schemas.microsoft.com/office/drawing/2014/main" id="{B68C4418-9FB5-2C7C-0856-8288E9891CAF}"/>
+              </a:ext>
+            </a:extLst>
+          </p:cNvPr>
+          <p:cNvPicPr>
+            <a:picLocks noGrp="1" noChangeAspect="1"/>
+          </p:cNvPicPr>
+          <p:nvPr>
+            <p:ph sz="half" idx="1"/>
+          </p:nvPr>
+        </p:nvPicPr>
+        <p:blipFill>
+          <a:blip r:embed="rId2"/>
+          <a:stretch>
+            <a:fillRect/>
+          </a:stretch>
+        </p:blipFill>
+        <p:spPr>
+          <a:xfrm>
+            <a:off x="586359" y="1441432"/>
+            <a:ext cx="5219218" cy="4493542"/>
+          </a:xfrm>
+        </p:spPr>
+      </p:pic>
+    </p:spTree>
+    <p:extLst>
+      <p:ext uri="{BB962C8B-B14F-4D97-AF65-F5344CB8AC3E}">
+        <p14:creationId xmlns:p14="http://schemas.microsoft.com/office/powerpoint/2010/main" val="1522781869"/>
+      </p:ext>
+    </p:extLst>
+  </p:cSld>
+  <p:clrMapOvr>
+    <a:masterClrMapping/>
+  </p:clrMapOvr>
+</p:sld>
+</file>
+
+<file path=ppt/slides/slide14.xml><?xml version="1.0" encoding="utf-8"?>
+<p:sld xmlns:a="http://schemas.openxmlformats.org/drawingml/2006/main" xmlns:r="http://schemas.openxmlformats.org/officeDocument/2006/relationships" xmlns:p="http://schemas.openxmlformats.org/presentationml/2006/main">
+  <p:cSld>
+    <p:spTree>
+      <p:nvGrpSpPr>
+        <p:cNvPr id="1" name=""/>
+        <p:cNvGrpSpPr/>
+        <p:nvPr/>
+      </p:nvGrpSpPr>
+      <p:grpSpPr>
+        <a:xfrm>
+          <a:off x="0" y="0"/>
+          <a:ext cx="0" cy="0"/>
+          <a:chOff x="0" y="0"/>
+          <a:chExt cx="0" cy="0"/>
+        </a:xfrm>
+      </p:grpSpPr>
+      <p:sp>
+        <p:nvSpPr>
+          <p:cNvPr id="2" name="Title 1">
+            <a:extLst>
+              <a:ext uri="{FF2B5EF4-FFF2-40B4-BE49-F238E27FC236}">
+                <a16:creationId xmlns:a16="http://schemas.microsoft.com/office/drawing/2014/main" id="{24614B18-70B6-A20B-7415-A11177ADC74B}"/>
+              </a:ext>
+            </a:extLst>
+          </p:cNvPr>
+          <p:cNvSpPr>
+            <a:spLocks noGrp="1"/>
+          </p:cNvSpPr>
+          <p:nvPr>
+            <p:ph type="title"/>
+          </p:nvPr>
+        </p:nvSpPr>
+        <p:spPr>
+          <a:xfrm>
+            <a:off x="1066800" y="642595"/>
+            <a:ext cx="10058400" cy="789390"/>
+          </a:xfrm>
+        </p:spPr>
+        <p:txBody>
+          <a:bodyPr>
+            <a:normAutofit/>
+          </a:bodyPr>
+          <a:lstStyle/>
+          <a:p>
+            <a:pPr algn="ctr"/>
+            <a:r>
+              <a:rPr lang="en-IN" sz="2400" dirty="0">
+                <a:latin typeface="Segoe UI Variable Display Semil" pitchFamily="2" charset="0"/>
+              </a:rPr>
+              <a:t>Repeated Customers in 30 Days</a:t>
+            </a:r>
+          </a:p>
+        </p:txBody>
+      </p:sp>
+      <p:pic>
+        <p:nvPicPr>
+          <p:cNvPr id="4" name="Picture 3">
+            <a:extLst>
+              <a:ext uri="{FF2B5EF4-FFF2-40B4-BE49-F238E27FC236}">
+                <a16:creationId xmlns:a16="http://schemas.microsoft.com/office/drawing/2014/main" id="{7F24C1C0-CC17-C621-4550-8EBE97AC06D0}"/>
+              </a:ext>
+            </a:extLst>
+          </p:cNvPr>
+          <p:cNvPicPr>
+            <a:picLocks noChangeAspect="1"/>
+          </p:cNvPicPr>
+          <p:nvPr/>
+        </p:nvPicPr>
+        <p:blipFill>
+          <a:blip r:embed="rId2"/>
+          <a:stretch>
+            <a:fillRect/>
+          </a:stretch>
+        </p:blipFill>
+        <p:spPr>
+          <a:xfrm>
+            <a:off x="396814" y="1431984"/>
+            <a:ext cx="11386869" cy="5210355"/>
+          </a:xfrm>
+          <a:prstGeom prst="rect">
+            <a:avLst/>
+          </a:prstGeom>
+        </p:spPr>
+      </p:pic>
+    </p:spTree>
+    <p:extLst>
+      <p:ext uri="{BB962C8B-B14F-4D97-AF65-F5344CB8AC3E}">
+        <p14:creationId xmlns:p14="http://schemas.microsoft.com/office/powerpoint/2010/main" val="508360037"/>
+      </p:ext>
+    </p:extLst>
+  </p:cSld>
+  <p:clrMapOvr>
+    <a:masterClrMapping/>
+  </p:clrMapOvr>
+</p:sld>
+</file>
+
+<file path=ppt/slides/slide15.xml><?xml version="1.0" encoding="utf-8"?>
+<p:sld xmlns:a="http://schemas.openxmlformats.org/drawingml/2006/main" xmlns:r="http://schemas.openxmlformats.org/officeDocument/2006/relationships" xmlns:p="http://schemas.openxmlformats.org/presentationml/2006/main">
+  <p:cSld>
+    <p:spTree>
+      <p:nvGrpSpPr>
+        <p:cNvPr id="1" name=""/>
+        <p:cNvGrpSpPr/>
+        <p:nvPr/>
+      </p:nvGrpSpPr>
+      <p:grpSpPr>
+        <a:xfrm>
+          <a:off x="0" y="0"/>
+          <a:ext cx="0" cy="0"/>
+          <a:chOff x="0" y="0"/>
+          <a:chExt cx="0" cy="0"/>
+        </a:xfrm>
+      </p:grpSpPr>
+      <p:sp>
+        <p:nvSpPr>
+          <p:cNvPr id="2" name="Title 1">
+            <a:extLst>
+              <a:ext uri="{FF2B5EF4-FFF2-40B4-BE49-F238E27FC236}">
+                <a16:creationId xmlns:a16="http://schemas.microsoft.com/office/drawing/2014/main" id="{90824DD4-78E1-4E31-11C1-365BA5E75C04}"/>
+              </a:ext>
+            </a:extLst>
+          </p:cNvPr>
+          <p:cNvSpPr>
+            <a:spLocks noGrp="1"/>
+          </p:cNvSpPr>
+          <p:nvPr>
+            <p:ph type="title"/>
+          </p:nvPr>
+        </p:nvSpPr>
+        <p:spPr>
+          <a:xfrm>
+            <a:off x="1066800" y="642594"/>
+            <a:ext cx="10058400" cy="478840"/>
+          </a:xfrm>
+        </p:spPr>
+        <p:txBody>
+          <a:bodyPr>
+            <a:normAutofit/>
+          </a:bodyPr>
+          <a:lstStyle/>
+          <a:p>
+            <a:pPr algn="ctr"/>
+            <a:r>
+              <a:rPr lang="en-US" sz="2400" dirty="0">
+                <a:latin typeface="Segoe UI Variable Display Semil" pitchFamily="2" charset="0"/>
+              </a:rPr>
+              <a:t>Finding Top 5 Customers by Sales Volume</a:t>
+            </a:r>
+            <a:endParaRPr lang="en-IN" sz="2400" dirty="0">
+              <a:latin typeface="Segoe UI Variable Display Semil" pitchFamily="2" charset="0"/>
+              <a:ea typeface="Calibri" panose="020F0502020204030204" pitchFamily="34" charset="0"/>
+              <a:cs typeface="Calibri" panose="020F0502020204030204" pitchFamily="34" charset="0"/>
+            </a:endParaRPr>
+          </a:p>
+        </p:txBody>
+      </p:sp>
+      <p:sp>
+        <p:nvSpPr>
+          <p:cNvPr id="4" name="Content Placeholder 3">
+            <a:extLst>
+              <a:ext uri="{FF2B5EF4-FFF2-40B4-BE49-F238E27FC236}">
+                <a16:creationId xmlns:a16="http://schemas.microsoft.com/office/drawing/2014/main" id="{BF035CD8-47EC-3E70-F199-07A4DB29D834}"/>
+              </a:ext>
+            </a:extLst>
+          </p:cNvPr>
+          <p:cNvSpPr>
+            <a:spLocks noGrp="1"/>
+          </p:cNvSpPr>
+          <p:nvPr>
+            <p:ph sz="half" idx="2"/>
+          </p:nvPr>
+        </p:nvSpPr>
+        <p:spPr>
+          <a:xfrm>
+            <a:off x="6170762" y="1441432"/>
+            <a:ext cx="5434879" cy="4709202"/>
+          </a:xfrm>
+        </p:spPr>
+        <p:txBody>
+          <a:bodyPr>
+            <a:normAutofit/>
+          </a:bodyPr>
+          <a:lstStyle/>
+          <a:p>
+            <a:pPr algn="ctr"/>
+            <a:r>
+              <a:rPr lang="en-US" sz="1400" b="1" u="sng" dirty="0">
+                <a:latin typeface="Calibri" panose="020F0502020204030204" pitchFamily="34" charset="0"/>
+                <a:ea typeface="Calibri" panose="020F0502020204030204" pitchFamily="34" charset="0"/>
+                <a:cs typeface="Calibri" panose="020F0502020204030204" pitchFamily="34" charset="0"/>
+              </a:rPr>
+              <a:t>INSIGHTS</a:t>
+            </a:r>
+          </a:p>
+          <a:p>
+            <a:r>
+              <a:rPr lang="en-US" sz="1400" dirty="0"/>
+              <a:t>Top 5 high-spending customers identified.</a:t>
+            </a:r>
+            <a:endParaRPr lang="en-US" sz="1400" b="1" dirty="0"/>
+          </a:p>
+          <a:p>
+            <a:r>
+              <a:rPr lang="en-US" sz="1400" b="1" dirty="0"/>
+              <a:t>Customer ID 8</a:t>
+            </a:r>
+            <a:r>
+              <a:rPr lang="en-US" sz="1400" dirty="0"/>
+              <a:t> is the highest spender with </a:t>
+            </a:r>
+            <a:r>
+              <a:rPr lang="en-US" sz="1400" b="1" dirty="0"/>
+              <a:t>₹26,634</a:t>
+            </a:r>
+            <a:r>
+              <a:rPr lang="en-US" sz="1400" dirty="0"/>
+              <a:t> in total revenue.</a:t>
+            </a:r>
+          </a:p>
+          <a:p>
+            <a:r>
+              <a:rPr lang="en-US" sz="1400" dirty="0"/>
+              <a:t>All top 5 customers spent </a:t>
+            </a:r>
+            <a:r>
+              <a:rPr lang="en-US" sz="1400" b="1" dirty="0"/>
+              <a:t>above ₹22,600</a:t>
+            </a:r>
+            <a:r>
+              <a:rPr lang="en-US" sz="1400" dirty="0"/>
+              <a:t>, indicating strong loyalty and purchasing power.</a:t>
+            </a:r>
+            <a:endParaRPr lang="en-US" sz="1400" b="1" u="sng" dirty="0">
+              <a:latin typeface="Calibri" panose="020F0502020204030204" pitchFamily="34" charset="0"/>
+              <a:ea typeface="Calibri" panose="020F0502020204030204" pitchFamily="34" charset="0"/>
+              <a:cs typeface="Calibri" panose="020F0502020204030204" pitchFamily="34" charset="0"/>
+            </a:endParaRPr>
+          </a:p>
+          <a:p>
+            <a:pPr algn="ctr"/>
+            <a:r>
+              <a:rPr lang="en-IN" sz="1400" b="1" u="sng" dirty="0">
+                <a:latin typeface="Calibri" panose="020F0502020204030204" pitchFamily="34" charset="0"/>
+                <a:ea typeface="Calibri" panose="020F0502020204030204" pitchFamily="34" charset="0"/>
+                <a:cs typeface="Calibri" panose="020F0502020204030204" pitchFamily="34" charset="0"/>
+              </a:rPr>
+              <a:t>RECOMMENDATIONS</a:t>
+            </a:r>
+          </a:p>
+          <a:p>
+            <a:r>
+              <a:rPr lang="en-US" sz="1400" b="1" dirty="0"/>
+              <a:t>Rewarding these top 5 customers</a:t>
+            </a:r>
+            <a:r>
+              <a:rPr lang="en-US" sz="1400" dirty="0"/>
+              <a:t> may includes like vouchers, cashback, or premium memberships.</a:t>
+            </a:r>
+            <a:endParaRPr lang="en-US" sz="1400" dirty="0">
+              <a:latin typeface="Calibri" panose="020F0502020204030204" pitchFamily="34" charset="0"/>
+              <a:ea typeface="Calibri" panose="020F0502020204030204" pitchFamily="34" charset="0"/>
+              <a:cs typeface="Calibri" panose="020F0502020204030204" pitchFamily="34" charset="0"/>
+            </a:endParaRPr>
+          </a:p>
+        </p:txBody>
+      </p:sp>
+      <p:pic>
+        <p:nvPicPr>
+          <p:cNvPr id="7" name="Content Placeholder 6">
+            <a:extLst>
+              <a:ext uri="{FF2B5EF4-FFF2-40B4-BE49-F238E27FC236}">
+                <a16:creationId xmlns:a16="http://schemas.microsoft.com/office/drawing/2014/main" id="{01BB5CFD-901A-5A2F-43CF-605F21884D5F}"/>
+              </a:ext>
+            </a:extLst>
+          </p:cNvPr>
+          <p:cNvPicPr>
+            <a:picLocks noGrp="1" noChangeAspect="1"/>
+          </p:cNvPicPr>
+          <p:nvPr>
+            <p:ph sz="half" idx="1"/>
+          </p:nvPr>
+        </p:nvPicPr>
+        <p:blipFill>
+          <a:blip r:embed="rId2"/>
+          <a:stretch>
+            <a:fillRect/>
+          </a:stretch>
+        </p:blipFill>
+        <p:spPr>
+          <a:xfrm>
+            <a:off x="655608" y="1441432"/>
+            <a:ext cx="5201728" cy="4269255"/>
+          </a:xfrm>
+        </p:spPr>
+      </p:pic>
+    </p:spTree>
+    <p:extLst>
+      <p:ext uri="{BB962C8B-B14F-4D97-AF65-F5344CB8AC3E}">
+        <p14:creationId xmlns:p14="http://schemas.microsoft.com/office/powerpoint/2010/main" val="3548324886"/>
+      </p:ext>
+    </p:extLst>
+  </p:cSld>
+  <p:clrMapOvr>
+    <a:masterClrMapping/>
+  </p:clrMapOvr>
+</p:sld>
+</file>
+
+<file path=ppt/slides/slide16.xml><?xml version="1.0" encoding="utf-8"?>
+<p:sld xmlns:a="http://schemas.openxmlformats.org/drawingml/2006/main" xmlns:r="http://schemas.openxmlformats.org/officeDocument/2006/relationships" xmlns:p="http://schemas.openxmlformats.org/presentationml/2006/main">
+  <p:cSld>
+    <p:spTree>
+      <p:nvGrpSpPr>
+        <p:cNvPr id="1" name=""/>
+        <p:cNvGrpSpPr/>
+        <p:nvPr/>
+      </p:nvGrpSpPr>
+      <p:grpSpPr>
+        <a:xfrm>
+          <a:off x="0" y="0"/>
+          <a:ext cx="0" cy="0"/>
+          <a:chOff x="0" y="0"/>
+          <a:chExt cx="0" cy="0"/>
+        </a:xfrm>
+      </p:grpSpPr>
+      <p:sp>
+        <p:nvSpPr>
+          <p:cNvPr id="2" name="Title 1">
+            <a:extLst>
+              <a:ext uri="{FF2B5EF4-FFF2-40B4-BE49-F238E27FC236}">
+                <a16:creationId xmlns:a16="http://schemas.microsoft.com/office/drawing/2014/main" id="{90824DD4-78E1-4E31-11C1-365BA5E75C04}"/>
+              </a:ext>
+            </a:extLst>
+          </p:cNvPr>
+          <p:cNvSpPr>
+            <a:spLocks noGrp="1"/>
+          </p:cNvSpPr>
+          <p:nvPr>
+            <p:ph type="title"/>
+          </p:nvPr>
+        </p:nvSpPr>
+        <p:spPr>
+          <a:xfrm>
+            <a:off x="1066800" y="642594"/>
+            <a:ext cx="10058400" cy="478840"/>
+          </a:xfrm>
+        </p:spPr>
+        <p:txBody>
+          <a:bodyPr>
+            <a:normAutofit/>
+          </a:bodyPr>
+          <a:lstStyle/>
+          <a:p>
+            <a:pPr algn="ctr"/>
+            <a:r>
+              <a:rPr lang="en-US" sz="2400" dirty="0">
+                <a:latin typeface="Segoe UI Variable Display Semil" pitchFamily="2" charset="0"/>
+              </a:rPr>
+              <a:t>Analyzing Sales Trends by Day of the Week </a:t>
+            </a:r>
+            <a:endParaRPr lang="en-IN" sz="2400" dirty="0">
+              <a:latin typeface="Segoe UI Variable Display Semil" pitchFamily="2" charset="0"/>
+              <a:ea typeface="Calibri" panose="020F0502020204030204" pitchFamily="34" charset="0"/>
+              <a:cs typeface="Calibri" panose="020F0502020204030204" pitchFamily="34" charset="0"/>
+            </a:endParaRPr>
+          </a:p>
+        </p:txBody>
+      </p:sp>
+      <p:sp>
+        <p:nvSpPr>
+          <p:cNvPr id="4" name="Content Placeholder 3">
+            <a:extLst>
+              <a:ext uri="{FF2B5EF4-FFF2-40B4-BE49-F238E27FC236}">
+                <a16:creationId xmlns:a16="http://schemas.microsoft.com/office/drawing/2014/main" id="{BF035CD8-47EC-3E70-F199-07A4DB29D834}"/>
+              </a:ext>
+            </a:extLst>
+          </p:cNvPr>
+          <p:cNvSpPr>
+            <a:spLocks noGrp="1"/>
+          </p:cNvSpPr>
+          <p:nvPr>
+            <p:ph sz="half" idx="2"/>
+          </p:nvPr>
+        </p:nvSpPr>
+        <p:spPr>
+          <a:xfrm>
+            <a:off x="6170762" y="1441432"/>
+            <a:ext cx="5434879" cy="4709202"/>
+          </a:xfrm>
+        </p:spPr>
+        <p:txBody>
+          <a:bodyPr>
+            <a:normAutofit/>
+          </a:bodyPr>
+          <a:lstStyle/>
+          <a:p>
+            <a:pPr algn="ctr"/>
+            <a:r>
+              <a:rPr lang="en-US" sz="1400" b="1" u="sng" dirty="0">
+                <a:latin typeface="Calibri" panose="020F0502020204030204" pitchFamily="34" charset="0"/>
+                <a:ea typeface="Calibri" panose="020F0502020204030204" pitchFamily="34" charset="0"/>
+                <a:cs typeface="Calibri" panose="020F0502020204030204" pitchFamily="34" charset="0"/>
+              </a:rPr>
+              <a:t>INSIGHTS</a:t>
+            </a:r>
+          </a:p>
+          <a:p>
+            <a:r>
+              <a:rPr lang="en-US" sz="1400" b="1" dirty="0"/>
+              <a:t>Saturday</a:t>
+            </a:r>
+            <a:r>
+              <a:rPr lang="en-US" sz="1400" dirty="0"/>
+              <a:t> generates the </a:t>
+            </a:r>
+            <a:r>
+              <a:rPr lang="en-US" sz="1400" b="1" dirty="0"/>
+              <a:t>highest sales</a:t>
+            </a:r>
+            <a:r>
+              <a:rPr lang="en-US" sz="1400" dirty="0"/>
+              <a:t> (₹56,121). Dip again on </a:t>
+            </a:r>
+            <a:r>
+              <a:rPr lang="en-US" sz="1400" b="1" dirty="0"/>
+              <a:t>Sunday</a:t>
+            </a:r>
+            <a:r>
+              <a:rPr lang="en-US" sz="1400" dirty="0"/>
+              <a:t>(₹ 44458)</a:t>
+            </a:r>
+          </a:p>
+          <a:p>
+            <a:r>
+              <a:rPr lang="en-US" sz="1400" b="1" dirty="0"/>
+              <a:t>Monday</a:t>
+            </a:r>
+            <a:r>
+              <a:rPr lang="en-US" sz="1400" dirty="0"/>
+              <a:t> has the </a:t>
+            </a:r>
+            <a:r>
+              <a:rPr lang="en-US" sz="1400" b="1" dirty="0"/>
+              <a:t>lowest sales</a:t>
+            </a:r>
+            <a:r>
+              <a:rPr lang="en-US" sz="1400" dirty="0"/>
+              <a:t> (₹37,899). </a:t>
+            </a:r>
+          </a:p>
+          <a:p>
+            <a:r>
+              <a:rPr lang="en-US" sz="1400" dirty="0"/>
+              <a:t>Overall, </a:t>
+            </a:r>
+            <a:r>
+              <a:rPr lang="en-US" sz="1400" b="1" dirty="0"/>
+              <a:t>weekends and early weekdays</a:t>
+            </a:r>
+            <a:r>
+              <a:rPr lang="en-US" sz="1400" dirty="0"/>
+              <a:t> perform better than mid-week.</a:t>
+            </a:r>
+            <a:endParaRPr lang="en-US" sz="1400" dirty="0">
+              <a:latin typeface="Calibri" panose="020F0502020204030204" pitchFamily="34" charset="0"/>
+              <a:ea typeface="Calibri" panose="020F0502020204030204" pitchFamily="34" charset="0"/>
+              <a:cs typeface="Calibri" panose="020F0502020204030204" pitchFamily="34" charset="0"/>
+            </a:endParaRPr>
+          </a:p>
+          <a:p>
+            <a:pPr algn="ctr"/>
+            <a:r>
+              <a:rPr lang="en-IN" sz="1400" b="1" u="sng" dirty="0">
+                <a:latin typeface="Calibri" panose="020F0502020204030204" pitchFamily="34" charset="0"/>
+                <a:ea typeface="Calibri" panose="020F0502020204030204" pitchFamily="34" charset="0"/>
+                <a:cs typeface="Calibri" panose="020F0502020204030204" pitchFamily="34" charset="0"/>
+              </a:rPr>
+              <a:t>RECOMMENDATIONS</a:t>
+            </a:r>
+          </a:p>
+          <a:p>
+            <a:r>
+              <a:rPr lang="en-US" sz="1400" dirty="0"/>
+              <a:t>Run </a:t>
+            </a:r>
+            <a:r>
+              <a:rPr lang="en-US" sz="1400" b="1" dirty="0"/>
+              <a:t>promotional campaigns or product launches</a:t>
+            </a:r>
+            <a:r>
+              <a:rPr lang="en-US" sz="1400" dirty="0"/>
+              <a:t> on </a:t>
+            </a:r>
+            <a:r>
+              <a:rPr lang="en-US" sz="1400" b="1" dirty="0"/>
+              <a:t>Saturdays</a:t>
+            </a:r>
+            <a:r>
+              <a:rPr lang="en-US" sz="1400" dirty="0"/>
+              <a:t> to maximize revenue.</a:t>
+            </a:r>
+          </a:p>
+          <a:p>
+            <a:r>
+              <a:rPr lang="en-US" sz="1400" dirty="0"/>
+              <a:t>Consider offering </a:t>
+            </a:r>
+            <a:r>
+              <a:rPr lang="en-US" sz="1400" b="1" dirty="0"/>
+              <a:t>special deals or discounts on Mondays </a:t>
+            </a:r>
+            <a:r>
+              <a:rPr lang="en-US" sz="1400" dirty="0"/>
+              <a:t>and</a:t>
+            </a:r>
+            <a:r>
+              <a:rPr lang="en-US" sz="1400" b="1" dirty="0"/>
+              <a:t> </a:t>
+            </a:r>
+            <a:r>
+              <a:rPr lang="en-US" sz="1400" dirty="0"/>
+              <a:t>Midweek</a:t>
+            </a:r>
+            <a:r>
+              <a:rPr lang="en-US" sz="1400" b="1" dirty="0"/>
+              <a:t> Wednesday-Friday</a:t>
+            </a:r>
+            <a:r>
+              <a:rPr lang="en-US" sz="1400" dirty="0"/>
+              <a:t> to boost slow sales.</a:t>
+            </a:r>
+            <a:endParaRPr lang="en-US" sz="1400" dirty="0">
+              <a:latin typeface="Calibri" panose="020F0502020204030204" pitchFamily="34" charset="0"/>
+              <a:ea typeface="Calibri" panose="020F0502020204030204" pitchFamily="34" charset="0"/>
+              <a:cs typeface="Calibri" panose="020F0502020204030204" pitchFamily="34" charset="0"/>
+            </a:endParaRPr>
+          </a:p>
+        </p:txBody>
+      </p:sp>
+      <p:pic>
+        <p:nvPicPr>
+          <p:cNvPr id="12" name="Content Placeholder 11">
+            <a:extLst>
+              <a:ext uri="{FF2B5EF4-FFF2-40B4-BE49-F238E27FC236}">
+                <a16:creationId xmlns:a16="http://schemas.microsoft.com/office/drawing/2014/main" id="{098A2DB9-157D-8CBF-8310-7ACABCF74BF8}"/>
+              </a:ext>
+            </a:extLst>
+          </p:cNvPr>
+          <p:cNvPicPr>
+            <a:picLocks noGrp="1" noChangeAspect="1"/>
+          </p:cNvPicPr>
+          <p:nvPr>
+            <p:ph sz="half" idx="1"/>
+          </p:nvPr>
+        </p:nvPicPr>
+        <p:blipFill>
+          <a:blip r:embed="rId2"/>
+          <a:stretch>
+            <a:fillRect/>
+          </a:stretch>
+        </p:blipFill>
+        <p:spPr>
+          <a:xfrm>
+            <a:off x="646982" y="1441431"/>
+            <a:ext cx="5287992" cy="4286509"/>
+          </a:xfrm>
+        </p:spPr>
+      </p:pic>
+    </p:spTree>
+    <p:extLst>
+      <p:ext uri="{BB962C8B-B14F-4D97-AF65-F5344CB8AC3E}">
+        <p14:creationId xmlns:p14="http://schemas.microsoft.com/office/powerpoint/2010/main" val="4131647901"/>
+      </p:ext>
+    </p:extLst>
+  </p:cSld>
+  <p:clrMapOvr>
+    <a:masterClrMapping/>
+  </p:clrMapOvr>
+</p:sld>
+</file>
+
+<file path=ppt/slides/slide17.xml><?xml version="1.0" encoding="utf-8"?>
+<p:sld xmlns:a="http://schemas.openxmlformats.org/drawingml/2006/main" xmlns:r="http://schemas.openxmlformats.org/officeDocument/2006/relationships" xmlns:p="http://schemas.openxmlformats.org/presentationml/2006/main">
+  <p:cSld>
+    <p:spTree>
+      <p:nvGrpSpPr>
+        <p:cNvPr id="1" name=""/>
+        <p:cNvGrpSpPr/>
+        <p:nvPr/>
+      </p:nvGrpSpPr>
+      <p:grpSpPr>
+        <a:xfrm>
+          <a:off x="0" y="0"/>
+          <a:ext cx="0" cy="0"/>
+          <a:chOff x="0" y="0"/>
+          <a:chExt cx="0" cy="0"/>
+        </a:xfrm>
+      </p:grpSpPr>
+      <p:sp>
+        <p:nvSpPr>
+          <p:cNvPr id="2" name="Title 1">
+            <a:extLst>
+              <a:ext uri="{FF2B5EF4-FFF2-40B4-BE49-F238E27FC236}">
+                <a16:creationId xmlns:a16="http://schemas.microsoft.com/office/drawing/2014/main" id="{24614B18-70B6-A20B-7415-A11177ADC74B}"/>
+              </a:ext>
+            </a:extLst>
+          </p:cNvPr>
+          <p:cNvSpPr>
+            <a:spLocks noGrp="1"/>
+          </p:cNvSpPr>
+          <p:nvPr>
+            <p:ph type="title"/>
+          </p:nvPr>
+        </p:nvSpPr>
+        <p:spPr>
+          <a:xfrm>
+            <a:off x="1066800" y="642594"/>
+            <a:ext cx="10058400" cy="789391"/>
+          </a:xfrm>
+        </p:spPr>
+        <p:txBody>
+          <a:bodyPr>
+            <a:normAutofit/>
+          </a:bodyPr>
+          <a:lstStyle/>
+          <a:p>
+            <a:pPr algn="ctr"/>
+            <a:r>
+              <a:rPr lang="en-IN" sz="2400" dirty="0">
+                <a:latin typeface="Segoe UI Variable Display Semil" pitchFamily="2" charset="0"/>
+              </a:rPr>
+              <a:t>Total Revenue in Week Days</a:t>
+            </a:r>
+          </a:p>
+        </p:txBody>
+      </p:sp>
+      <p:pic>
+        <p:nvPicPr>
+          <p:cNvPr id="5" name="Picture 4">
+            <a:extLst>
+              <a:ext uri="{FF2B5EF4-FFF2-40B4-BE49-F238E27FC236}">
+                <a16:creationId xmlns:a16="http://schemas.microsoft.com/office/drawing/2014/main" id="{E226691B-D918-D1BB-1EE3-3A41DA814D3E}"/>
+              </a:ext>
+            </a:extLst>
+          </p:cNvPr>
+          <p:cNvPicPr>
+            <a:picLocks noChangeAspect="1"/>
+          </p:cNvPicPr>
+          <p:nvPr/>
+        </p:nvPicPr>
+        <p:blipFill>
+          <a:blip r:embed="rId2"/>
+          <a:stretch>
+            <a:fillRect/>
+          </a:stretch>
+        </p:blipFill>
+        <p:spPr>
+          <a:xfrm>
+            <a:off x="966158" y="1431985"/>
+            <a:ext cx="9903125" cy="4992718"/>
+          </a:xfrm>
+          <a:prstGeom prst="rect">
+            <a:avLst/>
+          </a:prstGeom>
+        </p:spPr>
+      </p:pic>
+    </p:spTree>
+    <p:extLst>
+      <p:ext uri="{BB962C8B-B14F-4D97-AF65-F5344CB8AC3E}">
+        <p14:creationId xmlns:p14="http://schemas.microsoft.com/office/powerpoint/2010/main" val="400365715"/>
+      </p:ext>
+    </p:extLst>
+  </p:cSld>
+  <p:clrMapOvr>
+    <a:masterClrMapping/>
+  </p:clrMapOvr>
+</p:sld>
+</file>
+
 <file path=ppt/slides/slide2.xml><?xml version="1.0" encoding="utf-8"?>
 <p:sld xmlns:a="http://schemas.openxmlformats.org/drawingml/2006/main" xmlns:r="http://schemas.openxmlformats.org/officeDocument/2006/relationships" xmlns:p="http://schemas.openxmlformats.org/presentationml/2006/main">
   <p:cSld>
@@ -9659,8 +11129,8 @@
         </p:nvSpPr>
         <p:spPr>
           <a:xfrm>
-            <a:off x="1066800" y="642594"/>
-            <a:ext cx="10058400" cy="478840"/>
+            <a:off x="1066800" y="370936"/>
+            <a:ext cx="10058400" cy="470970"/>
           </a:xfrm>
         </p:spPr>
         <p:txBody>
@@ -9942,8 +11412,8 @@
         </p:blipFill>
         <p:spPr>
           <a:xfrm>
-            <a:off x="845390" y="1121434"/>
-            <a:ext cx="4773342" cy="2875114"/>
+            <a:off x="507531" y="841906"/>
+            <a:ext cx="5334743" cy="3136724"/>
           </a:xfrm>
         </p:spPr>
       </p:pic>
@@ -9969,8 +11439,8 @@
         </p:blipFill>
         <p:spPr>
           <a:xfrm>
-            <a:off x="507531" y="4052929"/>
-            <a:ext cx="2724530" cy="2162477"/>
+            <a:off x="507531" y="4061240"/>
+            <a:ext cx="2610214" cy="2089394"/>
           </a:xfrm>
           <a:prstGeom prst="rect">
             <a:avLst/>
@@ -9999,14 +11469,90 @@
         </p:blipFill>
         <p:spPr>
           <a:xfrm>
-            <a:off x="3266568" y="4062456"/>
-            <a:ext cx="2610214" cy="2152950"/>
+            <a:off x="3232061" y="4070767"/>
+            <a:ext cx="2610214" cy="2070340"/>
           </a:xfrm>
           <a:prstGeom prst="rect">
             <a:avLst/>
           </a:prstGeom>
         </p:spPr>
       </p:pic>
+      <p:sp>
+        <p:nvSpPr>
+          <p:cNvPr id="10" name="TextBox 9">
+            <a:extLst>
+              <a:ext uri="{FF2B5EF4-FFF2-40B4-BE49-F238E27FC236}">
+                <a16:creationId xmlns:a16="http://schemas.microsoft.com/office/drawing/2014/main" id="{EBAA67BA-8769-F2F7-CE21-26A60618A79C}"/>
+              </a:ext>
+            </a:extLst>
+          </p:cNvPr>
+          <p:cNvSpPr txBox="1"/>
+          <p:nvPr/>
+        </p:nvSpPr>
+        <p:spPr>
+          <a:xfrm>
+            <a:off x="507531" y="6150634"/>
+            <a:ext cx="2610213" cy="261610"/>
+          </a:xfrm>
+          <a:prstGeom prst="rect">
+            <a:avLst/>
+          </a:prstGeom>
+          <a:noFill/>
+        </p:spPr>
+        <p:txBody>
+          <a:bodyPr wrap="square" rtlCol="0">
+            <a:spAutoFit/>
+          </a:bodyPr>
+          <a:lstStyle/>
+          <a:p>
+            <a:pPr algn="ctr"/>
+            <a:r>
+              <a:rPr lang="en-IN" sz="1100" b="1" dirty="0">
+                <a:latin typeface="Consolas" panose="020B0609020204030204" pitchFamily="49" charset="0"/>
+              </a:rPr>
+              <a:t>Descending order Result</a:t>
+            </a:r>
+          </a:p>
+        </p:txBody>
+      </p:sp>
+      <p:sp>
+        <p:nvSpPr>
+          <p:cNvPr id="12" name="TextBox 11">
+            <a:extLst>
+              <a:ext uri="{FF2B5EF4-FFF2-40B4-BE49-F238E27FC236}">
+                <a16:creationId xmlns:a16="http://schemas.microsoft.com/office/drawing/2014/main" id="{872D8ABB-694B-65B3-A050-8BA81B378AD0}"/>
+              </a:ext>
+            </a:extLst>
+          </p:cNvPr>
+          <p:cNvSpPr txBox="1"/>
+          <p:nvPr/>
+        </p:nvSpPr>
+        <p:spPr>
+          <a:xfrm>
+            <a:off x="3232060" y="6150634"/>
+            <a:ext cx="2610214" cy="261610"/>
+          </a:xfrm>
+          <a:prstGeom prst="rect">
+            <a:avLst/>
+          </a:prstGeom>
+          <a:noFill/>
+        </p:spPr>
+        <p:txBody>
+          <a:bodyPr wrap="square" rtlCol="0">
+            <a:spAutoFit/>
+          </a:bodyPr>
+          <a:lstStyle/>
+          <a:p>
+            <a:pPr algn="ctr"/>
+            <a:r>
+              <a:rPr lang="en-IN" sz="1100" b="1" dirty="0">
+                <a:latin typeface="Consolas" panose="020B0609020204030204" pitchFamily="49" charset="0"/>
+              </a:rPr>
+              <a:t>Ascending order Result</a:t>
+            </a:r>
+          </a:p>
+        </p:txBody>
+      </p:sp>
     </p:spTree>
     <p:extLst>
       <p:ext uri="{BB962C8B-B14F-4D97-AF65-F5344CB8AC3E}">
@@ -10385,7 +11931,7 @@
           <p:cNvPr id="2" name="Title 1">
             <a:extLst>
               <a:ext uri="{FF2B5EF4-FFF2-40B4-BE49-F238E27FC236}">
-                <a16:creationId xmlns:a16="http://schemas.microsoft.com/office/drawing/2014/main" id="{90824DD4-78E1-4E31-11C1-365BA5E75C04}"/>
+                <a16:creationId xmlns:a16="http://schemas.microsoft.com/office/drawing/2014/main" id="{24614B18-70B6-A20B-7415-A11177ADC74B}"/>
               </a:ext>
             </a:extLst>
           </p:cNvPr>
@@ -10398,8 +11944,8 @@
         </p:nvSpPr>
         <p:spPr>
           <a:xfrm>
-            <a:off x="1066800" y="642594"/>
-            <a:ext cx="10058400" cy="478840"/>
+            <a:off x="1066800" y="483079"/>
+            <a:ext cx="10058400" cy="664234"/>
           </a:xfrm>
         </p:spPr>
         <p:txBody>
@@ -10411,365 +11957,29 @@
             <a:pPr algn="ctr"/>
             <a:r>
               <a:rPr lang="en-US" sz="2400" dirty="0">
-                <a:latin typeface="Calibri" panose="020F0502020204030204" pitchFamily="34" charset="0"/>
-                <a:ea typeface="Calibri" panose="020F0502020204030204" pitchFamily="34" charset="0"/>
-                <a:cs typeface="Calibri" panose="020F0502020204030204" pitchFamily="34" charset="0"/>
-              </a:rPr>
-              <a:t>Monthly Sales Distribution by Gender</a:t>
+                <a:latin typeface="Segoe UI Variable Display Semil" pitchFamily="2" charset="0"/>
+              </a:rPr>
+              <a:t>Customer Segmentation Based on Spending</a:t>
             </a:r>
             <a:endParaRPr lang="en-IN" sz="2400" dirty="0">
-              <a:latin typeface="Calibri" panose="020F0502020204030204" pitchFamily="34" charset="0"/>
-              <a:ea typeface="Calibri" panose="020F0502020204030204" pitchFamily="34" charset="0"/>
-              <a:cs typeface="Calibri" panose="020F0502020204030204" pitchFamily="34" charset="0"/>
-            </a:endParaRPr>
-          </a:p>
-        </p:txBody>
-      </p:sp>
-      <p:sp>
-        <p:nvSpPr>
-          <p:cNvPr id="4" name="Content Placeholder 3">
-            <a:extLst>
-              <a:ext uri="{FF2B5EF4-FFF2-40B4-BE49-F238E27FC236}">
-                <a16:creationId xmlns:a16="http://schemas.microsoft.com/office/drawing/2014/main" id="{BF035CD8-47EC-3E70-F199-07A4DB29D834}"/>
-              </a:ext>
-            </a:extLst>
-          </p:cNvPr>
-          <p:cNvSpPr>
-            <a:spLocks noGrp="1"/>
-          </p:cNvSpPr>
-          <p:nvPr>
-            <p:ph sz="half" idx="2"/>
-          </p:nvPr>
-        </p:nvSpPr>
-        <p:spPr>
-          <a:xfrm>
-            <a:off x="6170762" y="1441432"/>
-            <a:ext cx="5434879" cy="4709202"/>
-          </a:xfrm>
-        </p:spPr>
-        <p:txBody>
-          <a:bodyPr>
-            <a:normAutofit/>
-          </a:bodyPr>
-          <a:lstStyle/>
-          <a:p>
-            <a:pPr algn="ctr"/>
-            <a:r>
-              <a:rPr lang="en-US" sz="1400" b="1" u="sng" dirty="0">
-                <a:latin typeface="Calibri" panose="020F0502020204030204" pitchFamily="34" charset="0"/>
-                <a:ea typeface="Calibri" panose="020F0502020204030204" pitchFamily="34" charset="0"/>
-                <a:cs typeface="Calibri" panose="020F0502020204030204" pitchFamily="34" charset="0"/>
-              </a:rPr>
-              <a:t>INSIGHTS</a:t>
-            </a:r>
-          </a:p>
-          <a:p>
-            <a:r>
-              <a:rPr lang="en-US" sz="1400" b="1" i="0" dirty="0">
-                <a:effectLst/>
-                <a:latin typeface="fkGroteskNeue"/>
-              </a:rPr>
-              <a:t>Female</a:t>
-            </a:r>
-            <a:r>
-              <a:rPr lang="en-US" sz="1400" b="0" i="0" dirty="0">
-                <a:effectLst/>
-                <a:latin typeface="fkGroteskNeue"/>
-              </a:rPr>
-              <a:t> customers generated </a:t>
-            </a:r>
-            <a:r>
-              <a:rPr lang="en-US" sz="1400" b="1" i="0" dirty="0">
-                <a:effectLst/>
-                <a:latin typeface="fkGroteskNeue"/>
-              </a:rPr>
-              <a:t>higher total sales</a:t>
-            </a:r>
-            <a:r>
-              <a:rPr lang="en-US" sz="1400" b="0" i="0" dirty="0">
-                <a:effectLst/>
-                <a:latin typeface="fkGroteskNeue"/>
-              </a:rPr>
-              <a:t> across all months </a:t>
-            </a:r>
-            <a:r>
-              <a:rPr lang="en-US" sz="1400" b="1" i="0" dirty="0">
-                <a:effectLst/>
-                <a:latin typeface="fkGroteskNeue"/>
-              </a:rPr>
-              <a:t>except March</a:t>
-            </a:r>
-          </a:p>
-          <a:p>
-            <a:r>
-              <a:rPr lang="en-US" sz="1400" b="1" i="0" dirty="0">
-                <a:effectLst/>
-                <a:latin typeface="fkGroteskNeue"/>
-              </a:rPr>
-              <a:t>Male</a:t>
-            </a:r>
-            <a:r>
-              <a:rPr lang="en-US" sz="1400" b="0" i="0" dirty="0">
-                <a:effectLst/>
-                <a:latin typeface="fkGroteskNeue"/>
-              </a:rPr>
-              <a:t> customers </a:t>
-            </a:r>
-            <a:r>
-              <a:rPr lang="en-US" sz="1400" b="1" i="0" dirty="0">
-                <a:effectLst/>
-                <a:latin typeface="fkGroteskNeue"/>
-              </a:rPr>
-              <a:t>outspent</a:t>
-            </a:r>
-            <a:r>
-              <a:rPr lang="en-US" sz="1400" b="0" i="0" dirty="0">
-                <a:effectLst/>
-                <a:latin typeface="fkGroteskNeue"/>
-              </a:rPr>
-              <a:t> </a:t>
-            </a:r>
-            <a:r>
-              <a:rPr lang="en-US" sz="1400" b="1" i="0" dirty="0">
-                <a:effectLst/>
-                <a:latin typeface="fkGroteskNeue"/>
-              </a:rPr>
-              <a:t>female</a:t>
-            </a:r>
-            <a:r>
-              <a:rPr lang="en-US" sz="1400" b="0" i="0" dirty="0">
-                <a:effectLst/>
-                <a:latin typeface="fkGroteskNeue"/>
-              </a:rPr>
-              <a:t> customers in </a:t>
-            </a:r>
-            <a:r>
-              <a:rPr lang="en-US" sz="1400" b="1" i="0" dirty="0">
-                <a:effectLst/>
-                <a:latin typeface="fkGroteskNeue"/>
-              </a:rPr>
-              <a:t>March</a:t>
-            </a:r>
-            <a:r>
-              <a:rPr lang="en-US" sz="1400" b="0" i="0" dirty="0">
-                <a:effectLst/>
-                <a:latin typeface="fkGroteskNeue"/>
-              </a:rPr>
-              <a:t>.</a:t>
-            </a:r>
-            <a:endParaRPr lang="en-US" sz="1400" b="1" dirty="0">
-              <a:latin typeface="Calibri" panose="020F0502020204030204" pitchFamily="34" charset="0"/>
-              <a:ea typeface="Calibri" panose="020F0502020204030204" pitchFamily="34" charset="0"/>
-              <a:cs typeface="Calibri" panose="020F0502020204030204" pitchFamily="34" charset="0"/>
-            </a:endParaRPr>
-          </a:p>
-          <a:p>
-            <a:pPr algn="l">
-              <a:buFont typeface="Arial" panose="020B0604020202020204" pitchFamily="34" charset="0"/>
-              <a:buChar char="•"/>
-            </a:pPr>
-            <a:r>
-              <a:rPr lang="en-US" sz="1400" b="1" i="0" dirty="0">
-                <a:effectLst/>
-                <a:latin typeface="fkGroteskNeue"/>
-              </a:rPr>
-              <a:t>Male</a:t>
-            </a:r>
-            <a:r>
-              <a:rPr lang="en-US" sz="1400" b="0" i="0" dirty="0">
-                <a:effectLst/>
-                <a:latin typeface="fkGroteskNeue"/>
-              </a:rPr>
-              <a:t> sales showed a notable </a:t>
-            </a:r>
-            <a:r>
-              <a:rPr lang="en-US" sz="1400" b="1" i="0" dirty="0">
-                <a:effectLst/>
-                <a:latin typeface="fkGroteskNeue"/>
-              </a:rPr>
-              <a:t>recovery</a:t>
-            </a:r>
-            <a:r>
-              <a:rPr lang="en-US" sz="1400" b="0" i="0" dirty="0">
-                <a:effectLst/>
-                <a:latin typeface="fkGroteskNeue"/>
-              </a:rPr>
-              <a:t> in </a:t>
-            </a:r>
-            <a:r>
-              <a:rPr lang="en-US" sz="1400" b="1" i="0" dirty="0">
-                <a:effectLst/>
-                <a:latin typeface="fkGroteskNeue"/>
-              </a:rPr>
-              <a:t>March</a:t>
-            </a:r>
-            <a:r>
-              <a:rPr lang="en-US" sz="1400" b="0" i="0" dirty="0">
-                <a:effectLst/>
-                <a:latin typeface="fkGroteskNeue"/>
-              </a:rPr>
-              <a:t> after </a:t>
-            </a:r>
-            <a:r>
-              <a:rPr lang="en-US" sz="1400" i="0" dirty="0">
-                <a:effectLst/>
-                <a:latin typeface="fkGroteskNeue"/>
-              </a:rPr>
-              <a:t>a</a:t>
-            </a:r>
-            <a:r>
-              <a:rPr lang="en-US" sz="1400" b="1" i="0" dirty="0">
-                <a:effectLst/>
-                <a:latin typeface="fkGroteskNeue"/>
-              </a:rPr>
-              <a:t> dip in February.</a:t>
-            </a:r>
-          </a:p>
-          <a:p>
-            <a:pPr algn="l">
-              <a:buFont typeface="Arial" panose="020B0604020202020204" pitchFamily="34" charset="0"/>
-              <a:buChar char="•"/>
-            </a:pPr>
-            <a:r>
-              <a:rPr lang="en-US" sz="1400" b="1" dirty="0"/>
-              <a:t>February</a:t>
-            </a:r>
-            <a:r>
-              <a:rPr lang="en-US" sz="1400" dirty="0"/>
-              <a:t> Month with the </a:t>
-            </a:r>
-            <a:r>
-              <a:rPr lang="en-US" sz="1400" b="1" dirty="0"/>
-              <a:t>Largest Gender Gap </a:t>
-            </a:r>
-            <a:r>
-              <a:rPr lang="en-US" sz="1400" dirty="0"/>
-              <a:t>in </a:t>
-            </a:r>
-            <a:r>
-              <a:rPr lang="en-US" sz="1400" b="1" dirty="0"/>
-              <a:t>Sales</a:t>
-            </a:r>
-            <a:r>
-              <a:rPr lang="en-US" sz="1400" dirty="0"/>
-              <a:t> between Male and Female Customers</a:t>
-            </a:r>
-            <a:endParaRPr lang="en-US" sz="1400" dirty="0">
-              <a:latin typeface="Calibri" panose="020F0502020204030204" pitchFamily="34" charset="0"/>
-              <a:ea typeface="Calibri" panose="020F0502020204030204" pitchFamily="34" charset="0"/>
-              <a:cs typeface="Calibri" panose="020F0502020204030204" pitchFamily="34" charset="0"/>
-            </a:endParaRPr>
-          </a:p>
-          <a:p>
-            <a:pPr algn="ctr"/>
-            <a:r>
-              <a:rPr lang="en-IN" sz="1400" b="1" u="sng" dirty="0">
-                <a:latin typeface="Calibri" panose="020F0502020204030204" pitchFamily="34" charset="0"/>
-                <a:ea typeface="Calibri" panose="020F0502020204030204" pitchFamily="34" charset="0"/>
-                <a:cs typeface="Calibri" panose="020F0502020204030204" pitchFamily="34" charset="0"/>
-              </a:rPr>
-              <a:t>RECOMMENDATIONS</a:t>
-            </a:r>
-          </a:p>
-          <a:p>
-            <a:r>
-              <a:rPr lang="en-US" sz="1400" dirty="0"/>
-              <a:t>Focus marketing campaigns more on </a:t>
-            </a:r>
-            <a:r>
-              <a:rPr lang="en-US" sz="1400" b="1" dirty="0"/>
-              <a:t>female customers</a:t>
-            </a:r>
-            <a:r>
-              <a:rPr lang="en-US" sz="1400" dirty="0"/>
-              <a:t>, especially in </a:t>
-            </a:r>
-            <a:r>
-              <a:rPr lang="en-US" sz="1400" b="1" dirty="0"/>
-              <a:t>February</a:t>
-            </a:r>
-            <a:r>
-              <a:rPr lang="en-US" sz="1400" dirty="0"/>
-              <a:t>.</a:t>
-            </a:r>
-            <a:r>
-              <a:rPr lang="en-IN" sz="1400" dirty="0"/>
-              <a:t> </a:t>
-            </a:r>
-            <a:endParaRPr lang="en-US" sz="1400" dirty="0">
-              <a:latin typeface="Calibri" panose="020F0502020204030204" pitchFamily="34" charset="0"/>
-              <a:ea typeface="Calibri" panose="020F0502020204030204" pitchFamily="34" charset="0"/>
-              <a:cs typeface="Calibri" panose="020F0502020204030204" pitchFamily="34" charset="0"/>
-            </a:endParaRPr>
-          </a:p>
-          <a:p>
-            <a:r>
-              <a:rPr lang="en-US" sz="1400" b="1" i="0" dirty="0">
-                <a:effectLst/>
-                <a:latin typeface="fkGroteskNeue"/>
-              </a:rPr>
-              <a:t>Investigate</a:t>
-            </a:r>
-            <a:r>
-              <a:rPr lang="en-US" sz="1400" b="0" i="0" dirty="0">
-                <a:effectLst/>
-                <a:latin typeface="fkGroteskNeue"/>
-              </a:rPr>
-              <a:t> underlying factors for male spending surge in </a:t>
-            </a:r>
-            <a:r>
-              <a:rPr lang="en-US" sz="1400" b="1" i="0" dirty="0">
-                <a:effectLst/>
-                <a:latin typeface="fkGroteskNeue"/>
-              </a:rPr>
-              <a:t>March</a:t>
-            </a:r>
-            <a:r>
-              <a:rPr lang="en-US" sz="1400" b="0" i="0" dirty="0">
-                <a:effectLst/>
-                <a:latin typeface="fkGroteskNeue"/>
-              </a:rPr>
-              <a:t> and consider applying </a:t>
-            </a:r>
-            <a:r>
-              <a:rPr lang="en-US" sz="1400" b="1" i="0" dirty="0">
-                <a:effectLst/>
-                <a:latin typeface="fkGroteskNeue"/>
-              </a:rPr>
-              <a:t>relevant strategies to other months like February</a:t>
-            </a:r>
-            <a:r>
-              <a:rPr lang="en-US" sz="1400" b="0" i="0" dirty="0">
-                <a:effectLst/>
-                <a:latin typeface="fkGroteskNeue"/>
-              </a:rPr>
-              <a:t>.</a:t>
-            </a:r>
-          </a:p>
-          <a:p>
-            <a:endParaRPr lang="en-US" sz="1400" dirty="0">
-              <a:latin typeface="Calibri" panose="020F0502020204030204" pitchFamily="34" charset="0"/>
-              <a:ea typeface="Calibri" panose="020F0502020204030204" pitchFamily="34" charset="0"/>
-              <a:cs typeface="Calibri" panose="020F0502020204030204" pitchFamily="34" charset="0"/>
+              <a:latin typeface="Segoe UI Variable Display Semil" pitchFamily="2" charset="0"/>
             </a:endParaRPr>
           </a:p>
         </p:txBody>
       </p:sp>
       <p:pic>
         <p:nvPicPr>
-          <p:cNvPr id="8" name="Content Placeholder 7">
+          <p:cNvPr id="4" name="Picture 3">
             <a:extLst>
               <a:ext uri="{FF2B5EF4-FFF2-40B4-BE49-F238E27FC236}">
-                <a16:creationId xmlns:a16="http://schemas.microsoft.com/office/drawing/2014/main" id="{43E8DAEB-41AB-76CB-9D9C-765056C2A568}"/>
+                <a16:creationId xmlns:a16="http://schemas.microsoft.com/office/drawing/2014/main" id="{1B534E32-A496-D1CE-2277-8095FDD593F3}"/>
               </a:ext>
             </a:extLst>
           </p:cNvPr>
           <p:cNvPicPr>
-            <a:picLocks noGrp="1" noChangeAspect="1"/>
+            <a:picLocks noChangeAspect="1"/>
           </p:cNvPicPr>
-          <p:nvPr>
-            <p:ph sz="half" idx="1"/>
-          </p:nvPr>
+          <p:nvPr/>
         </p:nvPicPr>
         <p:blipFill>
           <a:blip r:embed="rId2"/>
@@ -10779,15 +11989,18 @@
         </p:blipFill>
         <p:spPr>
           <a:xfrm>
-            <a:off x="690114" y="1441433"/>
-            <a:ext cx="5167222" cy="4036342"/>
+            <a:off x="494518" y="1147313"/>
+            <a:ext cx="11202963" cy="5268191"/>
           </a:xfrm>
+          <a:prstGeom prst="rect">
+            <a:avLst/>
+          </a:prstGeom>
         </p:spPr>
       </p:pic>
     </p:spTree>
     <p:extLst>
       <p:ext uri="{BB962C8B-B14F-4D97-AF65-F5344CB8AC3E}">
-        <p14:creationId xmlns:p14="http://schemas.microsoft.com/office/powerpoint/2010/main" val="3517239747"/>
+        <p14:creationId xmlns:p14="http://schemas.microsoft.com/office/powerpoint/2010/main" val="1128779924"/>
       </p:ext>
     </p:extLst>
   </p:cSld>
@@ -10849,7 +12062,7 @@
                 <a:ea typeface="Calibri" panose="020F0502020204030204" pitchFamily="34" charset="0"/>
                 <a:cs typeface="Calibri" panose="020F0502020204030204" pitchFamily="34" charset="0"/>
               </a:rPr>
-              <a:t>Best Product Line by Customer Type</a:t>
+              <a:t>Monthly Sales Distribution by Gender</a:t>
             </a:r>
             <a:endParaRPr lang="en-IN" sz="2400" dirty="0">
               <a:latin typeface="Calibri" panose="020F0502020204030204" pitchFamily="34" charset="0"/>
@@ -10899,112 +12112,194 @@
           </a:p>
           <a:p>
             <a:r>
-              <a:rPr lang="en-US" sz="1400" b="1" dirty="0"/>
-              <a:t>Members</a:t>
-            </a:r>
-            <a:r>
-              <a:rPr lang="en-US" sz="1400" dirty="0"/>
-              <a:t> prefer </a:t>
-            </a:r>
-            <a:r>
-              <a:rPr lang="en-US" sz="1400" b="1" dirty="0"/>
-              <a:t>Food and Beverages</a:t>
-            </a:r>
-            <a:r>
-              <a:rPr lang="en-US" sz="1400" dirty="0"/>
-              <a:t> the </a:t>
-            </a:r>
-            <a:r>
-              <a:rPr lang="en-US" sz="1400" b="1" dirty="0"/>
-              <a:t>most</a:t>
-            </a:r>
-            <a:r>
-              <a:rPr lang="en-US" sz="1400" dirty="0"/>
-              <a:t> (94 purchases).</a:t>
+              <a:rPr lang="en-US" sz="1400" b="1" i="0" dirty="0">
+                <a:effectLst/>
+                <a:latin typeface="fkGroteskNeue"/>
+              </a:rPr>
+              <a:t>Female</a:t>
+            </a:r>
+            <a:r>
+              <a:rPr lang="en-US" sz="1400" b="0" i="0" dirty="0">
+                <a:effectLst/>
+                <a:latin typeface="fkGroteskNeue"/>
+              </a:rPr>
+              <a:t> customers generated </a:t>
+            </a:r>
+            <a:r>
+              <a:rPr lang="en-US" sz="1400" b="1" i="0" dirty="0">
+                <a:effectLst/>
+                <a:latin typeface="fkGroteskNeue"/>
+              </a:rPr>
+              <a:t>higher total sales</a:t>
+            </a:r>
+            <a:r>
+              <a:rPr lang="en-US" sz="1400" b="0" i="0" dirty="0">
+                <a:effectLst/>
+                <a:latin typeface="fkGroteskNeue"/>
+              </a:rPr>
+              <a:t> across all months </a:t>
+            </a:r>
+            <a:r>
+              <a:rPr lang="en-US" sz="1400" b="1" i="0" dirty="0">
+                <a:effectLst/>
+                <a:latin typeface="fkGroteskNeue"/>
+              </a:rPr>
+              <a:t>except March</a:t>
+            </a:r>
+          </a:p>
+          <a:p>
+            <a:r>
+              <a:rPr lang="en-US" sz="1400" b="1" i="0" dirty="0">
+                <a:effectLst/>
+                <a:latin typeface="fkGroteskNeue"/>
+              </a:rPr>
+              <a:t>Male</a:t>
+            </a:r>
+            <a:r>
+              <a:rPr lang="en-US" sz="1400" b="0" i="0" dirty="0">
+                <a:effectLst/>
+                <a:latin typeface="fkGroteskNeue"/>
+              </a:rPr>
+              <a:t> customers </a:t>
+            </a:r>
+            <a:r>
+              <a:rPr lang="en-US" sz="1400" b="1" i="0" dirty="0">
+                <a:effectLst/>
+                <a:latin typeface="fkGroteskNeue"/>
+              </a:rPr>
+              <a:t>outspent</a:t>
+            </a:r>
+            <a:r>
+              <a:rPr lang="en-US" sz="1400" b="0" i="0" dirty="0">
+                <a:effectLst/>
+                <a:latin typeface="fkGroteskNeue"/>
+              </a:rPr>
+              <a:t> </a:t>
+            </a:r>
+            <a:r>
+              <a:rPr lang="en-US" sz="1400" b="1" i="0" dirty="0">
+                <a:effectLst/>
+                <a:latin typeface="fkGroteskNeue"/>
+              </a:rPr>
+              <a:t>female</a:t>
+            </a:r>
+            <a:r>
+              <a:rPr lang="en-US" sz="1400" b="0" i="0" dirty="0">
+                <a:effectLst/>
+                <a:latin typeface="fkGroteskNeue"/>
+              </a:rPr>
+              <a:t> customers in </a:t>
+            </a:r>
+            <a:r>
+              <a:rPr lang="en-US" sz="1400" b="1" i="0" dirty="0">
+                <a:effectLst/>
+                <a:latin typeface="fkGroteskNeue"/>
+              </a:rPr>
+              <a:t>March</a:t>
+            </a:r>
+            <a:r>
+              <a:rPr lang="en-US" sz="1400" b="0" i="0" dirty="0">
+                <a:effectLst/>
+                <a:latin typeface="fkGroteskNeue"/>
+              </a:rPr>
+              <a:t>.</a:t>
             </a:r>
             <a:endParaRPr lang="en-US" sz="1400" b="1" dirty="0">
-              <a:latin typeface="fkGroteskNeue"/>
+              <a:latin typeface="Calibri" panose="020F0502020204030204" pitchFamily="34" charset="0"/>
+              <a:ea typeface="Calibri" panose="020F0502020204030204" pitchFamily="34" charset="0"/>
+              <a:cs typeface="Calibri" panose="020F0502020204030204" pitchFamily="34" charset="0"/>
             </a:endParaRPr>
           </a:p>
           <a:p>
-            <a:r>
-              <a:rPr lang="en-IN" sz="1400" b="1" dirty="0"/>
-              <a:t>Normal customers</a:t>
-            </a:r>
-            <a:r>
-              <a:rPr lang="en-IN" sz="1400" dirty="0"/>
-              <a:t> equally prefer:</a:t>
-            </a:r>
-            <a:endParaRPr lang="en-US" sz="1400" b="1" dirty="0">
-              <a:latin typeface="fkGroteskNeue"/>
-            </a:endParaRPr>
-          </a:p>
-          <a:p>
-            <a:pPr lvl="1"/>
-            <a:r>
-              <a:rPr lang="en-IN" sz="1400" b="1" dirty="0"/>
-              <a:t>Electronic Accessories</a:t>
-            </a:r>
-            <a:r>
-              <a:rPr lang="en-IN" sz="1400" dirty="0"/>
-              <a:t> (92 purchases)</a:t>
-            </a:r>
-            <a:endParaRPr lang="en-US" sz="1400" b="1" dirty="0">
-              <a:latin typeface="fkGroteskNeue"/>
-            </a:endParaRPr>
-          </a:p>
-          <a:p>
-            <a:pPr lvl="1"/>
-            <a:r>
-              <a:rPr lang="en-IN" sz="1400" b="1" dirty="0"/>
-              <a:t>Fashion Accessories</a:t>
-            </a:r>
-            <a:r>
-              <a:rPr lang="en-IN" sz="1400" dirty="0"/>
-              <a:t> (92 purchases)</a:t>
-            </a:r>
-          </a:p>
-          <a:p>
-            <a:pPr lvl="1"/>
-            <a:endParaRPr lang="en-US" sz="1200" dirty="0">
-              <a:latin typeface="fkGroteskNeue"/>
-            </a:endParaRPr>
-          </a:p>
-          <a:p>
-            <a:pPr algn="ctr"/>
-            <a:r>
-              <a:rPr lang="en-IN" sz="1400" b="1" u="sng" dirty="0">
-                <a:latin typeface="Calibri" panose="020F0502020204030204" pitchFamily="34" charset="0"/>
-                <a:ea typeface="Calibri" panose="020F0502020204030204" pitchFamily="34" charset="0"/>
-                <a:cs typeface="Calibri" panose="020F0502020204030204" pitchFamily="34" charset="0"/>
-              </a:rPr>
-              <a:t>RECOMMENDATIONS</a:t>
-            </a:r>
-          </a:p>
-          <a:p>
-            <a:r>
-              <a:rPr lang="en-US" sz="1400" dirty="0"/>
-              <a:t>Focus marketing campaigns more on </a:t>
-            </a:r>
-            <a:r>
-              <a:rPr lang="en-US" sz="1400" b="1" dirty="0"/>
-              <a:t>female customers</a:t>
-            </a:r>
-            <a:r>
-              <a:rPr lang="en-US" sz="1400" dirty="0"/>
-              <a:t>, especially in </a:t>
-            </a:r>
+            <a:pPr algn="l">
+              <a:buFont typeface="Arial" panose="020B0604020202020204" pitchFamily="34" charset="0"/>
+              <a:buChar char="•"/>
+            </a:pPr>
+            <a:r>
+              <a:rPr lang="en-US" sz="1400" b="1" i="0" dirty="0">
+                <a:effectLst/>
+                <a:latin typeface="fkGroteskNeue"/>
+              </a:rPr>
+              <a:t>Male</a:t>
+            </a:r>
+            <a:r>
+              <a:rPr lang="en-US" sz="1400" b="0" i="0" dirty="0">
+                <a:effectLst/>
+                <a:latin typeface="fkGroteskNeue"/>
+              </a:rPr>
+              <a:t> sales showed a notable </a:t>
+            </a:r>
+            <a:r>
+              <a:rPr lang="en-US" sz="1400" b="1" i="0" dirty="0">
+                <a:effectLst/>
+                <a:latin typeface="fkGroteskNeue"/>
+              </a:rPr>
+              <a:t>recovery</a:t>
+            </a:r>
+            <a:r>
+              <a:rPr lang="en-US" sz="1400" b="0" i="0" dirty="0">
+                <a:effectLst/>
+                <a:latin typeface="fkGroteskNeue"/>
+              </a:rPr>
+              <a:t> in </a:t>
+            </a:r>
+            <a:r>
+              <a:rPr lang="en-US" sz="1400" b="1" i="0" dirty="0">
+                <a:effectLst/>
+                <a:latin typeface="fkGroteskNeue"/>
+              </a:rPr>
+              <a:t>March</a:t>
+            </a:r>
+            <a:r>
+              <a:rPr lang="en-US" sz="1400" b="0" i="0" dirty="0">
+                <a:effectLst/>
+                <a:latin typeface="fkGroteskNeue"/>
+              </a:rPr>
+              <a:t> after </a:t>
+            </a:r>
+            <a:r>
+              <a:rPr lang="en-US" sz="1400" i="0" dirty="0">
+                <a:effectLst/>
+                <a:latin typeface="fkGroteskNeue"/>
+              </a:rPr>
+              <a:t>a</a:t>
+            </a:r>
+            <a:r>
+              <a:rPr lang="en-US" sz="1400" b="1" i="0" dirty="0">
+                <a:effectLst/>
+                <a:latin typeface="fkGroteskNeue"/>
+              </a:rPr>
+              <a:t> dip in February.</a:t>
+            </a:r>
+          </a:p>
+          <a:p>
+            <a:pPr algn="l">
+              <a:buFont typeface="Arial" panose="020B0604020202020204" pitchFamily="34" charset="0"/>
+              <a:buChar char="•"/>
+            </a:pPr>
             <a:r>
               <a:rPr lang="en-US" sz="1400" b="1" dirty="0"/>
               <a:t>February</a:t>
             </a:r>
             <a:r>
               <a:rPr lang="en-US" sz="1400" dirty="0"/>
-              <a:t>.</a:t>
-            </a:r>
-            <a:r>
-              <a:rPr lang="en-IN" sz="1400" dirty="0"/>
-              <a:t> </a:t>
+              <a:t> Month with the </a:t>
+            </a:r>
+            <a:r>
+              <a:rPr lang="en-US" sz="1400" b="1" dirty="0"/>
+              <a:t>Largest Gender Gap </a:t>
+            </a:r>
+            <a:r>
+              <a:rPr lang="en-US" sz="1400" dirty="0"/>
+              <a:t>in </a:t>
+            </a:r>
+            <a:r>
+              <a:rPr lang="en-US" sz="1400" b="1" dirty="0"/>
+              <a:t>Sales</a:t>
+            </a:r>
+            <a:r>
+              <a:rPr lang="en-US" sz="1400" dirty="0"/>
+              <a:t> between Male and Female Customers</a:t>
             </a:r>
             <a:endParaRPr lang="en-US" sz="1400" dirty="0">
               <a:latin typeface="Calibri" panose="020F0502020204030204" pitchFamily="34" charset="0"/>
@@ -11013,64 +12308,106 @@
             </a:endParaRPr>
           </a:p>
           <a:p>
-            <a:r>
-              <a:rPr lang="en-US" sz="1400" b="1" i="0" dirty="0">
-                <a:effectLst/>
-                <a:latin typeface="fkGroteskNeue"/>
-              </a:rPr>
-              <a:t>Investigate</a:t>
-            </a:r>
-            <a:r>
-              <a:rPr lang="en-US" sz="1400" b="0" i="0" dirty="0">
-                <a:effectLst/>
-                <a:latin typeface="fkGroteskNeue"/>
-              </a:rPr>
-              <a:t> underlying factors for male spending surge in </a:t>
-            </a:r>
-            <a:r>
-              <a:rPr lang="en-US" sz="1400" b="1" i="0" dirty="0">
-                <a:effectLst/>
-                <a:latin typeface="fkGroteskNeue"/>
-              </a:rPr>
-              <a:t>March</a:t>
-            </a:r>
-            <a:r>
-              <a:rPr lang="en-US" sz="1400" b="0" i="0" dirty="0">
-                <a:effectLst/>
-                <a:latin typeface="fkGroteskNeue"/>
-              </a:rPr>
-              <a:t> and consider applying </a:t>
-            </a:r>
-            <a:r>
-              <a:rPr lang="en-US" sz="1400" b="1" i="0" dirty="0">
-                <a:effectLst/>
-                <a:latin typeface="fkGroteskNeue"/>
-              </a:rPr>
-              <a:t>relevant strategies to other months like February</a:t>
-            </a:r>
-            <a:r>
-              <a:rPr lang="en-US" sz="1400" b="0" i="0" dirty="0">
-                <a:effectLst/>
-                <a:latin typeface="fkGroteskNeue"/>
-              </a:rPr>
+            <a:pPr algn="ctr"/>
+            <a:r>
+              <a:rPr lang="en-IN" sz="1400" b="1" u="sng" dirty="0">
+                <a:latin typeface="Calibri" panose="020F0502020204030204" pitchFamily="34" charset="0"/>
+                <a:ea typeface="Calibri" panose="020F0502020204030204" pitchFamily="34" charset="0"/>
+                <a:cs typeface="Calibri" panose="020F0502020204030204" pitchFamily="34" charset="0"/>
+              </a:rPr>
+              <a:t>RECOMMENDATIONS</a:t>
+            </a:r>
+          </a:p>
+          <a:p>
+            <a:r>
+              <a:rPr lang="en-US" sz="1400" dirty="0"/>
+              <a:t>Focus marketing campaigns more on </a:t>
+            </a:r>
+            <a:r>
+              <a:rPr lang="en-US" sz="1400" b="1" dirty="0"/>
+              <a:t>female customers</a:t>
+            </a:r>
+            <a:r>
+              <a:rPr lang="en-US" sz="1400" dirty="0"/>
+              <a:t>, especially in </a:t>
+            </a:r>
+            <a:r>
+              <a:rPr lang="en-US" sz="1400" b="1" dirty="0"/>
+              <a:t>February</a:t>
+            </a:r>
+            <a:r>
+              <a:rPr lang="en-US" sz="1400" dirty="0"/>
               <a:t>.</a:t>
             </a:r>
-          </a:p>
-          <a:p>
+            <a:r>
+              <a:rPr lang="en-IN" sz="1400" dirty="0"/>
+              <a:t> </a:t>
+            </a:r>
             <a:endParaRPr lang="en-US" sz="1400" dirty="0">
               <a:latin typeface="Calibri" panose="020F0502020204030204" pitchFamily="34" charset="0"/>
               <a:ea typeface="Calibri" panose="020F0502020204030204" pitchFamily="34" charset="0"/>
               <a:cs typeface="Calibri" panose="020F0502020204030204" pitchFamily="34" charset="0"/>
             </a:endParaRPr>
           </a:p>
+          <a:p>
+            <a:r>
+              <a:rPr lang="en-US" sz="1400" b="1" i="0" dirty="0">
+                <a:effectLst/>
+                <a:latin typeface="fkGroteskNeue"/>
+              </a:rPr>
+              <a:t>Investigate</a:t>
+            </a:r>
+            <a:r>
+              <a:rPr lang="en-US" sz="1400" b="0" i="0" dirty="0">
+                <a:effectLst/>
+                <a:latin typeface="fkGroteskNeue"/>
+              </a:rPr>
+              <a:t> underlying factors for male spending surge in </a:t>
+            </a:r>
+            <a:r>
+              <a:rPr lang="en-US" sz="1400" b="1" i="0" dirty="0">
+                <a:effectLst/>
+                <a:latin typeface="fkGroteskNeue"/>
+              </a:rPr>
+              <a:t>March</a:t>
+            </a:r>
+            <a:r>
+              <a:rPr lang="en-US" sz="1400" b="0" i="0" dirty="0">
+                <a:effectLst/>
+                <a:latin typeface="fkGroteskNeue"/>
+              </a:rPr>
+              <a:t> and consider applying </a:t>
+            </a:r>
+            <a:r>
+              <a:rPr lang="en-US" sz="1400" b="1" i="0" dirty="0">
+                <a:effectLst/>
+                <a:latin typeface="fkGroteskNeue"/>
+              </a:rPr>
+              <a:t>relevant strategies to other months like February</a:t>
+            </a:r>
+            <a:r>
+              <a:rPr lang="en-US" sz="1400" b="0" i="0" dirty="0">
+                <a:effectLst/>
+                <a:latin typeface="fkGroteskNeue"/>
+              </a:rPr>
+              <a:t>.</a:t>
+            </a:r>
+          </a:p>
+          <a:p>
+            <a:endParaRPr lang="en-US" sz="1400" dirty="0">
+              <a:latin typeface="Calibri" panose="020F0502020204030204" pitchFamily="34" charset="0"/>
+              <a:ea typeface="Calibri" panose="020F0502020204030204" pitchFamily="34" charset="0"/>
+              <a:cs typeface="Calibri" panose="020F0502020204030204" pitchFamily="34" charset="0"/>
+            </a:endParaRPr>
+          </a:p>
         </p:txBody>
       </p:sp>
       <p:pic>
         <p:nvPicPr>
-          <p:cNvPr id="7" name="Content Placeholder 6">
+          <p:cNvPr id="8" name="Content Placeholder 7">
             <a:extLst>
               <a:ext uri="{FF2B5EF4-FFF2-40B4-BE49-F238E27FC236}">
-                <a16:creationId xmlns:a16="http://schemas.microsoft.com/office/drawing/2014/main" id="{D6031B81-BFEC-F8DA-E2E6-4E8387E2A161}"/>
+                <a16:creationId xmlns:a16="http://schemas.microsoft.com/office/drawing/2014/main" id="{43E8DAEB-41AB-76CB-9D9C-765056C2A568}"/>
               </a:ext>
             </a:extLst>
           </p:cNvPr>
@@ -11089,15 +12426,15 @@
         </p:blipFill>
         <p:spPr>
           <a:xfrm>
-            <a:off x="586359" y="1121434"/>
-            <a:ext cx="5331361" cy="4813540"/>
+            <a:off x="690114" y="1441433"/>
+            <a:ext cx="5167222" cy="4036342"/>
           </a:xfrm>
         </p:spPr>
       </p:pic>
     </p:spTree>
     <p:extLst>
       <p:ext uri="{BB962C8B-B14F-4D97-AF65-F5344CB8AC3E}">
-        <p14:creationId xmlns:p14="http://schemas.microsoft.com/office/powerpoint/2010/main" val="2345037371"/>
+        <p14:creationId xmlns:p14="http://schemas.microsoft.com/office/powerpoint/2010/main" val="3517239747"/>
       </p:ext>
     </p:extLst>
   </p:cSld>
@@ -11765,21 +13102,21 @@
 </file>
 
 <file path=customXml/item1.xml><?xml version="1.0" encoding="utf-8"?>
+<p:properties xmlns:p="http://schemas.microsoft.com/office/2006/metadata/properties" xmlns:xsi="http://www.w3.org/2001/XMLSchema-instance" xmlns:pc="http://schemas.microsoft.com/office/infopath/2007/PartnerControls">
+  <documentManagement>
+    <Status xmlns="71af3243-3dd4-4a8d-8c0d-dd76da1f02a5">Not started</Status>
+    <MediaServiceKeyPoints xmlns="71af3243-3dd4-4a8d-8c0d-dd76da1f02a5" xsi:nil="true"/>
+  </documentManagement>
+</p:properties>
+</file>
+
+<file path=customXml/item2.xml><?xml version="1.0" encoding="utf-8"?>
 <?mso-contentType ?>
 <FormTemplates xmlns="http://schemas.microsoft.com/sharepoint/v3/contenttype/forms">
   <Display>DocumentLibraryForm</Display>
   <Edit>DocumentLibraryForm</Edit>
   <New>DocumentLibraryForm</New>
 </FormTemplates>
-</file>
-
-<file path=customXml/item2.xml><?xml version="1.0" encoding="utf-8"?>
-<p:properties xmlns:p="http://schemas.microsoft.com/office/2006/metadata/properties" xmlns:xsi="http://www.w3.org/2001/XMLSchema-instance" xmlns:pc="http://schemas.microsoft.com/office/infopath/2007/PartnerControls">
-  <documentManagement>
-    <Status xmlns="71af3243-3dd4-4a8d-8c0d-dd76da1f02a5">Not started</Status>
-    <MediaServiceKeyPoints xmlns="71af3243-3dd4-4a8d-8c0d-dd76da1f02a5" xsi:nil="true"/>
-  </documentManagement>
-</p:properties>
 </file>
 
 <file path=customXml/item3.xml><?xml version="1.0" encoding="utf-8"?>
@@ -12004,19 +13341,19 @@
 </file>
 
 <file path=customXml/itemProps1.xml><?xml version="1.0" encoding="utf-8"?>
-<ds:datastoreItem xmlns:ds="http://schemas.openxmlformats.org/officeDocument/2006/customXml" ds:itemID="{1259D436-C82E-43E0-8A01-53DF9CED6032}">
+<ds:datastoreItem xmlns:ds="http://schemas.openxmlformats.org/officeDocument/2006/customXml" ds:itemID="{946BCBFB-BBC7-42F1-95CD-058E172363A0}">
   <ds:schemaRefs>
-    <ds:schemaRef ds:uri="http://schemas.microsoft.com/sharepoint/v3/contenttype/forms"/>
+    <ds:schemaRef ds:uri="http://schemas.microsoft.com/office/2006/metadata/properties"/>
+    <ds:schemaRef ds:uri="http://schemas.microsoft.com/office/infopath/2007/PartnerControls"/>
+    <ds:schemaRef ds:uri="71af3243-3dd4-4a8d-8c0d-dd76da1f02a5"/>
   </ds:schemaRefs>
 </ds:datastoreItem>
 </file>
 
 <file path=customXml/itemProps2.xml><?xml version="1.0" encoding="utf-8"?>
-<ds:datastoreItem xmlns:ds="http://schemas.openxmlformats.org/officeDocument/2006/customXml" ds:itemID="{946BCBFB-BBC7-42F1-95CD-058E172363A0}">
+<ds:datastoreItem xmlns:ds="http://schemas.openxmlformats.org/officeDocument/2006/customXml" ds:itemID="{1259D436-C82E-43E0-8A01-53DF9CED6032}">
   <ds:schemaRefs>
-    <ds:schemaRef ds:uri="http://schemas.microsoft.com/office/2006/metadata/properties"/>
-    <ds:schemaRef ds:uri="http://schemas.microsoft.com/office/infopath/2007/PartnerControls"/>
-    <ds:schemaRef ds:uri="71af3243-3dd4-4a8d-8c0d-dd76da1f02a5"/>
+    <ds:schemaRef ds:uri="http://schemas.microsoft.com/sharepoint/v3/contenttype/forms"/>
   </ds:schemaRefs>
 </ds:datastoreItem>
 </file>

--- a/Walmart analysis.pptx
+++ b/Walmart analysis.pptx
@@ -9,10 +9,10 @@
   </p:notesMasterIdLst>
   <p:sldIdLst>
     <p:sldId id="264" r:id="rId5"/>
-    <p:sldId id="312" r:id="rId6"/>
-    <p:sldId id="314" r:id="rId7"/>
-    <p:sldId id="315" r:id="rId8"/>
-    <p:sldId id="316" r:id="rId9"/>
+    <p:sldId id="314" r:id="rId6"/>
+    <p:sldId id="315" r:id="rId7"/>
+    <p:sldId id="316" r:id="rId8"/>
+    <p:sldId id="330" r:id="rId9"/>
     <p:sldId id="318" r:id="rId10"/>
     <p:sldId id="319" r:id="rId11"/>
     <p:sldId id="328" r:id="rId12"/>
@@ -129,2977 +129,6 @@
     </p:ext>
   </p:extLst>
 </p:presentation>
-</file>
-
-<file path=ppt/diagrams/colors1.xml><?xml version="1.0" encoding="utf-8"?>
-<dgm:colorsDef xmlns:dgm="http://schemas.openxmlformats.org/drawingml/2006/diagram" xmlns:a="http://schemas.openxmlformats.org/drawingml/2006/main" uniqueId="urn:microsoft.com/office/officeart/2018/5/colors/Iconchunking_neutralicon_colorful1">
-  <dgm:title val=""/>
-  <dgm:desc val=""/>
-  <dgm:catLst>
-    <dgm:cat type="colorful" pri="10100"/>
-  </dgm:catLst>
-  <dgm:styleLbl name="node0">
-    <dgm:fillClrLst meth="repeat">
-      <a:schemeClr val="accent1"/>
-    </dgm:fillClrLst>
-    <dgm:linClrLst meth="repeat">
-      <a:schemeClr val="lt1"/>
-    </dgm:linClrLst>
-    <dgm:effectClrLst/>
-    <dgm:txLinClrLst/>
-    <dgm:txFillClrLst/>
-    <dgm:txEffectClrLst/>
-  </dgm:styleLbl>
-  <dgm:styleLbl name="node1">
-    <dgm:fillClrLst meth="repeat">
-      <a:schemeClr val="bg1"/>
-    </dgm:fillClrLst>
-    <dgm:linClrLst meth="repeat">
-      <a:schemeClr val="lt1">
-        <a:alpha val="0"/>
-      </a:schemeClr>
-    </dgm:linClrLst>
-    <dgm:effectClrLst/>
-    <dgm:txLinClrLst/>
-    <dgm:txFillClrLst meth="repeat">
-      <a:schemeClr val="dk1"/>
-    </dgm:txFillClrLst>
-    <dgm:txEffectClrLst/>
-  </dgm:styleLbl>
-  <dgm:styleLbl name="alignNode1">
-    <dgm:fillClrLst meth="repeat">
-      <a:schemeClr val="accent2"/>
-      <a:schemeClr val="accent3"/>
-      <a:schemeClr val="accent4"/>
-      <a:schemeClr val="accent5"/>
-      <a:schemeClr val="accent6"/>
-    </dgm:fillClrLst>
-    <dgm:linClrLst meth="repeat">
-      <a:schemeClr val="accent2"/>
-      <a:schemeClr val="accent3"/>
-      <a:schemeClr val="accent4"/>
-      <a:schemeClr val="accent5"/>
-      <a:schemeClr val="accent6"/>
-    </dgm:linClrLst>
-    <dgm:effectClrLst/>
-    <dgm:txLinClrLst/>
-    <dgm:txFillClrLst/>
-    <dgm:txEffectClrLst/>
-  </dgm:styleLbl>
-  <dgm:styleLbl name="lnNode1">
-    <dgm:fillClrLst meth="repeat">
-      <a:schemeClr val="accent2"/>
-      <a:schemeClr val="accent3"/>
-      <a:schemeClr val="accent4"/>
-      <a:schemeClr val="accent5"/>
-      <a:schemeClr val="accent6"/>
-    </dgm:fillClrLst>
-    <dgm:linClrLst meth="repeat">
-      <a:schemeClr val="lt1"/>
-    </dgm:linClrLst>
-    <dgm:effectClrLst/>
-    <dgm:txLinClrLst/>
-    <dgm:txFillClrLst/>
-    <dgm:txEffectClrLst/>
-  </dgm:styleLbl>
-  <dgm:styleLbl name="vennNode1">
-    <dgm:fillClrLst meth="repeat">
-      <a:schemeClr val="accent2">
-        <a:alpha val="50000"/>
-      </a:schemeClr>
-      <a:schemeClr val="accent3">
-        <a:alpha val="50000"/>
-      </a:schemeClr>
-      <a:schemeClr val="accent4">
-        <a:alpha val="50000"/>
-      </a:schemeClr>
-      <a:schemeClr val="accent5">
-        <a:alpha val="50000"/>
-      </a:schemeClr>
-      <a:schemeClr val="accent6">
-        <a:alpha val="50000"/>
-      </a:schemeClr>
-    </dgm:fillClrLst>
-    <dgm:linClrLst meth="repeat">
-      <a:schemeClr val="lt1"/>
-    </dgm:linClrLst>
-    <dgm:effectClrLst/>
-    <dgm:txLinClrLst/>
-    <dgm:txFillClrLst/>
-    <dgm:txEffectClrLst/>
-  </dgm:styleLbl>
-  <dgm:styleLbl name="node2">
-    <dgm:fillClrLst>
-      <a:schemeClr val="accent2"/>
-    </dgm:fillClrLst>
-    <dgm:linClrLst meth="repeat">
-      <a:schemeClr val="lt1"/>
-    </dgm:linClrLst>
-    <dgm:effectClrLst/>
-    <dgm:txLinClrLst/>
-    <dgm:txFillClrLst/>
-    <dgm:txEffectClrLst/>
-  </dgm:styleLbl>
-  <dgm:styleLbl name="node3">
-    <dgm:fillClrLst>
-      <a:schemeClr val="accent3"/>
-    </dgm:fillClrLst>
-    <dgm:linClrLst meth="repeat">
-      <a:schemeClr val="lt1"/>
-    </dgm:linClrLst>
-    <dgm:effectClrLst/>
-    <dgm:txLinClrLst/>
-    <dgm:txFillClrLst/>
-    <dgm:txEffectClrLst/>
-  </dgm:styleLbl>
-  <dgm:styleLbl name="node4">
-    <dgm:fillClrLst>
-      <a:schemeClr val="accent4"/>
-    </dgm:fillClrLst>
-    <dgm:linClrLst meth="repeat">
-      <a:schemeClr val="lt1"/>
-    </dgm:linClrLst>
-    <dgm:effectClrLst/>
-    <dgm:txLinClrLst/>
-    <dgm:txFillClrLst/>
-    <dgm:txEffectClrLst/>
-  </dgm:styleLbl>
-  <dgm:styleLbl name="fgImgPlace1">
-    <dgm:fillClrLst meth="repeat">
-      <a:schemeClr val="accent2">
-        <a:tint val="50000"/>
-      </a:schemeClr>
-      <a:schemeClr val="accent3">
-        <a:tint val="50000"/>
-      </a:schemeClr>
-      <a:schemeClr val="accent4">
-        <a:tint val="50000"/>
-      </a:schemeClr>
-      <a:schemeClr val="accent5">
-        <a:tint val="50000"/>
-      </a:schemeClr>
-      <a:schemeClr val="accent6">
-        <a:tint val="50000"/>
-      </a:schemeClr>
-    </dgm:fillClrLst>
-    <dgm:linClrLst meth="repeat">
-      <a:schemeClr val="lt1"/>
-    </dgm:linClrLst>
-    <dgm:effectClrLst/>
-    <dgm:txLinClrLst/>
-    <dgm:txFillClrLst meth="repeat">
-      <a:schemeClr val="lt1"/>
-    </dgm:txFillClrLst>
-    <dgm:txEffectClrLst/>
-  </dgm:styleLbl>
-  <dgm:styleLbl name="alignImgPlace1">
-    <dgm:fillClrLst>
-      <a:schemeClr val="accent1">
-        <a:tint val="50000"/>
-      </a:schemeClr>
-      <a:schemeClr val="accent2">
-        <a:tint val="20000"/>
-      </a:schemeClr>
-    </dgm:fillClrLst>
-    <dgm:linClrLst meth="repeat">
-      <a:schemeClr val="lt1"/>
-    </dgm:linClrLst>
-    <dgm:effectClrLst/>
-    <dgm:txLinClrLst/>
-    <dgm:txFillClrLst meth="repeat">
-      <a:schemeClr val="lt1"/>
-    </dgm:txFillClrLst>
-    <dgm:txEffectClrLst/>
-  </dgm:styleLbl>
-  <dgm:styleLbl name="bgImgPlace1">
-    <dgm:fillClrLst>
-      <a:schemeClr val="accent1">
-        <a:tint val="50000"/>
-      </a:schemeClr>
-      <a:schemeClr val="accent2">
-        <a:tint val="20000"/>
-      </a:schemeClr>
-    </dgm:fillClrLst>
-    <dgm:linClrLst meth="repeat">
-      <a:schemeClr val="lt1"/>
-    </dgm:linClrLst>
-    <dgm:effectClrLst/>
-    <dgm:txLinClrLst/>
-    <dgm:txFillClrLst meth="repeat">
-      <a:schemeClr val="lt1"/>
-    </dgm:txFillClrLst>
-    <dgm:txEffectClrLst/>
-  </dgm:styleLbl>
-  <dgm:styleLbl name="sibTrans2D1">
-    <dgm:fillClrLst meth="repeat">
-      <a:schemeClr val="accent2"/>
-      <a:schemeClr val="accent3"/>
-      <a:schemeClr val="accent4"/>
-      <a:schemeClr val="accent5"/>
-      <a:schemeClr val="accent6"/>
-    </dgm:fillClrLst>
-    <dgm:linClrLst meth="cycle">
-      <a:schemeClr val="lt1"/>
-    </dgm:linClrLst>
-    <dgm:effectClrLst/>
-    <dgm:txLinClrLst/>
-    <dgm:txFillClrLst/>
-    <dgm:txEffectClrLst/>
-  </dgm:styleLbl>
-  <dgm:styleLbl name="fgSibTrans2D1">
-    <dgm:fillClrLst meth="repeat">
-      <a:schemeClr val="accent2"/>
-      <a:schemeClr val="accent3"/>
-      <a:schemeClr val="accent4"/>
-      <a:schemeClr val="accent5"/>
-      <a:schemeClr val="accent6"/>
-    </dgm:fillClrLst>
-    <dgm:linClrLst meth="cycle">
-      <a:schemeClr val="lt1"/>
-    </dgm:linClrLst>
-    <dgm:effectClrLst/>
-    <dgm:txLinClrLst/>
-    <dgm:txFillClrLst meth="repeat">
-      <a:schemeClr val="lt1"/>
-    </dgm:txFillClrLst>
-    <dgm:txEffectClrLst/>
-  </dgm:styleLbl>
-  <dgm:styleLbl name="bgSibTrans2D1">
-    <dgm:fillClrLst meth="repeat">
-      <a:schemeClr val="accent2"/>
-      <a:schemeClr val="accent3"/>
-      <a:schemeClr val="accent4"/>
-      <a:schemeClr val="accent5"/>
-      <a:schemeClr val="accent6"/>
-    </dgm:fillClrLst>
-    <dgm:linClrLst meth="cycle">
-      <a:schemeClr val="lt1"/>
-    </dgm:linClrLst>
-    <dgm:effectClrLst/>
-    <dgm:txLinClrLst/>
-    <dgm:txFillClrLst meth="repeat">
-      <a:schemeClr val="lt1"/>
-    </dgm:txFillClrLst>
-    <dgm:txEffectClrLst/>
-  </dgm:styleLbl>
-  <dgm:styleLbl name="sibTrans1D1">
-    <dgm:fillClrLst meth="repeat">
-      <a:schemeClr val="accent2"/>
-      <a:schemeClr val="accent3"/>
-      <a:schemeClr val="accent4"/>
-      <a:schemeClr val="accent5"/>
-      <a:schemeClr val="accent6"/>
-    </dgm:fillClrLst>
-    <dgm:linClrLst meth="repeat">
-      <a:schemeClr val="accent2"/>
-      <a:schemeClr val="accent3"/>
-      <a:schemeClr val="accent4"/>
-      <a:schemeClr val="accent5"/>
-      <a:schemeClr val="accent6"/>
-    </dgm:linClrLst>
-    <dgm:effectClrLst/>
-    <dgm:txLinClrLst/>
-    <dgm:txFillClrLst meth="repeat">
-      <a:schemeClr val="tx1"/>
-    </dgm:txFillClrLst>
-    <dgm:txEffectClrLst/>
-  </dgm:styleLbl>
-  <dgm:styleLbl name="callout">
-    <dgm:fillClrLst meth="repeat">
-      <a:schemeClr val="accent2"/>
-    </dgm:fillClrLst>
-    <dgm:linClrLst meth="repeat">
-      <a:schemeClr val="accent2">
-        <a:tint val="50000"/>
-      </a:schemeClr>
-    </dgm:linClrLst>
-    <dgm:effectClrLst/>
-    <dgm:txLinClrLst/>
-    <dgm:txFillClrLst meth="repeat">
-      <a:schemeClr val="tx1"/>
-    </dgm:txFillClrLst>
-    <dgm:txEffectClrLst/>
-  </dgm:styleLbl>
-  <dgm:styleLbl name="asst0">
-    <dgm:fillClrLst meth="repeat">
-      <a:schemeClr val="accent1"/>
-    </dgm:fillClrLst>
-    <dgm:linClrLst meth="repeat">
-      <a:schemeClr val="lt1"/>
-    </dgm:linClrLst>
-    <dgm:effectClrLst/>
-    <dgm:txLinClrLst/>
-    <dgm:txFillClrLst/>
-    <dgm:txEffectClrLst/>
-  </dgm:styleLbl>
-  <dgm:styleLbl name="asst1">
-    <dgm:fillClrLst meth="repeat">
-      <a:schemeClr val="accent2"/>
-    </dgm:fillClrLst>
-    <dgm:linClrLst meth="repeat">
-      <a:schemeClr val="lt1"/>
-    </dgm:linClrLst>
-    <dgm:effectClrLst/>
-    <dgm:txLinClrLst/>
-    <dgm:txFillClrLst/>
-    <dgm:txEffectClrLst/>
-  </dgm:styleLbl>
-  <dgm:styleLbl name="asst2">
-    <dgm:fillClrLst>
-      <a:schemeClr val="accent3"/>
-    </dgm:fillClrLst>
-    <dgm:linClrLst meth="repeat">
-      <a:schemeClr val="lt1"/>
-    </dgm:linClrLst>
-    <dgm:effectClrLst/>
-    <dgm:txLinClrLst/>
-    <dgm:txFillClrLst/>
-    <dgm:txEffectClrLst/>
-  </dgm:styleLbl>
-  <dgm:styleLbl name="asst3">
-    <dgm:fillClrLst>
-      <a:schemeClr val="accent4"/>
-    </dgm:fillClrLst>
-    <dgm:linClrLst meth="repeat">
-      <a:schemeClr val="lt1"/>
-    </dgm:linClrLst>
-    <dgm:effectClrLst/>
-    <dgm:txLinClrLst/>
-    <dgm:txFillClrLst/>
-    <dgm:txEffectClrLst/>
-  </dgm:styleLbl>
-  <dgm:styleLbl name="asst4">
-    <dgm:fillClrLst>
-      <a:schemeClr val="accent5"/>
-    </dgm:fillClrLst>
-    <dgm:linClrLst meth="repeat">
-      <a:schemeClr val="lt1"/>
-    </dgm:linClrLst>
-    <dgm:effectClrLst/>
-    <dgm:txLinClrLst/>
-    <dgm:txFillClrLst/>
-    <dgm:txEffectClrLst/>
-  </dgm:styleLbl>
-  <dgm:styleLbl name="parChTrans2D1">
-    <dgm:fillClrLst meth="repeat">
-      <a:schemeClr val="accent2"/>
-    </dgm:fillClrLst>
-    <dgm:linClrLst meth="repeat">
-      <a:schemeClr val="lt1"/>
-    </dgm:linClrLst>
-    <dgm:effectClrLst/>
-    <dgm:txLinClrLst/>
-    <dgm:txFillClrLst meth="repeat">
-      <a:schemeClr val="lt1"/>
-    </dgm:txFillClrLst>
-    <dgm:txEffectClrLst/>
-  </dgm:styleLbl>
-  <dgm:styleLbl name="parChTrans2D2">
-    <dgm:fillClrLst meth="repeat">
-      <a:schemeClr val="accent3"/>
-    </dgm:fillClrLst>
-    <dgm:linClrLst meth="repeat">
-      <a:schemeClr val="lt1"/>
-    </dgm:linClrLst>
-    <dgm:effectClrLst/>
-    <dgm:txLinClrLst/>
-    <dgm:txFillClrLst/>
-    <dgm:txEffectClrLst/>
-  </dgm:styleLbl>
-  <dgm:styleLbl name="parChTrans2D3">
-    <dgm:fillClrLst meth="repeat">
-      <a:schemeClr val="accent4"/>
-    </dgm:fillClrLst>
-    <dgm:linClrLst meth="repeat">
-      <a:schemeClr val="lt1"/>
-    </dgm:linClrLst>
-    <dgm:effectClrLst/>
-    <dgm:txLinClrLst/>
-    <dgm:txFillClrLst/>
-    <dgm:txEffectClrLst/>
-  </dgm:styleLbl>
-  <dgm:styleLbl name="parChTrans2D4">
-    <dgm:fillClrLst meth="repeat">
-      <a:schemeClr val="accent5"/>
-    </dgm:fillClrLst>
-    <dgm:linClrLst meth="repeat">
-      <a:schemeClr val="lt1"/>
-    </dgm:linClrLst>
-    <dgm:effectClrLst/>
-    <dgm:txLinClrLst/>
-    <dgm:txFillClrLst meth="repeat">
-      <a:schemeClr val="lt1"/>
-    </dgm:txFillClrLst>
-    <dgm:txEffectClrLst/>
-  </dgm:styleLbl>
-  <dgm:styleLbl name="parChTrans1D1">
-    <dgm:fillClrLst meth="repeat">
-      <a:schemeClr val="accent2"/>
-    </dgm:fillClrLst>
-    <dgm:linClrLst meth="repeat">
-      <a:schemeClr val="accent1"/>
-    </dgm:linClrLst>
-    <dgm:effectClrLst/>
-    <dgm:txLinClrLst/>
-    <dgm:txFillClrLst meth="repeat">
-      <a:schemeClr val="tx1"/>
-    </dgm:txFillClrLst>
-    <dgm:txEffectClrLst/>
-  </dgm:styleLbl>
-  <dgm:styleLbl name="parChTrans1D2">
-    <dgm:fillClrLst meth="repeat">
-      <a:schemeClr val="accent3">
-        <a:tint val="90000"/>
-      </a:schemeClr>
-    </dgm:fillClrLst>
-    <dgm:linClrLst meth="repeat">
-      <a:schemeClr val="accent2"/>
-    </dgm:linClrLst>
-    <dgm:effectClrLst/>
-    <dgm:txLinClrLst/>
-    <dgm:txFillClrLst meth="repeat">
-      <a:schemeClr val="tx1"/>
-    </dgm:txFillClrLst>
-    <dgm:txEffectClrLst/>
-  </dgm:styleLbl>
-  <dgm:styleLbl name="parChTrans1D3">
-    <dgm:fillClrLst meth="repeat">
-      <a:schemeClr val="accent4">
-        <a:tint val="70000"/>
-      </a:schemeClr>
-    </dgm:fillClrLst>
-    <dgm:linClrLst meth="repeat">
-      <a:schemeClr val="accent3"/>
-    </dgm:linClrLst>
-    <dgm:effectClrLst/>
-    <dgm:txLinClrLst/>
-    <dgm:txFillClrLst meth="repeat">
-      <a:schemeClr val="tx1"/>
-    </dgm:txFillClrLst>
-    <dgm:txEffectClrLst/>
-  </dgm:styleLbl>
-  <dgm:styleLbl name="parChTrans1D4">
-    <dgm:fillClrLst meth="repeat">
-      <a:schemeClr val="accent5">
-        <a:tint val="50000"/>
-      </a:schemeClr>
-    </dgm:fillClrLst>
-    <dgm:linClrLst meth="repeat">
-      <a:schemeClr val="accent4"/>
-    </dgm:linClrLst>
-    <dgm:effectClrLst/>
-    <dgm:txLinClrLst/>
-    <dgm:txFillClrLst meth="repeat">
-      <a:schemeClr val="tx1"/>
-    </dgm:txFillClrLst>
-    <dgm:txEffectClrLst/>
-  </dgm:styleLbl>
-  <dgm:styleLbl name="fgAcc1">
-    <dgm:fillClrLst meth="repeat">
-      <a:schemeClr val="lt1">
-        <a:alpha val="90000"/>
-      </a:schemeClr>
-    </dgm:fillClrLst>
-    <dgm:linClrLst meth="repeat">
-      <a:schemeClr val="accent2"/>
-      <a:schemeClr val="accent3"/>
-      <a:schemeClr val="accent4"/>
-      <a:schemeClr val="accent5"/>
-      <a:schemeClr val="accent6"/>
-    </dgm:linClrLst>
-    <dgm:effectClrLst/>
-    <dgm:txLinClrLst/>
-    <dgm:txFillClrLst meth="repeat">
-      <a:schemeClr val="dk1"/>
-    </dgm:txFillClrLst>
-    <dgm:txEffectClrLst/>
-  </dgm:styleLbl>
-  <dgm:styleLbl name="conFgAcc1">
-    <dgm:fillClrLst meth="repeat">
-      <a:schemeClr val="lt1">
-        <a:alpha val="90000"/>
-      </a:schemeClr>
-    </dgm:fillClrLst>
-    <dgm:linClrLst meth="repeat">
-      <a:schemeClr val="accent2"/>
-      <a:schemeClr val="accent3"/>
-      <a:schemeClr val="accent4"/>
-      <a:schemeClr val="accent5"/>
-      <a:schemeClr val="accent6"/>
-    </dgm:linClrLst>
-    <dgm:effectClrLst/>
-    <dgm:txLinClrLst/>
-    <dgm:txFillClrLst meth="repeat">
-      <a:schemeClr val="dk1"/>
-    </dgm:txFillClrLst>
-    <dgm:txEffectClrLst/>
-  </dgm:styleLbl>
-  <dgm:styleLbl name="alignAcc1">
-    <dgm:fillClrLst meth="repeat">
-      <a:schemeClr val="lt1">
-        <a:alpha val="90000"/>
-      </a:schemeClr>
-    </dgm:fillClrLst>
-    <dgm:linClrLst meth="repeat">
-      <a:schemeClr val="accent2"/>
-      <a:schemeClr val="accent3"/>
-      <a:schemeClr val="accent4"/>
-      <a:schemeClr val="accent5"/>
-      <a:schemeClr val="accent6"/>
-    </dgm:linClrLst>
-    <dgm:effectClrLst/>
-    <dgm:txLinClrLst/>
-    <dgm:txFillClrLst meth="repeat">
-      <a:schemeClr val="dk1"/>
-    </dgm:txFillClrLst>
-    <dgm:txEffectClrLst/>
-  </dgm:styleLbl>
-  <dgm:styleLbl name="trAlignAcc1">
-    <dgm:fillClrLst meth="repeat">
-      <a:schemeClr val="lt1">
-        <a:alpha val="40000"/>
-      </a:schemeClr>
-    </dgm:fillClrLst>
-    <dgm:linClrLst meth="repeat">
-      <a:schemeClr val="accent1"/>
-    </dgm:linClrLst>
-    <dgm:effectClrLst/>
-    <dgm:txLinClrLst/>
-    <dgm:txFillClrLst meth="repeat">
-      <a:schemeClr val="dk1"/>
-    </dgm:txFillClrLst>
-    <dgm:txEffectClrLst/>
-  </dgm:styleLbl>
-  <dgm:styleLbl name="bgAcc1">
-    <dgm:fillClrLst meth="repeat">
-      <a:schemeClr val="lt1">
-        <a:alpha val="90000"/>
-      </a:schemeClr>
-    </dgm:fillClrLst>
-    <dgm:linClrLst meth="repeat">
-      <a:schemeClr val="accent2"/>
-      <a:schemeClr val="accent3"/>
-      <a:schemeClr val="accent4"/>
-      <a:schemeClr val="accent5"/>
-      <a:schemeClr val="accent6"/>
-    </dgm:linClrLst>
-    <dgm:effectClrLst/>
-    <dgm:txLinClrLst/>
-    <dgm:txFillClrLst meth="repeat">
-      <a:schemeClr val="dk1"/>
-    </dgm:txFillClrLst>
-    <dgm:txEffectClrLst/>
-  </dgm:styleLbl>
-  <dgm:styleLbl name="solidFgAcc1">
-    <dgm:fillClrLst meth="repeat">
-      <a:schemeClr val="lt1"/>
-    </dgm:fillClrLst>
-    <dgm:linClrLst meth="repeat">
-      <a:schemeClr val="accent2"/>
-      <a:schemeClr val="accent3"/>
-      <a:schemeClr val="accent4"/>
-      <a:schemeClr val="accent5"/>
-      <a:schemeClr val="accent6"/>
-    </dgm:linClrLst>
-    <dgm:effectClrLst/>
-    <dgm:txLinClrLst/>
-    <dgm:txFillClrLst meth="repeat">
-      <a:schemeClr val="dk1"/>
-    </dgm:txFillClrLst>
-    <dgm:txEffectClrLst/>
-  </dgm:styleLbl>
-  <dgm:styleLbl name="solidAlignAcc1">
-    <dgm:fillClrLst meth="repeat">
-      <a:schemeClr val="lt1"/>
-    </dgm:fillClrLst>
-    <dgm:linClrLst meth="repeat">
-      <a:schemeClr val="accent2"/>
-      <a:schemeClr val="accent3"/>
-      <a:schemeClr val="accent4"/>
-      <a:schemeClr val="accent5"/>
-      <a:schemeClr val="accent6"/>
-    </dgm:linClrLst>
-    <dgm:effectClrLst/>
-    <dgm:txLinClrLst/>
-    <dgm:txFillClrLst meth="repeat">
-      <a:schemeClr val="dk1"/>
-    </dgm:txFillClrLst>
-    <dgm:txEffectClrLst/>
-  </dgm:styleLbl>
-  <dgm:styleLbl name="solidBgAcc1">
-    <dgm:fillClrLst meth="repeat">
-      <a:schemeClr val="lt1"/>
-    </dgm:fillClrLst>
-    <dgm:linClrLst meth="repeat">
-      <a:schemeClr val="accent2"/>
-      <a:schemeClr val="accent3"/>
-      <a:schemeClr val="accent4"/>
-      <a:schemeClr val="accent5"/>
-      <a:schemeClr val="accent6"/>
-    </dgm:linClrLst>
-    <dgm:effectClrLst/>
-    <dgm:txLinClrLst/>
-    <dgm:txFillClrLst meth="repeat">
-      <a:schemeClr val="dk1"/>
-    </dgm:txFillClrLst>
-    <dgm:txEffectClrLst/>
-  </dgm:styleLbl>
-  <dgm:styleLbl name="fgAccFollowNode1">
-    <dgm:fillClrLst meth="repeat">
-      <a:schemeClr val="accent2">
-        <a:tint val="40000"/>
-        <a:alpha val="90000"/>
-      </a:schemeClr>
-      <a:schemeClr val="accent3">
-        <a:tint val="40000"/>
-        <a:alpha val="90000"/>
-      </a:schemeClr>
-      <a:schemeClr val="accent4">
-        <a:tint val="40000"/>
-        <a:alpha val="90000"/>
-      </a:schemeClr>
-      <a:schemeClr val="accent5">
-        <a:tint val="40000"/>
-        <a:alpha val="90000"/>
-      </a:schemeClr>
-      <a:schemeClr val="accent6">
-        <a:tint val="40000"/>
-        <a:alpha val="90000"/>
-      </a:schemeClr>
-    </dgm:fillClrLst>
-    <dgm:linClrLst meth="repeat">
-      <a:schemeClr val="accent2">
-        <a:tint val="40000"/>
-        <a:alpha val="90000"/>
-      </a:schemeClr>
-      <a:schemeClr val="accent3">
-        <a:tint val="40000"/>
-        <a:alpha val="90000"/>
-      </a:schemeClr>
-      <a:schemeClr val="accent4">
-        <a:tint val="40000"/>
-        <a:alpha val="90000"/>
-      </a:schemeClr>
-      <a:schemeClr val="accent5">
-        <a:tint val="40000"/>
-        <a:alpha val="90000"/>
-      </a:schemeClr>
-      <a:schemeClr val="accent6">
-        <a:tint val="40000"/>
-        <a:alpha val="90000"/>
-      </a:schemeClr>
-    </dgm:linClrLst>
-    <dgm:effectClrLst/>
-    <dgm:txLinClrLst/>
-    <dgm:txFillClrLst meth="repeat">
-      <a:schemeClr val="dk1"/>
-    </dgm:txFillClrLst>
-    <dgm:txEffectClrLst/>
-  </dgm:styleLbl>
-  <dgm:styleLbl name="alignAccFollowNode1">
-    <dgm:fillClrLst meth="repeat">
-      <a:schemeClr val="accent2">
-        <a:tint val="40000"/>
-        <a:alpha val="90000"/>
-      </a:schemeClr>
-      <a:schemeClr val="accent3">
-        <a:tint val="40000"/>
-        <a:alpha val="90000"/>
-      </a:schemeClr>
-      <a:schemeClr val="accent4">
-        <a:tint val="40000"/>
-        <a:alpha val="90000"/>
-      </a:schemeClr>
-      <a:schemeClr val="accent5">
-        <a:tint val="40000"/>
-        <a:alpha val="90000"/>
-      </a:schemeClr>
-      <a:schemeClr val="accent6">
-        <a:tint val="40000"/>
-        <a:alpha val="90000"/>
-      </a:schemeClr>
-    </dgm:fillClrLst>
-    <dgm:linClrLst meth="repeat">
-      <a:schemeClr val="accent2">
-        <a:tint val="40000"/>
-        <a:alpha val="90000"/>
-      </a:schemeClr>
-      <a:schemeClr val="accent3">
-        <a:tint val="40000"/>
-        <a:alpha val="90000"/>
-      </a:schemeClr>
-      <a:schemeClr val="accent4">
-        <a:tint val="40000"/>
-        <a:alpha val="90000"/>
-      </a:schemeClr>
-      <a:schemeClr val="accent5">
-        <a:tint val="40000"/>
-        <a:alpha val="90000"/>
-      </a:schemeClr>
-      <a:schemeClr val="accent6">
-        <a:tint val="40000"/>
-        <a:alpha val="90000"/>
-      </a:schemeClr>
-    </dgm:linClrLst>
-    <dgm:effectClrLst/>
-    <dgm:txLinClrLst/>
-    <dgm:txFillClrLst meth="repeat">
-      <a:schemeClr val="dk1"/>
-    </dgm:txFillClrLst>
-    <dgm:txEffectClrLst/>
-  </dgm:styleLbl>
-  <dgm:styleLbl name="bgAccFollowNode1">
-    <dgm:fillClrLst meth="repeat">
-      <a:schemeClr val="accent2">
-        <a:tint val="40000"/>
-        <a:alpha val="90000"/>
-      </a:schemeClr>
-      <a:schemeClr val="accent3">
-        <a:tint val="40000"/>
-        <a:alpha val="90000"/>
-      </a:schemeClr>
-      <a:schemeClr val="accent4">
-        <a:tint val="40000"/>
-        <a:alpha val="90000"/>
-      </a:schemeClr>
-      <a:schemeClr val="accent5">
-        <a:tint val="40000"/>
-        <a:alpha val="90000"/>
-      </a:schemeClr>
-      <a:schemeClr val="accent6">
-        <a:tint val="40000"/>
-        <a:alpha val="90000"/>
-      </a:schemeClr>
-    </dgm:fillClrLst>
-    <dgm:linClrLst meth="repeat">
-      <a:schemeClr val="accent2">
-        <a:tint val="40000"/>
-        <a:alpha val="90000"/>
-      </a:schemeClr>
-      <a:schemeClr val="accent3">
-        <a:tint val="40000"/>
-        <a:alpha val="90000"/>
-      </a:schemeClr>
-      <a:schemeClr val="accent4">
-        <a:tint val="40000"/>
-        <a:alpha val="90000"/>
-      </a:schemeClr>
-      <a:schemeClr val="accent5">
-        <a:tint val="40000"/>
-        <a:alpha val="90000"/>
-      </a:schemeClr>
-      <a:schemeClr val="accent6">
-        <a:tint val="40000"/>
-        <a:alpha val="90000"/>
-      </a:schemeClr>
-    </dgm:linClrLst>
-    <dgm:effectClrLst/>
-    <dgm:txLinClrLst/>
-    <dgm:txFillClrLst meth="repeat">
-      <a:schemeClr val="dk1"/>
-    </dgm:txFillClrLst>
-    <dgm:txEffectClrLst/>
-  </dgm:styleLbl>
-  <dgm:styleLbl name="fgAcc0">
-    <dgm:fillClrLst meth="repeat">
-      <a:schemeClr val="lt1">
-        <a:alpha val="90000"/>
-      </a:schemeClr>
-    </dgm:fillClrLst>
-    <dgm:linClrLst>
-      <a:schemeClr val="accent1"/>
-    </dgm:linClrLst>
-    <dgm:effectClrLst/>
-    <dgm:txLinClrLst/>
-    <dgm:txFillClrLst meth="repeat">
-      <a:schemeClr val="dk1"/>
-    </dgm:txFillClrLst>
-    <dgm:txEffectClrLst/>
-  </dgm:styleLbl>
-  <dgm:styleLbl name="fgAcc2">
-    <dgm:fillClrLst meth="repeat">
-      <a:schemeClr val="lt1">
-        <a:alpha val="90000"/>
-      </a:schemeClr>
-    </dgm:fillClrLst>
-    <dgm:linClrLst>
-      <a:schemeClr val="accent2"/>
-    </dgm:linClrLst>
-    <dgm:effectClrLst/>
-    <dgm:txLinClrLst/>
-    <dgm:txFillClrLst meth="repeat">
-      <a:schemeClr val="dk1"/>
-    </dgm:txFillClrLst>
-    <dgm:txEffectClrLst/>
-  </dgm:styleLbl>
-  <dgm:styleLbl name="fgAcc3">
-    <dgm:fillClrLst meth="repeat">
-      <a:schemeClr val="lt1">
-        <a:alpha val="90000"/>
-      </a:schemeClr>
-    </dgm:fillClrLst>
-    <dgm:linClrLst>
-      <a:schemeClr val="accent3"/>
-    </dgm:linClrLst>
-    <dgm:effectClrLst/>
-    <dgm:txLinClrLst/>
-    <dgm:txFillClrLst meth="repeat">
-      <a:schemeClr val="dk1"/>
-    </dgm:txFillClrLst>
-    <dgm:txEffectClrLst/>
-  </dgm:styleLbl>
-  <dgm:styleLbl name="fgAcc4">
-    <dgm:fillClrLst meth="repeat">
-      <a:schemeClr val="lt1">
-        <a:alpha val="90000"/>
-      </a:schemeClr>
-    </dgm:fillClrLst>
-    <dgm:linClrLst>
-      <a:schemeClr val="accent4"/>
-    </dgm:linClrLst>
-    <dgm:effectClrLst/>
-    <dgm:txLinClrLst/>
-    <dgm:txFillClrLst meth="repeat">
-      <a:schemeClr val="dk1"/>
-    </dgm:txFillClrLst>
-    <dgm:txEffectClrLst/>
-  </dgm:styleLbl>
-  <dgm:styleLbl name="bgShp">
-    <dgm:fillClrLst meth="repeat">
-      <a:schemeClr val="accent2"/>
-      <a:schemeClr val="accent3"/>
-      <a:schemeClr val="accent4"/>
-      <a:schemeClr val="accent5"/>
-      <a:schemeClr val="accent6"/>
-    </dgm:fillClrLst>
-    <dgm:linClrLst meth="repeat">
-      <a:schemeClr val="lt1">
-        <a:alpha val="0"/>
-      </a:schemeClr>
-    </dgm:linClrLst>
-    <dgm:effectClrLst/>
-    <dgm:txLinClrLst/>
-    <dgm:txFillClrLst/>
-    <dgm:txEffectClrLst/>
-  </dgm:styleLbl>
-  <dgm:styleLbl name="dkBgShp">
-    <dgm:fillClrLst meth="repeat">
-      <a:schemeClr val="accent2">
-        <a:shade val="90000"/>
-      </a:schemeClr>
-    </dgm:fillClrLst>
-    <dgm:linClrLst meth="repeat">
-      <a:schemeClr val="dk1"/>
-    </dgm:linClrLst>
-    <dgm:effectClrLst/>
-    <dgm:txLinClrLst/>
-    <dgm:txFillClrLst meth="repeat">
-      <a:schemeClr val="lt1"/>
-    </dgm:txFillClrLst>
-    <dgm:txEffectClrLst/>
-  </dgm:styleLbl>
-  <dgm:styleLbl name="trBgShp">
-    <dgm:fillClrLst meth="repeat">
-      <a:schemeClr val="accent1">
-        <a:tint val="50000"/>
-        <a:alpha val="40000"/>
-      </a:schemeClr>
-    </dgm:fillClrLst>
-    <dgm:linClrLst meth="repeat">
-      <a:schemeClr val="accent2"/>
-    </dgm:linClrLst>
-    <dgm:effectClrLst/>
-    <dgm:txLinClrLst/>
-    <dgm:txFillClrLst meth="repeat">
-      <a:schemeClr val="lt1"/>
-    </dgm:txFillClrLst>
-    <dgm:txEffectClrLst/>
-  </dgm:styleLbl>
-  <dgm:styleLbl name="fgShp">
-    <dgm:fillClrLst meth="repeat">
-      <a:schemeClr val="accent2">
-        <a:tint val="40000"/>
-      </a:schemeClr>
-    </dgm:fillClrLst>
-    <dgm:linClrLst meth="repeat">
-      <a:schemeClr val="lt1"/>
-    </dgm:linClrLst>
-    <dgm:effectClrLst/>
-    <dgm:txLinClrLst/>
-    <dgm:txFillClrLst meth="repeat">
-      <a:schemeClr val="dk1"/>
-    </dgm:txFillClrLst>
-    <dgm:txEffectClrLst/>
-  </dgm:styleLbl>
-  <dgm:styleLbl name="revTx">
-    <dgm:fillClrLst meth="repeat">
-      <a:schemeClr val="lt1">
-        <a:alpha val="0"/>
-      </a:schemeClr>
-    </dgm:fillClrLst>
-    <dgm:linClrLst meth="repeat">
-      <a:schemeClr val="dk1">
-        <a:alpha val="0"/>
-      </a:schemeClr>
-    </dgm:linClrLst>
-    <dgm:effectClrLst/>
-    <dgm:txLinClrLst/>
-    <dgm:txFillClrLst meth="repeat">
-      <a:schemeClr val="tx1"/>
-    </dgm:txFillClrLst>
-    <dgm:txEffectClrLst/>
-  </dgm:styleLbl>
-</dgm:colorsDef>
-</file>
-
-<file path=ppt/diagrams/data1.xml><?xml version="1.0" encoding="utf-8"?>
-<dgm:dataModel xmlns:dgm="http://schemas.openxmlformats.org/drawingml/2006/diagram" xmlns:a="http://schemas.openxmlformats.org/drawingml/2006/main">
-  <dgm:ptLst>
-    <dgm:pt modelId="{01A66772-F185-4D58-B8BB-E9370D7A7A2B}" type="doc">
-      <dgm:prSet loTypeId="urn:microsoft.com/office/officeart/2018/5/layout/IconLeafLabelList" loCatId="icon" qsTypeId="urn:microsoft.com/office/officeart/2005/8/quickstyle/simple1" qsCatId="simple" csTypeId="urn:microsoft.com/office/officeart/2018/5/colors/Iconchunking_neutralicon_colorful1" csCatId="colorful" phldr="1"/>
-      <dgm:spPr/>
-      <dgm:t>
-        <a:bodyPr/>
-        <a:lstStyle/>
-        <a:p>
-          <a:endParaRPr lang="en-US"/>
-        </a:p>
-      </dgm:t>
-    </dgm:pt>
-    <dgm:pt modelId="{40FC4FFE-8987-4A26-B7F4-8A516F18ADAE}">
-      <dgm:prSet/>
-      <dgm:spPr/>
-      <dgm:t>
-        <a:bodyPr/>
-        <a:lstStyle/>
-        <a:p>
-          <a:pPr>
-            <a:lnSpc>
-              <a:spcPct val="100000"/>
-            </a:lnSpc>
-            <a:defRPr cap="all"/>
-          </a:pPr>
-          <a:r>
-            <a:rPr lang="en-US" dirty="0"/>
-            <a:t>Lorem ipsum dolor sit amet.</a:t>
-          </a:r>
-        </a:p>
-      </dgm:t>
-    </dgm:pt>
-    <dgm:pt modelId="{CAD7EF86-FB23-41F6-BF42-040B36DEFDB1}" type="parTrans" cxnId="{C7AD8469-3C68-4AF9-AB82-79B0043AA120}">
-      <dgm:prSet/>
-      <dgm:spPr/>
-      <dgm:t>
-        <a:bodyPr/>
-        <a:lstStyle/>
-        <a:p>
-          <a:endParaRPr lang="en-US"/>
-        </a:p>
-      </dgm:t>
-    </dgm:pt>
-    <dgm:pt modelId="{5B62599A-5C9B-48E7-896E-EA782AC60C8B}" type="sibTrans" cxnId="{C7AD8469-3C68-4AF9-AB82-79B0043AA120}">
-      <dgm:prSet/>
-      <dgm:spPr/>
-      <dgm:t>
-        <a:bodyPr/>
-        <a:lstStyle/>
-        <a:p>
-          <a:endParaRPr lang="en-US"/>
-        </a:p>
-      </dgm:t>
-    </dgm:pt>
-    <dgm:pt modelId="{49225C73-1633-42F1-AB3B-7CB183E5F8B8}">
-      <dgm:prSet/>
-      <dgm:spPr/>
-      <dgm:t>
-        <a:bodyPr/>
-        <a:lstStyle/>
-        <a:p>
-          <a:pPr>
-            <a:lnSpc>
-              <a:spcPct val="100000"/>
-            </a:lnSpc>
-            <a:defRPr cap="all"/>
-          </a:pPr>
-          <a:r>
-            <a:rPr lang="en-US" dirty="0"/>
-            <a:t>Lorem ipsum dolor sit amet</a:t>
-          </a:r>
-        </a:p>
-      </dgm:t>
-    </dgm:pt>
-    <dgm:pt modelId="{1A0E2090-1D4F-438A-8766-B6030CE01ADD}" type="parTrans" cxnId="{A9154303-8225-4248-91DC-1B0156A35F07}">
-      <dgm:prSet/>
-      <dgm:spPr/>
-      <dgm:t>
-        <a:bodyPr/>
-        <a:lstStyle/>
-        <a:p>
-          <a:endParaRPr lang="en-US"/>
-        </a:p>
-      </dgm:t>
-    </dgm:pt>
-    <dgm:pt modelId="{9646853A-8964-4519-A5B1-0B7D18B2983D}" type="sibTrans" cxnId="{A9154303-8225-4248-91DC-1B0156A35F07}">
-      <dgm:prSet/>
-      <dgm:spPr/>
-      <dgm:t>
-        <a:bodyPr/>
-        <a:lstStyle/>
-        <a:p>
-          <a:endParaRPr lang="en-US"/>
-        </a:p>
-      </dgm:t>
-    </dgm:pt>
-    <dgm:pt modelId="{1C383F32-22E8-4F62-A3E0-BDC3D5F48992}">
-      <dgm:prSet/>
-      <dgm:spPr/>
-      <dgm:t>
-        <a:bodyPr/>
-        <a:lstStyle/>
-        <a:p>
-          <a:pPr>
-            <a:lnSpc>
-              <a:spcPct val="100000"/>
-            </a:lnSpc>
-            <a:defRPr cap="all"/>
-          </a:pPr>
-          <a:r>
-            <a:rPr lang="en-US" dirty="0"/>
-            <a:t>Lorem Ipsum Dolor Sit Amet</a:t>
-          </a:r>
-        </a:p>
-      </dgm:t>
-    </dgm:pt>
-    <dgm:pt modelId="{A7920A2F-3244-4159-AF04-6A1D38B7B317}" type="parTrans" cxnId="{C4CCE57E-E871-46D6-BAD5-880252C95D22}">
-      <dgm:prSet/>
-      <dgm:spPr/>
-      <dgm:t>
-        <a:bodyPr/>
-        <a:lstStyle/>
-        <a:p>
-          <a:endParaRPr lang="en-US"/>
-        </a:p>
-      </dgm:t>
-    </dgm:pt>
-    <dgm:pt modelId="{8500F72A-2C6D-4FDF-9C1D-CA691380EB0B}" type="sibTrans" cxnId="{C4CCE57E-E871-46D6-BAD5-880252C95D22}">
-      <dgm:prSet/>
-      <dgm:spPr/>
-      <dgm:t>
-        <a:bodyPr/>
-        <a:lstStyle/>
-        <a:p>
-          <a:endParaRPr lang="en-US"/>
-        </a:p>
-      </dgm:t>
-    </dgm:pt>
-    <dgm:pt modelId="{B6056BFB-47D7-4C5F-BA11-2CB63C56A52D}" type="pres">
-      <dgm:prSet presAssocID="{01A66772-F185-4D58-B8BB-E9370D7A7A2B}" presName="root" presStyleCnt="0">
-        <dgm:presLayoutVars>
-          <dgm:dir/>
-          <dgm:resizeHandles val="exact"/>
-        </dgm:presLayoutVars>
-      </dgm:prSet>
-      <dgm:spPr/>
-    </dgm:pt>
-    <dgm:pt modelId="{311B26C8-22B1-4363-B621-DD56FB7418C8}" type="pres">
-      <dgm:prSet presAssocID="{40FC4FFE-8987-4A26-B7F4-8A516F18ADAE}" presName="compNode" presStyleCnt="0"/>
-      <dgm:spPr/>
-    </dgm:pt>
-    <dgm:pt modelId="{A201D7A7-914C-4D24-8B82-EE40155AB0BE}" type="pres">
-      <dgm:prSet presAssocID="{40FC4FFE-8987-4A26-B7F4-8A516F18ADAE}" presName="iconBgRect" presStyleLbl="bgShp" presStyleIdx="0" presStyleCnt="3"/>
-      <dgm:spPr>
-        <a:prstGeom prst="ellipse">
-          <a:avLst/>
-        </a:prstGeom>
-      </dgm:spPr>
-    </dgm:pt>
-    <dgm:pt modelId="{8FA2F131-CD01-4CBD-B7A5-1B9B5E7F0402}" type="pres">
-      <dgm:prSet presAssocID="{40FC4FFE-8987-4A26-B7F4-8A516F18ADAE}" presName="iconRect" presStyleLbl="node1" presStyleIdx="0" presStyleCnt="3"/>
-      <dgm:spPr>
-        <a:blipFill>
-          <a:blip xmlns:r="http://schemas.openxmlformats.org/officeDocument/2006/relationships" r:embed="rId1">
-            <a:extLst>
-              <a:ext uri="{28A0092B-C50C-407E-A947-70E740481C1C}">
-                <a14:useLocalDpi xmlns:a14="http://schemas.microsoft.com/office/drawing/2010/main" val="0"/>
-              </a:ext>
-              <a:ext uri="{96DAC541-7B7A-43D3-8B79-37D633B846F1}">
-                <asvg:svgBlip xmlns:asvg="http://schemas.microsoft.com/office/drawing/2016/SVG/main" r:embed="rId2"/>
-              </a:ext>
-            </a:extLst>
-          </a:blip>
-          <a:srcRect/>
-          <a:stretch>
-            <a:fillRect/>
-          </a:stretch>
-        </a:blipFill>
-        <a:ln>
-          <a:noFill/>
-        </a:ln>
-      </dgm:spPr>
-      <dgm:extLst>
-        <a:ext uri="{E40237B7-FDA0-4F09-8148-C483321AD2D9}">
-          <dgm14:cNvPr xmlns:dgm14="http://schemas.microsoft.com/office/drawing/2010/diagram" id="0" name="" descr="Flowers in pot"/>
-        </a:ext>
-      </dgm:extLst>
-    </dgm:pt>
-    <dgm:pt modelId="{F755F00C-B2DB-4097-B4BC-8F1BACC938B7}" type="pres">
-      <dgm:prSet presAssocID="{40FC4FFE-8987-4A26-B7F4-8A516F18ADAE}" presName="spaceRect" presStyleCnt="0"/>
-      <dgm:spPr/>
-    </dgm:pt>
-    <dgm:pt modelId="{08F4E96D-0DB6-4476-8C51-7CC7EC2F227B}" type="pres">
-      <dgm:prSet presAssocID="{40FC4FFE-8987-4A26-B7F4-8A516F18ADAE}" presName="textRect" presStyleLbl="revTx" presStyleIdx="0" presStyleCnt="3">
-        <dgm:presLayoutVars>
-          <dgm:chMax val="1"/>
-          <dgm:chPref val="1"/>
-        </dgm:presLayoutVars>
-      </dgm:prSet>
-      <dgm:spPr/>
-    </dgm:pt>
-    <dgm:pt modelId="{5AB3C10D-885E-4522-AB39-7ED4318D191A}" type="pres">
-      <dgm:prSet presAssocID="{5B62599A-5C9B-48E7-896E-EA782AC60C8B}" presName="sibTrans" presStyleCnt="0"/>
-      <dgm:spPr/>
-    </dgm:pt>
-    <dgm:pt modelId="{2F278BF9-E1B2-4A1C-B065-C19A7B904219}" type="pres">
-      <dgm:prSet presAssocID="{49225C73-1633-42F1-AB3B-7CB183E5F8B8}" presName="compNode" presStyleCnt="0"/>
-      <dgm:spPr/>
-    </dgm:pt>
-    <dgm:pt modelId="{543C18BC-1989-44B2-9862-C670C61D3452}" type="pres">
-      <dgm:prSet presAssocID="{49225C73-1633-42F1-AB3B-7CB183E5F8B8}" presName="iconBgRect" presStyleLbl="bgShp" presStyleIdx="1" presStyleCnt="3" custLinFactNeighborX="-1659" custLinFactNeighborY="27987"/>
-      <dgm:spPr>
-        <a:prstGeom prst="ellipse">
-          <a:avLst/>
-        </a:prstGeom>
-      </dgm:spPr>
-    </dgm:pt>
-    <dgm:pt modelId="{E94F35BC-9C76-400A-BBCA-0032259E2E5A}" type="pres">
-      <dgm:prSet presAssocID="{49225C73-1633-42F1-AB3B-7CB183E5F8B8}" presName="iconRect" presStyleLbl="node1" presStyleIdx="1" presStyleCnt="3"/>
-      <dgm:spPr>
-        <a:ln>
-          <a:noFill/>
-        </a:ln>
-      </dgm:spPr>
-    </dgm:pt>
-    <dgm:pt modelId="{503A6D04-9ADD-43CC-9847-497CD48F2D11}" type="pres">
-      <dgm:prSet presAssocID="{49225C73-1633-42F1-AB3B-7CB183E5F8B8}" presName="spaceRect" presStyleCnt="0"/>
-      <dgm:spPr/>
-    </dgm:pt>
-    <dgm:pt modelId="{20363298-B2A6-463D-A7BE-F9F67404E389}" type="pres">
-      <dgm:prSet presAssocID="{49225C73-1633-42F1-AB3B-7CB183E5F8B8}" presName="textRect" presStyleLbl="revTx" presStyleIdx="1" presStyleCnt="3">
-        <dgm:presLayoutVars>
-          <dgm:chMax val="1"/>
-          <dgm:chPref val="1"/>
-        </dgm:presLayoutVars>
-      </dgm:prSet>
-      <dgm:spPr/>
-    </dgm:pt>
-    <dgm:pt modelId="{A47947BB-708D-4F7E-B072-3C2E42B34B24}" type="pres">
-      <dgm:prSet presAssocID="{9646853A-8964-4519-A5B1-0B7D18B2983D}" presName="sibTrans" presStyleCnt="0"/>
-      <dgm:spPr/>
-    </dgm:pt>
-    <dgm:pt modelId="{BDCD0AC9-D564-4025-AD8A-36664A6CBE31}" type="pres">
-      <dgm:prSet presAssocID="{1C383F32-22E8-4F62-A3E0-BDC3D5F48992}" presName="compNode" presStyleCnt="0"/>
-      <dgm:spPr/>
-    </dgm:pt>
-    <dgm:pt modelId="{5BDDFF18-9AEC-4E5E-B9AA-33D86F01A63E}" type="pres">
-      <dgm:prSet presAssocID="{1C383F32-22E8-4F62-A3E0-BDC3D5F48992}" presName="iconBgRect" presStyleLbl="bgShp" presStyleIdx="2" presStyleCnt="3"/>
-      <dgm:spPr>
-        <a:prstGeom prst="ellipse">
-          <a:avLst/>
-        </a:prstGeom>
-      </dgm:spPr>
-    </dgm:pt>
-    <dgm:pt modelId="{F09AEBFF-D2D3-4FFF-AD65-C3CEAEEB10F2}" type="pres">
-      <dgm:prSet presAssocID="{1C383F32-22E8-4F62-A3E0-BDC3D5F48992}" presName="iconRect" presStyleLbl="node1" presStyleIdx="2" presStyleCnt="3"/>
-      <dgm:spPr>
-        <a:blipFill>
-          <a:blip xmlns:r="http://schemas.openxmlformats.org/officeDocument/2006/relationships" r:embed="rId3">
-            <a:extLst>
-              <a:ext uri="{28A0092B-C50C-407E-A947-70E740481C1C}">
-                <a14:useLocalDpi xmlns:a14="http://schemas.microsoft.com/office/drawing/2010/main" val="0"/>
-              </a:ext>
-              <a:ext uri="{96DAC541-7B7A-43D3-8B79-37D633B846F1}">
-                <asvg:svgBlip xmlns:asvg="http://schemas.microsoft.com/office/drawing/2016/SVG/main" r:embed="rId4"/>
-              </a:ext>
-            </a:extLst>
-          </a:blip>
-          <a:srcRect/>
-          <a:stretch>
-            <a:fillRect/>
-          </a:stretch>
-        </a:blipFill>
-        <a:ln>
-          <a:noFill/>
-        </a:ln>
-      </dgm:spPr>
-      <dgm:extLst>
-        <a:ext uri="{E40237B7-FDA0-4F09-8148-C483321AD2D9}">
-          <dgm14:cNvPr xmlns:dgm14="http://schemas.microsoft.com/office/drawing/2010/diagram" id="0" name="" descr="Bee"/>
-        </a:ext>
-      </dgm:extLst>
-    </dgm:pt>
-    <dgm:pt modelId="{F2EBFBCF-0520-415A-A886-3C4F90D208EF}" type="pres">
-      <dgm:prSet presAssocID="{1C383F32-22E8-4F62-A3E0-BDC3D5F48992}" presName="spaceRect" presStyleCnt="0"/>
-      <dgm:spPr/>
-    </dgm:pt>
-    <dgm:pt modelId="{AB9CAFAA-6939-48A6-A89B-19D1A94B9EA1}" type="pres">
-      <dgm:prSet presAssocID="{1C383F32-22E8-4F62-A3E0-BDC3D5F48992}" presName="textRect" presStyleLbl="revTx" presStyleIdx="2" presStyleCnt="3">
-        <dgm:presLayoutVars>
-          <dgm:chMax val="1"/>
-          <dgm:chPref val="1"/>
-        </dgm:presLayoutVars>
-      </dgm:prSet>
-      <dgm:spPr/>
-    </dgm:pt>
-  </dgm:ptLst>
-  <dgm:cxnLst>
-    <dgm:cxn modelId="{A9154303-8225-4248-91DC-1B0156A35F07}" srcId="{01A66772-F185-4D58-B8BB-E9370D7A7A2B}" destId="{49225C73-1633-42F1-AB3B-7CB183E5F8B8}" srcOrd="1" destOrd="0" parTransId="{1A0E2090-1D4F-438A-8766-B6030CE01ADD}" sibTransId="{9646853A-8964-4519-A5B1-0B7D18B2983D}"/>
-    <dgm:cxn modelId="{BA953D32-2DFF-47FE-AF26-C6B9E63D38DF}" type="presOf" srcId="{49225C73-1633-42F1-AB3B-7CB183E5F8B8}" destId="{20363298-B2A6-463D-A7BE-F9F67404E389}" srcOrd="0" destOrd="0" presId="urn:microsoft.com/office/officeart/2018/5/layout/IconLeafLabelList"/>
-    <dgm:cxn modelId="{EC450542-0ED9-4BD6-9E85-5709B80794C5}" type="presOf" srcId="{01A66772-F185-4D58-B8BB-E9370D7A7A2B}" destId="{B6056BFB-47D7-4C5F-BA11-2CB63C56A52D}" srcOrd="0" destOrd="0" presId="urn:microsoft.com/office/officeart/2018/5/layout/IconLeafLabelList"/>
-    <dgm:cxn modelId="{C7AD8469-3C68-4AF9-AB82-79B0043AA120}" srcId="{01A66772-F185-4D58-B8BB-E9370D7A7A2B}" destId="{40FC4FFE-8987-4A26-B7F4-8A516F18ADAE}" srcOrd="0" destOrd="0" parTransId="{CAD7EF86-FB23-41F6-BF42-040B36DEFDB1}" sibTransId="{5B62599A-5C9B-48E7-896E-EA782AC60C8B}"/>
-    <dgm:cxn modelId="{C4CCE57E-E871-46D6-BAD5-880252C95D22}" srcId="{01A66772-F185-4D58-B8BB-E9370D7A7A2B}" destId="{1C383F32-22E8-4F62-A3E0-BDC3D5F48992}" srcOrd="2" destOrd="0" parTransId="{A7920A2F-3244-4159-AF04-6A1D38B7B317}" sibTransId="{8500F72A-2C6D-4FDF-9C1D-CA691380EB0B}"/>
-    <dgm:cxn modelId="{D55FAE9C-CF3C-44F3-9D1E-DE6DF574E6D9}" type="presOf" srcId="{1C383F32-22E8-4F62-A3E0-BDC3D5F48992}" destId="{AB9CAFAA-6939-48A6-A89B-19D1A94B9EA1}" srcOrd="0" destOrd="0" presId="urn:microsoft.com/office/officeart/2018/5/layout/IconLeafLabelList"/>
-    <dgm:cxn modelId="{A85983B4-FADF-419C-BC71-B5F0871C3055}" type="presOf" srcId="{40FC4FFE-8987-4A26-B7F4-8A516F18ADAE}" destId="{08F4E96D-0DB6-4476-8C51-7CC7EC2F227B}" srcOrd="0" destOrd="0" presId="urn:microsoft.com/office/officeart/2018/5/layout/IconLeafLabelList"/>
-    <dgm:cxn modelId="{A3E74EE8-8900-4EBD-8983-3BF0AFD6DCC7}" type="presParOf" srcId="{B6056BFB-47D7-4C5F-BA11-2CB63C56A52D}" destId="{311B26C8-22B1-4363-B621-DD56FB7418C8}" srcOrd="0" destOrd="0" presId="urn:microsoft.com/office/officeart/2018/5/layout/IconLeafLabelList"/>
-    <dgm:cxn modelId="{044EA9E0-B51B-492A-BE32-015CEAD0BAC9}" type="presParOf" srcId="{311B26C8-22B1-4363-B621-DD56FB7418C8}" destId="{A201D7A7-914C-4D24-8B82-EE40155AB0BE}" srcOrd="0" destOrd="0" presId="urn:microsoft.com/office/officeart/2018/5/layout/IconLeafLabelList"/>
-    <dgm:cxn modelId="{08373EC6-14CB-429D-9495-F32683B931D7}" type="presParOf" srcId="{311B26C8-22B1-4363-B621-DD56FB7418C8}" destId="{8FA2F131-CD01-4CBD-B7A5-1B9B5E7F0402}" srcOrd="1" destOrd="0" presId="urn:microsoft.com/office/officeart/2018/5/layout/IconLeafLabelList"/>
-    <dgm:cxn modelId="{9AB500F0-62A2-4E73-B4F4-5056804C8D6A}" type="presParOf" srcId="{311B26C8-22B1-4363-B621-DD56FB7418C8}" destId="{F755F00C-B2DB-4097-B4BC-8F1BACC938B7}" srcOrd="2" destOrd="0" presId="urn:microsoft.com/office/officeart/2018/5/layout/IconLeafLabelList"/>
-    <dgm:cxn modelId="{676606A7-6564-4CEB-ACE0-4FF9A3A04E67}" type="presParOf" srcId="{311B26C8-22B1-4363-B621-DD56FB7418C8}" destId="{08F4E96D-0DB6-4476-8C51-7CC7EC2F227B}" srcOrd="3" destOrd="0" presId="urn:microsoft.com/office/officeart/2018/5/layout/IconLeafLabelList"/>
-    <dgm:cxn modelId="{EAE0F94A-A454-4049-84F7-9EC90E847A03}" type="presParOf" srcId="{B6056BFB-47D7-4C5F-BA11-2CB63C56A52D}" destId="{5AB3C10D-885E-4522-AB39-7ED4318D191A}" srcOrd="1" destOrd="0" presId="urn:microsoft.com/office/officeart/2018/5/layout/IconLeafLabelList"/>
-    <dgm:cxn modelId="{B0B5B21A-5ADD-4500-9A67-9B26AF543EBA}" type="presParOf" srcId="{B6056BFB-47D7-4C5F-BA11-2CB63C56A52D}" destId="{2F278BF9-E1B2-4A1C-B065-C19A7B904219}" srcOrd="2" destOrd="0" presId="urn:microsoft.com/office/officeart/2018/5/layout/IconLeafLabelList"/>
-    <dgm:cxn modelId="{11FEAF2C-54F7-4E9C-A1D6-5FA0BF7F3665}" type="presParOf" srcId="{2F278BF9-E1B2-4A1C-B065-C19A7B904219}" destId="{543C18BC-1989-44B2-9862-C670C61D3452}" srcOrd="0" destOrd="0" presId="urn:microsoft.com/office/officeart/2018/5/layout/IconLeafLabelList"/>
-    <dgm:cxn modelId="{92C17ECB-A80D-4A0E-95CF-40A53D32275F}" type="presParOf" srcId="{2F278BF9-E1B2-4A1C-B065-C19A7B904219}" destId="{E94F35BC-9C76-400A-BBCA-0032259E2E5A}" srcOrd="1" destOrd="0" presId="urn:microsoft.com/office/officeart/2018/5/layout/IconLeafLabelList"/>
-    <dgm:cxn modelId="{54E5AE33-4BE6-44E7-871B-1103A0BA7A56}" type="presParOf" srcId="{2F278BF9-E1B2-4A1C-B065-C19A7B904219}" destId="{503A6D04-9ADD-43CC-9847-497CD48F2D11}" srcOrd="2" destOrd="0" presId="urn:microsoft.com/office/officeart/2018/5/layout/IconLeafLabelList"/>
-    <dgm:cxn modelId="{3575FCA0-4FCE-460A-8D84-2C767D311A20}" type="presParOf" srcId="{2F278BF9-E1B2-4A1C-B065-C19A7B904219}" destId="{20363298-B2A6-463D-A7BE-F9F67404E389}" srcOrd="3" destOrd="0" presId="urn:microsoft.com/office/officeart/2018/5/layout/IconLeafLabelList"/>
-    <dgm:cxn modelId="{4FD22448-C17B-4C43-BAB3-A0B7AA9BCE0D}" type="presParOf" srcId="{B6056BFB-47D7-4C5F-BA11-2CB63C56A52D}" destId="{A47947BB-708D-4F7E-B072-3C2E42B34B24}" srcOrd="3" destOrd="0" presId="urn:microsoft.com/office/officeart/2018/5/layout/IconLeafLabelList"/>
-    <dgm:cxn modelId="{75E30F4F-0E76-457B-9D4F-CDE27C2F7F77}" type="presParOf" srcId="{B6056BFB-47D7-4C5F-BA11-2CB63C56A52D}" destId="{BDCD0AC9-D564-4025-AD8A-36664A6CBE31}" srcOrd="4" destOrd="0" presId="urn:microsoft.com/office/officeart/2018/5/layout/IconLeafLabelList"/>
-    <dgm:cxn modelId="{C6A367E7-6A7C-42CB-94E4-8EA78AEF87BF}" type="presParOf" srcId="{BDCD0AC9-D564-4025-AD8A-36664A6CBE31}" destId="{5BDDFF18-9AEC-4E5E-B9AA-33D86F01A63E}" srcOrd="0" destOrd="0" presId="urn:microsoft.com/office/officeart/2018/5/layout/IconLeafLabelList"/>
-    <dgm:cxn modelId="{B180CBEB-FA9F-4E52-8CA3-A65CB80BB91B}" type="presParOf" srcId="{BDCD0AC9-D564-4025-AD8A-36664A6CBE31}" destId="{F09AEBFF-D2D3-4FFF-AD65-C3CEAEEB10F2}" srcOrd="1" destOrd="0" presId="urn:microsoft.com/office/officeart/2018/5/layout/IconLeafLabelList"/>
-    <dgm:cxn modelId="{170B020E-1E19-4EB4-A72C-4FCF01A7DD7E}" type="presParOf" srcId="{BDCD0AC9-D564-4025-AD8A-36664A6CBE31}" destId="{F2EBFBCF-0520-415A-A886-3C4F90D208EF}" srcOrd="2" destOrd="0" presId="urn:microsoft.com/office/officeart/2018/5/layout/IconLeafLabelList"/>
-    <dgm:cxn modelId="{CADD8F7D-722C-42A0-AF21-39A3559F8D7B}" type="presParOf" srcId="{BDCD0AC9-D564-4025-AD8A-36664A6CBE31}" destId="{AB9CAFAA-6939-48A6-A89B-19D1A94B9EA1}" srcOrd="3" destOrd="0" presId="urn:microsoft.com/office/officeart/2018/5/layout/IconLeafLabelList"/>
-  </dgm:cxnLst>
-  <dgm:bg/>
-  <dgm:whole/>
-  <dgm:extLst>
-    <a:ext uri="http://schemas.microsoft.com/office/drawing/2008/diagram">
-      <dsp:dataModelExt xmlns:dsp="http://schemas.microsoft.com/office/drawing/2008/diagram" relId="rId8" minVer="http://schemas.openxmlformats.org/drawingml/2006/diagram"/>
-    </a:ext>
-  </dgm:extLst>
-</dgm:dataModel>
-</file>
-
-<file path=ppt/diagrams/drawing1.xml><?xml version="1.0" encoding="utf-8"?>
-<dsp:drawing xmlns:dgm="http://schemas.openxmlformats.org/drawingml/2006/diagram" xmlns:dsp="http://schemas.microsoft.com/office/drawing/2008/diagram" xmlns:a="http://schemas.openxmlformats.org/drawingml/2006/main">
-  <dsp:spTree>
-    <dsp:nvGrpSpPr>
-      <dsp:cNvPr id="0" name=""/>
-      <dsp:cNvGrpSpPr/>
-    </dsp:nvGrpSpPr>
-    <dsp:grpSpPr/>
-    <dsp:sp modelId="{A201D7A7-914C-4D24-8B82-EE40155AB0BE}">
-      <dsp:nvSpPr>
-        <dsp:cNvPr id="0" name=""/>
-        <dsp:cNvSpPr/>
-      </dsp:nvSpPr>
-      <dsp:spPr>
-        <a:xfrm>
-          <a:off x="616949" y="340539"/>
-          <a:ext cx="1818562" cy="1818562"/>
-        </a:xfrm>
-        <a:prstGeom prst="ellipse">
-          <a:avLst/>
-        </a:prstGeom>
-        <a:solidFill>
-          <a:schemeClr val="accent2">
-            <a:hueOff val="0"/>
-            <a:satOff val="0"/>
-            <a:lumOff val="0"/>
-            <a:alphaOff val="0"/>
-          </a:schemeClr>
-        </a:solidFill>
-        <a:ln>
-          <a:noFill/>
-        </a:ln>
-        <a:effectLst/>
-      </dsp:spPr>
-      <dsp:style>
-        <a:lnRef idx="0">
-          <a:scrgbClr r="0" g="0" b="0"/>
-        </a:lnRef>
-        <a:fillRef idx="1">
-          <a:scrgbClr r="0" g="0" b="0"/>
-        </a:fillRef>
-        <a:effectRef idx="0">
-          <a:scrgbClr r="0" g="0" b="0"/>
-        </a:effectRef>
-        <a:fontRef idx="minor"/>
-      </dsp:style>
-    </dsp:sp>
-    <dsp:sp modelId="{8FA2F131-CD01-4CBD-B7A5-1B9B5E7F0402}">
-      <dsp:nvSpPr>
-        <dsp:cNvPr id="0" name=""/>
-        <dsp:cNvSpPr/>
-      </dsp:nvSpPr>
-      <dsp:spPr>
-        <a:xfrm>
-          <a:off x="1004512" y="728102"/>
-          <a:ext cx="1043437" cy="1043437"/>
-        </a:xfrm>
-        <a:prstGeom prst="rect">
-          <a:avLst/>
-        </a:prstGeom>
-        <a:blipFill>
-          <a:blip xmlns:r="http://schemas.openxmlformats.org/officeDocument/2006/relationships" r:embed="rId1">
-            <a:extLst>
-              <a:ext uri="{28A0092B-C50C-407E-A947-70E740481C1C}">
-                <a14:useLocalDpi xmlns:a14="http://schemas.microsoft.com/office/drawing/2010/main" val="0"/>
-              </a:ext>
-              <a:ext uri="{96DAC541-7B7A-43D3-8B79-37D633B846F1}">
-                <asvg:svgBlip xmlns:asvg="http://schemas.microsoft.com/office/drawing/2016/SVG/main" r:embed="rId2"/>
-              </a:ext>
-            </a:extLst>
-          </a:blip>
-          <a:srcRect/>
-          <a:stretch>
-            <a:fillRect/>
-          </a:stretch>
-        </a:blipFill>
-        <a:ln w="12700" cap="flat" cmpd="sng" algn="ctr">
-          <a:noFill/>
-          <a:prstDash val="solid"/>
-        </a:ln>
-        <a:effectLst/>
-      </dsp:spPr>
-      <dsp:style>
-        <a:lnRef idx="2">
-          <a:scrgbClr r="0" g="0" b="0"/>
-        </a:lnRef>
-        <a:fillRef idx="1">
-          <a:scrgbClr r="0" g="0" b="0"/>
-        </a:fillRef>
-        <a:effectRef idx="0">
-          <a:scrgbClr r="0" g="0" b="0"/>
-        </a:effectRef>
-        <a:fontRef idx="minor">
-          <a:schemeClr val="lt1"/>
-        </a:fontRef>
-      </dsp:style>
-    </dsp:sp>
-    <dsp:sp modelId="{08F4E96D-0DB6-4476-8C51-7CC7EC2F227B}">
-      <dsp:nvSpPr>
-        <dsp:cNvPr id="0" name=""/>
-        <dsp:cNvSpPr/>
-      </dsp:nvSpPr>
-      <dsp:spPr>
-        <a:xfrm>
-          <a:off x="35606" y="2725540"/>
-          <a:ext cx="2981250" cy="720000"/>
-        </a:xfrm>
-        <a:prstGeom prst="rect">
-          <a:avLst/>
-        </a:prstGeom>
-        <a:noFill/>
-        <a:ln>
-          <a:noFill/>
-        </a:ln>
-        <a:effectLst/>
-      </dsp:spPr>
-      <dsp:style>
-        <a:lnRef idx="0">
-          <a:scrgbClr r="0" g="0" b="0"/>
-        </a:lnRef>
-        <a:fillRef idx="0">
-          <a:scrgbClr r="0" g="0" b="0"/>
-        </a:fillRef>
-        <a:effectRef idx="0">
-          <a:scrgbClr r="0" g="0" b="0"/>
-        </a:effectRef>
-        <a:fontRef idx="minor"/>
-      </dsp:style>
-      <dsp:txBody>
-        <a:bodyPr spcFirstLastPara="0" vert="horz" wrap="square" lIns="0" tIns="0" rIns="0" bIns="0" numCol="1" spcCol="1270" anchor="t" anchorCtr="0">
-          <a:noAutofit/>
-        </a:bodyPr>
-        <a:lstStyle/>
-        <a:p>
-          <a:pPr marL="0" lvl="0" indent="0" algn="ctr" defTabSz="1022350">
-            <a:lnSpc>
-              <a:spcPct val="100000"/>
-            </a:lnSpc>
-            <a:spcBef>
-              <a:spcPct val="0"/>
-            </a:spcBef>
-            <a:spcAft>
-              <a:spcPct val="35000"/>
-            </a:spcAft>
-            <a:buNone/>
-            <a:defRPr cap="all"/>
-          </a:pPr>
-          <a:r>
-            <a:rPr lang="en-US" sz="2300" kern="1200" dirty="0"/>
-            <a:t>Lorem ipsum dolor sit amet.</a:t>
-          </a:r>
-        </a:p>
-      </dsp:txBody>
-      <dsp:txXfrm>
-        <a:off x="35606" y="2725540"/>
-        <a:ext cx="2981250" cy="720000"/>
-      </dsp:txXfrm>
-    </dsp:sp>
-    <dsp:sp modelId="{543C18BC-1989-44B2-9862-C670C61D3452}">
-      <dsp:nvSpPr>
-        <dsp:cNvPr id="0" name=""/>
-        <dsp:cNvSpPr/>
-      </dsp:nvSpPr>
-      <dsp:spPr>
-        <a:xfrm>
-          <a:off x="4089748" y="849501"/>
-          <a:ext cx="1818562" cy="1818562"/>
-        </a:xfrm>
-        <a:prstGeom prst="ellipse">
-          <a:avLst/>
-        </a:prstGeom>
-        <a:solidFill>
-          <a:schemeClr val="accent3">
-            <a:hueOff val="0"/>
-            <a:satOff val="0"/>
-            <a:lumOff val="0"/>
-            <a:alphaOff val="0"/>
-          </a:schemeClr>
-        </a:solidFill>
-        <a:ln>
-          <a:noFill/>
-        </a:ln>
-        <a:effectLst/>
-      </dsp:spPr>
-      <dsp:style>
-        <a:lnRef idx="0">
-          <a:scrgbClr r="0" g="0" b="0"/>
-        </a:lnRef>
-        <a:fillRef idx="1">
-          <a:scrgbClr r="0" g="0" b="0"/>
-        </a:fillRef>
-        <a:effectRef idx="0">
-          <a:scrgbClr r="0" g="0" b="0"/>
-        </a:effectRef>
-        <a:fontRef idx="minor"/>
-      </dsp:style>
-    </dsp:sp>
-    <dsp:sp modelId="{E94F35BC-9C76-400A-BBCA-0032259E2E5A}">
-      <dsp:nvSpPr>
-        <dsp:cNvPr id="0" name=""/>
-        <dsp:cNvSpPr/>
-      </dsp:nvSpPr>
-      <dsp:spPr>
-        <a:xfrm>
-          <a:off x="4507481" y="728102"/>
-          <a:ext cx="1043437" cy="1043437"/>
-        </a:xfrm>
-        <a:prstGeom prst="rect">
-          <a:avLst/>
-        </a:prstGeom>
-        <a:solidFill>
-          <a:schemeClr val="bg1">
-            <a:hueOff val="0"/>
-            <a:satOff val="0"/>
-            <a:lumOff val="0"/>
-            <a:alphaOff val="0"/>
-          </a:schemeClr>
-        </a:solidFill>
-        <a:ln w="12700" cap="flat" cmpd="sng" algn="ctr">
-          <a:noFill/>
-          <a:prstDash val="solid"/>
-        </a:ln>
-        <a:effectLst/>
-      </dsp:spPr>
-      <dsp:style>
-        <a:lnRef idx="2">
-          <a:scrgbClr r="0" g="0" b="0"/>
-        </a:lnRef>
-        <a:fillRef idx="1">
-          <a:scrgbClr r="0" g="0" b="0"/>
-        </a:fillRef>
-        <a:effectRef idx="0">
-          <a:scrgbClr r="0" g="0" b="0"/>
-        </a:effectRef>
-        <a:fontRef idx="minor">
-          <a:schemeClr val="lt1"/>
-        </a:fontRef>
-      </dsp:style>
-    </dsp:sp>
-    <dsp:sp modelId="{20363298-B2A6-463D-A7BE-F9F67404E389}">
-      <dsp:nvSpPr>
-        <dsp:cNvPr id="0" name=""/>
-        <dsp:cNvSpPr/>
-      </dsp:nvSpPr>
-      <dsp:spPr>
-        <a:xfrm>
-          <a:off x="3538574" y="2725540"/>
-          <a:ext cx="2981250" cy="720000"/>
-        </a:xfrm>
-        <a:prstGeom prst="rect">
-          <a:avLst/>
-        </a:prstGeom>
-        <a:noFill/>
-        <a:ln>
-          <a:noFill/>
-        </a:ln>
-        <a:effectLst/>
-      </dsp:spPr>
-      <dsp:style>
-        <a:lnRef idx="0">
-          <a:scrgbClr r="0" g="0" b="0"/>
-        </a:lnRef>
-        <a:fillRef idx="0">
-          <a:scrgbClr r="0" g="0" b="0"/>
-        </a:fillRef>
-        <a:effectRef idx="0">
-          <a:scrgbClr r="0" g="0" b="0"/>
-        </a:effectRef>
-        <a:fontRef idx="minor"/>
-      </dsp:style>
-      <dsp:txBody>
-        <a:bodyPr spcFirstLastPara="0" vert="horz" wrap="square" lIns="0" tIns="0" rIns="0" bIns="0" numCol="1" spcCol="1270" anchor="t" anchorCtr="0">
-          <a:noAutofit/>
-        </a:bodyPr>
-        <a:lstStyle/>
-        <a:p>
-          <a:pPr marL="0" lvl="0" indent="0" algn="ctr" defTabSz="1022350">
-            <a:lnSpc>
-              <a:spcPct val="100000"/>
-            </a:lnSpc>
-            <a:spcBef>
-              <a:spcPct val="0"/>
-            </a:spcBef>
-            <a:spcAft>
-              <a:spcPct val="35000"/>
-            </a:spcAft>
-            <a:buNone/>
-            <a:defRPr cap="all"/>
-          </a:pPr>
-          <a:r>
-            <a:rPr lang="en-US" sz="2300" kern="1200" dirty="0"/>
-            <a:t>Lorem ipsum dolor sit amet</a:t>
-          </a:r>
-        </a:p>
-      </dsp:txBody>
-      <dsp:txXfrm>
-        <a:off x="3538574" y="2725540"/>
-        <a:ext cx="2981250" cy="720000"/>
-      </dsp:txXfrm>
-    </dsp:sp>
-    <dsp:sp modelId="{5BDDFF18-9AEC-4E5E-B9AA-33D86F01A63E}">
-      <dsp:nvSpPr>
-        <dsp:cNvPr id="0" name=""/>
-        <dsp:cNvSpPr/>
-      </dsp:nvSpPr>
-      <dsp:spPr>
-        <a:xfrm>
-          <a:off x="7622887" y="340539"/>
-          <a:ext cx="1818562" cy="1818562"/>
-        </a:xfrm>
-        <a:prstGeom prst="ellipse">
-          <a:avLst/>
-        </a:prstGeom>
-        <a:solidFill>
-          <a:schemeClr val="accent4">
-            <a:hueOff val="0"/>
-            <a:satOff val="0"/>
-            <a:lumOff val="0"/>
-            <a:alphaOff val="0"/>
-          </a:schemeClr>
-        </a:solidFill>
-        <a:ln>
-          <a:noFill/>
-        </a:ln>
-        <a:effectLst/>
-      </dsp:spPr>
-      <dsp:style>
-        <a:lnRef idx="0">
-          <a:scrgbClr r="0" g="0" b="0"/>
-        </a:lnRef>
-        <a:fillRef idx="1">
-          <a:scrgbClr r="0" g="0" b="0"/>
-        </a:fillRef>
-        <a:effectRef idx="0">
-          <a:scrgbClr r="0" g="0" b="0"/>
-        </a:effectRef>
-        <a:fontRef idx="minor"/>
-      </dsp:style>
-    </dsp:sp>
-    <dsp:sp modelId="{F09AEBFF-D2D3-4FFF-AD65-C3CEAEEB10F2}">
-      <dsp:nvSpPr>
-        <dsp:cNvPr id="0" name=""/>
-        <dsp:cNvSpPr/>
-      </dsp:nvSpPr>
-      <dsp:spPr>
-        <a:xfrm>
-          <a:off x="8010450" y="728102"/>
-          <a:ext cx="1043437" cy="1043437"/>
-        </a:xfrm>
-        <a:prstGeom prst="rect">
-          <a:avLst/>
-        </a:prstGeom>
-        <a:blipFill>
-          <a:blip xmlns:r="http://schemas.openxmlformats.org/officeDocument/2006/relationships" r:embed="rId3">
-            <a:extLst>
-              <a:ext uri="{28A0092B-C50C-407E-A947-70E740481C1C}">
-                <a14:useLocalDpi xmlns:a14="http://schemas.microsoft.com/office/drawing/2010/main" val="0"/>
-              </a:ext>
-              <a:ext uri="{96DAC541-7B7A-43D3-8B79-37D633B846F1}">
-                <asvg:svgBlip xmlns:asvg="http://schemas.microsoft.com/office/drawing/2016/SVG/main" r:embed="rId4"/>
-              </a:ext>
-            </a:extLst>
-          </a:blip>
-          <a:srcRect/>
-          <a:stretch>
-            <a:fillRect/>
-          </a:stretch>
-        </a:blipFill>
-        <a:ln w="12700" cap="flat" cmpd="sng" algn="ctr">
-          <a:noFill/>
-          <a:prstDash val="solid"/>
-        </a:ln>
-        <a:effectLst/>
-      </dsp:spPr>
-      <dsp:style>
-        <a:lnRef idx="2">
-          <a:scrgbClr r="0" g="0" b="0"/>
-        </a:lnRef>
-        <a:fillRef idx="1">
-          <a:scrgbClr r="0" g="0" b="0"/>
-        </a:fillRef>
-        <a:effectRef idx="0">
-          <a:scrgbClr r="0" g="0" b="0"/>
-        </a:effectRef>
-        <a:fontRef idx="minor">
-          <a:schemeClr val="lt1"/>
-        </a:fontRef>
-      </dsp:style>
-    </dsp:sp>
-    <dsp:sp modelId="{AB9CAFAA-6939-48A6-A89B-19D1A94B9EA1}">
-      <dsp:nvSpPr>
-        <dsp:cNvPr id="0" name=""/>
-        <dsp:cNvSpPr/>
-      </dsp:nvSpPr>
-      <dsp:spPr>
-        <a:xfrm>
-          <a:off x="7041543" y="2725540"/>
-          <a:ext cx="2981250" cy="720000"/>
-        </a:xfrm>
-        <a:prstGeom prst="rect">
-          <a:avLst/>
-        </a:prstGeom>
-        <a:noFill/>
-        <a:ln>
-          <a:noFill/>
-        </a:ln>
-        <a:effectLst/>
-      </dsp:spPr>
-      <dsp:style>
-        <a:lnRef idx="0">
-          <a:scrgbClr r="0" g="0" b="0"/>
-        </a:lnRef>
-        <a:fillRef idx="0">
-          <a:scrgbClr r="0" g="0" b="0"/>
-        </a:fillRef>
-        <a:effectRef idx="0">
-          <a:scrgbClr r="0" g="0" b="0"/>
-        </a:effectRef>
-        <a:fontRef idx="minor"/>
-      </dsp:style>
-      <dsp:txBody>
-        <a:bodyPr spcFirstLastPara="0" vert="horz" wrap="square" lIns="0" tIns="0" rIns="0" bIns="0" numCol="1" spcCol="1270" anchor="t" anchorCtr="0">
-          <a:noAutofit/>
-        </a:bodyPr>
-        <a:lstStyle/>
-        <a:p>
-          <a:pPr marL="0" lvl="0" indent="0" algn="ctr" defTabSz="1022350">
-            <a:lnSpc>
-              <a:spcPct val="100000"/>
-            </a:lnSpc>
-            <a:spcBef>
-              <a:spcPct val="0"/>
-            </a:spcBef>
-            <a:spcAft>
-              <a:spcPct val="35000"/>
-            </a:spcAft>
-            <a:buNone/>
-            <a:defRPr cap="all"/>
-          </a:pPr>
-          <a:r>
-            <a:rPr lang="en-US" sz="2300" kern="1200" dirty="0"/>
-            <a:t>Lorem Ipsum Dolor Sit Amet</a:t>
-          </a:r>
-        </a:p>
-      </dsp:txBody>
-      <dsp:txXfrm>
-        <a:off x="7041543" y="2725540"/>
-        <a:ext cx="2981250" cy="720000"/>
-      </dsp:txXfrm>
-    </dsp:sp>
-  </dsp:spTree>
-</dsp:drawing>
-</file>
-
-<file path=ppt/diagrams/layout1.xml><?xml version="1.0" encoding="utf-8"?>
-<dgm:layoutDef xmlns:dgm="http://schemas.openxmlformats.org/drawingml/2006/diagram" xmlns:a="http://schemas.openxmlformats.org/drawingml/2006/main" uniqueId="urn:microsoft.com/office/officeart/2018/5/layout/IconLeafLabelList">
-  <dgm:title val="Icon Leaf Label List"/>
-  <dgm:desc val="Use to show non-sequential or grouped chunks of information accompanied by a related visuals. Works best with icons or small pictures with short text captions."/>
-  <dgm:catLst>
-    <dgm:cat type="icon" pri="500"/>
-  </dgm:catLst>
-  <dgm:sampData useDef="1">
-    <dgm:dataModel>
-      <dgm:ptLst/>
-      <dgm:bg/>
-      <dgm:whole/>
-    </dgm:dataModel>
-  </dgm:sampData>
-  <dgm:styleData useDef="1">
-    <dgm:dataModel>
-      <dgm:ptLst/>
-      <dgm:bg/>
-      <dgm:whole/>
-    </dgm:dataModel>
-  </dgm:styleData>
-  <dgm:clrData useDef="1">
-    <dgm:dataModel>
-      <dgm:ptLst/>
-      <dgm:bg/>
-      <dgm:whole/>
-    </dgm:dataModel>
-  </dgm:clrData>
-  <dgm:layoutNode name="root">
-    <dgm:varLst>
-      <dgm:dir/>
-      <dgm:resizeHandles val="exact"/>
-    </dgm:varLst>
-    <dgm:choose name="Name0">
-      <dgm:if name="Name1" axis="self" func="var" arg="dir" op="equ" val="norm">
-        <dgm:alg type="snake">
-          <dgm:param type="grDir" val="tL"/>
-          <dgm:param type="flowDir" val="row"/>
-          <dgm:param type="contDir" val="sameDir"/>
-          <dgm:param type="off" val="ctr"/>
-          <dgm:param type="vertAlign" val="mid"/>
-          <dgm:param type="horzAlign" val="ctr"/>
-        </dgm:alg>
-      </dgm:if>
-      <dgm:else name="Name2">
-        <dgm:alg type="snake">
-          <dgm:param type="grDir" val="tR"/>
-          <dgm:param type="flowDir" val="row"/>
-          <dgm:param type="contDir" val="sameDir"/>
-          <dgm:param type="off" val="ctr"/>
-          <dgm:param type="vertAlign" val="mid"/>
-          <dgm:param type="horzAlign" val="ctr"/>
-        </dgm:alg>
-      </dgm:else>
-    </dgm:choose>
-    <dgm:shape xmlns:r="http://schemas.openxmlformats.org/officeDocument/2006/relationships" r:blip="">
-      <dgm:adjLst/>
-    </dgm:shape>
-    <dgm:presOf/>
-    <dgm:choose name="Name3">
-      <dgm:if name="Name4" axis="ch" ptType="node" func="cnt" op="lte" val="2">
-        <dgm:constrLst>
-          <dgm:constr type="h" for="ch" forName="compNode" refType="h" fact="0.4"/>
-          <dgm:constr type="w" for="ch" forName="compNode" val="100"/>
-          <dgm:constr type="w" for="ch" forName="sibTrans" refType="w" refFor="ch" refForName="compNode" fact="0.175"/>
-          <dgm:constr type="sp" refType="w" refFor="ch" refForName="compNode" op="equ" fact="0.25"/>
-          <dgm:constr type="primFontSz" for="des" ptType="node" op="equ" val="44"/>
-          <dgm:constr type="h" for="des" forName="compNode" op="equ"/>
-          <dgm:constr type="h" for="des" forName="textRect" op="equ"/>
-        </dgm:constrLst>
-      </dgm:if>
-      <dgm:if name="Name5" axis="ch" ptType="node" func="cnt" op="lte" val="3">
-        <dgm:constrLst>
-          <dgm:constr type="h" for="ch" forName="compNode" refType="h" fact="0.4"/>
-          <dgm:constr type="w" for="ch" forName="compNode" val="100"/>
-          <dgm:constr type="w" for="ch" forName="sibTrans" refType="w" refFor="ch" refForName="compNode" fact="0.175"/>
-          <dgm:constr type="sp" refType="w" refFor="ch" refForName="compNode" op="equ" fact="0.25"/>
-          <dgm:constr type="primFontSz" for="des" ptType="node" op="equ" val="40"/>
-          <dgm:constr type="h" for="des" forName="compNode" op="equ"/>
-          <dgm:constr type="h" for="des" forName="textRect" op="equ"/>
-        </dgm:constrLst>
-      </dgm:if>
-      <dgm:if name="Name6" axis="ch" ptType="node" func="cnt" op="lte" val="4">
-        <dgm:constrLst>
-          <dgm:constr type="h" for="ch" forName="compNode" refType="h" fact="0.4"/>
-          <dgm:constr type="w" for="ch" forName="compNode" refType="w"/>
-          <dgm:constr type="w" for="ch" forName="sibTrans" refType="w" refFor="ch" refForName="compNode" fact="0.175"/>
-          <dgm:constr type="sp" refType="w" refFor="ch" refForName="compNode" op="equ" fact="0.25"/>
-          <dgm:constr type="primFontSz" for="des" ptType="node" op="equ" val="32"/>
-          <dgm:constr type="h" for="des" forName="compNode" op="equ"/>
-          <dgm:constr type="h" for="des" forName="textRect" op="equ"/>
-        </dgm:constrLst>
-      </dgm:if>
-      <dgm:else name="Name7">
-        <dgm:constrLst>
-          <dgm:constr type="h" for="ch" forName="compNode" refType="h" fact="0.4"/>
-          <dgm:constr type="w" for="ch" forName="compNode" refType="w"/>
-          <dgm:constr type="w" for="ch" forName="sibTrans" refType="w" refFor="ch" refForName="compNode" fact="0.175"/>
-          <dgm:constr type="sp" refType="w" refFor="ch" refForName="compNode" op="equ" fact="0.25"/>
-          <dgm:constr type="primFontSz" for="des" ptType="node" op="equ" val="24"/>
-          <dgm:constr type="h" for="des" forName="compNode" op="equ"/>
-          <dgm:constr type="h" for="des" forName="textRect" op="equ"/>
-        </dgm:constrLst>
-      </dgm:else>
-    </dgm:choose>
-    <dgm:ruleLst>
-      <dgm:rule type="w" for="ch" forName="compNode" val="50" fact="NaN" max="NaN"/>
-    </dgm:ruleLst>
-    <dgm:forEach name="Name8" axis="ch" ptType="node">
-      <dgm:layoutNode name="compNode">
-        <dgm:alg type="composite"/>
-        <dgm:shape xmlns:r="http://schemas.openxmlformats.org/officeDocument/2006/relationships" r:blip="">
-          <dgm:adjLst/>
-        </dgm:shape>
-        <dgm:presOf axis="self"/>
-        <dgm:constrLst>
-          <dgm:constr type="w" for="ch" forName="iconBgRect" refType="w" fact="0.61"/>
-          <dgm:constr type="h" for="ch" forName="iconBgRect" refType="w" refFor="ch" refForName="iconBgRect"/>
-          <dgm:constr type="t" for="ch" forName="iconBgRect"/>
-          <dgm:constr type="ctrX" for="ch" forName="iconBgRect" refType="w" fact="0.5"/>
-          <dgm:constr type="w" for="ch" forName="iconRect" refType="w" fact="0.35"/>
-          <dgm:constr type="h" for="ch" forName="iconRect" refType="w" refFor="ch" refForName="iconRect"/>
-          <dgm:constr type="ctrX" for="ch" forName="iconRect" refType="ctrX" refFor="ch" refForName="iconBgRect"/>
-          <dgm:constr type="ctrY" for="ch" forName="iconRect" refType="ctrY" refFor="ch" refForName="iconBgRect"/>
-          <dgm:constr type="h" for="ch" forName="spaceRect" refType="w" fact="0.19"/>
-          <dgm:constr type="w" for="ch" forName="spaceRect" refType="w"/>
-          <dgm:constr type="l" for="ch" forName="spaceRect"/>
-          <dgm:constr type="t" for="ch" forName="spaceRect" refType="b" refFor="ch" refForName="iconBgRect"/>
-          <dgm:constr type="h" for="ch" forName="textRect" val="20"/>
-          <dgm:constr type="w" for="ch" forName="textRect" refType="w"/>
-          <dgm:constr type="l" for="ch" forName="textRect"/>
-          <dgm:constr type="t" for="ch" forName="textRect" refType="b" refFor="ch" refForName="spaceRect"/>
-        </dgm:constrLst>
-        <dgm:ruleLst>
-          <dgm:rule type="h" val="INF" fact="NaN" max="NaN"/>
-        </dgm:ruleLst>
-        <dgm:layoutNode name="iconBgRect" styleLbl="bgShp">
-          <dgm:alg type="sp"/>
-          <dgm:shape xmlns:r="http://schemas.openxmlformats.org/officeDocument/2006/relationships" type="round2DiagRect" r:blip="">
-            <dgm:adjLst/>
-            <dgm:extLst>
-              <a:ext uri="{B698B0E9-8C71-41B9-8309-B3DCBF30829C}">
-                <dgm1612:spPr xmlns:dgm1612="http://schemas.microsoft.com/office/drawing/2016/12/diagram">
-                  <a:prstGeom prst="round2DiagRect">
-                    <a:avLst>
-                      <a:gd name="adj1" fmla="val 29727"/>
-                      <a:gd name="adj2" fmla="val 0"/>
-                    </a:avLst>
-                  </a:prstGeom>
-                </dgm1612:spPr>
-              </a:ext>
-            </dgm:extLst>
-          </dgm:shape>
-          <dgm:presOf/>
-          <dgm:constrLst/>
-          <dgm:ruleLst/>
-        </dgm:layoutNode>
-        <dgm:layoutNode name="iconRect" styleLbl="node1">
-          <dgm:alg type="sp"/>
-          <dgm:shape xmlns:r="http://schemas.openxmlformats.org/officeDocument/2006/relationships" type="rect" r:blip="" blipPhldr="1">
-            <dgm:adjLst/>
-          </dgm:shape>
-          <dgm:presOf/>
-          <dgm:constrLst/>
-          <dgm:ruleLst/>
-        </dgm:layoutNode>
-        <dgm:layoutNode name="spaceRect">
-          <dgm:alg type="sp"/>
-          <dgm:shape xmlns:r="http://schemas.openxmlformats.org/officeDocument/2006/relationships" r:blip="">
-            <dgm:adjLst/>
-          </dgm:shape>
-          <dgm:presOf/>
-          <dgm:constrLst/>
-          <dgm:ruleLst/>
-        </dgm:layoutNode>
-        <dgm:layoutNode name="textRect" styleLbl="revTx">
-          <dgm:varLst>
-            <dgm:chMax val="1"/>
-            <dgm:chPref val="1"/>
-          </dgm:varLst>
-          <dgm:alg type="tx">
-            <dgm:param type="txAnchorVert" val="t"/>
-          </dgm:alg>
-          <dgm:shape xmlns:r="http://schemas.openxmlformats.org/officeDocument/2006/relationships" type="rect" r:blip="">
-            <dgm:adjLst/>
-          </dgm:shape>
-          <dgm:presOf axis="self" ptType="node"/>
-          <dgm:constrLst>
-            <dgm:constr type="lMarg"/>
-            <dgm:constr type="rMarg"/>
-            <dgm:constr type="tMarg"/>
-            <dgm:constr type="bMarg"/>
-          </dgm:constrLst>
-          <dgm:ruleLst>
-            <dgm:rule type="primFontSz" val="11" fact="NaN" max="NaN"/>
-            <dgm:rule type="h" val="INF" fact="NaN" max="NaN"/>
-          </dgm:ruleLst>
-        </dgm:layoutNode>
-      </dgm:layoutNode>
-      <dgm:forEach name="Name9" axis="followSib" ptType="sibTrans" cnt="1">
-        <dgm:layoutNode name="sibTrans">
-          <dgm:alg type="sp"/>
-          <dgm:shape xmlns:r="http://schemas.openxmlformats.org/officeDocument/2006/relationships" r:blip="">
-            <dgm:adjLst/>
-          </dgm:shape>
-          <dgm:presOf axis="self"/>
-          <dgm:constrLst/>
-          <dgm:ruleLst/>
-        </dgm:layoutNode>
-      </dgm:forEach>
-    </dgm:forEach>
-  </dgm:layoutNode>
-  <dgm:extLst>
-    <a:ext uri="{68A01E43-0DF5-4B5B-8FA6-DAF915123BFB}">
-      <dgm1612:lstStyle xmlns:dgm1612="http://schemas.microsoft.com/office/drawing/2016/12/diagram">
-        <a:lvl1pPr>
-          <a:lnSpc>
-            <a:spcPct val="100000"/>
-          </a:lnSpc>
-          <a:defRPr cap="all"/>
-        </a:lvl1pPr>
-      </dgm1612:lstStyle>
-    </a:ext>
-  </dgm:extLst>
-</dgm:layoutDef>
-</file>
-
-<file path=ppt/diagrams/quickStyle1.xml><?xml version="1.0" encoding="utf-8"?>
-<dgm:styleDef xmlns:dgm="http://schemas.openxmlformats.org/drawingml/2006/diagram" xmlns:a="http://schemas.openxmlformats.org/drawingml/2006/main" uniqueId="urn:microsoft.com/office/officeart/2005/8/quickstyle/simple1">
-  <dgm:title val=""/>
-  <dgm:desc val=""/>
-  <dgm:catLst>
-    <dgm:cat type="simple" pri="10100"/>
-  </dgm:catLst>
-  <dgm:scene3d>
-    <a:camera prst="orthographicFront"/>
-    <a:lightRig rig="threePt" dir="t"/>
-  </dgm:scene3d>
-  <dgm:styleLbl name="node0">
-    <dgm:scene3d>
-      <a:camera prst="orthographicFront"/>
-      <a:lightRig rig="threePt" dir="t"/>
-    </dgm:scene3d>
-    <dgm:sp3d/>
-    <dgm:txPr/>
-    <dgm:style>
-      <a:lnRef idx="2">
-        <a:scrgbClr r="0" g="0" b="0"/>
-      </a:lnRef>
-      <a:fillRef idx="1">
-        <a:scrgbClr r="0" g="0" b="0"/>
-      </a:fillRef>
-      <a:effectRef idx="0">
-        <a:scrgbClr r="0" g="0" b="0"/>
-      </a:effectRef>
-      <a:fontRef idx="minor">
-        <a:schemeClr val="lt1"/>
-      </a:fontRef>
-    </dgm:style>
-  </dgm:styleLbl>
-  <dgm:styleLbl name="lnNode1">
-    <dgm:scene3d>
-      <a:camera prst="orthographicFront"/>
-      <a:lightRig rig="threePt" dir="t"/>
-    </dgm:scene3d>
-    <dgm:sp3d/>
-    <dgm:txPr/>
-    <dgm:style>
-      <a:lnRef idx="2">
-        <a:scrgbClr r="0" g="0" b="0"/>
-      </a:lnRef>
-      <a:fillRef idx="1">
-        <a:scrgbClr r="0" g="0" b="0"/>
-      </a:fillRef>
-      <a:effectRef idx="0">
-        <a:scrgbClr r="0" g="0" b="0"/>
-      </a:effectRef>
-      <a:fontRef idx="minor">
-        <a:schemeClr val="lt1"/>
-      </a:fontRef>
-    </dgm:style>
-  </dgm:styleLbl>
-  <dgm:styleLbl name="vennNode1">
-    <dgm:scene3d>
-      <a:camera prst="orthographicFront"/>
-      <a:lightRig rig="threePt" dir="t"/>
-    </dgm:scene3d>
-    <dgm:sp3d/>
-    <dgm:txPr/>
-    <dgm:style>
-      <a:lnRef idx="2">
-        <a:scrgbClr r="0" g="0" b="0"/>
-      </a:lnRef>
-      <a:fillRef idx="1">
-        <a:scrgbClr r="0" g="0" b="0"/>
-      </a:fillRef>
-      <a:effectRef idx="0">
-        <a:scrgbClr r="0" g="0" b="0"/>
-      </a:effectRef>
-      <a:fontRef idx="minor">
-        <a:schemeClr val="tx1"/>
-      </a:fontRef>
-    </dgm:style>
-  </dgm:styleLbl>
-  <dgm:styleLbl name="alignNode1">
-    <dgm:scene3d>
-      <a:camera prst="orthographicFront"/>
-      <a:lightRig rig="threePt" dir="t"/>
-    </dgm:scene3d>
-    <dgm:sp3d/>
-    <dgm:txPr/>
-    <dgm:style>
-      <a:lnRef idx="2">
-        <a:scrgbClr r="0" g="0" b="0"/>
-      </a:lnRef>
-      <a:fillRef idx="1">
-        <a:scrgbClr r="0" g="0" b="0"/>
-      </a:fillRef>
-      <a:effectRef idx="0">
-        <a:scrgbClr r="0" g="0" b="0"/>
-      </a:effectRef>
-      <a:fontRef idx="minor">
-        <a:schemeClr val="lt1"/>
-      </a:fontRef>
-    </dgm:style>
-  </dgm:styleLbl>
-  <dgm:styleLbl name="node1">
-    <dgm:scene3d>
-      <a:camera prst="orthographicFront"/>
-      <a:lightRig rig="threePt" dir="t"/>
-    </dgm:scene3d>
-    <dgm:sp3d/>
-    <dgm:txPr/>
-    <dgm:style>
-      <a:lnRef idx="2">
-        <a:scrgbClr r="0" g="0" b="0"/>
-      </a:lnRef>
-      <a:fillRef idx="1">
-        <a:scrgbClr r="0" g="0" b="0"/>
-      </a:fillRef>
-      <a:effectRef idx="0">
-        <a:scrgbClr r="0" g="0" b="0"/>
-      </a:effectRef>
-      <a:fontRef idx="minor">
-        <a:schemeClr val="lt1"/>
-      </a:fontRef>
-    </dgm:style>
-  </dgm:styleLbl>
-  <dgm:styleLbl name="node2">
-    <dgm:scene3d>
-      <a:camera prst="orthographicFront"/>
-      <a:lightRig rig="threePt" dir="t"/>
-    </dgm:scene3d>
-    <dgm:sp3d/>
-    <dgm:txPr/>
-    <dgm:style>
-      <a:lnRef idx="2">
-        <a:scrgbClr r="0" g="0" b="0"/>
-      </a:lnRef>
-      <a:fillRef idx="1">
-        <a:scrgbClr r="0" g="0" b="0"/>
-      </a:fillRef>
-      <a:effectRef idx="0">
-        <a:scrgbClr r="0" g="0" b="0"/>
-      </a:effectRef>
-      <a:fontRef idx="minor">
-        <a:schemeClr val="lt1"/>
-      </a:fontRef>
-    </dgm:style>
-  </dgm:styleLbl>
-  <dgm:styleLbl name="node3">
-    <dgm:scene3d>
-      <a:camera prst="orthographicFront"/>
-      <a:lightRig rig="threePt" dir="t"/>
-    </dgm:scene3d>
-    <dgm:sp3d/>
-    <dgm:txPr/>
-    <dgm:style>
-      <a:lnRef idx="2">
-        <a:scrgbClr r="0" g="0" b="0"/>
-      </a:lnRef>
-      <a:fillRef idx="1">
-        <a:scrgbClr r="0" g="0" b="0"/>
-      </a:fillRef>
-      <a:effectRef idx="0">
-        <a:scrgbClr r="0" g="0" b="0"/>
-      </a:effectRef>
-      <a:fontRef idx="minor">
-        <a:schemeClr val="lt1"/>
-      </a:fontRef>
-    </dgm:style>
-  </dgm:styleLbl>
-  <dgm:styleLbl name="node4">
-    <dgm:scene3d>
-      <a:camera prst="orthographicFront"/>
-      <a:lightRig rig="threePt" dir="t"/>
-    </dgm:scene3d>
-    <dgm:sp3d/>
-    <dgm:txPr/>
-    <dgm:style>
-      <a:lnRef idx="2">
-        <a:scrgbClr r="0" g="0" b="0"/>
-      </a:lnRef>
-      <a:fillRef idx="1">
-        <a:scrgbClr r="0" g="0" b="0"/>
-      </a:fillRef>
-      <a:effectRef idx="0">
-        <a:scrgbClr r="0" g="0" b="0"/>
-      </a:effectRef>
-      <a:fontRef idx="minor">
-        <a:schemeClr val="lt1"/>
-      </a:fontRef>
-    </dgm:style>
-  </dgm:styleLbl>
-  <dgm:styleLbl name="fgImgPlace1">
-    <dgm:scene3d>
-      <a:camera prst="orthographicFront"/>
-      <a:lightRig rig="threePt" dir="t"/>
-    </dgm:scene3d>
-    <dgm:sp3d/>
-    <dgm:txPr/>
-    <dgm:style>
-      <a:lnRef idx="2">
-        <a:scrgbClr r="0" g="0" b="0"/>
-      </a:lnRef>
-      <a:fillRef idx="1">
-        <a:scrgbClr r="0" g="0" b="0"/>
-      </a:fillRef>
-      <a:effectRef idx="0">
-        <a:scrgbClr r="0" g="0" b="0"/>
-      </a:effectRef>
-      <a:fontRef idx="minor"/>
-    </dgm:style>
-  </dgm:styleLbl>
-  <dgm:styleLbl name="alignImgPlace1">
-    <dgm:scene3d>
-      <a:camera prst="orthographicFront"/>
-      <a:lightRig rig="threePt" dir="t"/>
-    </dgm:scene3d>
-    <dgm:sp3d/>
-    <dgm:txPr/>
-    <dgm:style>
-      <a:lnRef idx="2">
-        <a:scrgbClr r="0" g="0" b="0"/>
-      </a:lnRef>
-      <a:fillRef idx="1">
-        <a:scrgbClr r="0" g="0" b="0"/>
-      </a:fillRef>
-      <a:effectRef idx="0">
-        <a:scrgbClr r="0" g="0" b="0"/>
-      </a:effectRef>
-      <a:fontRef idx="minor"/>
-    </dgm:style>
-  </dgm:styleLbl>
-  <dgm:styleLbl name="bgImgPlace1">
-    <dgm:scene3d>
-      <a:camera prst="orthographicFront"/>
-      <a:lightRig rig="threePt" dir="t"/>
-    </dgm:scene3d>
-    <dgm:sp3d/>
-    <dgm:txPr/>
-    <dgm:style>
-      <a:lnRef idx="2">
-        <a:scrgbClr r="0" g="0" b="0"/>
-      </a:lnRef>
-      <a:fillRef idx="1">
-        <a:scrgbClr r="0" g="0" b="0"/>
-      </a:fillRef>
-      <a:effectRef idx="0">
-        <a:scrgbClr r="0" g="0" b="0"/>
-      </a:effectRef>
-      <a:fontRef idx="minor"/>
-    </dgm:style>
-  </dgm:styleLbl>
-  <dgm:styleLbl name="sibTrans2D1">
-    <dgm:scene3d>
-      <a:camera prst="orthographicFront"/>
-      <a:lightRig rig="threePt" dir="t"/>
-    </dgm:scene3d>
-    <dgm:sp3d/>
-    <dgm:txPr/>
-    <dgm:style>
-      <a:lnRef idx="0">
-        <a:scrgbClr r="0" g="0" b="0"/>
-      </a:lnRef>
-      <a:fillRef idx="1">
-        <a:scrgbClr r="0" g="0" b="0"/>
-      </a:fillRef>
-      <a:effectRef idx="0">
-        <a:scrgbClr r="0" g="0" b="0"/>
-      </a:effectRef>
-      <a:fontRef idx="minor">
-        <a:schemeClr val="lt1"/>
-      </a:fontRef>
-    </dgm:style>
-  </dgm:styleLbl>
-  <dgm:styleLbl name="fgSibTrans2D1">
-    <dgm:scene3d>
-      <a:camera prst="orthographicFront"/>
-      <a:lightRig rig="threePt" dir="t"/>
-    </dgm:scene3d>
-    <dgm:sp3d/>
-    <dgm:txPr/>
-    <dgm:style>
-      <a:lnRef idx="0">
-        <a:scrgbClr r="0" g="0" b="0"/>
-      </a:lnRef>
-      <a:fillRef idx="1">
-        <a:scrgbClr r="0" g="0" b="0"/>
-      </a:fillRef>
-      <a:effectRef idx="0">
-        <a:scrgbClr r="0" g="0" b="0"/>
-      </a:effectRef>
-      <a:fontRef idx="minor">
-        <a:schemeClr val="lt1"/>
-      </a:fontRef>
-    </dgm:style>
-  </dgm:styleLbl>
-  <dgm:styleLbl name="bgSibTrans2D1">
-    <dgm:scene3d>
-      <a:camera prst="orthographicFront"/>
-      <a:lightRig rig="threePt" dir="t"/>
-    </dgm:scene3d>
-    <dgm:sp3d/>
-    <dgm:txPr/>
-    <dgm:style>
-      <a:lnRef idx="0">
-        <a:scrgbClr r="0" g="0" b="0"/>
-      </a:lnRef>
-      <a:fillRef idx="1">
-        <a:scrgbClr r="0" g="0" b="0"/>
-      </a:fillRef>
-      <a:effectRef idx="0">
-        <a:scrgbClr r="0" g="0" b="0"/>
-      </a:effectRef>
-      <a:fontRef idx="minor">
-        <a:schemeClr val="lt1"/>
-      </a:fontRef>
-    </dgm:style>
-  </dgm:styleLbl>
-  <dgm:styleLbl name="sibTrans1D1">
-    <dgm:scene3d>
-      <a:camera prst="orthographicFront"/>
-      <a:lightRig rig="threePt" dir="t"/>
-    </dgm:scene3d>
-    <dgm:sp3d/>
-    <dgm:txPr/>
-    <dgm:style>
-      <a:lnRef idx="1">
-        <a:scrgbClr r="0" g="0" b="0"/>
-      </a:lnRef>
-      <a:fillRef idx="0">
-        <a:scrgbClr r="0" g="0" b="0"/>
-      </a:fillRef>
-      <a:effectRef idx="0">
-        <a:scrgbClr r="0" g="0" b="0"/>
-      </a:effectRef>
-      <a:fontRef idx="minor"/>
-    </dgm:style>
-  </dgm:styleLbl>
-  <dgm:styleLbl name="callout">
-    <dgm:scene3d>
-      <a:camera prst="orthographicFront"/>
-      <a:lightRig rig="threePt" dir="t"/>
-    </dgm:scene3d>
-    <dgm:sp3d/>
-    <dgm:txPr/>
-    <dgm:style>
-      <a:lnRef idx="2">
-        <a:scrgbClr r="0" g="0" b="0"/>
-      </a:lnRef>
-      <a:fillRef idx="1">
-        <a:scrgbClr r="0" g="0" b="0"/>
-      </a:fillRef>
-      <a:effectRef idx="0">
-        <a:scrgbClr r="0" g="0" b="0"/>
-      </a:effectRef>
-      <a:fontRef idx="minor"/>
-    </dgm:style>
-  </dgm:styleLbl>
-  <dgm:styleLbl name="asst0">
-    <dgm:scene3d>
-      <a:camera prst="orthographicFront"/>
-      <a:lightRig rig="threePt" dir="t"/>
-    </dgm:scene3d>
-    <dgm:sp3d/>
-    <dgm:txPr/>
-    <dgm:style>
-      <a:lnRef idx="2">
-        <a:scrgbClr r="0" g="0" b="0"/>
-      </a:lnRef>
-      <a:fillRef idx="1">
-        <a:scrgbClr r="0" g="0" b="0"/>
-      </a:fillRef>
-      <a:effectRef idx="0">
-        <a:scrgbClr r="0" g="0" b="0"/>
-      </a:effectRef>
-      <a:fontRef idx="minor">
-        <a:schemeClr val="lt1"/>
-      </a:fontRef>
-    </dgm:style>
-  </dgm:styleLbl>
-  <dgm:styleLbl name="asst1">
-    <dgm:scene3d>
-      <a:camera prst="orthographicFront"/>
-      <a:lightRig rig="threePt" dir="t"/>
-    </dgm:scene3d>
-    <dgm:sp3d/>
-    <dgm:txPr/>
-    <dgm:style>
-      <a:lnRef idx="2">
-        <a:scrgbClr r="0" g="0" b="0"/>
-      </a:lnRef>
-      <a:fillRef idx="1">
-        <a:scrgbClr r="0" g="0" b="0"/>
-      </a:fillRef>
-      <a:effectRef idx="0">
-        <a:scrgbClr r="0" g="0" b="0"/>
-      </a:effectRef>
-      <a:fontRef idx="minor">
-        <a:schemeClr val="lt1"/>
-      </a:fontRef>
-    </dgm:style>
-  </dgm:styleLbl>
-  <dgm:styleLbl name="asst2">
-    <dgm:scene3d>
-      <a:camera prst="orthographicFront"/>
-      <a:lightRig rig="threePt" dir="t"/>
-    </dgm:scene3d>
-    <dgm:sp3d/>
-    <dgm:txPr/>
-    <dgm:style>
-      <a:lnRef idx="2">
-        <a:scrgbClr r="0" g="0" b="0"/>
-      </a:lnRef>
-      <a:fillRef idx="1">
-        <a:scrgbClr r="0" g="0" b="0"/>
-      </a:fillRef>
-      <a:effectRef idx="0">
-        <a:scrgbClr r="0" g="0" b="0"/>
-      </a:effectRef>
-      <a:fontRef idx="minor">
-        <a:schemeClr val="lt1"/>
-      </a:fontRef>
-    </dgm:style>
-  </dgm:styleLbl>
-  <dgm:styleLbl name="asst3">
-    <dgm:scene3d>
-      <a:camera prst="orthographicFront"/>
-      <a:lightRig rig="threePt" dir="t"/>
-    </dgm:scene3d>
-    <dgm:sp3d/>
-    <dgm:txPr/>
-    <dgm:style>
-      <a:lnRef idx="2">
-        <a:scrgbClr r="0" g="0" b="0"/>
-      </a:lnRef>
-      <a:fillRef idx="1">
-        <a:scrgbClr r="0" g="0" b="0"/>
-      </a:fillRef>
-      <a:effectRef idx="0">
-        <a:scrgbClr r="0" g="0" b="0"/>
-      </a:effectRef>
-      <a:fontRef idx="minor">
-        <a:schemeClr val="lt1"/>
-      </a:fontRef>
-    </dgm:style>
-  </dgm:styleLbl>
-  <dgm:styleLbl name="asst4">
-    <dgm:scene3d>
-      <a:camera prst="orthographicFront"/>
-      <a:lightRig rig="threePt" dir="t"/>
-    </dgm:scene3d>
-    <dgm:sp3d/>
-    <dgm:txPr/>
-    <dgm:style>
-      <a:lnRef idx="2">
-        <a:scrgbClr r="0" g="0" b="0"/>
-      </a:lnRef>
-      <a:fillRef idx="1">
-        <a:scrgbClr r="0" g="0" b="0"/>
-      </a:fillRef>
-      <a:effectRef idx="0">
-        <a:scrgbClr r="0" g="0" b="0"/>
-      </a:effectRef>
-      <a:fontRef idx="minor">
-        <a:schemeClr val="lt1"/>
-      </a:fontRef>
-    </dgm:style>
-  </dgm:styleLbl>
-  <dgm:styleLbl name="parChTrans2D1">
-    <dgm:scene3d>
-      <a:camera prst="orthographicFront"/>
-      <a:lightRig rig="threePt" dir="t"/>
-    </dgm:scene3d>
-    <dgm:sp3d/>
-    <dgm:txPr/>
-    <dgm:style>
-      <a:lnRef idx="2">
-        <a:scrgbClr r="0" g="0" b="0"/>
-      </a:lnRef>
-      <a:fillRef idx="1">
-        <a:scrgbClr r="0" g="0" b="0"/>
-      </a:fillRef>
-      <a:effectRef idx="0">
-        <a:scrgbClr r="0" g="0" b="0"/>
-      </a:effectRef>
-      <a:fontRef idx="minor">
-        <a:schemeClr val="lt1"/>
-      </a:fontRef>
-    </dgm:style>
-  </dgm:styleLbl>
-  <dgm:styleLbl name="parChTrans2D2">
-    <dgm:scene3d>
-      <a:camera prst="orthographicFront"/>
-      <a:lightRig rig="threePt" dir="t"/>
-    </dgm:scene3d>
-    <dgm:sp3d/>
-    <dgm:txPr/>
-    <dgm:style>
-      <a:lnRef idx="2">
-        <a:scrgbClr r="0" g="0" b="0"/>
-      </a:lnRef>
-      <a:fillRef idx="1">
-        <a:scrgbClr r="0" g="0" b="0"/>
-      </a:fillRef>
-      <a:effectRef idx="0">
-        <a:scrgbClr r="0" g="0" b="0"/>
-      </a:effectRef>
-      <a:fontRef idx="minor">
-        <a:schemeClr val="lt1"/>
-      </a:fontRef>
-    </dgm:style>
-  </dgm:styleLbl>
-  <dgm:styleLbl name="parChTrans2D3">
-    <dgm:scene3d>
-      <a:camera prst="orthographicFront"/>
-      <a:lightRig rig="threePt" dir="t"/>
-    </dgm:scene3d>
-    <dgm:sp3d/>
-    <dgm:txPr/>
-    <dgm:style>
-      <a:lnRef idx="2">
-        <a:scrgbClr r="0" g="0" b="0"/>
-      </a:lnRef>
-      <a:fillRef idx="1">
-        <a:scrgbClr r="0" g="0" b="0"/>
-      </a:fillRef>
-      <a:effectRef idx="0">
-        <a:scrgbClr r="0" g="0" b="0"/>
-      </a:effectRef>
-      <a:fontRef idx="minor">
-        <a:schemeClr val="lt1"/>
-      </a:fontRef>
-    </dgm:style>
-  </dgm:styleLbl>
-  <dgm:styleLbl name="parChTrans2D4">
-    <dgm:scene3d>
-      <a:camera prst="orthographicFront"/>
-      <a:lightRig rig="threePt" dir="t"/>
-    </dgm:scene3d>
-    <dgm:sp3d/>
-    <dgm:txPr/>
-    <dgm:style>
-      <a:lnRef idx="2">
-        <a:scrgbClr r="0" g="0" b="0"/>
-      </a:lnRef>
-      <a:fillRef idx="1">
-        <a:scrgbClr r="0" g="0" b="0"/>
-      </a:fillRef>
-      <a:effectRef idx="0">
-        <a:scrgbClr r="0" g="0" b="0"/>
-      </a:effectRef>
-      <a:fontRef idx="minor">
-        <a:schemeClr val="lt1"/>
-      </a:fontRef>
-    </dgm:style>
-  </dgm:styleLbl>
-  <dgm:styleLbl name="parChTrans1D1">
-    <dgm:scene3d>
-      <a:camera prst="orthographicFront"/>
-      <a:lightRig rig="threePt" dir="t"/>
-    </dgm:scene3d>
-    <dgm:sp3d/>
-    <dgm:txPr/>
-    <dgm:style>
-      <a:lnRef idx="2">
-        <a:scrgbClr r="0" g="0" b="0"/>
-      </a:lnRef>
-      <a:fillRef idx="0">
-        <a:scrgbClr r="0" g="0" b="0"/>
-      </a:fillRef>
-      <a:effectRef idx="0">
-        <a:scrgbClr r="0" g="0" b="0"/>
-      </a:effectRef>
-      <a:fontRef idx="minor"/>
-    </dgm:style>
-  </dgm:styleLbl>
-  <dgm:styleLbl name="parChTrans1D2">
-    <dgm:scene3d>
-      <a:camera prst="orthographicFront"/>
-      <a:lightRig rig="threePt" dir="t"/>
-    </dgm:scene3d>
-    <dgm:sp3d/>
-    <dgm:txPr/>
-    <dgm:style>
-      <a:lnRef idx="2">
-        <a:scrgbClr r="0" g="0" b="0"/>
-      </a:lnRef>
-      <a:fillRef idx="0">
-        <a:scrgbClr r="0" g="0" b="0"/>
-      </a:fillRef>
-      <a:effectRef idx="0">
-        <a:scrgbClr r="0" g="0" b="0"/>
-      </a:effectRef>
-      <a:fontRef idx="minor"/>
-    </dgm:style>
-  </dgm:styleLbl>
-  <dgm:styleLbl name="parChTrans1D3">
-    <dgm:scene3d>
-      <a:camera prst="orthographicFront"/>
-      <a:lightRig rig="threePt" dir="t"/>
-    </dgm:scene3d>
-    <dgm:sp3d/>
-    <dgm:txPr/>
-    <dgm:style>
-      <a:lnRef idx="2">
-        <a:scrgbClr r="0" g="0" b="0"/>
-      </a:lnRef>
-      <a:fillRef idx="0">
-        <a:scrgbClr r="0" g="0" b="0"/>
-      </a:fillRef>
-      <a:effectRef idx="0">
-        <a:scrgbClr r="0" g="0" b="0"/>
-      </a:effectRef>
-      <a:fontRef idx="minor"/>
-    </dgm:style>
-  </dgm:styleLbl>
-  <dgm:styleLbl name="parChTrans1D4">
-    <dgm:scene3d>
-      <a:camera prst="orthographicFront"/>
-      <a:lightRig rig="threePt" dir="t"/>
-    </dgm:scene3d>
-    <dgm:sp3d/>
-    <dgm:txPr/>
-    <dgm:style>
-      <a:lnRef idx="2">
-        <a:scrgbClr r="0" g="0" b="0"/>
-      </a:lnRef>
-      <a:fillRef idx="0">
-        <a:scrgbClr r="0" g="0" b="0"/>
-      </a:fillRef>
-      <a:effectRef idx="0">
-        <a:scrgbClr r="0" g="0" b="0"/>
-      </a:effectRef>
-      <a:fontRef idx="minor"/>
-    </dgm:style>
-  </dgm:styleLbl>
-  <dgm:styleLbl name="fgAcc1">
-    <dgm:scene3d>
-      <a:camera prst="orthographicFront"/>
-      <a:lightRig rig="threePt" dir="t"/>
-    </dgm:scene3d>
-    <dgm:sp3d/>
-    <dgm:txPr/>
-    <dgm:style>
-      <a:lnRef idx="2">
-        <a:scrgbClr r="0" g="0" b="0"/>
-      </a:lnRef>
-      <a:fillRef idx="1">
-        <a:scrgbClr r="0" g="0" b="0"/>
-      </a:fillRef>
-      <a:effectRef idx="0">
-        <a:scrgbClr r="0" g="0" b="0"/>
-      </a:effectRef>
-      <a:fontRef idx="minor"/>
-    </dgm:style>
-  </dgm:styleLbl>
-  <dgm:styleLbl name="conFgAcc1">
-    <dgm:scene3d>
-      <a:camera prst="orthographicFront"/>
-      <a:lightRig rig="threePt" dir="t"/>
-    </dgm:scene3d>
-    <dgm:sp3d/>
-    <dgm:txPr/>
-    <dgm:style>
-      <a:lnRef idx="2">
-        <a:scrgbClr r="0" g="0" b="0"/>
-      </a:lnRef>
-      <a:fillRef idx="1">
-        <a:scrgbClr r="0" g="0" b="0"/>
-      </a:fillRef>
-      <a:effectRef idx="0">
-        <a:scrgbClr r="0" g="0" b="0"/>
-      </a:effectRef>
-      <a:fontRef idx="minor"/>
-    </dgm:style>
-  </dgm:styleLbl>
-  <dgm:styleLbl name="alignAcc1">
-    <dgm:scene3d>
-      <a:camera prst="orthographicFront"/>
-      <a:lightRig rig="threePt" dir="t"/>
-    </dgm:scene3d>
-    <dgm:sp3d/>
-    <dgm:txPr/>
-    <dgm:style>
-      <a:lnRef idx="2">
-        <a:scrgbClr r="0" g="0" b="0"/>
-      </a:lnRef>
-      <a:fillRef idx="1">
-        <a:scrgbClr r="0" g="0" b="0"/>
-      </a:fillRef>
-      <a:effectRef idx="0">
-        <a:scrgbClr r="0" g="0" b="0"/>
-      </a:effectRef>
-      <a:fontRef idx="minor"/>
-    </dgm:style>
-  </dgm:styleLbl>
-  <dgm:styleLbl name="trAlignAcc1">
-    <dgm:scene3d>
-      <a:camera prst="orthographicFront"/>
-      <a:lightRig rig="threePt" dir="t"/>
-    </dgm:scene3d>
-    <dgm:sp3d/>
-    <dgm:txPr/>
-    <dgm:style>
-      <a:lnRef idx="1">
-        <a:scrgbClr r="0" g="0" b="0"/>
-      </a:lnRef>
-      <a:fillRef idx="1">
-        <a:scrgbClr r="0" g="0" b="0"/>
-      </a:fillRef>
-      <a:effectRef idx="0">
-        <a:scrgbClr r="0" g="0" b="0"/>
-      </a:effectRef>
-      <a:fontRef idx="minor"/>
-    </dgm:style>
-  </dgm:styleLbl>
-  <dgm:styleLbl name="bgAcc1">
-    <dgm:scene3d>
-      <a:camera prst="orthographicFront"/>
-      <a:lightRig rig="threePt" dir="t"/>
-    </dgm:scene3d>
-    <dgm:sp3d/>
-    <dgm:txPr/>
-    <dgm:style>
-      <a:lnRef idx="2">
-        <a:scrgbClr r="0" g="0" b="0"/>
-      </a:lnRef>
-      <a:fillRef idx="1">
-        <a:scrgbClr r="0" g="0" b="0"/>
-      </a:fillRef>
-      <a:effectRef idx="0">
-        <a:scrgbClr r="0" g="0" b="0"/>
-      </a:effectRef>
-      <a:fontRef idx="minor"/>
-    </dgm:style>
-  </dgm:styleLbl>
-  <dgm:styleLbl name="solidFgAcc1">
-    <dgm:scene3d>
-      <a:camera prst="orthographicFront"/>
-      <a:lightRig rig="threePt" dir="t"/>
-    </dgm:scene3d>
-    <dgm:sp3d/>
-    <dgm:txPr/>
-    <dgm:style>
-      <a:lnRef idx="2">
-        <a:scrgbClr r="0" g="0" b="0"/>
-      </a:lnRef>
-      <a:fillRef idx="1">
-        <a:scrgbClr r="0" g="0" b="0"/>
-      </a:fillRef>
-      <a:effectRef idx="0">
-        <a:scrgbClr r="0" g="0" b="0"/>
-      </a:effectRef>
-      <a:fontRef idx="minor"/>
-    </dgm:style>
-  </dgm:styleLbl>
-  <dgm:styleLbl name="solidAlignAcc1">
-    <dgm:scene3d>
-      <a:camera prst="orthographicFront"/>
-      <a:lightRig rig="threePt" dir="t"/>
-    </dgm:scene3d>
-    <dgm:sp3d/>
-    <dgm:txPr/>
-    <dgm:style>
-      <a:lnRef idx="2">
-        <a:scrgbClr r="0" g="0" b="0"/>
-      </a:lnRef>
-      <a:fillRef idx="1">
-        <a:scrgbClr r="0" g="0" b="0"/>
-      </a:fillRef>
-      <a:effectRef idx="0">
-        <a:scrgbClr r="0" g="0" b="0"/>
-      </a:effectRef>
-      <a:fontRef idx="minor"/>
-    </dgm:style>
-  </dgm:styleLbl>
-  <dgm:styleLbl name="solidBgAcc1">
-    <dgm:scene3d>
-      <a:camera prst="orthographicFront"/>
-      <a:lightRig rig="threePt" dir="t"/>
-    </dgm:scene3d>
-    <dgm:sp3d/>
-    <dgm:txPr/>
-    <dgm:style>
-      <a:lnRef idx="2">
-        <a:scrgbClr r="0" g="0" b="0"/>
-      </a:lnRef>
-      <a:fillRef idx="1">
-        <a:scrgbClr r="0" g="0" b="0"/>
-      </a:fillRef>
-      <a:effectRef idx="0">
-        <a:scrgbClr r="0" g="0" b="0"/>
-      </a:effectRef>
-      <a:fontRef idx="minor"/>
-    </dgm:style>
-  </dgm:styleLbl>
-  <dgm:styleLbl name="fgAccFollowNode1">
-    <dgm:scene3d>
-      <a:camera prst="orthographicFront"/>
-      <a:lightRig rig="threePt" dir="t"/>
-    </dgm:scene3d>
-    <dgm:sp3d/>
-    <dgm:txPr/>
-    <dgm:style>
-      <a:lnRef idx="2">
-        <a:scrgbClr r="0" g="0" b="0"/>
-      </a:lnRef>
-      <a:fillRef idx="1">
-        <a:scrgbClr r="0" g="0" b="0"/>
-      </a:fillRef>
-      <a:effectRef idx="0">
-        <a:scrgbClr r="0" g="0" b="0"/>
-      </a:effectRef>
-      <a:fontRef idx="minor"/>
-    </dgm:style>
-  </dgm:styleLbl>
-  <dgm:styleLbl name="alignAccFollowNode1">
-    <dgm:scene3d>
-      <a:camera prst="orthographicFront"/>
-      <a:lightRig rig="threePt" dir="t"/>
-    </dgm:scene3d>
-    <dgm:sp3d/>
-    <dgm:txPr/>
-    <dgm:style>
-      <a:lnRef idx="2">
-        <a:scrgbClr r="0" g="0" b="0"/>
-      </a:lnRef>
-      <a:fillRef idx="1">
-        <a:scrgbClr r="0" g="0" b="0"/>
-      </a:fillRef>
-      <a:effectRef idx="0">
-        <a:scrgbClr r="0" g="0" b="0"/>
-      </a:effectRef>
-      <a:fontRef idx="minor"/>
-    </dgm:style>
-  </dgm:styleLbl>
-  <dgm:styleLbl name="bgAccFollowNode1">
-    <dgm:scene3d>
-      <a:camera prst="orthographicFront"/>
-      <a:lightRig rig="threePt" dir="t"/>
-    </dgm:scene3d>
-    <dgm:sp3d/>
-    <dgm:txPr/>
-    <dgm:style>
-      <a:lnRef idx="2">
-        <a:scrgbClr r="0" g="0" b="0"/>
-      </a:lnRef>
-      <a:fillRef idx="1">
-        <a:scrgbClr r="0" g="0" b="0"/>
-      </a:fillRef>
-      <a:effectRef idx="0">
-        <a:scrgbClr r="0" g="0" b="0"/>
-      </a:effectRef>
-      <a:fontRef idx="minor"/>
-    </dgm:style>
-  </dgm:styleLbl>
-  <dgm:styleLbl name="fgAcc0">
-    <dgm:scene3d>
-      <a:camera prst="orthographicFront"/>
-      <a:lightRig rig="threePt" dir="t"/>
-    </dgm:scene3d>
-    <dgm:sp3d/>
-    <dgm:txPr/>
-    <dgm:style>
-      <a:lnRef idx="2">
-        <a:scrgbClr r="0" g="0" b="0"/>
-      </a:lnRef>
-      <a:fillRef idx="1">
-        <a:scrgbClr r="0" g="0" b="0"/>
-      </a:fillRef>
-      <a:effectRef idx="0">
-        <a:scrgbClr r="0" g="0" b="0"/>
-      </a:effectRef>
-      <a:fontRef idx="minor"/>
-    </dgm:style>
-  </dgm:styleLbl>
-  <dgm:styleLbl name="fgAcc2">
-    <dgm:scene3d>
-      <a:camera prst="orthographicFront"/>
-      <a:lightRig rig="threePt" dir="t"/>
-    </dgm:scene3d>
-    <dgm:sp3d/>
-    <dgm:txPr/>
-    <dgm:style>
-      <a:lnRef idx="2">
-        <a:scrgbClr r="0" g="0" b="0"/>
-      </a:lnRef>
-      <a:fillRef idx="1">
-        <a:scrgbClr r="0" g="0" b="0"/>
-      </a:fillRef>
-      <a:effectRef idx="0">
-        <a:scrgbClr r="0" g="0" b="0"/>
-      </a:effectRef>
-      <a:fontRef idx="minor"/>
-    </dgm:style>
-  </dgm:styleLbl>
-  <dgm:styleLbl name="fgAcc3">
-    <dgm:scene3d>
-      <a:camera prst="orthographicFront"/>
-      <a:lightRig rig="threePt" dir="t"/>
-    </dgm:scene3d>
-    <dgm:sp3d/>
-    <dgm:txPr/>
-    <dgm:style>
-      <a:lnRef idx="2">
-        <a:scrgbClr r="0" g="0" b="0"/>
-      </a:lnRef>
-      <a:fillRef idx="1">
-        <a:scrgbClr r="0" g="0" b="0"/>
-      </a:fillRef>
-      <a:effectRef idx="0">
-        <a:scrgbClr r="0" g="0" b="0"/>
-      </a:effectRef>
-      <a:fontRef idx="minor"/>
-    </dgm:style>
-  </dgm:styleLbl>
-  <dgm:styleLbl name="fgAcc4">
-    <dgm:scene3d>
-      <a:camera prst="orthographicFront"/>
-      <a:lightRig rig="threePt" dir="t"/>
-    </dgm:scene3d>
-    <dgm:sp3d/>
-    <dgm:txPr/>
-    <dgm:style>
-      <a:lnRef idx="2">
-        <a:scrgbClr r="0" g="0" b="0"/>
-      </a:lnRef>
-      <a:fillRef idx="1">
-        <a:scrgbClr r="0" g="0" b="0"/>
-      </a:fillRef>
-      <a:effectRef idx="0">
-        <a:scrgbClr r="0" g="0" b="0"/>
-      </a:effectRef>
-      <a:fontRef idx="minor"/>
-    </dgm:style>
-  </dgm:styleLbl>
-  <dgm:styleLbl name="bgShp">
-    <dgm:scene3d>
-      <a:camera prst="orthographicFront"/>
-      <a:lightRig rig="threePt" dir="t"/>
-    </dgm:scene3d>
-    <dgm:sp3d/>
-    <dgm:txPr/>
-    <dgm:style>
-      <a:lnRef idx="0">
-        <a:scrgbClr r="0" g="0" b="0"/>
-      </a:lnRef>
-      <a:fillRef idx="1">
-        <a:scrgbClr r="0" g="0" b="0"/>
-      </a:fillRef>
-      <a:effectRef idx="0">
-        <a:scrgbClr r="0" g="0" b="0"/>
-      </a:effectRef>
-      <a:fontRef idx="minor"/>
-    </dgm:style>
-  </dgm:styleLbl>
-  <dgm:styleLbl name="dkBgShp">
-    <dgm:scene3d>
-      <a:camera prst="orthographicFront"/>
-      <a:lightRig rig="threePt" dir="t"/>
-    </dgm:scene3d>
-    <dgm:sp3d/>
-    <dgm:txPr/>
-    <dgm:style>
-      <a:lnRef idx="0">
-        <a:scrgbClr r="0" g="0" b="0"/>
-      </a:lnRef>
-      <a:fillRef idx="1">
-        <a:scrgbClr r="0" g="0" b="0"/>
-      </a:fillRef>
-      <a:effectRef idx="0">
-        <a:scrgbClr r="0" g="0" b="0"/>
-      </a:effectRef>
-      <a:fontRef idx="minor"/>
-    </dgm:style>
-  </dgm:styleLbl>
-  <dgm:styleLbl name="trBgShp">
-    <dgm:scene3d>
-      <a:camera prst="orthographicFront"/>
-      <a:lightRig rig="threePt" dir="t"/>
-    </dgm:scene3d>
-    <dgm:sp3d/>
-    <dgm:txPr/>
-    <dgm:style>
-      <a:lnRef idx="0">
-        <a:scrgbClr r="0" g="0" b="0"/>
-      </a:lnRef>
-      <a:fillRef idx="1">
-        <a:scrgbClr r="0" g="0" b="0"/>
-      </a:fillRef>
-      <a:effectRef idx="0">
-        <a:scrgbClr r="0" g="0" b="0"/>
-      </a:effectRef>
-      <a:fontRef idx="minor"/>
-    </dgm:style>
-  </dgm:styleLbl>
-  <dgm:styleLbl name="fgShp">
-    <dgm:scene3d>
-      <a:camera prst="orthographicFront"/>
-      <a:lightRig rig="threePt" dir="t"/>
-    </dgm:scene3d>
-    <dgm:sp3d/>
-    <dgm:txPr/>
-    <dgm:style>
-      <a:lnRef idx="2">
-        <a:scrgbClr r="0" g="0" b="0"/>
-      </a:lnRef>
-      <a:fillRef idx="1">
-        <a:scrgbClr r="0" g="0" b="0"/>
-      </a:fillRef>
-      <a:effectRef idx="0">
-        <a:scrgbClr r="0" g="0" b="0"/>
-      </a:effectRef>
-      <a:fontRef idx="minor"/>
-    </dgm:style>
-  </dgm:styleLbl>
-  <dgm:styleLbl name="revTx">
-    <dgm:scene3d>
-      <a:camera prst="orthographicFront"/>
-      <a:lightRig rig="threePt" dir="t"/>
-    </dgm:scene3d>
-    <dgm:sp3d/>
-    <dgm:txPr/>
-    <dgm:style>
-      <a:lnRef idx="0">
-        <a:scrgbClr r="0" g="0" b="0"/>
-      </a:lnRef>
-      <a:fillRef idx="0">
-        <a:scrgbClr r="0" g="0" b="0"/>
-      </a:fillRef>
-      <a:effectRef idx="0">
-        <a:scrgbClr r="0" g="0" b="0"/>
-      </a:effectRef>
-      <a:fontRef idx="minor"/>
-    </dgm:style>
-  </dgm:styleLbl>
-</dgm:styleDef>
 </file>
 
 <file path=ppt/notesMasters/notesMaster1.xml><?xml version="1.0" encoding="utf-8"?>
@@ -3586,150 +615,6 @@
     <p:extLst>
       <p:ext uri="{BB962C8B-B14F-4D97-AF65-F5344CB8AC3E}">
         <p14:creationId xmlns:p14="http://schemas.microsoft.com/office/powerpoint/2010/main" val="3249870097"/>
-      </p:ext>
-    </p:extLst>
-  </p:cSld>
-  <p:clrMapOvr>
-    <a:masterClrMapping/>
-  </p:clrMapOvr>
-</p:notes>
-</file>
-
-<file path=ppt/notesSlides/notesSlide2.xml><?xml version="1.0" encoding="utf-8"?>
-<p:notes xmlns:a="http://schemas.openxmlformats.org/drawingml/2006/main" xmlns:r="http://schemas.openxmlformats.org/officeDocument/2006/relationships" xmlns:p="http://schemas.openxmlformats.org/presentationml/2006/main">
-  <p:cSld>
-    <p:spTree>
-      <p:nvGrpSpPr>
-        <p:cNvPr id="1" name=""/>
-        <p:cNvGrpSpPr/>
-        <p:nvPr/>
-      </p:nvGrpSpPr>
-      <p:grpSpPr>
-        <a:xfrm>
-          <a:off x="0" y="0"/>
-          <a:ext cx="0" cy="0"/>
-          <a:chOff x="0" y="0"/>
-          <a:chExt cx="0" cy="0"/>
-        </a:xfrm>
-      </p:grpSpPr>
-      <p:sp>
-        <p:nvSpPr>
-          <p:cNvPr id="2" name="Slide Image Placeholder 1"/>
-          <p:cNvSpPr>
-            <a:spLocks noGrp="1" noRot="1" noChangeAspect="1"/>
-          </p:cNvSpPr>
-          <p:nvPr>
-            <p:ph type="sldImg"/>
-          </p:nvPr>
-        </p:nvSpPr>
-        <p:spPr/>
-      </p:sp>
-      <p:sp>
-        <p:nvSpPr>
-          <p:cNvPr id="3" name="Notes Placeholder 2"/>
-          <p:cNvSpPr>
-            <a:spLocks noGrp="1"/>
-          </p:cNvSpPr>
-          <p:nvPr>
-            <p:ph type="body" idx="1"/>
-          </p:nvPr>
-        </p:nvSpPr>
-        <p:spPr/>
-        <p:txBody>
-          <a:bodyPr/>
-          <a:lstStyle/>
-          <a:p>
-            <a:endParaRPr lang="en-US" dirty="0"/>
-          </a:p>
-        </p:txBody>
-      </p:sp>
-      <p:sp>
-        <p:nvSpPr>
-          <p:cNvPr id="4" name="Slide Number Placeholder 3"/>
-          <p:cNvSpPr>
-            <a:spLocks noGrp="1"/>
-          </p:cNvSpPr>
-          <p:nvPr>
-            <p:ph type="sldNum" sz="quarter" idx="5"/>
-          </p:nvPr>
-        </p:nvSpPr>
-        <p:spPr/>
-        <p:txBody>
-          <a:bodyPr/>
-          <a:lstStyle/>
-          <a:p>
-            <a:pPr marL="0" marR="0" lvl="0" indent="0" algn="r" defTabSz="914400" rtl="0" eaLnBrk="1" fontAlgn="auto" latinLnBrk="0" hangingPunct="1">
-              <a:lnSpc>
-                <a:spcPct val="100000"/>
-              </a:lnSpc>
-              <a:spcBef>
-                <a:spcPts val="0"/>
-              </a:spcBef>
-              <a:spcAft>
-                <a:spcPts val="0"/>
-              </a:spcAft>
-              <a:buClrTx/>
-              <a:buSzTx/>
-              <a:buFontTx/>
-              <a:buNone/>
-              <a:tabLst/>
-              <a:defRPr/>
-            </a:pPr>
-            <a:fld id="{33AEA074-24A7-4657-AE02-A51F68EA6AA2}" type="slidenum">
-              <a:rPr kumimoji="0" lang="en-US" sz="1200" b="0" i="0" u="none" strike="noStrike" kern="1200" cap="none" spc="0" normalizeH="0" baseline="0" noProof="0" smtClean="0">
-                <a:ln>
-                  <a:noFill/>
-                </a:ln>
-                <a:solidFill>
-                  <a:prstClr val="black"/>
-                </a:solidFill>
-                <a:effectLst/>
-                <a:uLnTx/>
-                <a:uFillTx/>
-                <a:latin typeface="Calibri" panose="020F0502020204030204"/>
-                <a:ea typeface="+mn-ea"/>
-                <a:cs typeface="+mn-cs"/>
-              </a:rPr>
-              <a:pPr marL="0" marR="0" lvl="0" indent="0" algn="r" defTabSz="914400" rtl="0" eaLnBrk="1" fontAlgn="auto" latinLnBrk="0" hangingPunct="1">
-                <a:lnSpc>
-                  <a:spcPct val="100000"/>
-                </a:lnSpc>
-                <a:spcBef>
-                  <a:spcPts val="0"/>
-                </a:spcBef>
-                <a:spcAft>
-                  <a:spcPts val="0"/>
-                </a:spcAft>
-                <a:buClrTx/>
-                <a:buSzTx/>
-                <a:buFontTx/>
-                <a:buNone/>
-                <a:tabLst/>
-                <a:defRPr/>
-              </a:pPr>
-              <a:t>2</a:t>
-            </a:fld>
-            <a:endParaRPr kumimoji="0" lang="en-US" sz="1200" b="0" i="0" u="none" strike="noStrike" kern="1200" cap="none" spc="0" normalizeH="0" baseline="0" noProof="0" dirty="0">
-              <a:ln>
-                <a:noFill/>
-              </a:ln>
-              <a:solidFill>
-                <a:prstClr val="black"/>
-              </a:solidFill>
-              <a:effectLst/>
-              <a:uLnTx/>
-              <a:uFillTx/>
-              <a:latin typeface="Calibri" panose="020F0502020204030204"/>
-              <a:ea typeface="+mn-ea"/>
-              <a:cs typeface="+mn-cs"/>
-            </a:endParaRPr>
-          </a:p>
-        </p:txBody>
-      </p:sp>
-    </p:spTree>
-    <p:extLst>
-      <p:ext uri="{BB962C8B-B14F-4D97-AF65-F5344CB8AC3E}">
-        <p14:creationId xmlns:p14="http://schemas.microsoft.com/office/powerpoint/2010/main" val="3871904880"/>
       </p:ext>
     </p:extLst>
   </p:cSld>
@@ -7831,13 +4716,13 @@
         </p:nvSpPr>
         <p:spPr>
           <a:xfrm>
-            <a:off x="1771130" y="4304581"/>
-            <a:ext cx="8652788" cy="862641"/>
+            <a:off x="1771130" y="3999893"/>
+            <a:ext cx="8652788" cy="1322605"/>
           </a:xfrm>
         </p:spPr>
         <p:txBody>
           <a:bodyPr>
-            <a:normAutofit fontScale="85000" lnSpcReduction="10000"/>
+            <a:normAutofit/>
           </a:bodyPr>
           <a:lstStyle/>
           <a:p>
@@ -7877,14 +4762,6 @@
                 <a:spcPts val="600"/>
               </a:spcAft>
             </a:pPr>
-            <a:r>
-              <a:rPr lang="en-US" sz="1800" dirty="0">
-                <a:latin typeface="Calibri" panose="020F0502020204030204" pitchFamily="34" charset="0"/>
-                <a:ea typeface="Calibri" panose="020F0502020204030204" pitchFamily="34" charset="0"/>
-                <a:cs typeface="Calibri" panose="020F0502020204030204" pitchFamily="34" charset="0"/>
-              </a:rPr>
-              <a:t>Video Link:</a:t>
-            </a:r>
             <a:br>
               <a:rPr lang="en-US" sz="1800" dirty="0">
                 <a:latin typeface="Calibri" panose="020F0502020204030204" pitchFamily="34" charset="0"/>
@@ -7898,8 +4775,22 @@
                 <a:ea typeface="Calibri" panose="020F0502020204030204" pitchFamily="34" charset="0"/>
                 <a:cs typeface="Calibri" panose="020F0502020204030204" pitchFamily="34" charset="0"/>
               </a:rPr>
-              <a:t>Project Link:</a:t>
-            </a:r>
+              <a:t>Project Link : </a:t>
+            </a:r>
+            <a:r>
+              <a:rPr lang="en-US" sz="1800" dirty="0">
+                <a:latin typeface="Calibri" panose="020F0502020204030204" pitchFamily="34" charset="0"/>
+                <a:ea typeface="Calibri" panose="020F0502020204030204" pitchFamily="34" charset="0"/>
+                <a:cs typeface="Calibri" panose="020F0502020204030204" pitchFamily="34" charset="0"/>
+                <a:hlinkClick r:id="rId5"/>
+              </a:rPr>
+              <a:t>https://github.com/ajaythakur958/Walmart-Sales-analysis</a:t>
+            </a:r>
+            <a:endParaRPr lang="en-US" sz="1800" dirty="0">
+              <a:latin typeface="Calibri" panose="020F0502020204030204" pitchFamily="34" charset="0"/>
+              <a:ea typeface="Calibri" panose="020F0502020204030204" pitchFamily="34" charset="0"/>
+              <a:cs typeface="Calibri" panose="020F0502020204030204" pitchFamily="34" charset="0"/>
+            </a:endParaRPr>
           </a:p>
         </p:txBody>
       </p:sp>
@@ -8842,7 +5733,7 @@
             <a:pPr algn="ctr"/>
             <a:r>
               <a:rPr lang="en-US" sz="1400" b="1" u="sng" dirty="0">
-                <a:latin typeface="Calibri" panose="020F0502020204030204" pitchFamily="34" charset="0"/>
+                <a:latin typeface="Candara" panose="020E0502030303020204" pitchFamily="34" charset="0"/>
                 <a:ea typeface="Calibri" panose="020F0502020204030204" pitchFamily="34" charset="0"/>
                 <a:cs typeface="Calibri" panose="020F0502020204030204" pitchFamily="34" charset="0"/>
               </a:rPr>
@@ -8851,39 +5742,119 @@
           </a:p>
           <a:p>
             <a:r>
+              <a:rPr lang="en-US" sz="1400" dirty="0">
+                <a:latin typeface="Candara" panose="020E0502030303020204" pitchFamily="34" charset="0"/>
+              </a:rPr>
+              <a:t>In the </a:t>
+            </a:r>
+            <a:r>
               <a:rPr lang="en-US" sz="1400" b="1" dirty="0">
-                <a:latin typeface="Calibri" panose="020F0502020204030204" pitchFamily="34" charset="0"/>
-                <a:ea typeface="Calibri" panose="020F0502020204030204" pitchFamily="34" charset="0"/>
-                <a:cs typeface="Calibri" panose="020F0502020204030204" pitchFamily="34" charset="0"/>
-              </a:rPr>
-              <a:t>M</a:t>
-            </a:r>
-            <a:endParaRPr lang="en-US" sz="1400" dirty="0">
-              <a:latin typeface="Calibri" panose="020F0502020204030204" pitchFamily="34" charset="0"/>
+                <a:latin typeface="Candara" panose="020E0502030303020204" pitchFamily="34" charset="0"/>
+              </a:rPr>
+              <a:t>first 30 days</a:t>
+            </a:r>
+            <a:r>
+              <a:rPr lang="en-US" sz="1400" dirty="0">
+                <a:latin typeface="Candara" panose="020E0502030303020204" pitchFamily="34" charset="0"/>
+              </a:rPr>
+              <a:t>, customer ID 7 was the highest repeat customer.</a:t>
+            </a:r>
+          </a:p>
+          <a:p>
+            <a:r>
+              <a:rPr lang="en-US" sz="1400" dirty="0">
+                <a:latin typeface="Candara" panose="020E0502030303020204" pitchFamily="34" charset="0"/>
+              </a:rPr>
+              <a:t>In the </a:t>
+            </a:r>
+            <a:r>
+              <a:rPr lang="en-US" sz="1400" b="1" dirty="0">
+                <a:latin typeface="Candara" panose="020E0502030303020204" pitchFamily="34" charset="0"/>
+              </a:rPr>
+              <a:t>next 30 days (Day 31 to 60), </a:t>
+            </a:r>
+            <a:r>
+              <a:rPr lang="en-US" sz="1400" dirty="0">
+                <a:latin typeface="Candara" panose="020E0502030303020204" pitchFamily="34" charset="0"/>
+              </a:rPr>
+              <a:t>customer ID 1 became the most frequent customer</a:t>
+            </a:r>
+          </a:p>
+          <a:p>
+            <a:r>
+              <a:rPr lang="en-US" sz="1400" dirty="0">
+                <a:latin typeface="Candara" panose="020E0502030303020204" pitchFamily="34" charset="0"/>
+              </a:rPr>
+              <a:t>In the </a:t>
+            </a:r>
+            <a:r>
+              <a:rPr lang="en-US" sz="1400" b="1" dirty="0">
+                <a:latin typeface="Candara" panose="020E0502030303020204" pitchFamily="34" charset="0"/>
+              </a:rPr>
+              <a:t>final 30 days (Day 61 to 90)</a:t>
+            </a:r>
+            <a:r>
+              <a:rPr lang="en-US" sz="1400" dirty="0">
+                <a:latin typeface="Candara" panose="020E0502030303020204" pitchFamily="34" charset="0"/>
+              </a:rPr>
+              <a:t>, customer ID 4 was the top repeat customer.</a:t>
+            </a:r>
+          </a:p>
+          <a:p>
+            <a:pPr algn="ctr"/>
+            <a:r>
+              <a:rPr lang="en-IN" sz="1400" b="1" u="sng" dirty="0">
+                <a:latin typeface="Candara" panose="020E0502030303020204" pitchFamily="34" charset="0"/>
+                <a:ea typeface="Calibri" panose="020F0502020204030204" pitchFamily="34" charset="0"/>
+                <a:cs typeface="Calibri" panose="020F0502020204030204" pitchFamily="34" charset="0"/>
+              </a:rPr>
+              <a:t>RECOMMENDATIONS</a:t>
+            </a:r>
+          </a:p>
+          <a:p>
+            <a:r>
+              <a:rPr lang="en-US" sz="1400" dirty="0">
+                <a:latin typeface="Candara" panose="020E0502030303020204" pitchFamily="34" charset="0"/>
+              </a:rPr>
+              <a:t>Reward the </a:t>
+            </a:r>
+            <a:r>
+              <a:rPr lang="en-US" sz="1400" b="1" dirty="0">
+                <a:latin typeface="Candara" panose="020E0502030303020204" pitchFamily="34" charset="0"/>
+              </a:rPr>
+              <a:t>most frequent customers</a:t>
+            </a:r>
+            <a:r>
+              <a:rPr lang="en-US" sz="1400" dirty="0">
+                <a:latin typeface="Candara" panose="020E0502030303020204" pitchFamily="34" charset="0"/>
+              </a:rPr>
+              <a:t> with exclusive offers as a token of appreciation.</a:t>
+            </a:r>
+          </a:p>
+          <a:p>
+            <a:r>
+              <a:rPr lang="en-US" sz="1400" dirty="0">
+                <a:latin typeface="Candara" panose="020E0502030303020204" pitchFamily="34" charset="0"/>
+              </a:rPr>
+              <a:t>For </a:t>
+            </a:r>
+            <a:r>
+              <a:rPr lang="en-US" sz="1400" b="1" dirty="0">
+                <a:latin typeface="Candara" panose="020E0502030303020204" pitchFamily="34" charset="0"/>
+              </a:rPr>
+              <a:t>less frequent customers</a:t>
+            </a:r>
+            <a:r>
+              <a:rPr lang="en-US" sz="1400" dirty="0">
+                <a:latin typeface="Candara" panose="020E0502030303020204" pitchFamily="34" charset="0"/>
+              </a:rPr>
+              <a:t>, check what they bought earlier and send recommendations or similar product suggestions.</a:t>
+            </a:r>
+            <a:endParaRPr lang="en-US" sz="1200" dirty="0">
+              <a:latin typeface="Candara" panose="020E0502030303020204" pitchFamily="34" charset="0"/>
               <a:ea typeface="Calibri" panose="020F0502020204030204" pitchFamily="34" charset="0"/>
               <a:cs typeface="Calibri" panose="020F0502020204030204" pitchFamily="34" charset="0"/>
             </a:endParaRPr>
-          </a:p>
-          <a:p>
-            <a:pPr algn="ctr"/>
-            <a:r>
-              <a:rPr lang="en-IN" sz="1400" b="1" u="sng" dirty="0">
-                <a:latin typeface="Calibri" panose="020F0502020204030204" pitchFamily="34" charset="0"/>
-                <a:ea typeface="Calibri" panose="020F0502020204030204" pitchFamily="34" charset="0"/>
-                <a:cs typeface="Calibri" panose="020F0502020204030204" pitchFamily="34" charset="0"/>
-              </a:rPr>
-              <a:t>RECOMMENDATIONS</a:t>
-            </a:r>
-          </a:p>
-          <a:p>
-            <a:r>
-              <a:rPr lang="en-US" sz="1400" dirty="0">
-                <a:latin typeface="Calibri" panose="020F0502020204030204" pitchFamily="34" charset="0"/>
-                <a:ea typeface="Calibri" panose="020F0502020204030204" pitchFamily="34" charset="0"/>
-                <a:cs typeface="Calibri" panose="020F0502020204030204" pitchFamily="34" charset="0"/>
-              </a:rPr>
-              <a:t>P</a:t>
-            </a:r>
           </a:p>
         </p:txBody>
       </p:sp>
@@ -9007,7 +5978,7 @@
         <p:spPr>
           <a:xfrm>
             <a:off x="396814" y="1431984"/>
-            <a:ext cx="11386869" cy="5210355"/>
+            <a:ext cx="11386869" cy="4994695"/>
           </a:xfrm>
           <a:prstGeom prst="rect">
             <a:avLst/>
@@ -9613,14 +6584,6 @@
 <file path=ppt/slides/slide2.xml><?xml version="1.0" encoding="utf-8"?>
 <p:sld xmlns:a="http://schemas.openxmlformats.org/drawingml/2006/main" xmlns:r="http://schemas.openxmlformats.org/officeDocument/2006/relationships" xmlns:p="http://schemas.openxmlformats.org/presentationml/2006/main">
   <p:cSld>
-    <p:bg>
-      <p:bgPr>
-        <a:solidFill>
-          <a:schemeClr val="bg1"/>
-        </a:solidFill>
-        <a:effectLst/>
-      </p:bgPr>
-    </p:bg>
     <p:spTree>
       <p:nvGrpSpPr>
         <p:cNvPr id="1" name=""/>
@@ -9640,7 +6603,7 @@
           <p:cNvPr id="2" name="Title 1">
             <a:extLst>
               <a:ext uri="{FF2B5EF4-FFF2-40B4-BE49-F238E27FC236}">
-                <a16:creationId xmlns:a16="http://schemas.microsoft.com/office/drawing/2014/main" id="{66A47F5C-50EC-416A-AE8C-6F6BB4225673}"/>
+                <a16:creationId xmlns:a16="http://schemas.microsoft.com/office/drawing/2014/main" id="{90824DD4-78E1-4E31-11C1-365BA5E75C04}"/>
               </a:ext>
             </a:extLst>
           </p:cNvPr>
@@ -9653,8 +6616,8 @@
         </p:nvSpPr>
         <p:spPr>
           <a:xfrm>
-            <a:off x="1097280" y="286603"/>
-            <a:ext cx="10058400" cy="1450757"/>
+            <a:off x="1066800" y="642594"/>
+            <a:ext cx="10058400" cy="478840"/>
           </a:xfrm>
         </p:spPr>
         <p:txBody>
@@ -9665,47 +6628,308 @@
           <a:p>
             <a:pPr algn="ctr"/>
             <a:r>
-              <a:rPr lang="en-US" dirty="0"/>
-              <a:t>TOOLS USED</a:t>
-            </a:r>
+              <a:rPr lang="en-US" sz="2400" dirty="0">
+                <a:latin typeface="Segoe UI Variable Display Semil" pitchFamily="2" charset="0"/>
+              </a:rPr>
+              <a:t>Identifying the Top Branch by Sales Growth Rate</a:t>
+            </a:r>
+            <a:endParaRPr lang="en-IN" sz="2400" dirty="0">
+              <a:latin typeface="Segoe UI Variable Display Semil" pitchFamily="2" charset="0"/>
+            </a:endParaRPr>
           </a:p>
         </p:txBody>
       </p:sp>
-      <p:graphicFrame>
-        <p:nvGraphicFramePr>
-          <p:cNvPr id="4" name="Content Placeholder 2" descr="SmartArt graphic">
+      <p:pic>
+        <p:nvPicPr>
+          <p:cNvPr id="6" name="Content Placeholder 5">
             <a:extLst>
               <a:ext uri="{FF2B5EF4-FFF2-40B4-BE49-F238E27FC236}">
-                <a16:creationId xmlns:a16="http://schemas.microsoft.com/office/drawing/2014/main" id="{59F5A1AC-D08D-42AE-B94A-1CAFB517D846}"/>
+                <a16:creationId xmlns:a16="http://schemas.microsoft.com/office/drawing/2014/main" id="{19D7CDDD-1878-495B-B8C3-21193563D6A3}"/>
               </a:ext>
             </a:extLst>
           </p:cNvPr>
-          <p:cNvGraphicFramePr>
-            <a:graphicFrameLocks noGrp="1"/>
-          </p:cNvGraphicFramePr>
-          <p:nvPr>
-            <p:ph idx="1"/>
-            <p:extLst>
-              <p:ext uri="{D42A27DB-BD31-4B8C-83A1-F6EECF244321}">
-                <p14:modId xmlns:p14="http://schemas.microsoft.com/office/powerpoint/2010/main" val="1032263145"/>
-              </p:ext>
-            </p:extLst>
-          </p:nvPr>
-        </p:nvGraphicFramePr>
-        <p:xfrm>
-          <a:off x="1096963" y="2098515"/>
-          <a:ext cx="10058400" cy="3786080"/>
-        </p:xfrm>
-        <a:graphic>
-          <a:graphicData uri="http://schemas.openxmlformats.org/drawingml/2006/diagram">
-            <dgm:relIds xmlns:dgm="http://schemas.openxmlformats.org/drawingml/2006/diagram" xmlns:r="http://schemas.openxmlformats.org/officeDocument/2006/relationships" r:dm="rId4" r:lo="rId5" r:qs="rId6" r:cs="rId7"/>
-          </a:graphicData>
-        </a:graphic>
-      </p:graphicFrame>
+          <p:cNvPicPr>
+            <a:picLocks noGrp="1" noChangeAspect="1"/>
+          </p:cNvPicPr>
+          <p:nvPr>
+            <p:ph sz="half" idx="1"/>
+          </p:nvPr>
+        </p:nvPicPr>
+        <p:blipFill>
+          <a:blip r:embed="rId2"/>
+          <a:stretch>
+            <a:fillRect/>
+          </a:stretch>
+        </p:blipFill>
+        <p:spPr>
+          <a:xfrm>
+            <a:off x="623340" y="1708030"/>
+            <a:ext cx="5656690" cy="4507376"/>
+          </a:xfrm>
+        </p:spPr>
+      </p:pic>
+      <p:sp>
+        <p:nvSpPr>
+          <p:cNvPr id="4" name="Content Placeholder 3">
+            <a:extLst>
+              <a:ext uri="{FF2B5EF4-FFF2-40B4-BE49-F238E27FC236}">
+                <a16:creationId xmlns:a16="http://schemas.microsoft.com/office/drawing/2014/main" id="{BF035CD8-47EC-3E70-F199-07A4DB29D834}"/>
+              </a:ext>
+            </a:extLst>
+          </p:cNvPr>
+          <p:cNvSpPr>
+            <a:spLocks noGrp="1"/>
+          </p:cNvSpPr>
+          <p:nvPr>
+            <p:ph sz="half" idx="2"/>
+          </p:nvPr>
+        </p:nvSpPr>
+        <p:spPr>
+          <a:xfrm>
+            <a:off x="6461760" y="1708030"/>
+            <a:ext cx="4959614" cy="4144130"/>
+          </a:xfrm>
+        </p:spPr>
+        <p:txBody>
+          <a:bodyPr>
+            <a:normAutofit/>
+          </a:bodyPr>
+          <a:lstStyle/>
+          <a:p>
+            <a:pPr algn="ctr"/>
+            <a:r>
+              <a:rPr lang="en-US" sz="1400" b="1" u="sng" dirty="0">
+                <a:latin typeface="Calibri" panose="020F0502020204030204" pitchFamily="34" charset="0"/>
+                <a:ea typeface="Calibri" panose="020F0502020204030204" pitchFamily="34" charset="0"/>
+                <a:cs typeface="Calibri" panose="020F0502020204030204" pitchFamily="34" charset="0"/>
+              </a:rPr>
+              <a:t>INSIGHTS</a:t>
+            </a:r>
+          </a:p>
+          <a:p>
+            <a:r>
+              <a:rPr lang="en-US" sz="1400" b="1" dirty="0">
+                <a:latin typeface="Calibri" panose="020F0502020204030204" pitchFamily="34" charset="0"/>
+                <a:ea typeface="Calibri" panose="020F0502020204030204" pitchFamily="34" charset="0"/>
+                <a:cs typeface="Calibri" panose="020F0502020204030204" pitchFamily="34" charset="0"/>
+              </a:rPr>
+              <a:t>Branch A</a:t>
+            </a:r>
+            <a:r>
+              <a:rPr lang="en-US" sz="1400" dirty="0">
+                <a:latin typeface="Calibri" panose="020F0502020204030204" pitchFamily="34" charset="0"/>
+                <a:ea typeface="Calibri" panose="020F0502020204030204" pitchFamily="34" charset="0"/>
+                <a:cs typeface="Calibri" panose="020F0502020204030204" pitchFamily="34" charset="0"/>
+              </a:rPr>
+              <a:t> is the </a:t>
+            </a:r>
+            <a:r>
+              <a:rPr lang="en-US" sz="1400" b="1" dirty="0">
+                <a:latin typeface="Calibri" panose="020F0502020204030204" pitchFamily="34" charset="0"/>
+                <a:ea typeface="Calibri" panose="020F0502020204030204" pitchFamily="34" charset="0"/>
+                <a:cs typeface="Calibri" panose="020F0502020204030204" pitchFamily="34" charset="0"/>
+              </a:rPr>
+              <a:t>only one </a:t>
+            </a:r>
+            <a:r>
+              <a:rPr lang="en-US" sz="1400" dirty="0">
+                <a:latin typeface="Calibri" panose="020F0502020204030204" pitchFamily="34" charset="0"/>
+                <a:ea typeface="Calibri" panose="020F0502020204030204" pitchFamily="34" charset="0"/>
+                <a:cs typeface="Calibri" panose="020F0502020204030204" pitchFamily="34" charset="0"/>
+              </a:rPr>
+              <a:t>showing </a:t>
+            </a:r>
+            <a:r>
+              <a:rPr lang="en-US" sz="1400" b="1" dirty="0">
+                <a:latin typeface="Calibri" panose="020F0502020204030204" pitchFamily="34" charset="0"/>
+                <a:ea typeface="Calibri" panose="020F0502020204030204" pitchFamily="34" charset="0"/>
+                <a:cs typeface="Calibri" panose="020F0502020204030204" pitchFamily="34" charset="0"/>
+              </a:rPr>
+              <a:t>positive</a:t>
+            </a:r>
+            <a:r>
+              <a:rPr lang="en-US" sz="1400" dirty="0">
+                <a:latin typeface="Calibri" panose="020F0502020204030204" pitchFamily="34" charset="0"/>
+                <a:ea typeface="Calibri" panose="020F0502020204030204" pitchFamily="34" charset="0"/>
+                <a:cs typeface="Calibri" panose="020F0502020204030204" pitchFamily="34" charset="0"/>
+              </a:rPr>
+              <a:t> average sales </a:t>
+            </a:r>
+            <a:r>
+              <a:rPr lang="en-US" sz="1400" b="1" dirty="0">
+                <a:latin typeface="Calibri" panose="020F0502020204030204" pitchFamily="34" charset="0"/>
+                <a:ea typeface="Calibri" panose="020F0502020204030204" pitchFamily="34" charset="0"/>
+                <a:cs typeface="Calibri" panose="020F0502020204030204" pitchFamily="34" charset="0"/>
+              </a:rPr>
+              <a:t>growth of +1.66%</a:t>
+            </a:r>
+          </a:p>
+          <a:p>
+            <a:r>
+              <a:rPr lang="en-US" sz="1400" b="1" dirty="0">
+                <a:latin typeface="Calibri" panose="020F0502020204030204" pitchFamily="34" charset="0"/>
+                <a:ea typeface="Calibri" panose="020F0502020204030204" pitchFamily="34" charset="0"/>
+                <a:cs typeface="Calibri" panose="020F0502020204030204" pitchFamily="34" charset="0"/>
+              </a:rPr>
+              <a:t>Branch C</a:t>
+            </a:r>
+            <a:r>
+              <a:rPr lang="en-US" sz="1400" dirty="0">
+                <a:latin typeface="Calibri" panose="020F0502020204030204" pitchFamily="34" charset="0"/>
+                <a:ea typeface="Calibri" panose="020F0502020204030204" pitchFamily="34" charset="0"/>
+                <a:cs typeface="Calibri" panose="020F0502020204030204" pitchFamily="34" charset="0"/>
+              </a:rPr>
+              <a:t> shows a </a:t>
+            </a:r>
+            <a:r>
+              <a:rPr lang="en-US" sz="1400" b="1" dirty="0">
+                <a:latin typeface="Calibri" panose="020F0502020204030204" pitchFamily="34" charset="0"/>
+                <a:ea typeface="Calibri" panose="020F0502020204030204" pitchFamily="34" charset="0"/>
+                <a:cs typeface="Calibri" panose="020F0502020204030204" pitchFamily="34" charset="0"/>
+              </a:rPr>
+              <a:t>decline of -2.80%</a:t>
+            </a:r>
+            <a:r>
+              <a:rPr lang="en-US" sz="1400" dirty="0">
+                <a:latin typeface="Calibri" panose="020F0502020204030204" pitchFamily="34" charset="0"/>
+                <a:ea typeface="Calibri" panose="020F0502020204030204" pitchFamily="34" charset="0"/>
+                <a:cs typeface="Calibri" panose="020F0502020204030204" pitchFamily="34" charset="0"/>
+              </a:rPr>
+              <a:t>, indicating unstable or falling sales despite being centrally positioned alphabetically</a:t>
+            </a:r>
+          </a:p>
+          <a:p>
+            <a:r>
+              <a:rPr lang="en-US" sz="1400" b="1" dirty="0">
+                <a:latin typeface="Calibri" panose="020F0502020204030204" pitchFamily="34" charset="0"/>
+                <a:ea typeface="Calibri" panose="020F0502020204030204" pitchFamily="34" charset="0"/>
+                <a:cs typeface="Calibri" panose="020F0502020204030204" pitchFamily="34" charset="0"/>
+              </a:rPr>
+              <a:t>Branch B</a:t>
+            </a:r>
+            <a:r>
+              <a:rPr lang="en-US" sz="1400" dirty="0">
+                <a:latin typeface="Calibri" panose="020F0502020204030204" pitchFamily="34" charset="0"/>
+                <a:ea typeface="Calibri" panose="020F0502020204030204" pitchFamily="34" charset="0"/>
+                <a:cs typeface="Calibri" panose="020F0502020204030204" pitchFamily="34" charset="0"/>
+              </a:rPr>
+              <a:t> has the </a:t>
+            </a:r>
+            <a:r>
+              <a:rPr lang="en-US" sz="1400" b="1" dirty="0">
+                <a:latin typeface="Calibri" panose="020F0502020204030204" pitchFamily="34" charset="0"/>
+                <a:ea typeface="Calibri" panose="020F0502020204030204" pitchFamily="34" charset="0"/>
+                <a:cs typeface="Calibri" panose="020F0502020204030204" pitchFamily="34" charset="0"/>
+              </a:rPr>
+              <a:t>worst performance</a:t>
+            </a:r>
+            <a:r>
+              <a:rPr lang="en-US" sz="1400" dirty="0">
+                <a:latin typeface="Calibri" panose="020F0502020204030204" pitchFamily="34" charset="0"/>
+                <a:ea typeface="Calibri" panose="020F0502020204030204" pitchFamily="34" charset="0"/>
+                <a:cs typeface="Calibri" panose="020F0502020204030204" pitchFamily="34" charset="0"/>
+              </a:rPr>
+              <a:t> with </a:t>
+            </a:r>
+            <a:r>
+              <a:rPr lang="en-US" sz="1400" b="1" dirty="0">
+                <a:latin typeface="Calibri" panose="020F0502020204030204" pitchFamily="34" charset="0"/>
+                <a:ea typeface="Calibri" panose="020F0502020204030204" pitchFamily="34" charset="0"/>
+                <a:cs typeface="Calibri" panose="020F0502020204030204" pitchFamily="34" charset="0"/>
+              </a:rPr>
+              <a:t>-3.45%</a:t>
+            </a:r>
+            <a:r>
+              <a:rPr lang="en-US" sz="1400" dirty="0">
+                <a:latin typeface="Calibri" panose="020F0502020204030204" pitchFamily="34" charset="0"/>
+                <a:ea typeface="Calibri" panose="020F0502020204030204" pitchFamily="34" charset="0"/>
+                <a:cs typeface="Calibri" panose="020F0502020204030204" pitchFamily="34" charset="0"/>
+              </a:rPr>
+              <a:t> average growth, suggesting a strong need for intervention.</a:t>
+            </a:r>
+          </a:p>
+          <a:p>
+            <a:pPr algn="ctr"/>
+            <a:r>
+              <a:rPr lang="en-IN" sz="1400" b="1" u="sng" dirty="0">
+                <a:latin typeface="Calibri" panose="020F0502020204030204" pitchFamily="34" charset="0"/>
+                <a:ea typeface="Calibri" panose="020F0502020204030204" pitchFamily="34" charset="0"/>
+                <a:cs typeface="Calibri" panose="020F0502020204030204" pitchFamily="34" charset="0"/>
+              </a:rPr>
+              <a:t>RECOMMENDATIONS</a:t>
+            </a:r>
+          </a:p>
+          <a:p>
+            <a:r>
+              <a:rPr lang="en-US" sz="1400" b="1" dirty="0">
+                <a:latin typeface="Calibri" panose="020F0502020204030204" pitchFamily="34" charset="0"/>
+                <a:ea typeface="Calibri" panose="020F0502020204030204" pitchFamily="34" charset="0"/>
+                <a:cs typeface="Calibri" panose="020F0502020204030204" pitchFamily="34" charset="0"/>
+              </a:rPr>
+              <a:t>Analyze strategies used in Branch A</a:t>
+            </a:r>
+            <a:r>
+              <a:rPr lang="en-US" sz="1400" dirty="0">
+                <a:latin typeface="Calibri" panose="020F0502020204030204" pitchFamily="34" charset="0"/>
+                <a:ea typeface="Calibri" panose="020F0502020204030204" pitchFamily="34" charset="0"/>
+                <a:cs typeface="Calibri" panose="020F0502020204030204" pitchFamily="34" charset="0"/>
+              </a:rPr>
+              <a:t> (promotions, local demand, staff efficiency) and consider replicating them in Branches B and C for better output.</a:t>
+            </a:r>
+          </a:p>
+          <a:p>
+            <a:r>
+              <a:rPr lang="en-US" sz="1400" dirty="0">
+                <a:latin typeface="Calibri" panose="020F0502020204030204" pitchFamily="34" charset="0"/>
+                <a:ea typeface="Calibri" panose="020F0502020204030204" pitchFamily="34" charset="0"/>
+                <a:cs typeface="Calibri" panose="020F0502020204030204" pitchFamily="34" charset="0"/>
+              </a:rPr>
+              <a:t>Implement </a:t>
+            </a:r>
+            <a:r>
+              <a:rPr lang="en-US" sz="1400" b="1" dirty="0">
+                <a:latin typeface="Calibri" panose="020F0502020204030204" pitchFamily="34" charset="0"/>
+                <a:ea typeface="Calibri" panose="020F0502020204030204" pitchFamily="34" charset="0"/>
+                <a:cs typeface="Calibri" panose="020F0502020204030204" pitchFamily="34" charset="0"/>
+              </a:rPr>
+              <a:t>targeted marketing campaigns</a:t>
+            </a:r>
+            <a:r>
+              <a:rPr lang="en-US" sz="1400" dirty="0">
+                <a:latin typeface="Calibri" panose="020F0502020204030204" pitchFamily="34" charset="0"/>
+                <a:ea typeface="Calibri" panose="020F0502020204030204" pitchFamily="34" charset="0"/>
+                <a:cs typeface="Calibri" panose="020F0502020204030204" pitchFamily="34" charset="0"/>
+              </a:rPr>
+              <a:t> or </a:t>
+            </a:r>
+            <a:r>
+              <a:rPr lang="en-US" sz="1400" b="1" dirty="0">
+                <a:latin typeface="Calibri" panose="020F0502020204030204" pitchFamily="34" charset="0"/>
+                <a:ea typeface="Calibri" panose="020F0502020204030204" pitchFamily="34" charset="0"/>
+                <a:cs typeface="Calibri" panose="020F0502020204030204" pitchFamily="34" charset="0"/>
+              </a:rPr>
+              <a:t>seasonal offers</a:t>
+            </a:r>
+            <a:r>
+              <a:rPr lang="en-US" sz="1400" dirty="0">
+                <a:latin typeface="Calibri" panose="020F0502020204030204" pitchFamily="34" charset="0"/>
+                <a:ea typeface="Calibri" panose="020F0502020204030204" pitchFamily="34" charset="0"/>
+                <a:cs typeface="Calibri" panose="020F0502020204030204" pitchFamily="34" charset="0"/>
+              </a:rPr>
+              <a:t> in underperforming branches to boost engagement and revenue.</a:t>
+            </a:r>
+            <a:endParaRPr lang="en-IN" sz="1400" b="1" u="sng" dirty="0">
+              <a:latin typeface="Calibri" panose="020F0502020204030204" pitchFamily="34" charset="0"/>
+              <a:ea typeface="Calibri" panose="020F0502020204030204" pitchFamily="34" charset="0"/>
+              <a:cs typeface="Calibri" panose="020F0502020204030204" pitchFamily="34" charset="0"/>
+            </a:endParaRPr>
+          </a:p>
+        </p:txBody>
+      </p:sp>
     </p:spTree>
     <p:extLst>
       <p:ext uri="{BB962C8B-B14F-4D97-AF65-F5344CB8AC3E}">
-        <p14:creationId xmlns:p14="http://schemas.microsoft.com/office/powerpoint/2010/main" val="3192257811"/>
+        <p14:creationId xmlns:p14="http://schemas.microsoft.com/office/powerpoint/2010/main" val="2936442193"/>
       </p:ext>
     </p:extLst>
   </p:cSld>
@@ -9762,46 +6986,17 @@
           <a:p>
             <a:pPr algn="ctr"/>
             <a:r>
-              <a:rPr lang="en-US" sz="2400" dirty="0">
+              <a:rPr lang="en-US" sz="2800" dirty="0">
                 <a:latin typeface="Segoe UI Variable Display Semil" pitchFamily="2" charset="0"/>
               </a:rPr>
-              <a:t>Identifying the Top Branch by Sales Growth Rate</a:t>
-            </a:r>
-            <a:endParaRPr lang="en-IN" sz="2400" dirty="0">
+              <a:t>Finding the Most Profitable Product Line for Each Branch</a:t>
+            </a:r>
+            <a:endParaRPr lang="en-IN" sz="2800" dirty="0">
               <a:latin typeface="Segoe UI Variable Display Semil" pitchFamily="2" charset="0"/>
             </a:endParaRPr>
           </a:p>
         </p:txBody>
       </p:sp>
-      <p:pic>
-        <p:nvPicPr>
-          <p:cNvPr id="6" name="Content Placeholder 5">
-            <a:extLst>
-              <a:ext uri="{FF2B5EF4-FFF2-40B4-BE49-F238E27FC236}">
-                <a16:creationId xmlns:a16="http://schemas.microsoft.com/office/drawing/2014/main" id="{19D7CDDD-1878-495B-B8C3-21193563D6A3}"/>
-              </a:ext>
-            </a:extLst>
-          </p:cNvPr>
-          <p:cNvPicPr>
-            <a:picLocks noGrp="1" noChangeAspect="1"/>
-          </p:cNvPicPr>
-          <p:nvPr>
-            <p:ph sz="half" idx="1"/>
-          </p:nvPr>
-        </p:nvPicPr>
-        <p:blipFill>
-          <a:blip r:embed="rId2"/>
-          <a:stretch>
-            <a:fillRect/>
-          </a:stretch>
-        </p:blipFill>
-        <p:spPr>
-          <a:xfrm>
-            <a:off x="623340" y="1708030"/>
-            <a:ext cx="5656690" cy="4507376"/>
-          </a:xfrm>
-        </p:spPr>
-      </p:pic>
       <p:sp>
         <p:nvSpPr>
           <p:cNvPr id="4" name="Content Placeholder 3">
@@ -9820,8 +7015,8 @@
         </p:nvSpPr>
         <p:spPr>
           <a:xfrm>
-            <a:off x="6461760" y="1708030"/>
-            <a:ext cx="4959614" cy="4144130"/>
+            <a:off x="6170762" y="1441431"/>
+            <a:ext cx="5434879" cy="4855851"/>
           </a:xfrm>
         </p:spPr>
         <p:txBody>
@@ -9842,20 +7037,30 @@
           </a:p>
           <a:p>
             <a:r>
+              <a:rPr lang="en-US" sz="1400" dirty="0">
+                <a:latin typeface="Calibri" panose="020F0502020204030204" pitchFamily="34" charset="0"/>
+                <a:ea typeface="Calibri" panose="020F0502020204030204" pitchFamily="34" charset="0"/>
+                <a:cs typeface="Calibri" panose="020F0502020204030204" pitchFamily="34" charset="0"/>
+              </a:rPr>
+              <a:t>The </a:t>
+            </a:r>
+            <a:r>
               <a:rPr lang="en-US" sz="1400" b="1" dirty="0">
                 <a:latin typeface="Calibri" panose="020F0502020204030204" pitchFamily="34" charset="0"/>
                 <a:ea typeface="Calibri" panose="020F0502020204030204" pitchFamily="34" charset="0"/>
                 <a:cs typeface="Calibri" panose="020F0502020204030204" pitchFamily="34" charset="0"/>
               </a:rPr>
-              <a:t>Branch A</a:t>
-            </a:r>
+              <a:t>profit margin for all branches and all product lines is exactly same as 4.76%.</a:t>
+            </a:r>
+          </a:p>
+          <a:p>
             <a:r>
               <a:rPr lang="en-US" sz="1400" dirty="0">
                 <a:latin typeface="Calibri" panose="020F0502020204030204" pitchFamily="34" charset="0"/>
                 <a:ea typeface="Calibri" panose="020F0502020204030204" pitchFamily="34" charset="0"/>
                 <a:cs typeface="Calibri" panose="020F0502020204030204" pitchFamily="34" charset="0"/>
               </a:rPr>
-              <a:t> is the </a:t>
+              <a:t>This</a:t>
             </a:r>
             <a:r>
               <a:rPr lang="en-US" sz="1400" b="1" dirty="0">
@@ -9863,7 +7068,7 @@
                 <a:ea typeface="Calibri" panose="020F0502020204030204" pitchFamily="34" charset="0"/>
                 <a:cs typeface="Calibri" panose="020F0502020204030204" pitchFamily="34" charset="0"/>
               </a:rPr>
-              <a:t>only one </a:t>
+              <a:t> </a:t>
             </a:r>
             <a:r>
               <a:rPr lang="en-US" sz="1400" dirty="0">
@@ -9871,7 +7076,7 @@
                 <a:ea typeface="Calibri" panose="020F0502020204030204" pitchFamily="34" charset="0"/>
                 <a:cs typeface="Calibri" panose="020F0502020204030204" pitchFamily="34" charset="0"/>
               </a:rPr>
-              <a:t>showing </a:t>
+              <a:t>is because in the dataset, </a:t>
             </a:r>
             <a:r>
               <a:rPr lang="en-US" sz="1400" b="1" dirty="0">
@@ -9879,7 +7084,7 @@
                 <a:ea typeface="Calibri" panose="020F0502020204030204" pitchFamily="34" charset="0"/>
                 <a:cs typeface="Calibri" panose="020F0502020204030204" pitchFamily="34" charset="0"/>
               </a:rPr>
-              <a:t>positive</a:t>
+              <a:t>Gross Income is fixed at 5% of Totals </a:t>
             </a:r>
             <a:r>
               <a:rPr lang="en-US" sz="1400" dirty="0">
@@ -9887,7 +7092,7 @@
                 <a:ea typeface="Calibri" panose="020F0502020204030204" pitchFamily="34" charset="0"/>
                 <a:cs typeface="Calibri" panose="020F0502020204030204" pitchFamily="34" charset="0"/>
               </a:rPr>
-              <a:t> average sales </a:t>
+              <a:t>Same as </a:t>
             </a:r>
             <a:r>
               <a:rPr lang="en-US" sz="1400" b="1" dirty="0">
@@ -9895,16 +7100,90 @@
                 <a:ea typeface="Calibri" panose="020F0502020204030204" pitchFamily="34" charset="0"/>
                 <a:cs typeface="Calibri" panose="020F0502020204030204" pitchFamily="34" charset="0"/>
               </a:rPr>
-              <a:t>growth of +1.66%</a:t>
-            </a:r>
-          </a:p>
-          <a:p>
+              <a:t>TAX 5%</a:t>
+            </a:r>
+            <a:r>
+              <a:rPr lang="en-US" sz="1400" dirty="0">
+                <a:latin typeface="Calibri" panose="020F0502020204030204" pitchFamily="34" charset="0"/>
+                <a:ea typeface="Calibri" panose="020F0502020204030204" pitchFamily="34" charset="0"/>
+                <a:cs typeface="Calibri" panose="020F0502020204030204" pitchFamily="34" charset="0"/>
+              </a:rPr>
+              <a:t>, which means with formula : </a:t>
+            </a:r>
+          </a:p>
+          <a:p>
+            <a:pPr marL="0" indent="0">
+              <a:buNone/>
+            </a:pPr>
             <a:r>
               <a:rPr lang="en-US" sz="1400" b="1" dirty="0">
                 <a:latin typeface="Calibri" panose="020F0502020204030204" pitchFamily="34" charset="0"/>
                 <a:ea typeface="Calibri" panose="020F0502020204030204" pitchFamily="34" charset="0"/>
                 <a:cs typeface="Calibri" panose="020F0502020204030204" pitchFamily="34" charset="0"/>
               </a:rPr>
+              <a:t>Gross Income </a:t>
+            </a:r>
+            <a:r>
+              <a:rPr lang="en-US" sz="1400" dirty="0">
+                <a:latin typeface="Calibri" panose="020F0502020204030204" pitchFamily="34" charset="0"/>
+                <a:ea typeface="Calibri" panose="020F0502020204030204" pitchFamily="34" charset="0"/>
+                <a:cs typeface="Calibri" panose="020F0502020204030204" pitchFamily="34" charset="0"/>
+              </a:rPr>
+              <a:t>⇒ (Gross Income/total revenue) * 100⇒ Profit Margin gives≈ 5%</a:t>
+            </a:r>
+          </a:p>
+          <a:p>
+            <a:r>
+              <a:rPr lang="en-US" sz="1400" dirty="0">
+                <a:latin typeface="Calibri" panose="020F0502020204030204" pitchFamily="34" charset="0"/>
+                <a:ea typeface="Calibri" panose="020F0502020204030204" pitchFamily="34" charset="0"/>
+                <a:cs typeface="Calibri" panose="020F0502020204030204" pitchFamily="34" charset="0"/>
+              </a:rPr>
+              <a:t>However, </a:t>
+            </a:r>
+            <a:r>
+              <a:rPr lang="en-US" sz="1400" b="1" dirty="0">
+                <a:latin typeface="Calibri" panose="020F0502020204030204" pitchFamily="34" charset="0"/>
+                <a:ea typeface="Calibri" panose="020F0502020204030204" pitchFamily="34" charset="0"/>
+                <a:cs typeface="Calibri" panose="020F0502020204030204" pitchFamily="34" charset="0"/>
+              </a:rPr>
+              <a:t>gross income </a:t>
+            </a:r>
+            <a:r>
+              <a:rPr lang="en-US" sz="1400" dirty="0">
+                <a:latin typeface="Calibri" panose="020F0502020204030204" pitchFamily="34" charset="0"/>
+                <a:ea typeface="Calibri" panose="020F0502020204030204" pitchFamily="34" charset="0"/>
+                <a:cs typeface="Calibri" panose="020F0502020204030204" pitchFamily="34" charset="0"/>
+              </a:rPr>
+              <a:t>varies across branches and product lines: </a:t>
+            </a:r>
+          </a:p>
+          <a:p>
+            <a:pPr marL="0" indent="0">
+              <a:buNone/>
+            </a:pPr>
+            <a:r>
+              <a:rPr lang="en-US" sz="1400" b="1" dirty="0">
+                <a:latin typeface="Calibri" panose="020F0502020204030204" pitchFamily="34" charset="0"/>
+                <a:ea typeface="Calibri" panose="020F0502020204030204" pitchFamily="34" charset="0"/>
+                <a:cs typeface="Calibri" panose="020F0502020204030204" pitchFamily="34" charset="0"/>
+              </a:rPr>
+              <a:t> Food and Beverage</a:t>
+            </a:r>
+            <a:r>
+              <a:rPr lang="en-US" sz="1400" dirty="0">
+                <a:latin typeface="Calibri" panose="020F0502020204030204" pitchFamily="34" charset="0"/>
+                <a:ea typeface="Calibri" panose="020F0502020204030204" pitchFamily="34" charset="0"/>
+                <a:cs typeface="Calibri" panose="020F0502020204030204" pitchFamily="34" charset="0"/>
+              </a:rPr>
+              <a:t> in </a:t>
+            </a:r>
+            <a:r>
+              <a:rPr lang="en-US" sz="1400" b="1" dirty="0">
+                <a:latin typeface="Calibri" panose="020F0502020204030204" pitchFamily="34" charset="0"/>
+                <a:ea typeface="Calibri" panose="020F0502020204030204" pitchFamily="34" charset="0"/>
+                <a:cs typeface="Calibri" panose="020F0502020204030204" pitchFamily="34" charset="0"/>
+              </a:rPr>
               <a:t>Branch C</a:t>
             </a:r>
             <a:r>
@@ -9913,7 +7192,7 @@
                 <a:ea typeface="Calibri" panose="020F0502020204030204" pitchFamily="34" charset="0"/>
                 <a:cs typeface="Calibri" panose="020F0502020204030204" pitchFamily="34" charset="0"/>
               </a:rPr>
-              <a:t> shows a </a:t>
+              <a:t> generated the </a:t>
             </a:r>
             <a:r>
               <a:rPr lang="en-US" sz="1400" b="1" dirty="0">
@@ -9921,7 +7200,7 @@
                 <a:ea typeface="Calibri" panose="020F0502020204030204" pitchFamily="34" charset="0"/>
                 <a:cs typeface="Calibri" panose="020F0502020204030204" pitchFamily="34" charset="0"/>
               </a:rPr>
-              <a:t>decline of -2.80%</a:t>
+              <a:t>highest gross income</a:t>
             </a:r>
             <a:r>
               <a:rPr lang="en-US" sz="1400" dirty="0">
@@ -9929,17 +7208,23 @@
                 <a:ea typeface="Calibri" panose="020F0502020204030204" pitchFamily="34" charset="0"/>
                 <a:cs typeface="Calibri" panose="020F0502020204030204" pitchFamily="34" charset="0"/>
               </a:rPr>
-              <a:t>, indicating unstable or falling sales despite being centrally positioned alphabetically</a:t>
-            </a:r>
-          </a:p>
-          <a:p>
+              <a:t> (1132), followed by </a:t>
+            </a:r>
             <a:r>
               <a:rPr lang="en-US" sz="1400" b="1" dirty="0">
                 <a:latin typeface="Calibri" panose="020F0502020204030204" pitchFamily="34" charset="0"/>
                 <a:ea typeface="Calibri" panose="020F0502020204030204" pitchFamily="34" charset="0"/>
                 <a:cs typeface="Calibri" panose="020F0502020204030204" pitchFamily="34" charset="0"/>
               </a:rPr>
-              <a:t>Branch B</a:t>
+              <a:t>Home and </a:t>
+            </a:r>
+            <a:r>
+              <a:rPr lang="en-US" sz="1400" b="1" dirty="0" err="1">
+                <a:latin typeface="Calibri" panose="020F0502020204030204" pitchFamily="34" charset="0"/>
+                <a:ea typeface="Calibri" panose="020F0502020204030204" pitchFamily="34" charset="0"/>
+                <a:cs typeface="Calibri" panose="020F0502020204030204" pitchFamily="34" charset="0"/>
+              </a:rPr>
+              <a:t>LifeStyle</a:t>
             </a:r>
             <a:r>
               <a:rPr lang="en-US" sz="1400" dirty="0">
@@ -9947,7 +7232,7 @@
                 <a:ea typeface="Calibri" panose="020F0502020204030204" pitchFamily="34" charset="0"/>
                 <a:cs typeface="Calibri" panose="020F0502020204030204" pitchFamily="34" charset="0"/>
               </a:rPr>
-              <a:t> has the </a:t>
+              <a:t> and </a:t>
             </a:r>
             <a:r>
               <a:rPr lang="en-US" sz="1400" b="1" dirty="0">
@@ -9955,7 +7240,7 @@
                 <a:ea typeface="Calibri" panose="020F0502020204030204" pitchFamily="34" charset="0"/>
                 <a:cs typeface="Calibri" panose="020F0502020204030204" pitchFamily="34" charset="0"/>
               </a:rPr>
-              <a:t>worst performance</a:t>
+              <a:t>Fashion accessories</a:t>
             </a:r>
             <a:r>
               <a:rPr lang="en-US" sz="1400" dirty="0">
@@ -9963,7 +7248,28 @@
                 <a:ea typeface="Calibri" panose="020F0502020204030204" pitchFamily="34" charset="0"/>
                 <a:cs typeface="Calibri" panose="020F0502020204030204" pitchFamily="34" charset="0"/>
               </a:rPr>
-              <a:t> with </a:t>
+              <a:t> in other branches.</a:t>
+            </a:r>
+          </a:p>
+          <a:p>
+            <a:pPr algn="ctr"/>
+            <a:r>
+              <a:rPr lang="en-IN" sz="1400" b="1" u="sng" dirty="0">
+                <a:latin typeface="Calibri" panose="020F0502020204030204" pitchFamily="34" charset="0"/>
+                <a:ea typeface="Calibri" panose="020F0502020204030204" pitchFamily="34" charset="0"/>
+                <a:cs typeface="Calibri" panose="020F0502020204030204" pitchFamily="34" charset="0"/>
+              </a:rPr>
+              <a:t>RECOMMENDATIONS</a:t>
+            </a:r>
+          </a:p>
+          <a:p>
+            <a:r>
+              <a:rPr lang="en-US" sz="1400" dirty="0">
+                <a:latin typeface="Calibri" panose="020F0502020204030204" pitchFamily="34" charset="0"/>
+                <a:ea typeface="Calibri" panose="020F0502020204030204" pitchFamily="34" charset="0"/>
+                <a:cs typeface="Calibri" panose="020F0502020204030204" pitchFamily="34" charset="0"/>
+              </a:rPr>
+              <a:t>Focus on product lines like </a:t>
             </a:r>
             <a:r>
               <a:rPr lang="en-US" sz="1400" b="1" dirty="0">
@@ -9971,7 +7277,7 @@
                 <a:ea typeface="Calibri" panose="020F0502020204030204" pitchFamily="34" charset="0"/>
                 <a:cs typeface="Calibri" panose="020F0502020204030204" pitchFamily="34" charset="0"/>
               </a:rPr>
-              <a:t>-3.45%</a:t>
+              <a:t>Food and Beverage, Home and Lifestyle, and Fashion Accessories</a:t>
             </a:r>
             <a:r>
               <a:rPr lang="en-US" sz="1400" dirty="0">
@@ -9979,28 +7285,15 @@
                 <a:ea typeface="Calibri" panose="020F0502020204030204" pitchFamily="34" charset="0"/>
                 <a:cs typeface="Calibri" panose="020F0502020204030204" pitchFamily="34" charset="0"/>
               </a:rPr>
-              <a:t> average growth, suggesting a strong need for intervention.</a:t>
-            </a:r>
-          </a:p>
-          <a:p>
-            <a:pPr algn="ctr"/>
-            <a:r>
-              <a:rPr lang="en-IN" sz="1400" b="1" u="sng" dirty="0">
-                <a:latin typeface="Calibri" panose="020F0502020204030204" pitchFamily="34" charset="0"/>
-                <a:ea typeface="Calibri" panose="020F0502020204030204" pitchFamily="34" charset="0"/>
-                <a:cs typeface="Calibri" panose="020F0502020204030204" pitchFamily="34" charset="0"/>
-              </a:rPr>
-              <a:t>RECOMMENDATIONS</a:t>
-            </a:r>
-          </a:p>
-          <a:p>
+              <a:t>, which bring the highest </a:t>
+            </a:r>
             <a:r>
               <a:rPr lang="en-US" sz="1400" b="1" dirty="0">
                 <a:latin typeface="Calibri" panose="020F0502020204030204" pitchFamily="34" charset="0"/>
                 <a:ea typeface="Calibri" panose="020F0502020204030204" pitchFamily="34" charset="0"/>
                 <a:cs typeface="Calibri" panose="020F0502020204030204" pitchFamily="34" charset="0"/>
               </a:rPr>
-              <a:t>Analyze strategies used in Branch A</a:t>
+              <a:t>gross income</a:t>
             </a:r>
             <a:r>
               <a:rPr lang="en-US" sz="1400" dirty="0">
@@ -10008,62 +7301,62 @@
                 <a:ea typeface="Calibri" panose="020F0502020204030204" pitchFamily="34" charset="0"/>
                 <a:cs typeface="Calibri" panose="020F0502020204030204" pitchFamily="34" charset="0"/>
               </a:rPr>
-              <a:t> (promotions, local demand, staff efficiency) and consider replicating them in Branches B and C for better output.</a:t>
-            </a:r>
-          </a:p>
-          <a:p>
+              <a:t>..</a:t>
+            </a:r>
+          </a:p>
+          <a:p>
+            <a:r>
+              <a:rPr lang="en-US" sz="1400" b="1" dirty="0">
+                <a:latin typeface="Calibri" panose="020F0502020204030204" pitchFamily="34" charset="0"/>
+                <a:ea typeface="Calibri" panose="020F0502020204030204" pitchFamily="34" charset="0"/>
+                <a:cs typeface="Calibri" panose="020F0502020204030204" pitchFamily="34" charset="0"/>
+              </a:rPr>
+              <a:t>Promote best-performing categories</a:t>
+            </a:r>
             <a:r>
               <a:rPr lang="en-US" sz="1400" dirty="0">
                 <a:latin typeface="Calibri" panose="020F0502020204030204" pitchFamily="34" charset="0"/>
                 <a:ea typeface="Calibri" panose="020F0502020204030204" pitchFamily="34" charset="0"/>
                 <a:cs typeface="Calibri" panose="020F0502020204030204" pitchFamily="34" charset="0"/>
               </a:rPr>
-              <a:t>Implement </a:t>
-            </a:r>
-            <a:r>
-              <a:rPr lang="en-US" sz="1400" b="1" dirty="0">
-                <a:latin typeface="Calibri" panose="020F0502020204030204" pitchFamily="34" charset="0"/>
-                <a:ea typeface="Calibri" panose="020F0502020204030204" pitchFamily="34" charset="0"/>
-                <a:cs typeface="Calibri" panose="020F0502020204030204" pitchFamily="34" charset="0"/>
-              </a:rPr>
-              <a:t>targeted marketing campaigns</a:t>
-            </a:r>
-            <a:r>
-              <a:rPr lang="en-US" sz="1400" dirty="0">
-                <a:latin typeface="Calibri" panose="020F0502020204030204" pitchFamily="34" charset="0"/>
-                <a:ea typeface="Calibri" panose="020F0502020204030204" pitchFamily="34" charset="0"/>
-                <a:cs typeface="Calibri" panose="020F0502020204030204" pitchFamily="34" charset="0"/>
-              </a:rPr>
-              <a:t> or </a:t>
-            </a:r>
-            <a:r>
-              <a:rPr lang="en-US" sz="1400" b="1" dirty="0">
-                <a:latin typeface="Calibri" panose="020F0502020204030204" pitchFamily="34" charset="0"/>
-                <a:ea typeface="Calibri" panose="020F0502020204030204" pitchFamily="34" charset="0"/>
-                <a:cs typeface="Calibri" panose="020F0502020204030204" pitchFamily="34" charset="0"/>
-              </a:rPr>
-              <a:t>seasonal offers</a:t>
-            </a:r>
-            <a:r>
-              <a:rPr lang="en-US" sz="1400" dirty="0">
-                <a:latin typeface="Calibri" panose="020F0502020204030204" pitchFamily="34" charset="0"/>
-                <a:ea typeface="Calibri" panose="020F0502020204030204" pitchFamily="34" charset="0"/>
-                <a:cs typeface="Calibri" panose="020F0502020204030204" pitchFamily="34" charset="0"/>
-              </a:rPr>
-              <a:t> in underperforming branches to boost engagement and revenue.</a:t>
-            </a:r>
-            <a:endParaRPr lang="en-IN" sz="1400" b="1" u="sng" dirty="0">
-              <a:latin typeface="Calibri" panose="020F0502020204030204" pitchFamily="34" charset="0"/>
-              <a:ea typeface="Calibri" panose="020F0502020204030204" pitchFamily="34" charset="0"/>
-              <a:cs typeface="Calibri" panose="020F0502020204030204" pitchFamily="34" charset="0"/>
-            </a:endParaRPr>
+              <a:t> based on gross income instead of margin.</a:t>
+            </a:r>
           </a:p>
         </p:txBody>
       </p:sp>
+      <p:pic>
+        <p:nvPicPr>
+          <p:cNvPr id="14" name="Content Placeholder 13">
+            <a:extLst>
+              <a:ext uri="{FF2B5EF4-FFF2-40B4-BE49-F238E27FC236}">
+                <a16:creationId xmlns:a16="http://schemas.microsoft.com/office/drawing/2014/main" id="{A59B3977-2B49-53B1-F86A-28A60EC697B7}"/>
+              </a:ext>
+            </a:extLst>
+          </p:cNvPr>
+          <p:cNvPicPr>
+            <a:picLocks noGrp="1" noChangeAspect="1"/>
+          </p:cNvPicPr>
+          <p:nvPr>
+            <p:ph sz="half" idx="1"/>
+          </p:nvPr>
+        </p:nvPicPr>
+        <p:blipFill>
+          <a:blip r:embed="rId2"/>
+          <a:stretch>
+            <a:fillRect/>
+          </a:stretch>
+        </p:blipFill>
+        <p:spPr>
+          <a:xfrm>
+            <a:off x="698740" y="1441431"/>
+            <a:ext cx="5063705" cy="4773975"/>
+          </a:xfrm>
+        </p:spPr>
+      </p:pic>
     </p:spTree>
     <p:extLst>
       <p:ext uri="{BB962C8B-B14F-4D97-AF65-F5344CB8AC3E}">
-        <p14:creationId xmlns:p14="http://schemas.microsoft.com/office/powerpoint/2010/main" val="2936442193"/>
+        <p14:creationId xmlns:p14="http://schemas.microsoft.com/office/powerpoint/2010/main" val="1514956666"/>
       </p:ext>
     </p:extLst>
   </p:cSld>
@@ -10120,12 +7413,12 @@
           <a:p>
             <a:pPr algn="ctr"/>
             <a:r>
-              <a:rPr lang="en-US" sz="2800" dirty="0">
+              <a:rPr lang="en-US" sz="2400" dirty="0">
                 <a:latin typeface="Segoe UI Variable Display Semil" pitchFamily="2" charset="0"/>
               </a:rPr>
-              <a:t>Finding the Most Profitable Product Line for Each Branch</a:t>
-            </a:r>
-            <a:endParaRPr lang="en-IN" sz="2800" dirty="0">
+              <a:t>Analyzing Customer Segmentation Based on Spending</a:t>
+            </a:r>
+            <a:endParaRPr lang="en-IN" sz="2400" dirty="0">
               <a:latin typeface="Segoe UI Variable Display Semil" pitchFamily="2" charset="0"/>
             </a:endParaRPr>
           </a:p>
@@ -10149,8 +7442,8 @@
         </p:nvSpPr>
         <p:spPr>
           <a:xfrm>
-            <a:off x="6170762" y="1441431"/>
-            <a:ext cx="5434879" cy="4855851"/>
+            <a:off x="6170762" y="1441432"/>
+            <a:ext cx="5434879" cy="4709202"/>
           </a:xfrm>
         </p:spPr>
         <p:txBody>
@@ -10161,7 +7454,7 @@
           <a:p>
             <a:pPr algn="ctr"/>
             <a:r>
-              <a:rPr lang="en-US" sz="1400" b="1" u="sng" dirty="0">
+              <a:rPr lang="en-US" sz="1300" b="1" u="sng" dirty="0">
                 <a:latin typeface="Calibri" panose="020F0502020204030204" pitchFamily="34" charset="0"/>
                 <a:ea typeface="Calibri" panose="020F0502020204030204" pitchFamily="34" charset="0"/>
                 <a:cs typeface="Calibri" panose="020F0502020204030204" pitchFamily="34" charset="0"/>
@@ -10171,78 +7464,68 @@
           </a:p>
           <a:p>
             <a:r>
-              <a:rPr lang="en-US" sz="1400" dirty="0">
-                <a:latin typeface="Calibri" panose="020F0502020204030204" pitchFamily="34" charset="0"/>
-                <a:ea typeface="Calibri" panose="020F0502020204030204" pitchFamily="34" charset="0"/>
-                <a:cs typeface="Calibri" panose="020F0502020204030204" pitchFamily="34" charset="0"/>
-              </a:rPr>
-              <a:t>The </a:t>
-            </a:r>
-            <a:r>
-              <a:rPr lang="en-US" sz="1400" b="1" dirty="0">
-                <a:latin typeface="Calibri" panose="020F0502020204030204" pitchFamily="34" charset="0"/>
-                <a:ea typeface="Calibri" panose="020F0502020204030204" pitchFamily="34" charset="0"/>
-                <a:cs typeface="Calibri" panose="020F0502020204030204" pitchFamily="34" charset="0"/>
-              </a:rPr>
-              <a:t>profit margin for all branches and all product lines is exactly same as 4.76%.</a:t>
-            </a:r>
-          </a:p>
-          <a:p>
-            <a:r>
-              <a:rPr lang="en-US" sz="1400" dirty="0">
-                <a:latin typeface="Calibri" panose="020F0502020204030204" pitchFamily="34" charset="0"/>
-                <a:ea typeface="Calibri" panose="020F0502020204030204" pitchFamily="34" charset="0"/>
-                <a:cs typeface="Calibri" panose="020F0502020204030204" pitchFamily="34" charset="0"/>
-              </a:rPr>
-              <a:t>This</a:t>
-            </a:r>
-            <a:r>
-              <a:rPr lang="en-US" sz="1400" b="1" dirty="0">
-                <a:latin typeface="Calibri" panose="020F0502020204030204" pitchFamily="34" charset="0"/>
-                <a:ea typeface="Calibri" panose="020F0502020204030204" pitchFamily="34" charset="0"/>
-                <a:cs typeface="Calibri" panose="020F0502020204030204" pitchFamily="34" charset="0"/>
-              </a:rPr>
-              <a:t> </a:t>
-            </a:r>
-            <a:r>
-              <a:rPr lang="en-US" sz="1400" dirty="0">
-                <a:latin typeface="Calibri" panose="020F0502020204030204" pitchFamily="34" charset="0"/>
-                <a:ea typeface="Calibri" panose="020F0502020204030204" pitchFamily="34" charset="0"/>
-                <a:cs typeface="Calibri" panose="020F0502020204030204" pitchFamily="34" charset="0"/>
-              </a:rPr>
-              <a:t>is because in the dataset, </a:t>
-            </a:r>
-            <a:r>
-              <a:rPr lang="en-US" sz="1400" b="1" dirty="0">
-                <a:latin typeface="Calibri" panose="020F0502020204030204" pitchFamily="34" charset="0"/>
-                <a:ea typeface="Calibri" panose="020F0502020204030204" pitchFamily="34" charset="0"/>
-                <a:cs typeface="Calibri" panose="020F0502020204030204" pitchFamily="34" charset="0"/>
-              </a:rPr>
-              <a:t>Gross Income is fixed at 5% of Totals </a:t>
-            </a:r>
-            <a:r>
-              <a:rPr lang="en-US" sz="1400" dirty="0">
-                <a:latin typeface="Calibri" panose="020F0502020204030204" pitchFamily="34" charset="0"/>
-                <a:ea typeface="Calibri" panose="020F0502020204030204" pitchFamily="34" charset="0"/>
-                <a:cs typeface="Calibri" panose="020F0502020204030204" pitchFamily="34" charset="0"/>
-              </a:rPr>
-              <a:t>Same as </a:t>
-            </a:r>
-            <a:r>
-              <a:rPr lang="en-US" sz="1400" b="1" dirty="0">
-                <a:latin typeface="Calibri" panose="020F0502020204030204" pitchFamily="34" charset="0"/>
-                <a:ea typeface="Calibri" panose="020F0502020204030204" pitchFamily="34" charset="0"/>
-                <a:cs typeface="Calibri" panose="020F0502020204030204" pitchFamily="34" charset="0"/>
-              </a:rPr>
-              <a:t>TAX 5%</a:t>
-            </a:r>
-            <a:r>
-              <a:rPr lang="en-US" sz="1400" dirty="0">
-                <a:latin typeface="Calibri" panose="020F0502020204030204" pitchFamily="34" charset="0"/>
-                <a:ea typeface="Calibri" panose="020F0502020204030204" pitchFamily="34" charset="0"/>
-                <a:cs typeface="Calibri" panose="020F0502020204030204" pitchFamily="34" charset="0"/>
-              </a:rPr>
-              <a:t>, which means with formula : </a:t>
+              <a:rPr lang="en-US" sz="1300" dirty="0">
+                <a:latin typeface="Calibri" panose="020F0502020204030204" pitchFamily="34" charset="0"/>
+                <a:ea typeface="Calibri" panose="020F0502020204030204" pitchFamily="34" charset="0"/>
+                <a:cs typeface="Calibri" panose="020F0502020204030204" pitchFamily="34" charset="0"/>
+              </a:rPr>
+              <a:t>Customers have been classified into </a:t>
+            </a:r>
+            <a:r>
+              <a:rPr lang="en-US" sz="1300" b="1" dirty="0">
+                <a:latin typeface="Calibri" panose="020F0502020204030204" pitchFamily="34" charset="0"/>
+                <a:ea typeface="Calibri" panose="020F0502020204030204" pitchFamily="34" charset="0"/>
+                <a:cs typeface="Calibri" panose="020F0502020204030204" pitchFamily="34" charset="0"/>
+              </a:rPr>
+              <a:t>High</a:t>
+            </a:r>
+            <a:r>
+              <a:rPr lang="en-US" sz="1300" dirty="0">
+                <a:latin typeface="Calibri" panose="020F0502020204030204" pitchFamily="34" charset="0"/>
+                <a:ea typeface="Calibri" panose="020F0502020204030204" pitchFamily="34" charset="0"/>
+                <a:cs typeface="Calibri" panose="020F0502020204030204" pitchFamily="34" charset="0"/>
+              </a:rPr>
+              <a:t>, </a:t>
+            </a:r>
+            <a:r>
+              <a:rPr lang="en-US" sz="1300" b="1" dirty="0">
+                <a:latin typeface="Calibri" panose="020F0502020204030204" pitchFamily="34" charset="0"/>
+                <a:ea typeface="Calibri" panose="020F0502020204030204" pitchFamily="34" charset="0"/>
+                <a:cs typeface="Calibri" panose="020F0502020204030204" pitchFamily="34" charset="0"/>
+              </a:rPr>
+              <a:t>Medium</a:t>
+            </a:r>
+            <a:r>
+              <a:rPr lang="en-US" sz="1300" dirty="0">
+                <a:latin typeface="Calibri" panose="020F0502020204030204" pitchFamily="34" charset="0"/>
+                <a:ea typeface="Calibri" panose="020F0502020204030204" pitchFamily="34" charset="0"/>
+                <a:cs typeface="Calibri" panose="020F0502020204030204" pitchFamily="34" charset="0"/>
+              </a:rPr>
+              <a:t>, and </a:t>
+            </a:r>
+            <a:r>
+              <a:rPr lang="en-US" sz="1300" b="1" dirty="0">
+                <a:latin typeface="Calibri" panose="020F0502020204030204" pitchFamily="34" charset="0"/>
+                <a:ea typeface="Calibri" panose="020F0502020204030204" pitchFamily="34" charset="0"/>
+                <a:cs typeface="Calibri" panose="020F0502020204030204" pitchFamily="34" charset="0"/>
+              </a:rPr>
+              <a:t>Low</a:t>
+            </a:r>
+            <a:r>
+              <a:rPr lang="en-US" sz="1300" dirty="0">
+                <a:latin typeface="Calibri" panose="020F0502020204030204" pitchFamily="34" charset="0"/>
+                <a:ea typeface="Calibri" panose="020F0502020204030204" pitchFamily="34" charset="0"/>
+                <a:cs typeface="Calibri" panose="020F0502020204030204" pitchFamily="34" charset="0"/>
+              </a:rPr>
+              <a:t> spending segments using total purchase value </a:t>
+            </a:r>
+            <a:r>
+              <a:rPr lang="en-US" sz="1300" b="1" dirty="0">
+                <a:latin typeface="Calibri" panose="020F0502020204030204" pitchFamily="34" charset="0"/>
+                <a:ea typeface="Calibri" panose="020F0502020204030204" pitchFamily="34" charset="0"/>
+                <a:cs typeface="Calibri" panose="020F0502020204030204" pitchFamily="34" charset="0"/>
+              </a:rPr>
+              <a:t>.</a:t>
             </a:r>
           </a:p>
           <a:p>
@@ -10250,46 +7533,20 @@
               <a:buNone/>
             </a:pPr>
             <a:r>
-              <a:rPr lang="en-US" sz="1400" b="1" dirty="0">
-                <a:latin typeface="Calibri" panose="020F0502020204030204" pitchFamily="34" charset="0"/>
-                <a:ea typeface="Calibri" panose="020F0502020204030204" pitchFamily="34" charset="0"/>
-                <a:cs typeface="Calibri" panose="020F0502020204030204" pitchFamily="34" charset="0"/>
-              </a:rPr>
-              <a:t>Gross Income </a:t>
-            </a:r>
-            <a:r>
-              <a:rPr lang="en-US" sz="1400" dirty="0">
-                <a:latin typeface="Calibri" panose="020F0502020204030204" pitchFamily="34" charset="0"/>
-                <a:ea typeface="Calibri" panose="020F0502020204030204" pitchFamily="34" charset="0"/>
-                <a:cs typeface="Calibri" panose="020F0502020204030204" pitchFamily="34" charset="0"/>
-              </a:rPr>
-              <a:t>⇒ (Gross Income/total revenue) * 100⇒ Profit Margin gives≈ 5%</a:t>
-            </a:r>
-          </a:p>
-          <a:p>
-            <a:r>
-              <a:rPr lang="en-US" sz="1400" dirty="0">
-                <a:latin typeface="Calibri" panose="020F0502020204030204" pitchFamily="34" charset="0"/>
-                <a:ea typeface="Calibri" panose="020F0502020204030204" pitchFamily="34" charset="0"/>
-                <a:cs typeface="Calibri" panose="020F0502020204030204" pitchFamily="34" charset="0"/>
-              </a:rPr>
-              <a:t>However, </a:t>
-            </a:r>
-            <a:r>
-              <a:rPr lang="en-US" sz="1400" b="1" dirty="0">
-                <a:latin typeface="Calibri" panose="020F0502020204030204" pitchFamily="34" charset="0"/>
-                <a:ea typeface="Calibri" panose="020F0502020204030204" pitchFamily="34" charset="0"/>
-                <a:cs typeface="Calibri" panose="020F0502020204030204" pitchFamily="34" charset="0"/>
-              </a:rPr>
-              <a:t>gross income </a:t>
-            </a:r>
-            <a:r>
-              <a:rPr lang="en-US" sz="1400" dirty="0">
-                <a:latin typeface="Calibri" panose="020F0502020204030204" pitchFamily="34" charset="0"/>
-                <a:ea typeface="Calibri" panose="020F0502020204030204" pitchFamily="34" charset="0"/>
-                <a:cs typeface="Calibri" panose="020F0502020204030204" pitchFamily="34" charset="0"/>
-              </a:rPr>
-              <a:t>varies across branches and product lines: </a:t>
+              <a:rPr lang="en-US" sz="1300" b="1" dirty="0">
+                <a:latin typeface="Calibri" panose="020F0502020204030204" pitchFamily="34" charset="0"/>
+                <a:ea typeface="Calibri" panose="020F0502020204030204" pitchFamily="34" charset="0"/>
+                <a:cs typeface="Calibri" panose="020F0502020204030204" pitchFamily="34" charset="0"/>
+              </a:rPr>
+              <a:t>     High Spenders</a:t>
+            </a:r>
+            <a:r>
+              <a:rPr lang="en-US" sz="1300" dirty="0">
+                <a:latin typeface="Calibri" panose="020F0502020204030204" pitchFamily="34" charset="0"/>
+                <a:ea typeface="Calibri" panose="020F0502020204030204" pitchFamily="34" charset="0"/>
+                <a:cs typeface="Calibri" panose="020F0502020204030204" pitchFamily="34" charset="0"/>
+              </a:rPr>
+              <a:t>: Customers with spending above 105%.</a:t>
             </a:r>
           </a:p>
           <a:p>
@@ -10297,71 +7554,67 @@
               <a:buNone/>
             </a:pPr>
             <a:r>
-              <a:rPr lang="en-US" sz="1400" b="1" dirty="0">
-                <a:latin typeface="Calibri" panose="020F0502020204030204" pitchFamily="34" charset="0"/>
-                <a:ea typeface="Calibri" panose="020F0502020204030204" pitchFamily="34" charset="0"/>
-                <a:cs typeface="Calibri" panose="020F0502020204030204" pitchFamily="34" charset="0"/>
-              </a:rPr>
-              <a:t> Food and Beverage</a:t>
-            </a:r>
-            <a:r>
-              <a:rPr lang="en-US" sz="1400" dirty="0">
-                <a:latin typeface="Calibri" panose="020F0502020204030204" pitchFamily="34" charset="0"/>
-                <a:ea typeface="Calibri" panose="020F0502020204030204" pitchFamily="34" charset="0"/>
-                <a:cs typeface="Calibri" panose="020F0502020204030204" pitchFamily="34" charset="0"/>
-              </a:rPr>
-              <a:t> in </a:t>
-            </a:r>
-            <a:r>
-              <a:rPr lang="en-US" sz="1400" b="1" dirty="0">
-                <a:latin typeface="Calibri" panose="020F0502020204030204" pitchFamily="34" charset="0"/>
-                <a:ea typeface="Calibri" panose="020F0502020204030204" pitchFamily="34" charset="0"/>
-                <a:cs typeface="Calibri" panose="020F0502020204030204" pitchFamily="34" charset="0"/>
-              </a:rPr>
-              <a:t>Branch C</a:t>
-            </a:r>
-            <a:r>
-              <a:rPr lang="en-US" sz="1400" dirty="0">
-                <a:latin typeface="Calibri" panose="020F0502020204030204" pitchFamily="34" charset="0"/>
-                <a:ea typeface="Calibri" panose="020F0502020204030204" pitchFamily="34" charset="0"/>
-                <a:cs typeface="Calibri" panose="020F0502020204030204" pitchFamily="34" charset="0"/>
-              </a:rPr>
-              <a:t> generated the </a:t>
-            </a:r>
-            <a:r>
-              <a:rPr lang="en-US" sz="1400" b="1" dirty="0">
-                <a:latin typeface="Calibri" panose="020F0502020204030204" pitchFamily="34" charset="0"/>
-                <a:ea typeface="Calibri" panose="020F0502020204030204" pitchFamily="34" charset="0"/>
-                <a:cs typeface="Calibri" panose="020F0502020204030204" pitchFamily="34" charset="0"/>
-              </a:rPr>
-              <a:t>highest gross income</a:t>
-            </a:r>
-            <a:r>
-              <a:rPr lang="en-US" sz="1400" dirty="0">
-                <a:latin typeface="Calibri" panose="020F0502020204030204" pitchFamily="34" charset="0"/>
-                <a:ea typeface="Calibri" panose="020F0502020204030204" pitchFamily="34" charset="0"/>
-                <a:cs typeface="Calibri" panose="020F0502020204030204" pitchFamily="34" charset="0"/>
-              </a:rPr>
-              <a:t> (1132), followed by </a:t>
-            </a:r>
-            <a:r>
-              <a:rPr lang="en-US" sz="1400" b="1" dirty="0">
-                <a:latin typeface="Calibri" panose="020F0502020204030204" pitchFamily="34" charset="0"/>
-                <a:ea typeface="Calibri" panose="020F0502020204030204" pitchFamily="34" charset="0"/>
-                <a:cs typeface="Calibri" panose="020F0502020204030204" pitchFamily="34" charset="0"/>
-              </a:rPr>
-              <a:t>Home and </a:t>
-            </a:r>
-            <a:r>
-              <a:rPr lang="en-US" sz="1400" b="1" dirty="0" err="1">
-                <a:latin typeface="Calibri" panose="020F0502020204030204" pitchFamily="34" charset="0"/>
-                <a:ea typeface="Calibri" panose="020F0502020204030204" pitchFamily="34" charset="0"/>
-                <a:cs typeface="Calibri" panose="020F0502020204030204" pitchFamily="34" charset="0"/>
-              </a:rPr>
-              <a:t>LifeStyle</a:t>
-            </a:r>
-            <a:r>
-              <a:rPr lang="en-US" sz="1400" dirty="0">
+              <a:rPr lang="en-US" sz="1300" b="1" dirty="0">
+                <a:latin typeface="Calibri" panose="020F0502020204030204" pitchFamily="34" charset="0"/>
+                <a:ea typeface="Calibri" panose="020F0502020204030204" pitchFamily="34" charset="0"/>
+                <a:cs typeface="Calibri" panose="020F0502020204030204" pitchFamily="34" charset="0"/>
+              </a:rPr>
+              <a:t>     Medium Spenders</a:t>
+            </a:r>
+            <a:r>
+              <a:rPr lang="en-US" sz="1300" dirty="0">
+                <a:latin typeface="Calibri" panose="020F0502020204030204" pitchFamily="34" charset="0"/>
+                <a:ea typeface="Calibri" panose="020F0502020204030204" pitchFamily="34" charset="0"/>
+                <a:cs typeface="Calibri" panose="020F0502020204030204" pitchFamily="34" charset="0"/>
+              </a:rPr>
+              <a:t>: Customers between average (95% - 105%).</a:t>
+            </a:r>
+          </a:p>
+          <a:p>
+            <a:pPr marL="0" indent="0">
+              <a:buNone/>
+            </a:pPr>
+            <a:r>
+              <a:rPr lang="en-US" sz="1300" b="1" dirty="0">
+                <a:latin typeface="Calibri" panose="020F0502020204030204" pitchFamily="34" charset="0"/>
+                <a:ea typeface="Calibri" panose="020F0502020204030204" pitchFamily="34" charset="0"/>
+                <a:cs typeface="Calibri" panose="020F0502020204030204" pitchFamily="34" charset="0"/>
+              </a:rPr>
+              <a:t>     Low Spenders</a:t>
+            </a:r>
+            <a:r>
+              <a:rPr lang="en-US" sz="1300" dirty="0">
+                <a:latin typeface="Calibri" panose="020F0502020204030204" pitchFamily="34" charset="0"/>
+                <a:ea typeface="Calibri" panose="020F0502020204030204" pitchFamily="34" charset="0"/>
+                <a:cs typeface="Calibri" panose="020F0502020204030204" pitchFamily="34" charset="0"/>
+              </a:rPr>
+              <a:t>: Significantly below average ( under 95%).</a:t>
+            </a:r>
+            <a:endParaRPr lang="en-US" sz="1300" b="1" dirty="0">
+              <a:latin typeface="Calibri" panose="020F0502020204030204" pitchFamily="34" charset="0"/>
+              <a:ea typeface="Calibri" panose="020F0502020204030204" pitchFamily="34" charset="0"/>
+              <a:cs typeface="Calibri" panose="020F0502020204030204" pitchFamily="34" charset="0"/>
+            </a:endParaRPr>
+          </a:p>
+          <a:p>
+            <a:r>
+              <a:rPr lang="en-US" sz="1300" dirty="0">
+                <a:latin typeface="Calibri" panose="020F0502020204030204" pitchFamily="34" charset="0"/>
+                <a:ea typeface="Calibri" panose="020F0502020204030204" pitchFamily="34" charset="0"/>
+                <a:cs typeface="Calibri" panose="020F0502020204030204" pitchFamily="34" charset="0"/>
+              </a:rPr>
+              <a:t>Most customers fall under </a:t>
+            </a:r>
+            <a:r>
+              <a:rPr lang="en-US" sz="1300" b="1" dirty="0">
+                <a:latin typeface="Calibri" panose="020F0502020204030204" pitchFamily="34" charset="0"/>
+                <a:ea typeface="Calibri" panose="020F0502020204030204" pitchFamily="34" charset="0"/>
+                <a:cs typeface="Calibri" panose="020F0502020204030204" pitchFamily="34" charset="0"/>
+              </a:rPr>
+              <a:t>Medium</a:t>
+            </a:r>
+            <a:r>
+              <a:rPr lang="en-US" sz="1300" dirty="0">
                 <a:latin typeface="Calibri" panose="020F0502020204030204" pitchFamily="34" charset="0"/>
                 <a:ea typeface="Calibri" panose="020F0502020204030204" pitchFamily="34" charset="0"/>
                 <a:cs typeface="Calibri" panose="020F0502020204030204" pitchFamily="34" charset="0"/>
@@ -10369,26 +7622,63 @@
               <a:t> and </a:t>
             </a:r>
             <a:r>
-              <a:rPr lang="en-US" sz="1400" b="1" dirty="0">
-                <a:latin typeface="Calibri" panose="020F0502020204030204" pitchFamily="34" charset="0"/>
-                <a:ea typeface="Calibri" panose="020F0502020204030204" pitchFamily="34" charset="0"/>
-                <a:cs typeface="Calibri" panose="020F0502020204030204" pitchFamily="34" charset="0"/>
-              </a:rPr>
-              <a:t>Fashion accessories</a:t>
-            </a:r>
-            <a:r>
-              <a:rPr lang="en-US" sz="1400" dirty="0">
-                <a:latin typeface="Calibri" panose="020F0502020204030204" pitchFamily="34" charset="0"/>
-                <a:ea typeface="Calibri" panose="020F0502020204030204" pitchFamily="34" charset="0"/>
-                <a:cs typeface="Calibri" panose="020F0502020204030204" pitchFamily="34" charset="0"/>
-              </a:rPr>
-              <a:t> in other branches.</a:t>
-            </a:r>
+              <a:rPr lang="en-US" sz="1300" b="1" dirty="0">
+                <a:latin typeface="Calibri" panose="020F0502020204030204" pitchFamily="34" charset="0"/>
+                <a:ea typeface="Calibri" panose="020F0502020204030204" pitchFamily="34" charset="0"/>
+                <a:cs typeface="Calibri" panose="020F0502020204030204" pitchFamily="34" charset="0"/>
+              </a:rPr>
+              <a:t>Low</a:t>
+            </a:r>
+            <a:r>
+              <a:rPr lang="en-US" sz="1300" dirty="0">
+                <a:latin typeface="Calibri" panose="020F0502020204030204" pitchFamily="34" charset="0"/>
+                <a:ea typeface="Calibri" panose="020F0502020204030204" pitchFamily="34" charset="0"/>
+                <a:cs typeface="Calibri" panose="020F0502020204030204" pitchFamily="34" charset="0"/>
+              </a:rPr>
+              <a:t> segments, while few are </a:t>
+            </a:r>
+            <a:r>
+              <a:rPr lang="en-US" sz="1300" b="1" dirty="0">
+                <a:latin typeface="Calibri" panose="020F0502020204030204" pitchFamily="34" charset="0"/>
+                <a:ea typeface="Calibri" panose="020F0502020204030204" pitchFamily="34" charset="0"/>
+                <a:cs typeface="Calibri" panose="020F0502020204030204" pitchFamily="34" charset="0"/>
+              </a:rPr>
+              <a:t>High spenders</a:t>
+            </a:r>
+            <a:r>
+              <a:rPr lang="en-US" sz="1300" dirty="0">
+                <a:latin typeface="Calibri" panose="020F0502020204030204" pitchFamily="34" charset="0"/>
+                <a:ea typeface="Calibri" panose="020F0502020204030204" pitchFamily="34" charset="0"/>
+                <a:cs typeface="Calibri" panose="020F0502020204030204" pitchFamily="34" charset="0"/>
+              </a:rPr>
+              <a:t>—Contribute a </a:t>
+            </a:r>
+            <a:r>
+              <a:rPr lang="en-US" sz="1300" b="1" dirty="0">
+                <a:latin typeface="Calibri" panose="020F0502020204030204" pitchFamily="34" charset="0"/>
+                <a:ea typeface="Calibri" panose="020F0502020204030204" pitchFamily="34" charset="0"/>
+                <a:cs typeface="Calibri" panose="020F0502020204030204" pitchFamily="34" charset="0"/>
+              </a:rPr>
+              <a:t>significant share of total revenue</a:t>
+            </a:r>
+            <a:r>
+              <a:rPr lang="en-US" sz="1300" dirty="0">
+                <a:latin typeface="Calibri" panose="020F0502020204030204" pitchFamily="34" charset="0"/>
+                <a:ea typeface="Calibri" panose="020F0502020204030204" pitchFamily="34" charset="0"/>
+                <a:cs typeface="Calibri" panose="020F0502020204030204" pitchFamily="34" charset="0"/>
+              </a:rPr>
+              <a:t>, exceeding ₹23,000+ (Customer ID 8 ,3 and 2 with highest ).</a:t>
+            </a:r>
+            <a:endParaRPr lang="en-US" sz="1300" b="1" dirty="0">
+              <a:latin typeface="Calibri" panose="020F0502020204030204" pitchFamily="34" charset="0"/>
+              <a:ea typeface="Calibri" panose="020F0502020204030204" pitchFamily="34" charset="0"/>
+              <a:cs typeface="Calibri" panose="020F0502020204030204" pitchFamily="34" charset="0"/>
+            </a:endParaRPr>
           </a:p>
           <a:p>
             <a:pPr algn="ctr"/>
             <a:r>
-              <a:rPr lang="en-IN" sz="1400" b="1" u="sng" dirty="0">
+              <a:rPr lang="en-IN" sz="1300" b="1" u="sng" dirty="0">
                 <a:latin typeface="Calibri" panose="020F0502020204030204" pitchFamily="34" charset="0"/>
                 <a:ea typeface="Calibri" panose="020F0502020204030204" pitchFamily="34" charset="0"/>
                 <a:cs typeface="Calibri" panose="020F0502020204030204" pitchFamily="34" charset="0"/>
@@ -10398,72 +7688,242 @@
           </a:p>
           <a:p>
             <a:r>
-              <a:rPr lang="en-US" sz="1400" dirty="0">
-                <a:latin typeface="Calibri" panose="020F0502020204030204" pitchFamily="34" charset="0"/>
-                <a:ea typeface="Calibri" panose="020F0502020204030204" pitchFamily="34" charset="0"/>
-                <a:cs typeface="Calibri" panose="020F0502020204030204" pitchFamily="34" charset="0"/>
-              </a:rPr>
-              <a:t>Focus on product lines like </a:t>
-            </a:r>
-            <a:r>
-              <a:rPr lang="en-US" sz="1400" b="1" dirty="0">
-                <a:latin typeface="Calibri" panose="020F0502020204030204" pitchFamily="34" charset="0"/>
-                <a:ea typeface="Calibri" panose="020F0502020204030204" pitchFamily="34" charset="0"/>
-                <a:cs typeface="Calibri" panose="020F0502020204030204" pitchFamily="34" charset="0"/>
-              </a:rPr>
-              <a:t>Food and Beverage, Home and Lifestyle, and Fashion Accessories</a:t>
-            </a:r>
-            <a:r>
-              <a:rPr lang="en-US" sz="1400" dirty="0">
-                <a:latin typeface="Calibri" panose="020F0502020204030204" pitchFamily="34" charset="0"/>
-                <a:ea typeface="Calibri" panose="020F0502020204030204" pitchFamily="34" charset="0"/>
-                <a:cs typeface="Calibri" panose="020F0502020204030204" pitchFamily="34" charset="0"/>
-              </a:rPr>
-              <a:t>, which bring the highest </a:t>
-            </a:r>
-            <a:r>
-              <a:rPr lang="en-US" sz="1400" b="1" dirty="0">
-                <a:latin typeface="Calibri" panose="020F0502020204030204" pitchFamily="34" charset="0"/>
-                <a:ea typeface="Calibri" panose="020F0502020204030204" pitchFamily="34" charset="0"/>
-                <a:cs typeface="Calibri" panose="020F0502020204030204" pitchFamily="34" charset="0"/>
-              </a:rPr>
-              <a:t>gross income</a:t>
-            </a:r>
-            <a:r>
-              <a:rPr lang="en-US" sz="1400" dirty="0">
-                <a:latin typeface="Calibri" panose="020F0502020204030204" pitchFamily="34" charset="0"/>
-                <a:ea typeface="Calibri" panose="020F0502020204030204" pitchFamily="34" charset="0"/>
-                <a:cs typeface="Calibri" panose="020F0502020204030204" pitchFamily="34" charset="0"/>
-              </a:rPr>
-              <a:t>..</a:t>
-            </a:r>
-          </a:p>
-          <a:p>
-            <a:r>
-              <a:rPr lang="en-US" sz="1400" b="1" dirty="0">
-                <a:latin typeface="Calibri" panose="020F0502020204030204" pitchFamily="34" charset="0"/>
-                <a:ea typeface="Calibri" panose="020F0502020204030204" pitchFamily="34" charset="0"/>
-                <a:cs typeface="Calibri" panose="020F0502020204030204" pitchFamily="34" charset="0"/>
-              </a:rPr>
-              <a:t>Promote best-performing categories</a:t>
-            </a:r>
-            <a:r>
-              <a:rPr lang="en-US" sz="1400" dirty="0">
-                <a:latin typeface="Calibri" panose="020F0502020204030204" pitchFamily="34" charset="0"/>
-                <a:ea typeface="Calibri" panose="020F0502020204030204" pitchFamily="34" charset="0"/>
-                <a:cs typeface="Calibri" panose="020F0502020204030204" pitchFamily="34" charset="0"/>
-              </a:rPr>
-              <a:t> based on gross income instead of margin.</a:t>
+              <a:rPr lang="en-US" sz="1300" dirty="0">
+                <a:latin typeface="Calibri" panose="020F0502020204030204" pitchFamily="34" charset="0"/>
+                <a:ea typeface="Calibri" panose="020F0502020204030204" pitchFamily="34" charset="0"/>
+                <a:cs typeface="Calibri" panose="020F0502020204030204" pitchFamily="34" charset="0"/>
+              </a:rPr>
+              <a:t>Customers with </a:t>
+            </a:r>
+            <a:r>
+              <a:rPr lang="en-US" sz="1300" b="1" dirty="0">
+                <a:latin typeface="Calibri" panose="020F0502020204030204" pitchFamily="34" charset="0"/>
+                <a:ea typeface="Calibri" panose="020F0502020204030204" pitchFamily="34" charset="0"/>
+                <a:cs typeface="Calibri" panose="020F0502020204030204" pitchFamily="34" charset="0"/>
+              </a:rPr>
+              <a:t>high spends</a:t>
+            </a:r>
+            <a:r>
+              <a:rPr lang="en-US" sz="1300" dirty="0">
+                <a:latin typeface="Calibri" panose="020F0502020204030204" pitchFamily="34" charset="0"/>
+                <a:ea typeface="Calibri" panose="020F0502020204030204" pitchFamily="34" charset="0"/>
+                <a:cs typeface="Calibri" panose="020F0502020204030204" pitchFamily="34" charset="0"/>
+              </a:rPr>
+              <a:t>—Retain them through </a:t>
+            </a:r>
+            <a:r>
+              <a:rPr lang="en-US" sz="1300" b="1" dirty="0">
+                <a:latin typeface="Calibri" panose="020F0502020204030204" pitchFamily="34" charset="0"/>
+                <a:ea typeface="Calibri" panose="020F0502020204030204" pitchFamily="34" charset="0"/>
+                <a:cs typeface="Calibri" panose="020F0502020204030204" pitchFamily="34" charset="0"/>
+              </a:rPr>
+              <a:t>loyalty</a:t>
+            </a:r>
+            <a:r>
+              <a:rPr lang="en-US" sz="1300" dirty="0">
+                <a:latin typeface="Calibri" panose="020F0502020204030204" pitchFamily="34" charset="0"/>
+                <a:ea typeface="Calibri" panose="020F0502020204030204" pitchFamily="34" charset="0"/>
+                <a:cs typeface="Calibri" panose="020F0502020204030204" pitchFamily="34" charset="0"/>
+              </a:rPr>
+              <a:t> </a:t>
+            </a:r>
+            <a:r>
+              <a:rPr lang="en-US" sz="1300" b="1" dirty="0">
+                <a:latin typeface="Calibri" panose="020F0502020204030204" pitchFamily="34" charset="0"/>
+                <a:ea typeface="Calibri" panose="020F0502020204030204" pitchFamily="34" charset="0"/>
+                <a:cs typeface="Calibri" panose="020F0502020204030204" pitchFamily="34" charset="0"/>
+              </a:rPr>
+              <a:t>rewards</a:t>
+            </a:r>
+            <a:r>
+              <a:rPr lang="en-US" sz="1300" dirty="0">
+                <a:latin typeface="Calibri" panose="020F0502020204030204" pitchFamily="34" charset="0"/>
+                <a:ea typeface="Calibri" panose="020F0502020204030204" pitchFamily="34" charset="0"/>
+                <a:cs typeface="Calibri" panose="020F0502020204030204" pitchFamily="34" charset="0"/>
+              </a:rPr>
+              <a:t>, </a:t>
+            </a:r>
+            <a:r>
+              <a:rPr lang="en-US" sz="1300" b="1" dirty="0">
+                <a:latin typeface="Calibri" panose="020F0502020204030204" pitchFamily="34" charset="0"/>
+                <a:ea typeface="Calibri" panose="020F0502020204030204" pitchFamily="34" charset="0"/>
+                <a:cs typeface="Calibri" panose="020F0502020204030204" pitchFamily="34" charset="0"/>
+              </a:rPr>
+              <a:t>exclusive offers</a:t>
+            </a:r>
+            <a:r>
+              <a:rPr lang="en-US" sz="1300" dirty="0">
+                <a:latin typeface="Calibri" panose="020F0502020204030204" pitchFamily="34" charset="0"/>
+                <a:ea typeface="Calibri" panose="020F0502020204030204" pitchFamily="34" charset="0"/>
+                <a:cs typeface="Calibri" panose="020F0502020204030204" pitchFamily="34" charset="0"/>
+              </a:rPr>
+              <a:t>, and </a:t>
+            </a:r>
+            <a:r>
+              <a:rPr lang="en-US" sz="1300" b="1" dirty="0">
+                <a:latin typeface="Calibri" panose="020F0502020204030204" pitchFamily="34" charset="0"/>
+                <a:ea typeface="Calibri" panose="020F0502020204030204" pitchFamily="34" charset="0"/>
+                <a:cs typeface="Calibri" panose="020F0502020204030204" pitchFamily="34" charset="0"/>
+              </a:rPr>
+              <a:t>early sale access </a:t>
+            </a:r>
+            <a:r>
+              <a:rPr lang="en-US" sz="1300" dirty="0">
+                <a:latin typeface="Calibri" panose="020F0502020204030204" pitchFamily="34" charset="0"/>
+                <a:ea typeface="Calibri" panose="020F0502020204030204" pitchFamily="34" charset="0"/>
+                <a:cs typeface="Calibri" panose="020F0502020204030204" pitchFamily="34" charset="0"/>
+              </a:rPr>
+              <a:t>to boost long-term engagement.</a:t>
+            </a:r>
+          </a:p>
+          <a:p>
+            <a:r>
+              <a:rPr lang="en-US" sz="1300" b="1" dirty="0">
+                <a:latin typeface="Calibri" panose="020F0502020204030204" pitchFamily="34" charset="0"/>
+                <a:ea typeface="Calibri" panose="020F0502020204030204" pitchFamily="34" charset="0"/>
+                <a:cs typeface="Calibri" panose="020F0502020204030204" pitchFamily="34" charset="0"/>
+              </a:rPr>
+              <a:t>Medium Spenders (</a:t>
+            </a:r>
+            <a:r>
+              <a:rPr lang="en-US" sz="1300" dirty="0">
+                <a:latin typeface="Calibri" panose="020F0502020204030204" pitchFamily="34" charset="0"/>
+                <a:ea typeface="Calibri" panose="020F0502020204030204" pitchFamily="34" charset="0"/>
+                <a:cs typeface="Calibri" panose="020F0502020204030204" pitchFamily="34" charset="0"/>
+              </a:rPr>
+              <a:t>Potential high spenders</a:t>
+            </a:r>
+            <a:r>
+              <a:rPr lang="en-US" sz="1300" b="1" dirty="0">
+                <a:latin typeface="Calibri" panose="020F0502020204030204" pitchFamily="34" charset="0"/>
+                <a:ea typeface="Calibri" panose="020F0502020204030204" pitchFamily="34" charset="0"/>
+                <a:cs typeface="Calibri" panose="020F0502020204030204" pitchFamily="34" charset="0"/>
+              </a:rPr>
+              <a:t>)</a:t>
+            </a:r>
+            <a:r>
+              <a:rPr lang="en-US" sz="1300" dirty="0">
+                <a:latin typeface="Calibri" panose="020F0502020204030204" pitchFamily="34" charset="0"/>
+                <a:ea typeface="Calibri" panose="020F0502020204030204" pitchFamily="34" charset="0"/>
+                <a:cs typeface="Calibri" panose="020F0502020204030204" pitchFamily="34" charset="0"/>
+              </a:rPr>
+              <a:t>. Offer them </a:t>
+            </a:r>
+            <a:r>
+              <a:rPr lang="en-US" sz="1300" b="1" dirty="0">
+                <a:latin typeface="Calibri" panose="020F0502020204030204" pitchFamily="34" charset="0"/>
+                <a:ea typeface="Calibri" panose="020F0502020204030204" pitchFamily="34" charset="0"/>
+                <a:cs typeface="Calibri" panose="020F0502020204030204" pitchFamily="34" charset="0"/>
+              </a:rPr>
+              <a:t>tier-up discounts</a:t>
+            </a:r>
+            <a:r>
+              <a:rPr lang="en-US" sz="1300" dirty="0">
+                <a:latin typeface="Calibri" panose="020F0502020204030204" pitchFamily="34" charset="0"/>
+                <a:ea typeface="Calibri" panose="020F0502020204030204" pitchFamily="34" charset="0"/>
+                <a:cs typeface="Calibri" panose="020F0502020204030204" pitchFamily="34" charset="0"/>
+              </a:rPr>
+              <a:t> or </a:t>
+            </a:r>
+            <a:r>
+              <a:rPr lang="en-US" sz="1300" b="1" dirty="0">
+                <a:latin typeface="Calibri" panose="020F0502020204030204" pitchFamily="34" charset="0"/>
+                <a:ea typeface="Calibri" panose="020F0502020204030204" pitchFamily="34" charset="0"/>
+                <a:cs typeface="Calibri" panose="020F0502020204030204" pitchFamily="34" charset="0"/>
+              </a:rPr>
+              <a:t>cashback on larger orders</a:t>
+            </a:r>
+            <a:r>
+              <a:rPr lang="en-US" sz="1300" dirty="0">
+                <a:latin typeface="Calibri" panose="020F0502020204030204" pitchFamily="34" charset="0"/>
+                <a:ea typeface="Calibri" panose="020F0502020204030204" pitchFamily="34" charset="0"/>
+                <a:cs typeface="Calibri" panose="020F0502020204030204" pitchFamily="34" charset="0"/>
+              </a:rPr>
+              <a:t> to motivate higher purchases.</a:t>
+            </a:r>
+          </a:p>
+          <a:p>
+            <a:r>
+              <a:rPr lang="en-US" sz="1300" dirty="0">
+                <a:latin typeface="Calibri" panose="020F0502020204030204" pitchFamily="34" charset="0"/>
+                <a:ea typeface="Calibri" panose="020F0502020204030204" pitchFamily="34" charset="0"/>
+                <a:cs typeface="Calibri" panose="020F0502020204030204" pitchFamily="34" charset="0"/>
+              </a:rPr>
+              <a:t>For </a:t>
+            </a:r>
+            <a:r>
+              <a:rPr lang="en-US" sz="1300" b="1" dirty="0">
+                <a:latin typeface="Calibri" panose="020F0502020204030204" pitchFamily="34" charset="0"/>
+                <a:ea typeface="Calibri" panose="020F0502020204030204" pitchFamily="34" charset="0"/>
+                <a:cs typeface="Calibri" panose="020F0502020204030204" pitchFamily="34" charset="0"/>
+              </a:rPr>
+              <a:t>Low Spenders </a:t>
+            </a:r>
+            <a:r>
+              <a:rPr lang="en-US" sz="1300" dirty="0">
+                <a:latin typeface="Calibri" panose="020F0502020204030204" pitchFamily="34" charset="0"/>
+                <a:ea typeface="Calibri" panose="020F0502020204030204" pitchFamily="34" charset="0"/>
+                <a:cs typeface="Calibri" panose="020F0502020204030204" pitchFamily="34" charset="0"/>
+              </a:rPr>
+              <a:t>Sending targeted </a:t>
+            </a:r>
+            <a:r>
+              <a:rPr lang="en-US" sz="1300" b="1" dirty="0">
+                <a:latin typeface="Calibri" panose="020F0502020204030204" pitchFamily="34" charset="0"/>
+                <a:ea typeface="Calibri" panose="020F0502020204030204" pitchFamily="34" charset="0"/>
+                <a:cs typeface="Calibri" panose="020F0502020204030204" pitchFamily="34" charset="0"/>
+              </a:rPr>
+              <a:t>engagement emails</a:t>
+            </a:r>
+            <a:r>
+              <a:rPr lang="en-US" sz="1300" dirty="0">
+                <a:latin typeface="Calibri" panose="020F0502020204030204" pitchFamily="34" charset="0"/>
+                <a:ea typeface="Calibri" panose="020F0502020204030204" pitchFamily="34" charset="0"/>
+                <a:cs typeface="Calibri" panose="020F0502020204030204" pitchFamily="34" charset="0"/>
+              </a:rPr>
+              <a:t>, </a:t>
+            </a:r>
+            <a:r>
+              <a:rPr lang="en-US" sz="1300" b="1" dirty="0">
+                <a:latin typeface="Calibri" panose="020F0502020204030204" pitchFamily="34" charset="0"/>
+                <a:ea typeface="Calibri" panose="020F0502020204030204" pitchFamily="34" charset="0"/>
+                <a:cs typeface="Calibri" panose="020F0502020204030204" pitchFamily="34" charset="0"/>
+              </a:rPr>
+              <a:t>reminders</a:t>
+            </a:r>
+            <a:r>
+              <a:rPr lang="en-US" sz="1300" dirty="0">
+                <a:latin typeface="Calibri" panose="020F0502020204030204" pitchFamily="34" charset="0"/>
+                <a:ea typeface="Calibri" panose="020F0502020204030204" pitchFamily="34" charset="0"/>
+                <a:cs typeface="Calibri" panose="020F0502020204030204" pitchFamily="34" charset="0"/>
+              </a:rPr>
+              <a:t>, or </a:t>
+            </a:r>
+            <a:r>
+              <a:rPr lang="en-US" sz="1300" b="1" dirty="0">
+                <a:latin typeface="Calibri" panose="020F0502020204030204" pitchFamily="34" charset="0"/>
+                <a:ea typeface="Calibri" panose="020F0502020204030204" pitchFamily="34" charset="0"/>
+                <a:cs typeface="Calibri" panose="020F0502020204030204" pitchFamily="34" charset="0"/>
+              </a:rPr>
+              <a:t>low-budget bundle deals</a:t>
+            </a:r>
+            <a:r>
+              <a:rPr lang="en-US" sz="1300" dirty="0">
+                <a:latin typeface="Calibri" panose="020F0502020204030204" pitchFamily="34" charset="0"/>
+                <a:ea typeface="Calibri" panose="020F0502020204030204" pitchFamily="34" charset="0"/>
+                <a:cs typeface="Calibri" panose="020F0502020204030204" pitchFamily="34" charset="0"/>
+              </a:rPr>
+              <a:t> to bring them back into the buying cycle</a:t>
             </a:r>
           </a:p>
         </p:txBody>
       </p:sp>
       <p:pic>
         <p:nvPicPr>
-          <p:cNvPr id="14" name="Content Placeholder 13">
+          <p:cNvPr id="18" name="Content Placeholder 17">
             <a:extLst>
               <a:ext uri="{FF2B5EF4-FFF2-40B4-BE49-F238E27FC236}">
-                <a16:creationId xmlns:a16="http://schemas.microsoft.com/office/drawing/2014/main" id="{A59B3977-2B49-53B1-F86A-28A60EC697B7}"/>
+                <a16:creationId xmlns:a16="http://schemas.microsoft.com/office/drawing/2014/main" id="{923C5F8D-3AB9-5B06-951B-EC2555D19A94}"/>
               </a:ext>
             </a:extLst>
           </p:cNvPr>
@@ -10482,15 +7942,15 @@
         </p:blipFill>
         <p:spPr>
           <a:xfrm>
-            <a:off x="698740" y="1441431"/>
-            <a:ext cx="5063705" cy="4773975"/>
+            <a:off x="586360" y="1441431"/>
+            <a:ext cx="5144516" cy="4709202"/>
           </a:xfrm>
         </p:spPr>
       </p:pic>
     </p:spTree>
     <p:extLst>
       <p:ext uri="{BB962C8B-B14F-4D97-AF65-F5344CB8AC3E}">
-        <p14:creationId xmlns:p14="http://schemas.microsoft.com/office/powerpoint/2010/main" val="1514956666"/>
+        <p14:creationId xmlns:p14="http://schemas.microsoft.com/office/powerpoint/2010/main" val="3947622482"/>
       </p:ext>
     </p:extLst>
   </p:cSld>
@@ -10522,7 +7982,7 @@
           <p:cNvPr id="2" name="Title 1">
             <a:extLst>
               <a:ext uri="{FF2B5EF4-FFF2-40B4-BE49-F238E27FC236}">
-                <a16:creationId xmlns:a16="http://schemas.microsoft.com/office/drawing/2014/main" id="{90824DD4-78E1-4E31-11C1-365BA5E75C04}"/>
+                <a16:creationId xmlns:a16="http://schemas.microsoft.com/office/drawing/2014/main" id="{24614B18-70B6-A20B-7415-A11177ADC74B}"/>
               </a:ext>
             </a:extLst>
           </p:cNvPr>
@@ -10535,8 +7995,8 @@
         </p:nvSpPr>
         <p:spPr>
           <a:xfrm>
-            <a:off x="1066800" y="642594"/>
-            <a:ext cx="10058400" cy="478840"/>
+            <a:off x="1066800" y="483079"/>
+            <a:ext cx="10058400" cy="664234"/>
           </a:xfrm>
         </p:spPr>
         <p:txBody>
@@ -10550,7 +8010,7 @@
               <a:rPr lang="en-US" sz="2400" dirty="0">
                 <a:latin typeface="Segoe UI Variable Display Semil" pitchFamily="2" charset="0"/>
               </a:rPr>
-              <a:t>Analyzing Customer Segmentation Based on Spending</a:t>
+              <a:t>Customer Segmentation Based on Spending</a:t>
             </a:r>
             <a:endParaRPr lang="en-IN" sz="2400" dirty="0">
               <a:latin typeface="Segoe UI Variable Display Semil" pitchFamily="2" charset="0"/>
@@ -10558,515 +8018,19 @@
           </a:p>
         </p:txBody>
       </p:sp>
-      <p:sp>
-        <p:nvSpPr>
-          <p:cNvPr id="4" name="Content Placeholder 3">
+      <p:pic>
+        <p:nvPicPr>
+          <p:cNvPr id="7" name="Picture 6">
             <a:extLst>
               <a:ext uri="{FF2B5EF4-FFF2-40B4-BE49-F238E27FC236}">
-                <a16:creationId xmlns:a16="http://schemas.microsoft.com/office/drawing/2014/main" id="{BF035CD8-47EC-3E70-F199-07A4DB29D834}"/>
-              </a:ext>
-            </a:extLst>
-          </p:cNvPr>
-          <p:cNvSpPr>
-            <a:spLocks noGrp="1"/>
-          </p:cNvSpPr>
-          <p:nvPr>
-            <p:ph sz="half" idx="2"/>
-          </p:nvPr>
-        </p:nvSpPr>
-        <p:spPr>
-          <a:xfrm>
-            <a:off x="6170762" y="1441432"/>
-            <a:ext cx="5434879" cy="4709202"/>
-          </a:xfrm>
-        </p:spPr>
-        <p:txBody>
-          <a:bodyPr>
-            <a:normAutofit/>
-          </a:bodyPr>
-          <a:lstStyle/>
-          <a:p>
-            <a:pPr algn="ctr"/>
-            <a:r>
-              <a:rPr lang="en-US" sz="1300" b="1" u="sng" dirty="0">
-                <a:latin typeface="Calibri" panose="020F0502020204030204" pitchFamily="34" charset="0"/>
-                <a:ea typeface="Calibri" panose="020F0502020204030204" pitchFamily="34" charset="0"/>
-                <a:cs typeface="Calibri" panose="020F0502020204030204" pitchFamily="34" charset="0"/>
-              </a:rPr>
-              <a:t>INSIGHTS</a:t>
-            </a:r>
-          </a:p>
-          <a:p>
-            <a:r>
-              <a:rPr lang="en-US" sz="1300" dirty="0">
-                <a:latin typeface="Calibri" panose="020F0502020204030204" pitchFamily="34" charset="0"/>
-                <a:ea typeface="Calibri" panose="020F0502020204030204" pitchFamily="34" charset="0"/>
-                <a:cs typeface="Calibri" panose="020F0502020204030204" pitchFamily="34" charset="0"/>
-              </a:rPr>
-              <a:t>Customers have been classified into </a:t>
-            </a:r>
-            <a:r>
-              <a:rPr lang="en-US" sz="1300" b="1" dirty="0">
-                <a:latin typeface="Calibri" panose="020F0502020204030204" pitchFamily="34" charset="0"/>
-                <a:ea typeface="Calibri" panose="020F0502020204030204" pitchFamily="34" charset="0"/>
-                <a:cs typeface="Calibri" panose="020F0502020204030204" pitchFamily="34" charset="0"/>
-              </a:rPr>
-              <a:t>High</a:t>
-            </a:r>
-            <a:r>
-              <a:rPr lang="en-US" sz="1300" dirty="0">
-                <a:latin typeface="Calibri" panose="020F0502020204030204" pitchFamily="34" charset="0"/>
-                <a:ea typeface="Calibri" panose="020F0502020204030204" pitchFamily="34" charset="0"/>
-                <a:cs typeface="Calibri" panose="020F0502020204030204" pitchFamily="34" charset="0"/>
-              </a:rPr>
-              <a:t>, </a:t>
-            </a:r>
-            <a:r>
-              <a:rPr lang="en-US" sz="1300" b="1" dirty="0">
-                <a:latin typeface="Calibri" panose="020F0502020204030204" pitchFamily="34" charset="0"/>
-                <a:ea typeface="Calibri" panose="020F0502020204030204" pitchFamily="34" charset="0"/>
-                <a:cs typeface="Calibri" panose="020F0502020204030204" pitchFamily="34" charset="0"/>
-              </a:rPr>
-              <a:t>Medium</a:t>
-            </a:r>
-            <a:r>
-              <a:rPr lang="en-US" sz="1300" dirty="0">
-                <a:latin typeface="Calibri" panose="020F0502020204030204" pitchFamily="34" charset="0"/>
-                <a:ea typeface="Calibri" panose="020F0502020204030204" pitchFamily="34" charset="0"/>
-                <a:cs typeface="Calibri" panose="020F0502020204030204" pitchFamily="34" charset="0"/>
-              </a:rPr>
-              <a:t>, and </a:t>
-            </a:r>
-            <a:r>
-              <a:rPr lang="en-US" sz="1300" b="1" dirty="0">
-                <a:latin typeface="Calibri" panose="020F0502020204030204" pitchFamily="34" charset="0"/>
-                <a:ea typeface="Calibri" panose="020F0502020204030204" pitchFamily="34" charset="0"/>
-                <a:cs typeface="Calibri" panose="020F0502020204030204" pitchFamily="34" charset="0"/>
-              </a:rPr>
-              <a:t>Low</a:t>
-            </a:r>
-            <a:r>
-              <a:rPr lang="en-US" sz="1300" dirty="0">
-                <a:latin typeface="Calibri" panose="020F0502020204030204" pitchFamily="34" charset="0"/>
-                <a:ea typeface="Calibri" panose="020F0502020204030204" pitchFamily="34" charset="0"/>
-                <a:cs typeface="Calibri" panose="020F0502020204030204" pitchFamily="34" charset="0"/>
-              </a:rPr>
-              <a:t> spending segments using total purchase value </a:t>
-            </a:r>
-            <a:r>
-              <a:rPr lang="en-US" sz="1300" b="1" dirty="0">
-                <a:latin typeface="Calibri" panose="020F0502020204030204" pitchFamily="34" charset="0"/>
-                <a:ea typeface="Calibri" panose="020F0502020204030204" pitchFamily="34" charset="0"/>
-                <a:cs typeface="Calibri" panose="020F0502020204030204" pitchFamily="34" charset="0"/>
-              </a:rPr>
-              <a:t>.</a:t>
-            </a:r>
-          </a:p>
-          <a:p>
-            <a:pPr marL="0" indent="0">
-              <a:buNone/>
-            </a:pPr>
-            <a:r>
-              <a:rPr lang="en-US" sz="1300" b="1" dirty="0">
-                <a:latin typeface="Calibri" panose="020F0502020204030204" pitchFamily="34" charset="0"/>
-                <a:ea typeface="Calibri" panose="020F0502020204030204" pitchFamily="34" charset="0"/>
-                <a:cs typeface="Calibri" panose="020F0502020204030204" pitchFamily="34" charset="0"/>
-              </a:rPr>
-              <a:t>     High Spenders</a:t>
-            </a:r>
-            <a:r>
-              <a:rPr lang="en-US" sz="1300" dirty="0">
-                <a:latin typeface="Calibri" panose="020F0502020204030204" pitchFamily="34" charset="0"/>
-                <a:ea typeface="Calibri" panose="020F0502020204030204" pitchFamily="34" charset="0"/>
-                <a:cs typeface="Calibri" panose="020F0502020204030204" pitchFamily="34" charset="0"/>
-              </a:rPr>
-              <a:t>: Customers with spending above 105%.</a:t>
-            </a:r>
-          </a:p>
-          <a:p>
-            <a:pPr marL="0" indent="0">
-              <a:buNone/>
-            </a:pPr>
-            <a:r>
-              <a:rPr lang="en-US" sz="1300" b="1" dirty="0">
-                <a:latin typeface="Calibri" panose="020F0502020204030204" pitchFamily="34" charset="0"/>
-                <a:ea typeface="Calibri" panose="020F0502020204030204" pitchFamily="34" charset="0"/>
-                <a:cs typeface="Calibri" panose="020F0502020204030204" pitchFamily="34" charset="0"/>
-              </a:rPr>
-              <a:t>     Medium Spenders</a:t>
-            </a:r>
-            <a:r>
-              <a:rPr lang="en-US" sz="1300" dirty="0">
-                <a:latin typeface="Calibri" panose="020F0502020204030204" pitchFamily="34" charset="0"/>
-                <a:ea typeface="Calibri" panose="020F0502020204030204" pitchFamily="34" charset="0"/>
-                <a:cs typeface="Calibri" panose="020F0502020204030204" pitchFamily="34" charset="0"/>
-              </a:rPr>
-              <a:t>: Customers between average (95% - 105%).</a:t>
-            </a:r>
-          </a:p>
-          <a:p>
-            <a:pPr marL="0" indent="0">
-              <a:buNone/>
-            </a:pPr>
-            <a:r>
-              <a:rPr lang="en-US" sz="1300" b="1" dirty="0">
-                <a:latin typeface="Calibri" panose="020F0502020204030204" pitchFamily="34" charset="0"/>
-                <a:ea typeface="Calibri" panose="020F0502020204030204" pitchFamily="34" charset="0"/>
-                <a:cs typeface="Calibri" panose="020F0502020204030204" pitchFamily="34" charset="0"/>
-              </a:rPr>
-              <a:t>     Low Spenders</a:t>
-            </a:r>
-            <a:r>
-              <a:rPr lang="en-US" sz="1300" dirty="0">
-                <a:latin typeface="Calibri" panose="020F0502020204030204" pitchFamily="34" charset="0"/>
-                <a:ea typeface="Calibri" panose="020F0502020204030204" pitchFamily="34" charset="0"/>
-                <a:cs typeface="Calibri" panose="020F0502020204030204" pitchFamily="34" charset="0"/>
-              </a:rPr>
-              <a:t>: Significantly below average ( under 95%).</a:t>
-            </a:r>
-            <a:endParaRPr lang="en-US" sz="1300" b="1" dirty="0">
-              <a:latin typeface="Calibri" panose="020F0502020204030204" pitchFamily="34" charset="0"/>
-              <a:ea typeface="Calibri" panose="020F0502020204030204" pitchFamily="34" charset="0"/>
-              <a:cs typeface="Calibri" panose="020F0502020204030204" pitchFamily="34" charset="0"/>
-            </a:endParaRPr>
-          </a:p>
-          <a:p>
-            <a:r>
-              <a:rPr lang="en-US" sz="1300" dirty="0">
-                <a:latin typeface="Calibri" panose="020F0502020204030204" pitchFamily="34" charset="0"/>
-                <a:ea typeface="Calibri" panose="020F0502020204030204" pitchFamily="34" charset="0"/>
-                <a:cs typeface="Calibri" panose="020F0502020204030204" pitchFamily="34" charset="0"/>
-              </a:rPr>
-              <a:t>Most customers fall under </a:t>
-            </a:r>
-            <a:r>
-              <a:rPr lang="en-US" sz="1300" b="1" dirty="0">
-                <a:latin typeface="Calibri" panose="020F0502020204030204" pitchFamily="34" charset="0"/>
-                <a:ea typeface="Calibri" panose="020F0502020204030204" pitchFamily="34" charset="0"/>
-                <a:cs typeface="Calibri" panose="020F0502020204030204" pitchFamily="34" charset="0"/>
-              </a:rPr>
-              <a:t>Medium</a:t>
-            </a:r>
-            <a:r>
-              <a:rPr lang="en-US" sz="1300" dirty="0">
-                <a:latin typeface="Calibri" panose="020F0502020204030204" pitchFamily="34" charset="0"/>
-                <a:ea typeface="Calibri" panose="020F0502020204030204" pitchFamily="34" charset="0"/>
-                <a:cs typeface="Calibri" panose="020F0502020204030204" pitchFamily="34" charset="0"/>
-              </a:rPr>
-              <a:t> and </a:t>
-            </a:r>
-            <a:r>
-              <a:rPr lang="en-US" sz="1300" b="1" dirty="0">
-                <a:latin typeface="Calibri" panose="020F0502020204030204" pitchFamily="34" charset="0"/>
-                <a:ea typeface="Calibri" panose="020F0502020204030204" pitchFamily="34" charset="0"/>
-                <a:cs typeface="Calibri" panose="020F0502020204030204" pitchFamily="34" charset="0"/>
-              </a:rPr>
-              <a:t>Low</a:t>
-            </a:r>
-            <a:r>
-              <a:rPr lang="en-US" sz="1300" dirty="0">
-                <a:latin typeface="Calibri" panose="020F0502020204030204" pitchFamily="34" charset="0"/>
-                <a:ea typeface="Calibri" panose="020F0502020204030204" pitchFamily="34" charset="0"/>
-                <a:cs typeface="Calibri" panose="020F0502020204030204" pitchFamily="34" charset="0"/>
-              </a:rPr>
-              <a:t> segments, while few are </a:t>
-            </a:r>
-            <a:r>
-              <a:rPr lang="en-US" sz="1300" b="1" dirty="0">
-                <a:latin typeface="Calibri" panose="020F0502020204030204" pitchFamily="34" charset="0"/>
-                <a:ea typeface="Calibri" panose="020F0502020204030204" pitchFamily="34" charset="0"/>
-                <a:cs typeface="Calibri" panose="020F0502020204030204" pitchFamily="34" charset="0"/>
-              </a:rPr>
-              <a:t>High spenders</a:t>
-            </a:r>
-            <a:r>
-              <a:rPr lang="en-US" sz="1300" dirty="0">
-                <a:latin typeface="Calibri" panose="020F0502020204030204" pitchFamily="34" charset="0"/>
-                <a:ea typeface="Calibri" panose="020F0502020204030204" pitchFamily="34" charset="0"/>
-                <a:cs typeface="Calibri" panose="020F0502020204030204" pitchFamily="34" charset="0"/>
-              </a:rPr>
-              <a:t>—Contribute a </a:t>
-            </a:r>
-            <a:r>
-              <a:rPr lang="en-US" sz="1300" b="1" dirty="0">
-                <a:latin typeface="Calibri" panose="020F0502020204030204" pitchFamily="34" charset="0"/>
-                <a:ea typeface="Calibri" panose="020F0502020204030204" pitchFamily="34" charset="0"/>
-                <a:cs typeface="Calibri" panose="020F0502020204030204" pitchFamily="34" charset="0"/>
-              </a:rPr>
-              <a:t>significant share of total revenue</a:t>
-            </a:r>
-            <a:r>
-              <a:rPr lang="en-US" sz="1300" dirty="0">
-                <a:latin typeface="Calibri" panose="020F0502020204030204" pitchFamily="34" charset="0"/>
-                <a:ea typeface="Calibri" panose="020F0502020204030204" pitchFamily="34" charset="0"/>
-                <a:cs typeface="Calibri" panose="020F0502020204030204" pitchFamily="34" charset="0"/>
-              </a:rPr>
-              <a:t>, exceeding ₹23,000+ (Customer ID 8 ,3 and 2 with highest ).</a:t>
-            </a:r>
-            <a:endParaRPr lang="en-US" sz="1300" b="1" dirty="0">
-              <a:latin typeface="Calibri" panose="020F0502020204030204" pitchFamily="34" charset="0"/>
-              <a:ea typeface="Calibri" panose="020F0502020204030204" pitchFamily="34" charset="0"/>
-              <a:cs typeface="Calibri" panose="020F0502020204030204" pitchFamily="34" charset="0"/>
-            </a:endParaRPr>
-          </a:p>
-          <a:p>
-            <a:pPr algn="ctr"/>
-            <a:r>
-              <a:rPr lang="en-IN" sz="1300" b="1" u="sng" dirty="0">
-                <a:latin typeface="Calibri" panose="020F0502020204030204" pitchFamily="34" charset="0"/>
-                <a:ea typeface="Calibri" panose="020F0502020204030204" pitchFamily="34" charset="0"/>
-                <a:cs typeface="Calibri" panose="020F0502020204030204" pitchFamily="34" charset="0"/>
-              </a:rPr>
-              <a:t>RECOMMENDATIONS</a:t>
-            </a:r>
-          </a:p>
-          <a:p>
-            <a:r>
-              <a:rPr lang="en-US" sz="1300" dirty="0">
-                <a:latin typeface="Calibri" panose="020F0502020204030204" pitchFamily="34" charset="0"/>
-                <a:ea typeface="Calibri" panose="020F0502020204030204" pitchFamily="34" charset="0"/>
-                <a:cs typeface="Calibri" panose="020F0502020204030204" pitchFamily="34" charset="0"/>
-              </a:rPr>
-              <a:t>Customers with </a:t>
-            </a:r>
-            <a:r>
-              <a:rPr lang="en-US" sz="1300" b="1" dirty="0">
-                <a:latin typeface="Calibri" panose="020F0502020204030204" pitchFamily="34" charset="0"/>
-                <a:ea typeface="Calibri" panose="020F0502020204030204" pitchFamily="34" charset="0"/>
-                <a:cs typeface="Calibri" panose="020F0502020204030204" pitchFamily="34" charset="0"/>
-              </a:rPr>
-              <a:t>high spends</a:t>
-            </a:r>
-            <a:r>
-              <a:rPr lang="en-US" sz="1300" dirty="0">
-                <a:latin typeface="Calibri" panose="020F0502020204030204" pitchFamily="34" charset="0"/>
-                <a:ea typeface="Calibri" panose="020F0502020204030204" pitchFamily="34" charset="0"/>
-                <a:cs typeface="Calibri" panose="020F0502020204030204" pitchFamily="34" charset="0"/>
-              </a:rPr>
-              <a:t>—Retain them through </a:t>
-            </a:r>
-            <a:r>
-              <a:rPr lang="en-US" sz="1300" b="1" dirty="0">
-                <a:latin typeface="Calibri" panose="020F0502020204030204" pitchFamily="34" charset="0"/>
-                <a:ea typeface="Calibri" panose="020F0502020204030204" pitchFamily="34" charset="0"/>
-                <a:cs typeface="Calibri" panose="020F0502020204030204" pitchFamily="34" charset="0"/>
-              </a:rPr>
-              <a:t>loyalty</a:t>
-            </a:r>
-            <a:r>
-              <a:rPr lang="en-US" sz="1300" dirty="0">
-                <a:latin typeface="Calibri" panose="020F0502020204030204" pitchFamily="34" charset="0"/>
-                <a:ea typeface="Calibri" panose="020F0502020204030204" pitchFamily="34" charset="0"/>
-                <a:cs typeface="Calibri" panose="020F0502020204030204" pitchFamily="34" charset="0"/>
-              </a:rPr>
-              <a:t> </a:t>
-            </a:r>
-            <a:r>
-              <a:rPr lang="en-US" sz="1300" b="1" dirty="0">
-                <a:latin typeface="Calibri" panose="020F0502020204030204" pitchFamily="34" charset="0"/>
-                <a:ea typeface="Calibri" panose="020F0502020204030204" pitchFamily="34" charset="0"/>
-                <a:cs typeface="Calibri" panose="020F0502020204030204" pitchFamily="34" charset="0"/>
-              </a:rPr>
-              <a:t>rewards</a:t>
-            </a:r>
-            <a:r>
-              <a:rPr lang="en-US" sz="1300" dirty="0">
-                <a:latin typeface="Calibri" panose="020F0502020204030204" pitchFamily="34" charset="0"/>
-                <a:ea typeface="Calibri" panose="020F0502020204030204" pitchFamily="34" charset="0"/>
-                <a:cs typeface="Calibri" panose="020F0502020204030204" pitchFamily="34" charset="0"/>
-              </a:rPr>
-              <a:t>, </a:t>
-            </a:r>
-            <a:r>
-              <a:rPr lang="en-US" sz="1300" b="1" dirty="0">
-                <a:latin typeface="Calibri" panose="020F0502020204030204" pitchFamily="34" charset="0"/>
-                <a:ea typeface="Calibri" panose="020F0502020204030204" pitchFamily="34" charset="0"/>
-                <a:cs typeface="Calibri" panose="020F0502020204030204" pitchFamily="34" charset="0"/>
-              </a:rPr>
-              <a:t>exclusive offers</a:t>
-            </a:r>
-            <a:r>
-              <a:rPr lang="en-US" sz="1300" dirty="0">
-                <a:latin typeface="Calibri" panose="020F0502020204030204" pitchFamily="34" charset="0"/>
-                <a:ea typeface="Calibri" panose="020F0502020204030204" pitchFamily="34" charset="0"/>
-                <a:cs typeface="Calibri" panose="020F0502020204030204" pitchFamily="34" charset="0"/>
-              </a:rPr>
-              <a:t>, and </a:t>
-            </a:r>
-            <a:r>
-              <a:rPr lang="en-US" sz="1300" b="1" dirty="0">
-                <a:latin typeface="Calibri" panose="020F0502020204030204" pitchFamily="34" charset="0"/>
-                <a:ea typeface="Calibri" panose="020F0502020204030204" pitchFamily="34" charset="0"/>
-                <a:cs typeface="Calibri" panose="020F0502020204030204" pitchFamily="34" charset="0"/>
-              </a:rPr>
-              <a:t>early sale access </a:t>
-            </a:r>
-            <a:r>
-              <a:rPr lang="en-US" sz="1300" dirty="0">
-                <a:latin typeface="Calibri" panose="020F0502020204030204" pitchFamily="34" charset="0"/>
-                <a:ea typeface="Calibri" panose="020F0502020204030204" pitchFamily="34" charset="0"/>
-                <a:cs typeface="Calibri" panose="020F0502020204030204" pitchFamily="34" charset="0"/>
-              </a:rPr>
-              <a:t>to boost long-term engagement.</a:t>
-            </a:r>
-          </a:p>
-          <a:p>
-            <a:r>
-              <a:rPr lang="en-US" sz="1300" b="1" dirty="0">
-                <a:latin typeface="Calibri" panose="020F0502020204030204" pitchFamily="34" charset="0"/>
-                <a:ea typeface="Calibri" panose="020F0502020204030204" pitchFamily="34" charset="0"/>
-                <a:cs typeface="Calibri" panose="020F0502020204030204" pitchFamily="34" charset="0"/>
-              </a:rPr>
-              <a:t>Medium Spenders (</a:t>
-            </a:r>
-            <a:r>
-              <a:rPr lang="en-US" sz="1300" dirty="0">
-                <a:latin typeface="Calibri" panose="020F0502020204030204" pitchFamily="34" charset="0"/>
-                <a:ea typeface="Calibri" panose="020F0502020204030204" pitchFamily="34" charset="0"/>
-                <a:cs typeface="Calibri" panose="020F0502020204030204" pitchFamily="34" charset="0"/>
-              </a:rPr>
-              <a:t>Potential high spenders</a:t>
-            </a:r>
-            <a:r>
-              <a:rPr lang="en-US" sz="1300" b="1" dirty="0">
-                <a:latin typeface="Calibri" panose="020F0502020204030204" pitchFamily="34" charset="0"/>
-                <a:ea typeface="Calibri" panose="020F0502020204030204" pitchFamily="34" charset="0"/>
-                <a:cs typeface="Calibri" panose="020F0502020204030204" pitchFamily="34" charset="0"/>
-              </a:rPr>
-              <a:t>)</a:t>
-            </a:r>
-            <a:r>
-              <a:rPr lang="en-US" sz="1300" dirty="0">
-                <a:latin typeface="Calibri" panose="020F0502020204030204" pitchFamily="34" charset="0"/>
-                <a:ea typeface="Calibri" panose="020F0502020204030204" pitchFamily="34" charset="0"/>
-                <a:cs typeface="Calibri" panose="020F0502020204030204" pitchFamily="34" charset="0"/>
-              </a:rPr>
-              <a:t>. Offer them </a:t>
-            </a:r>
-            <a:r>
-              <a:rPr lang="en-US" sz="1300" b="1" dirty="0">
-                <a:latin typeface="Calibri" panose="020F0502020204030204" pitchFamily="34" charset="0"/>
-                <a:ea typeface="Calibri" panose="020F0502020204030204" pitchFamily="34" charset="0"/>
-                <a:cs typeface="Calibri" panose="020F0502020204030204" pitchFamily="34" charset="0"/>
-              </a:rPr>
-              <a:t>tier-up discounts</a:t>
-            </a:r>
-            <a:r>
-              <a:rPr lang="en-US" sz="1300" dirty="0">
-                <a:latin typeface="Calibri" panose="020F0502020204030204" pitchFamily="34" charset="0"/>
-                <a:ea typeface="Calibri" panose="020F0502020204030204" pitchFamily="34" charset="0"/>
-                <a:cs typeface="Calibri" panose="020F0502020204030204" pitchFamily="34" charset="0"/>
-              </a:rPr>
-              <a:t> or </a:t>
-            </a:r>
-            <a:r>
-              <a:rPr lang="en-US" sz="1300" b="1" dirty="0">
-                <a:latin typeface="Calibri" panose="020F0502020204030204" pitchFamily="34" charset="0"/>
-                <a:ea typeface="Calibri" panose="020F0502020204030204" pitchFamily="34" charset="0"/>
-                <a:cs typeface="Calibri" panose="020F0502020204030204" pitchFamily="34" charset="0"/>
-              </a:rPr>
-              <a:t>cashback on larger orders</a:t>
-            </a:r>
-            <a:r>
-              <a:rPr lang="en-US" sz="1300" dirty="0">
-                <a:latin typeface="Calibri" panose="020F0502020204030204" pitchFamily="34" charset="0"/>
-                <a:ea typeface="Calibri" panose="020F0502020204030204" pitchFamily="34" charset="0"/>
-                <a:cs typeface="Calibri" panose="020F0502020204030204" pitchFamily="34" charset="0"/>
-              </a:rPr>
-              <a:t> to motivate higher purchases.</a:t>
-            </a:r>
-          </a:p>
-          <a:p>
-            <a:r>
-              <a:rPr lang="en-US" sz="1300" dirty="0">
-                <a:latin typeface="Calibri" panose="020F0502020204030204" pitchFamily="34" charset="0"/>
-                <a:ea typeface="Calibri" panose="020F0502020204030204" pitchFamily="34" charset="0"/>
-                <a:cs typeface="Calibri" panose="020F0502020204030204" pitchFamily="34" charset="0"/>
-              </a:rPr>
-              <a:t>For </a:t>
-            </a:r>
-            <a:r>
-              <a:rPr lang="en-US" sz="1300" b="1" dirty="0">
-                <a:latin typeface="Calibri" panose="020F0502020204030204" pitchFamily="34" charset="0"/>
-                <a:ea typeface="Calibri" panose="020F0502020204030204" pitchFamily="34" charset="0"/>
-                <a:cs typeface="Calibri" panose="020F0502020204030204" pitchFamily="34" charset="0"/>
-              </a:rPr>
-              <a:t>Low Spenders </a:t>
-            </a:r>
-            <a:r>
-              <a:rPr lang="en-US" sz="1300" dirty="0">
-                <a:latin typeface="Calibri" panose="020F0502020204030204" pitchFamily="34" charset="0"/>
-                <a:ea typeface="Calibri" panose="020F0502020204030204" pitchFamily="34" charset="0"/>
-                <a:cs typeface="Calibri" panose="020F0502020204030204" pitchFamily="34" charset="0"/>
-              </a:rPr>
-              <a:t>Sending targeted </a:t>
-            </a:r>
-            <a:r>
-              <a:rPr lang="en-US" sz="1300" b="1" dirty="0">
-                <a:latin typeface="Calibri" panose="020F0502020204030204" pitchFamily="34" charset="0"/>
-                <a:ea typeface="Calibri" panose="020F0502020204030204" pitchFamily="34" charset="0"/>
-                <a:cs typeface="Calibri" panose="020F0502020204030204" pitchFamily="34" charset="0"/>
-              </a:rPr>
-              <a:t>engagement emails</a:t>
-            </a:r>
-            <a:r>
-              <a:rPr lang="en-US" sz="1300" dirty="0">
-                <a:latin typeface="Calibri" panose="020F0502020204030204" pitchFamily="34" charset="0"/>
-                <a:ea typeface="Calibri" panose="020F0502020204030204" pitchFamily="34" charset="0"/>
-                <a:cs typeface="Calibri" panose="020F0502020204030204" pitchFamily="34" charset="0"/>
-              </a:rPr>
-              <a:t>, </a:t>
-            </a:r>
-            <a:r>
-              <a:rPr lang="en-US" sz="1300" b="1" dirty="0">
-                <a:latin typeface="Calibri" panose="020F0502020204030204" pitchFamily="34" charset="0"/>
-                <a:ea typeface="Calibri" panose="020F0502020204030204" pitchFamily="34" charset="0"/>
-                <a:cs typeface="Calibri" panose="020F0502020204030204" pitchFamily="34" charset="0"/>
-              </a:rPr>
-              <a:t>reminders</a:t>
-            </a:r>
-            <a:r>
-              <a:rPr lang="en-US" sz="1300" dirty="0">
-                <a:latin typeface="Calibri" panose="020F0502020204030204" pitchFamily="34" charset="0"/>
-                <a:ea typeface="Calibri" panose="020F0502020204030204" pitchFamily="34" charset="0"/>
-                <a:cs typeface="Calibri" panose="020F0502020204030204" pitchFamily="34" charset="0"/>
-              </a:rPr>
-              <a:t>, or </a:t>
-            </a:r>
-            <a:r>
-              <a:rPr lang="en-US" sz="1300" b="1" dirty="0">
-                <a:latin typeface="Calibri" panose="020F0502020204030204" pitchFamily="34" charset="0"/>
-                <a:ea typeface="Calibri" panose="020F0502020204030204" pitchFamily="34" charset="0"/>
-                <a:cs typeface="Calibri" panose="020F0502020204030204" pitchFamily="34" charset="0"/>
-              </a:rPr>
-              <a:t>low-budget bundle deals</a:t>
-            </a:r>
-            <a:r>
-              <a:rPr lang="en-US" sz="1300" dirty="0">
-                <a:latin typeface="Calibri" panose="020F0502020204030204" pitchFamily="34" charset="0"/>
-                <a:ea typeface="Calibri" panose="020F0502020204030204" pitchFamily="34" charset="0"/>
-                <a:cs typeface="Calibri" panose="020F0502020204030204" pitchFamily="34" charset="0"/>
-              </a:rPr>
-              <a:t> to bring them back into the buying cycle</a:t>
-            </a:r>
-          </a:p>
-        </p:txBody>
-      </p:sp>
-      <p:pic>
-        <p:nvPicPr>
-          <p:cNvPr id="18" name="Content Placeholder 17">
-            <a:extLst>
-              <a:ext uri="{FF2B5EF4-FFF2-40B4-BE49-F238E27FC236}">
-                <a16:creationId xmlns:a16="http://schemas.microsoft.com/office/drawing/2014/main" id="{923C5F8D-3AB9-5B06-951B-EC2555D19A94}"/>
+                <a16:creationId xmlns:a16="http://schemas.microsoft.com/office/drawing/2014/main" id="{1434E28E-CD57-ECE1-BF7B-E96A2FF46285}"/>
               </a:ext>
             </a:extLst>
           </p:cNvPr>
           <p:cNvPicPr>
-            <a:picLocks noGrp="1" noChangeAspect="1"/>
+            <a:picLocks noChangeAspect="1"/>
           </p:cNvPicPr>
-          <p:nvPr>
-            <p:ph sz="half" idx="1"/>
-          </p:nvPr>
+          <p:nvPr/>
         </p:nvPicPr>
         <p:blipFill>
           <a:blip r:embed="rId2"/>
@@ -11076,15 +8040,18 @@
         </p:blipFill>
         <p:spPr>
           <a:xfrm>
-            <a:off x="586360" y="1441431"/>
-            <a:ext cx="5144516" cy="4709202"/>
-          </a:xfrm>
+            <a:off x="523097" y="1147313"/>
+            <a:ext cx="11145805" cy="5091954"/>
+          </a:xfrm>
+          <a:prstGeom prst="rect">
+            <a:avLst/>
+          </a:prstGeom>
         </p:spPr>
       </p:pic>
     </p:spTree>
     <p:extLst>
       <p:ext uri="{BB962C8B-B14F-4D97-AF65-F5344CB8AC3E}">
-        <p14:creationId xmlns:p14="http://schemas.microsoft.com/office/powerpoint/2010/main" val="3947622482"/>
+        <p14:creationId xmlns:p14="http://schemas.microsoft.com/office/powerpoint/2010/main" val="3553686887"/>
       </p:ext>
     </p:extLst>
   </p:cSld>
@@ -13058,65 +10025,22 @@
 </a:themeOverride>
 </file>
 
-<file path=ppt/theme/themeOverride2.xml><?xml version="1.0" encoding="utf-8"?>
-<a:themeOverride xmlns:a="http://schemas.openxmlformats.org/drawingml/2006/main">
-  <a:clrScheme name="Custom 46">
-    <a:dk1>
-      <a:sysClr val="windowText" lastClr="000000"/>
-    </a:dk1>
-    <a:lt1>
-      <a:sysClr val="window" lastClr="FFFFFF"/>
-    </a:lt1>
-    <a:dk2>
-      <a:srgbClr val="121316"/>
-    </a:dk2>
-    <a:lt2>
-      <a:srgbClr val="FEFCF7"/>
-    </a:lt2>
-    <a:accent1>
-      <a:srgbClr val="8394A4"/>
-    </a:accent1>
-    <a:accent2>
-      <a:srgbClr val="65739F"/>
-    </a:accent2>
-    <a:accent3>
-      <a:srgbClr val="B2AC8A"/>
-    </a:accent3>
-    <a:accent4>
-      <a:srgbClr val="879BB3"/>
-    </a:accent4>
-    <a:accent5>
-      <a:srgbClr val="D7B579"/>
-    </a:accent5>
-    <a:accent6>
-      <a:srgbClr val="8A9B89"/>
-    </a:accent6>
-    <a:hlink>
-      <a:srgbClr val="85C4D2"/>
-    </a:hlink>
-    <a:folHlink>
-      <a:srgbClr val="8E8CA7"/>
-    </a:folHlink>
-  </a:clrScheme>
-</a:themeOverride>
+<file path=customXml/item1.xml><?xml version="1.0" encoding="utf-8"?>
+<?mso-contentType ?>
+<FormTemplates xmlns="http://schemas.microsoft.com/sharepoint/v3/contenttype/forms">
+  <Display>DocumentLibraryForm</Display>
+  <Edit>DocumentLibraryForm</Edit>
+  <New>DocumentLibraryForm</New>
+</FormTemplates>
 </file>
 
-<file path=customXml/item1.xml><?xml version="1.0" encoding="utf-8"?>
+<file path=customXml/item2.xml><?xml version="1.0" encoding="utf-8"?>
 <p:properties xmlns:p="http://schemas.microsoft.com/office/2006/metadata/properties" xmlns:xsi="http://www.w3.org/2001/XMLSchema-instance" xmlns:pc="http://schemas.microsoft.com/office/infopath/2007/PartnerControls">
   <documentManagement>
     <Status xmlns="71af3243-3dd4-4a8d-8c0d-dd76da1f02a5">Not started</Status>
     <MediaServiceKeyPoints xmlns="71af3243-3dd4-4a8d-8c0d-dd76da1f02a5" xsi:nil="true"/>
   </documentManagement>
 </p:properties>
-</file>
-
-<file path=customXml/item2.xml><?xml version="1.0" encoding="utf-8"?>
-<?mso-contentType ?>
-<FormTemplates xmlns="http://schemas.microsoft.com/sharepoint/v3/contenttype/forms">
-  <Display>DocumentLibraryForm</Display>
-  <Edit>DocumentLibraryForm</Edit>
-  <New>DocumentLibraryForm</New>
-</FormTemplates>
 </file>
 
 <file path=customXml/item3.xml><?xml version="1.0" encoding="utf-8"?>
@@ -13341,19 +10265,19 @@
 </file>
 
 <file path=customXml/itemProps1.xml><?xml version="1.0" encoding="utf-8"?>
+<ds:datastoreItem xmlns:ds="http://schemas.openxmlformats.org/officeDocument/2006/customXml" ds:itemID="{1259D436-C82E-43E0-8A01-53DF9CED6032}">
+  <ds:schemaRefs>
+    <ds:schemaRef ds:uri="http://schemas.microsoft.com/sharepoint/v3/contenttype/forms"/>
+  </ds:schemaRefs>
+</ds:datastoreItem>
+</file>
+
+<file path=customXml/itemProps2.xml><?xml version="1.0" encoding="utf-8"?>
 <ds:datastoreItem xmlns:ds="http://schemas.openxmlformats.org/officeDocument/2006/customXml" ds:itemID="{946BCBFB-BBC7-42F1-95CD-058E172363A0}">
   <ds:schemaRefs>
     <ds:schemaRef ds:uri="http://schemas.microsoft.com/office/2006/metadata/properties"/>
     <ds:schemaRef ds:uri="http://schemas.microsoft.com/office/infopath/2007/PartnerControls"/>
     <ds:schemaRef ds:uri="71af3243-3dd4-4a8d-8c0d-dd76da1f02a5"/>
-  </ds:schemaRefs>
-</ds:datastoreItem>
-</file>
-
-<file path=customXml/itemProps2.xml><?xml version="1.0" encoding="utf-8"?>
-<ds:datastoreItem xmlns:ds="http://schemas.openxmlformats.org/officeDocument/2006/customXml" ds:itemID="{1259D436-C82E-43E0-8A01-53DF9CED6032}">
-  <ds:schemaRefs>
-    <ds:schemaRef ds:uri="http://schemas.microsoft.com/sharepoint/v3/contenttype/forms"/>
   </ds:schemaRefs>
 </ds:datastoreItem>
 </file>
